--- a/Thesis_defense.pptx
+++ b/Thesis_defense.pptx
@@ -7,6 +7,19 @@
   <p:sldIdLst>
     <p:sldId id="256" r:id="rId2"/>
     <p:sldId id="257" r:id="rId3"/>
+    <p:sldId id="267" r:id="rId4"/>
+    <p:sldId id="258" r:id="rId5"/>
+    <p:sldId id="268" r:id="rId6"/>
+    <p:sldId id="269" r:id="rId7"/>
+    <p:sldId id="259" r:id="rId8"/>
+    <p:sldId id="260" r:id="rId9"/>
+    <p:sldId id="261" r:id="rId10"/>
+    <p:sldId id="262" r:id="rId11"/>
+    <p:sldId id="263" r:id="rId12"/>
+    <p:sldId id="265" r:id="rId13"/>
+    <p:sldId id="264" r:id="rId14"/>
+    <p:sldId id="270" r:id="rId15"/>
+    <p:sldId id="266" r:id="rId16"/>
   </p:sldIdLst>
   <p:sldSz cx="12192000" cy="6858000"/>
   <p:notesSz cx="6858000" cy="9144000"/>
@@ -105,6 +118,11 @@
       </a:defRPr>
     </a:lvl9pPr>
   </p:defaultTextStyle>
+  <p:extLst>
+    <p:ext uri="{EFAFB233-063F-42B5-8137-9DF3F51BA10A}">
+      <p15:sldGuideLst xmlns:p15="http://schemas.microsoft.com/office/powerpoint/2012/main"/>
+    </p:ext>
+  </p:extLst>
 </p:presentation>
 </file>
 
@@ -511,7 +529,7 @@
           <a:p>
             <a:fld id="{3209269C-6DA6-4342-AEF9-A4ADD4CE9D71}" type="datetimeFigureOut">
               <a:rPr lang="en-US" smtClean="0"/>
-              <a:t>8/13/2023</a:t>
+              <a:t>9/2/2023</a:t>
             </a:fld>
             <a:endParaRPr lang="en-US"/>
           </a:p>
@@ -690,7 +708,7 @@
           <a:p>
             <a:fld id="{3209269C-6DA6-4342-AEF9-A4ADD4CE9D71}" type="datetimeFigureOut">
               <a:rPr lang="en-US" smtClean="0"/>
-              <a:t>8/13/2023</a:t>
+              <a:t>9/2/2023</a:t>
             </a:fld>
             <a:endParaRPr lang="en-US"/>
           </a:p>
@@ -870,7 +888,7 @@
           <a:p>
             <a:fld id="{3209269C-6DA6-4342-AEF9-A4ADD4CE9D71}" type="datetimeFigureOut">
               <a:rPr lang="en-US" smtClean="0"/>
-              <a:t>8/13/2023</a:t>
+              <a:t>9/2/2023</a:t>
             </a:fld>
             <a:endParaRPr lang="en-US"/>
           </a:p>
@@ -1045,7 +1063,7 @@
           <a:p>
             <a:fld id="{3209269C-6DA6-4342-AEF9-A4ADD4CE9D71}" type="datetimeFigureOut">
               <a:rPr lang="en-US" smtClean="0"/>
-              <a:t>8/13/2023</a:t>
+              <a:t>9/2/2023</a:t>
             </a:fld>
             <a:endParaRPr lang="en-US"/>
           </a:p>
@@ -1215,7 +1233,7 @@
           <a:p>
             <a:fld id="{3209269C-6DA6-4342-AEF9-A4ADD4CE9D71}" type="datetimeFigureOut">
               <a:rPr lang="en-US" smtClean="0"/>
-              <a:t>8/13/2023</a:t>
+              <a:t>9/2/2023</a:t>
             </a:fld>
             <a:endParaRPr lang="en-US"/>
           </a:p>
@@ -1528,7 +1546,7 @@
           <a:p>
             <a:fld id="{3209269C-6DA6-4342-AEF9-A4ADD4CE9D71}" type="datetimeFigureOut">
               <a:rPr lang="en-US" smtClean="0"/>
-              <a:t>8/13/2023</a:t>
+              <a:t>9/2/2023</a:t>
             </a:fld>
             <a:endParaRPr lang="en-US"/>
           </a:p>
@@ -1914,7 +1932,7 @@
           <a:p>
             <a:fld id="{3209269C-6DA6-4342-AEF9-A4ADD4CE9D71}" type="datetimeFigureOut">
               <a:rPr lang="en-US" smtClean="0"/>
-              <a:t>8/13/2023</a:t>
+              <a:t>9/2/2023</a:t>
             </a:fld>
             <a:endParaRPr lang="en-US"/>
           </a:p>
@@ -2348,7 +2366,7 @@
           <a:p>
             <a:fld id="{3209269C-6DA6-4342-AEF9-A4ADD4CE9D71}" type="datetimeFigureOut">
               <a:rPr lang="en-US" smtClean="0"/>
-              <a:t>8/13/2023</a:t>
+              <a:t>9/2/2023</a:t>
             </a:fld>
             <a:endParaRPr lang="en-US"/>
           </a:p>
@@ -2466,7 +2484,7 @@
           <a:p>
             <a:fld id="{3209269C-6DA6-4342-AEF9-A4ADD4CE9D71}" type="datetimeFigureOut">
               <a:rPr lang="en-US" smtClean="0"/>
-              <a:t>8/13/2023</a:t>
+              <a:t>9/2/2023</a:t>
             </a:fld>
             <a:endParaRPr lang="en-US"/>
           </a:p>
@@ -2561,7 +2579,7 @@
           <a:p>
             <a:fld id="{3209269C-6DA6-4342-AEF9-A4ADD4CE9D71}" type="datetimeFigureOut">
               <a:rPr lang="en-US" smtClean="0"/>
-              <a:t>8/13/2023</a:t>
+              <a:t>9/2/2023</a:t>
             </a:fld>
             <a:endParaRPr lang="en-US"/>
           </a:p>
@@ -2911,7 +2929,7 @@
           <a:p>
             <a:fld id="{3209269C-6DA6-4342-AEF9-A4ADD4CE9D71}" type="datetimeFigureOut">
               <a:rPr lang="en-US" smtClean="0"/>
-              <a:t>8/13/2023</a:t>
+              <a:t>9/2/2023</a:t>
             </a:fld>
             <a:endParaRPr lang="en-US"/>
           </a:p>
@@ -3336,7 +3354,7 @@
           <a:p>
             <a:fld id="{3209269C-6DA6-4342-AEF9-A4ADD4CE9D71}" type="datetimeFigureOut">
               <a:rPr lang="en-US" smtClean="0"/>
-              <a:t>8/13/2023</a:t>
+              <a:t>9/2/2023</a:t>
             </a:fld>
             <a:endParaRPr lang="en-US"/>
           </a:p>
@@ -3617,7 +3635,7 @@
           <a:p>
             <a:fld id="{3209269C-6DA6-4342-AEF9-A4ADD4CE9D71}" type="datetimeFigureOut">
               <a:rPr lang="en-US" smtClean="0"/>
-              <a:t>8/13/2023</a:t>
+              <a:t>9/2/2023</a:t>
             </a:fld>
             <a:endParaRPr lang="en-US"/>
           </a:p>
@@ -4372,6 +4390,567 @@
 </p:sld>
 </file>
 
+<file path=ppt/slides/slide10.xml><?xml version="1.0" encoding="utf-8"?>
+<p:sld xmlns:a="http://schemas.openxmlformats.org/drawingml/2006/main" xmlns:r="http://schemas.openxmlformats.org/officeDocument/2006/relationships" xmlns:p="http://schemas.openxmlformats.org/presentationml/2006/main">
+  <p:cSld>
+    <p:spTree>
+      <p:nvGrpSpPr>
+        <p:cNvPr id="1" name=""/>
+        <p:cNvGrpSpPr/>
+        <p:nvPr/>
+      </p:nvGrpSpPr>
+      <p:grpSpPr>
+        <a:xfrm>
+          <a:off x="0" y="0"/>
+          <a:ext cx="0" cy="0"/>
+          <a:chOff x="0" y="0"/>
+          <a:chExt cx="0" cy="0"/>
+        </a:xfrm>
+      </p:grpSpPr>
+      <p:sp>
+        <p:nvSpPr>
+          <p:cNvPr id="2" name="Title 1">
+            <a:extLst>
+              <a:ext uri="{FF2B5EF4-FFF2-40B4-BE49-F238E27FC236}">
+                <a16:creationId xmlns:a16="http://schemas.microsoft.com/office/drawing/2014/main" id="{2E034E34-3CD0-2755-0F75-5FC16A8DDDD3}"/>
+              </a:ext>
+            </a:extLst>
+          </p:cNvPr>
+          <p:cNvSpPr>
+            <a:spLocks noGrp="1"/>
+          </p:cNvSpPr>
+          <p:nvPr>
+            <p:ph type="title"/>
+          </p:nvPr>
+        </p:nvSpPr>
+        <p:spPr>
+          <a:xfrm>
+            <a:off x="1069848" y="484632"/>
+            <a:ext cx="10058400" cy="1026668"/>
+          </a:xfrm>
+        </p:spPr>
+        <p:txBody>
+          <a:bodyPr>
+            <a:normAutofit/>
+          </a:bodyPr>
+          <a:lstStyle/>
+          <a:p>
+            <a:pPr algn="ctr"/>
+            <a:r>
+              <a:rPr lang="en-US" sz="3200" dirty="0"/>
+              <a:t>System model</a:t>
+            </a:r>
+          </a:p>
+        </p:txBody>
+      </p:sp>
+      <p:sp>
+        <p:nvSpPr>
+          <p:cNvPr id="3" name="Content Placeholder 2">
+            <a:extLst>
+              <a:ext uri="{FF2B5EF4-FFF2-40B4-BE49-F238E27FC236}">
+                <a16:creationId xmlns:a16="http://schemas.microsoft.com/office/drawing/2014/main" id="{8957D327-D122-29DB-F3ED-FF5211D79D08}"/>
+              </a:ext>
+            </a:extLst>
+          </p:cNvPr>
+          <p:cNvSpPr>
+            <a:spLocks noGrp="1"/>
+          </p:cNvSpPr>
+          <p:nvPr>
+            <p:ph sz="quarter" idx="13"/>
+          </p:nvPr>
+        </p:nvSpPr>
+        <p:spPr>
+          <a:xfrm>
+            <a:off x="913774" y="1511300"/>
+            <a:ext cx="10363826" cy="4279899"/>
+          </a:xfrm>
+        </p:spPr>
+        <p:txBody>
+          <a:bodyPr/>
+          <a:lstStyle/>
+          <a:p>
+            <a:endParaRPr lang="en-US" dirty="0"/>
+          </a:p>
+        </p:txBody>
+      </p:sp>
+    </p:spTree>
+    <p:extLst>
+      <p:ext uri="{BB962C8B-B14F-4D97-AF65-F5344CB8AC3E}">
+        <p14:creationId xmlns:p14="http://schemas.microsoft.com/office/powerpoint/2010/main" val="969602661"/>
+      </p:ext>
+    </p:extLst>
+  </p:cSld>
+  <p:clrMapOvr>
+    <a:masterClrMapping/>
+  </p:clrMapOvr>
+</p:sld>
+</file>
+
+<file path=ppt/slides/slide11.xml><?xml version="1.0" encoding="utf-8"?>
+<p:sld xmlns:a="http://schemas.openxmlformats.org/drawingml/2006/main" xmlns:r="http://schemas.openxmlformats.org/officeDocument/2006/relationships" xmlns:p="http://schemas.openxmlformats.org/presentationml/2006/main">
+  <p:cSld>
+    <p:spTree>
+      <p:nvGrpSpPr>
+        <p:cNvPr id="1" name=""/>
+        <p:cNvGrpSpPr/>
+        <p:nvPr/>
+      </p:nvGrpSpPr>
+      <p:grpSpPr>
+        <a:xfrm>
+          <a:off x="0" y="0"/>
+          <a:ext cx="0" cy="0"/>
+          <a:chOff x="0" y="0"/>
+          <a:chExt cx="0" cy="0"/>
+        </a:xfrm>
+      </p:grpSpPr>
+      <p:sp>
+        <p:nvSpPr>
+          <p:cNvPr id="2" name="Title 1">
+            <a:extLst>
+              <a:ext uri="{FF2B5EF4-FFF2-40B4-BE49-F238E27FC236}">
+                <a16:creationId xmlns:a16="http://schemas.microsoft.com/office/drawing/2014/main" id="{1A171189-E668-E617-626E-E92137E794BA}"/>
+              </a:ext>
+            </a:extLst>
+          </p:cNvPr>
+          <p:cNvSpPr>
+            <a:spLocks noGrp="1"/>
+          </p:cNvSpPr>
+          <p:nvPr>
+            <p:ph type="title"/>
+          </p:nvPr>
+        </p:nvSpPr>
+        <p:spPr>
+          <a:xfrm>
+            <a:off x="1069848" y="484632"/>
+            <a:ext cx="10058400" cy="874268"/>
+          </a:xfrm>
+        </p:spPr>
+        <p:txBody>
+          <a:bodyPr>
+            <a:normAutofit/>
+          </a:bodyPr>
+          <a:lstStyle/>
+          <a:p>
+            <a:pPr algn="ctr"/>
+            <a:r>
+              <a:rPr lang="en-US" sz="3200" dirty="0"/>
+              <a:t>full node</a:t>
+            </a:r>
+          </a:p>
+        </p:txBody>
+      </p:sp>
+      <p:sp>
+        <p:nvSpPr>
+          <p:cNvPr id="3" name="Content Placeholder 2">
+            <a:extLst>
+              <a:ext uri="{FF2B5EF4-FFF2-40B4-BE49-F238E27FC236}">
+                <a16:creationId xmlns:a16="http://schemas.microsoft.com/office/drawing/2014/main" id="{E7659CCB-1234-D52C-CCC8-3E4A168A35B5}"/>
+              </a:ext>
+            </a:extLst>
+          </p:cNvPr>
+          <p:cNvSpPr>
+            <a:spLocks noGrp="1"/>
+          </p:cNvSpPr>
+          <p:nvPr>
+            <p:ph sz="quarter" idx="13"/>
+          </p:nvPr>
+        </p:nvSpPr>
+        <p:spPr/>
+        <p:txBody>
+          <a:bodyPr/>
+          <a:lstStyle/>
+          <a:p>
+            <a:endParaRPr lang="en-US"/>
+          </a:p>
+        </p:txBody>
+      </p:sp>
+    </p:spTree>
+    <p:extLst>
+      <p:ext uri="{BB962C8B-B14F-4D97-AF65-F5344CB8AC3E}">
+        <p14:creationId xmlns:p14="http://schemas.microsoft.com/office/powerpoint/2010/main" val="2764340191"/>
+      </p:ext>
+    </p:extLst>
+  </p:cSld>
+  <p:clrMapOvr>
+    <a:masterClrMapping/>
+  </p:clrMapOvr>
+</p:sld>
+</file>
+
+<file path=ppt/slides/slide12.xml><?xml version="1.0" encoding="utf-8"?>
+<p:sld xmlns:a="http://schemas.openxmlformats.org/drawingml/2006/main" xmlns:r="http://schemas.openxmlformats.org/officeDocument/2006/relationships" xmlns:p="http://schemas.openxmlformats.org/presentationml/2006/main">
+  <p:cSld>
+    <p:spTree>
+      <p:nvGrpSpPr>
+        <p:cNvPr id="1" name=""/>
+        <p:cNvGrpSpPr/>
+        <p:nvPr/>
+      </p:nvGrpSpPr>
+      <p:grpSpPr>
+        <a:xfrm>
+          <a:off x="0" y="0"/>
+          <a:ext cx="0" cy="0"/>
+          <a:chOff x="0" y="0"/>
+          <a:chExt cx="0" cy="0"/>
+        </a:xfrm>
+      </p:grpSpPr>
+      <p:sp>
+        <p:nvSpPr>
+          <p:cNvPr id="2" name="Title 1">
+            <a:extLst>
+              <a:ext uri="{FF2B5EF4-FFF2-40B4-BE49-F238E27FC236}">
+                <a16:creationId xmlns:a16="http://schemas.microsoft.com/office/drawing/2014/main" id="{AEF33FF1-1157-C9EA-7018-A80A6F68868A}"/>
+              </a:ext>
+            </a:extLst>
+          </p:cNvPr>
+          <p:cNvSpPr>
+            <a:spLocks noGrp="1"/>
+          </p:cNvSpPr>
+          <p:nvPr>
+            <p:ph type="title"/>
+          </p:nvPr>
+        </p:nvSpPr>
+        <p:spPr>
+          <a:xfrm>
+            <a:off x="1069848" y="484632"/>
+            <a:ext cx="10058400" cy="1166368"/>
+          </a:xfrm>
+        </p:spPr>
+        <p:txBody>
+          <a:bodyPr>
+            <a:normAutofit/>
+          </a:bodyPr>
+          <a:lstStyle/>
+          <a:p>
+            <a:pPr algn="ctr"/>
+            <a:r>
+              <a:rPr lang="en-US" sz="3200" dirty="0"/>
+              <a:t>Crawler</a:t>
+            </a:r>
+          </a:p>
+        </p:txBody>
+      </p:sp>
+      <p:sp>
+        <p:nvSpPr>
+          <p:cNvPr id="3" name="Content Placeholder 2">
+            <a:extLst>
+              <a:ext uri="{FF2B5EF4-FFF2-40B4-BE49-F238E27FC236}">
+                <a16:creationId xmlns:a16="http://schemas.microsoft.com/office/drawing/2014/main" id="{1FFC6D89-0509-4629-49E6-79BCB6288823}"/>
+              </a:ext>
+            </a:extLst>
+          </p:cNvPr>
+          <p:cNvSpPr>
+            <a:spLocks noGrp="1"/>
+          </p:cNvSpPr>
+          <p:nvPr>
+            <p:ph sz="quarter" idx="13"/>
+          </p:nvPr>
+        </p:nvSpPr>
+        <p:spPr/>
+        <p:txBody>
+          <a:bodyPr/>
+          <a:lstStyle/>
+          <a:p>
+            <a:endParaRPr lang="en-US"/>
+          </a:p>
+        </p:txBody>
+      </p:sp>
+    </p:spTree>
+    <p:extLst>
+      <p:ext uri="{BB962C8B-B14F-4D97-AF65-F5344CB8AC3E}">
+        <p14:creationId xmlns:p14="http://schemas.microsoft.com/office/powerpoint/2010/main" val="357262069"/>
+      </p:ext>
+    </p:extLst>
+  </p:cSld>
+  <p:clrMapOvr>
+    <a:masterClrMapping/>
+  </p:clrMapOvr>
+</p:sld>
+</file>
+
+<file path=ppt/slides/slide13.xml><?xml version="1.0" encoding="utf-8"?>
+<p:sld xmlns:a="http://schemas.openxmlformats.org/drawingml/2006/main" xmlns:r="http://schemas.openxmlformats.org/officeDocument/2006/relationships" xmlns:p="http://schemas.openxmlformats.org/presentationml/2006/main">
+  <p:cSld>
+    <p:spTree>
+      <p:nvGrpSpPr>
+        <p:cNvPr id="1" name=""/>
+        <p:cNvGrpSpPr/>
+        <p:nvPr/>
+      </p:nvGrpSpPr>
+      <p:grpSpPr>
+        <a:xfrm>
+          <a:off x="0" y="0"/>
+          <a:ext cx="0" cy="0"/>
+          <a:chOff x="0" y="0"/>
+          <a:chExt cx="0" cy="0"/>
+        </a:xfrm>
+      </p:grpSpPr>
+      <p:sp>
+        <p:nvSpPr>
+          <p:cNvPr id="2" name="Title 1">
+            <a:extLst>
+              <a:ext uri="{FF2B5EF4-FFF2-40B4-BE49-F238E27FC236}">
+                <a16:creationId xmlns:a16="http://schemas.microsoft.com/office/drawing/2014/main" id="{45A9CAF0-5996-0FDB-20BB-D310E151DC18}"/>
+              </a:ext>
+            </a:extLst>
+          </p:cNvPr>
+          <p:cNvSpPr>
+            <a:spLocks noGrp="1"/>
+          </p:cNvSpPr>
+          <p:nvPr>
+            <p:ph type="title"/>
+          </p:nvPr>
+        </p:nvSpPr>
+        <p:spPr>
+          <a:xfrm>
+            <a:off x="1069848" y="484632"/>
+            <a:ext cx="10058400" cy="899668"/>
+          </a:xfrm>
+        </p:spPr>
+        <p:txBody>
+          <a:bodyPr>
+            <a:normAutofit/>
+          </a:bodyPr>
+          <a:lstStyle/>
+          <a:p>
+            <a:pPr algn="ctr"/>
+            <a:r>
+              <a:rPr lang="en-US" sz="3200" dirty="0"/>
+              <a:t>neo4j</a:t>
+            </a:r>
+          </a:p>
+        </p:txBody>
+      </p:sp>
+      <p:sp>
+        <p:nvSpPr>
+          <p:cNvPr id="3" name="Content Placeholder 2">
+            <a:extLst>
+              <a:ext uri="{FF2B5EF4-FFF2-40B4-BE49-F238E27FC236}">
+                <a16:creationId xmlns:a16="http://schemas.microsoft.com/office/drawing/2014/main" id="{3140AB65-63FB-953F-BB3C-9F359283B9DF}"/>
+              </a:ext>
+            </a:extLst>
+          </p:cNvPr>
+          <p:cNvSpPr>
+            <a:spLocks noGrp="1"/>
+          </p:cNvSpPr>
+          <p:nvPr>
+            <p:ph sz="quarter" idx="13"/>
+          </p:nvPr>
+        </p:nvSpPr>
+        <p:spPr>
+          <a:xfrm>
+            <a:off x="913774" y="1498600"/>
+            <a:ext cx="10363826" cy="4292599"/>
+          </a:xfrm>
+        </p:spPr>
+        <p:txBody>
+          <a:bodyPr/>
+          <a:lstStyle/>
+          <a:p>
+            <a:endParaRPr lang="en-US" dirty="0"/>
+          </a:p>
+        </p:txBody>
+      </p:sp>
+    </p:spTree>
+    <p:extLst>
+      <p:ext uri="{BB962C8B-B14F-4D97-AF65-F5344CB8AC3E}">
+        <p14:creationId xmlns:p14="http://schemas.microsoft.com/office/powerpoint/2010/main" val="2169977944"/>
+      </p:ext>
+    </p:extLst>
+  </p:cSld>
+  <p:clrMapOvr>
+    <a:masterClrMapping/>
+  </p:clrMapOvr>
+</p:sld>
+</file>
+
+<file path=ppt/slides/slide14.xml><?xml version="1.0" encoding="utf-8"?>
+<p:sld xmlns:a="http://schemas.openxmlformats.org/drawingml/2006/main" xmlns:r="http://schemas.openxmlformats.org/officeDocument/2006/relationships" xmlns:p="http://schemas.openxmlformats.org/presentationml/2006/main">
+  <p:cSld>
+    <p:spTree>
+      <p:nvGrpSpPr>
+        <p:cNvPr id="1" name=""/>
+        <p:cNvGrpSpPr/>
+        <p:nvPr/>
+      </p:nvGrpSpPr>
+      <p:grpSpPr>
+        <a:xfrm>
+          <a:off x="0" y="0"/>
+          <a:ext cx="0" cy="0"/>
+          <a:chOff x="0" y="0"/>
+          <a:chExt cx="0" cy="0"/>
+        </a:xfrm>
+      </p:grpSpPr>
+      <p:sp>
+        <p:nvSpPr>
+          <p:cNvPr id="2" name="Title 1">
+            <a:extLst>
+              <a:ext uri="{FF2B5EF4-FFF2-40B4-BE49-F238E27FC236}">
+                <a16:creationId xmlns:a16="http://schemas.microsoft.com/office/drawing/2014/main" id="{658AB36A-BCE1-D06D-29EA-0F84AA06B4CC}"/>
+              </a:ext>
+            </a:extLst>
+          </p:cNvPr>
+          <p:cNvSpPr>
+            <a:spLocks noGrp="1"/>
+          </p:cNvSpPr>
+          <p:nvPr>
+            <p:ph type="title"/>
+          </p:nvPr>
+        </p:nvSpPr>
+        <p:spPr>
+          <a:xfrm>
+            <a:off x="1069848" y="484632"/>
+            <a:ext cx="10058400" cy="1242568"/>
+          </a:xfrm>
+        </p:spPr>
+        <p:txBody>
+          <a:bodyPr>
+            <a:normAutofit/>
+          </a:bodyPr>
+          <a:lstStyle/>
+          <a:p>
+            <a:pPr algn="ctr"/>
+            <a:r>
+              <a:rPr lang="en-US" sz="3200" dirty="0"/>
+              <a:t>Cypher queries</a:t>
+            </a:r>
+          </a:p>
+        </p:txBody>
+      </p:sp>
+      <p:sp>
+        <p:nvSpPr>
+          <p:cNvPr id="3" name="Content Placeholder 2">
+            <a:extLst>
+              <a:ext uri="{FF2B5EF4-FFF2-40B4-BE49-F238E27FC236}">
+                <a16:creationId xmlns:a16="http://schemas.microsoft.com/office/drawing/2014/main" id="{DDE74E36-B48D-909B-EB36-D35AB043940C}"/>
+              </a:ext>
+            </a:extLst>
+          </p:cNvPr>
+          <p:cNvSpPr>
+            <a:spLocks noGrp="1"/>
+          </p:cNvSpPr>
+          <p:nvPr>
+            <p:ph sz="quarter" idx="13"/>
+          </p:nvPr>
+        </p:nvSpPr>
+        <p:spPr/>
+        <p:txBody>
+          <a:bodyPr/>
+          <a:lstStyle/>
+          <a:p>
+            <a:endParaRPr lang="en-US"/>
+          </a:p>
+        </p:txBody>
+      </p:sp>
+    </p:spTree>
+    <p:extLst>
+      <p:ext uri="{BB962C8B-B14F-4D97-AF65-F5344CB8AC3E}">
+        <p14:creationId xmlns:p14="http://schemas.microsoft.com/office/powerpoint/2010/main" val="3376554392"/>
+      </p:ext>
+    </p:extLst>
+  </p:cSld>
+  <p:clrMapOvr>
+    <a:masterClrMapping/>
+  </p:clrMapOvr>
+</p:sld>
+</file>
+
+<file path=ppt/slides/slide15.xml><?xml version="1.0" encoding="utf-8"?>
+<p:sld xmlns:a="http://schemas.openxmlformats.org/drawingml/2006/main" xmlns:r="http://schemas.openxmlformats.org/officeDocument/2006/relationships" xmlns:p="http://schemas.openxmlformats.org/presentationml/2006/main">
+  <p:cSld>
+    <p:spTree>
+      <p:nvGrpSpPr>
+        <p:cNvPr id="1" name=""/>
+        <p:cNvGrpSpPr/>
+        <p:nvPr/>
+      </p:nvGrpSpPr>
+      <p:grpSpPr>
+        <a:xfrm>
+          <a:off x="0" y="0"/>
+          <a:ext cx="0" cy="0"/>
+          <a:chOff x="0" y="0"/>
+          <a:chExt cx="0" cy="0"/>
+        </a:xfrm>
+      </p:grpSpPr>
+      <p:sp>
+        <p:nvSpPr>
+          <p:cNvPr id="2" name="Title 1">
+            <a:extLst>
+              <a:ext uri="{FF2B5EF4-FFF2-40B4-BE49-F238E27FC236}">
+                <a16:creationId xmlns:a16="http://schemas.microsoft.com/office/drawing/2014/main" id="{A46B84DA-FBC5-E38B-BC20-6A97B4730EAC}"/>
+              </a:ext>
+            </a:extLst>
+          </p:cNvPr>
+          <p:cNvSpPr>
+            <a:spLocks noGrp="1"/>
+          </p:cNvSpPr>
+          <p:nvPr>
+            <p:ph type="title"/>
+          </p:nvPr>
+        </p:nvSpPr>
+        <p:spPr>
+          <a:xfrm>
+            <a:off x="1069848" y="484632"/>
+            <a:ext cx="10058400" cy="1242568"/>
+          </a:xfrm>
+        </p:spPr>
+        <p:txBody>
+          <a:bodyPr>
+            <a:normAutofit/>
+          </a:bodyPr>
+          <a:lstStyle/>
+          <a:p>
+            <a:pPr algn="ctr"/>
+            <a:r>
+              <a:rPr lang="en-US" sz="3200" dirty="0"/>
+              <a:t>References</a:t>
+            </a:r>
+          </a:p>
+        </p:txBody>
+      </p:sp>
+      <p:sp>
+        <p:nvSpPr>
+          <p:cNvPr id="3" name="Content Placeholder 2">
+            <a:extLst>
+              <a:ext uri="{FF2B5EF4-FFF2-40B4-BE49-F238E27FC236}">
+                <a16:creationId xmlns:a16="http://schemas.microsoft.com/office/drawing/2014/main" id="{A7CBB626-556D-78B3-F626-774BDF992CF6}"/>
+              </a:ext>
+            </a:extLst>
+          </p:cNvPr>
+          <p:cNvSpPr>
+            <a:spLocks noGrp="1"/>
+          </p:cNvSpPr>
+          <p:nvPr>
+            <p:ph sz="quarter" idx="13"/>
+          </p:nvPr>
+        </p:nvSpPr>
+        <p:spPr>
+          <a:xfrm>
+            <a:off x="913774" y="1727200"/>
+            <a:ext cx="10363826" cy="4063999"/>
+          </a:xfrm>
+        </p:spPr>
+        <p:txBody>
+          <a:bodyPr/>
+          <a:lstStyle/>
+          <a:p>
+            <a:endParaRPr lang="en-US" dirty="0"/>
+          </a:p>
+        </p:txBody>
+      </p:sp>
+    </p:spTree>
+    <p:extLst>
+      <p:ext uri="{BB962C8B-B14F-4D97-AF65-F5344CB8AC3E}">
+        <p14:creationId xmlns:p14="http://schemas.microsoft.com/office/powerpoint/2010/main" val="3303618452"/>
+      </p:ext>
+    </p:extLst>
+  </p:cSld>
+  <p:clrMapOvr>
+    <a:masterClrMapping/>
+  </p:clrMapOvr>
+</p:sld>
+</file>
+
 <file path=ppt/slides/slide2.xml><?xml version="1.0" encoding="utf-8"?>
 <p:sld xmlns:a="http://schemas.openxmlformats.org/drawingml/2006/main" xmlns:r="http://schemas.openxmlformats.org/officeDocument/2006/relationships" xmlns:p="http://schemas.openxmlformats.org/presentationml/2006/main">
   <p:cSld>
@@ -4405,12 +4984,24 @@
             <p:ph type="title"/>
           </p:nvPr>
         </p:nvSpPr>
-        <p:spPr/>
-        <p:txBody>
-          <a:bodyPr/>
-          <a:lstStyle/>
-          <a:p>
-            <a:endParaRPr lang="en-US"/>
+        <p:spPr>
+          <a:xfrm>
+            <a:off x="1069848" y="484632"/>
+            <a:ext cx="10207752" cy="886968"/>
+          </a:xfrm>
+        </p:spPr>
+        <p:txBody>
+          <a:bodyPr>
+            <a:normAutofit/>
+          </a:bodyPr>
+          <a:lstStyle/>
+          <a:p>
+            <a:pPr algn="ctr"/>
+            <a:r>
+              <a:rPr lang="en-US" sz="3200" dirty="0" err="1"/>
+              <a:t>blochchain</a:t>
+            </a:r>
+            <a:endParaRPr lang="en-US" sz="3200" dirty="0"/>
           </a:p>
         </p:txBody>
       </p:sp>
@@ -4430,12 +5021,17 @@
             <p:ph sz="quarter" idx="13"/>
           </p:nvPr>
         </p:nvSpPr>
-        <p:spPr/>
-        <p:txBody>
-          <a:bodyPr/>
-          <a:lstStyle/>
-          <a:p>
-            <a:endParaRPr lang="en-US"/>
+        <p:spPr>
+          <a:xfrm>
+            <a:off x="913774" y="1498600"/>
+            <a:ext cx="10363826" cy="4292599"/>
+          </a:xfrm>
+        </p:spPr>
+        <p:txBody>
+          <a:bodyPr/>
+          <a:lstStyle/>
+          <a:p>
+            <a:endParaRPr lang="en-US" dirty="0"/>
           </a:p>
         </p:txBody>
       </p:sp>
@@ -4443,6 +5039,663 @@
     <p:extLst>
       <p:ext uri="{BB962C8B-B14F-4D97-AF65-F5344CB8AC3E}">
         <p14:creationId xmlns:p14="http://schemas.microsoft.com/office/powerpoint/2010/main" val="636164389"/>
+      </p:ext>
+    </p:extLst>
+  </p:cSld>
+  <p:clrMapOvr>
+    <a:masterClrMapping/>
+  </p:clrMapOvr>
+</p:sld>
+</file>
+
+<file path=ppt/slides/slide3.xml><?xml version="1.0" encoding="utf-8"?>
+<p:sld xmlns:a="http://schemas.openxmlformats.org/drawingml/2006/main" xmlns:r="http://schemas.openxmlformats.org/officeDocument/2006/relationships" xmlns:p="http://schemas.openxmlformats.org/presentationml/2006/main">
+  <p:cSld>
+    <p:spTree>
+      <p:nvGrpSpPr>
+        <p:cNvPr id="1" name=""/>
+        <p:cNvGrpSpPr/>
+        <p:nvPr/>
+      </p:nvGrpSpPr>
+      <p:grpSpPr>
+        <a:xfrm>
+          <a:off x="0" y="0"/>
+          <a:ext cx="0" cy="0"/>
+          <a:chOff x="0" y="0"/>
+          <a:chExt cx="0" cy="0"/>
+        </a:xfrm>
+      </p:grpSpPr>
+      <p:sp>
+        <p:nvSpPr>
+          <p:cNvPr id="2" name="Title 1">
+            <a:extLst>
+              <a:ext uri="{FF2B5EF4-FFF2-40B4-BE49-F238E27FC236}">
+                <a16:creationId xmlns:a16="http://schemas.microsoft.com/office/drawing/2014/main" id="{CC664C5E-570B-A26F-930C-C09193750465}"/>
+              </a:ext>
+            </a:extLst>
+          </p:cNvPr>
+          <p:cNvSpPr>
+            <a:spLocks noGrp="1"/>
+          </p:cNvSpPr>
+          <p:nvPr>
+            <p:ph type="title"/>
+          </p:nvPr>
+        </p:nvSpPr>
+        <p:spPr>
+          <a:xfrm>
+            <a:off x="1069848" y="484632"/>
+            <a:ext cx="10058400" cy="1077468"/>
+          </a:xfrm>
+        </p:spPr>
+        <p:txBody>
+          <a:bodyPr>
+            <a:normAutofit/>
+          </a:bodyPr>
+          <a:lstStyle/>
+          <a:p>
+            <a:pPr algn="ctr"/>
+            <a:r>
+              <a:rPr lang="en-US" sz="3200" dirty="0"/>
+              <a:t>Anonymous users</a:t>
+            </a:r>
+          </a:p>
+        </p:txBody>
+      </p:sp>
+      <p:sp>
+        <p:nvSpPr>
+          <p:cNvPr id="3" name="Content Placeholder 2">
+            <a:extLst>
+              <a:ext uri="{FF2B5EF4-FFF2-40B4-BE49-F238E27FC236}">
+                <a16:creationId xmlns:a16="http://schemas.microsoft.com/office/drawing/2014/main" id="{4F7D90EB-82C5-A3EC-D4BF-B69A324F7B87}"/>
+              </a:ext>
+            </a:extLst>
+          </p:cNvPr>
+          <p:cNvSpPr>
+            <a:spLocks noGrp="1"/>
+          </p:cNvSpPr>
+          <p:nvPr>
+            <p:ph sz="quarter" idx="13"/>
+          </p:nvPr>
+        </p:nvSpPr>
+        <p:spPr/>
+        <p:txBody>
+          <a:bodyPr/>
+          <a:lstStyle/>
+          <a:p>
+            <a:endParaRPr lang="en-US"/>
+          </a:p>
+        </p:txBody>
+      </p:sp>
+    </p:spTree>
+    <p:extLst>
+      <p:ext uri="{BB962C8B-B14F-4D97-AF65-F5344CB8AC3E}">
+        <p14:creationId xmlns:p14="http://schemas.microsoft.com/office/powerpoint/2010/main" val="1214090925"/>
+      </p:ext>
+    </p:extLst>
+  </p:cSld>
+  <p:clrMapOvr>
+    <a:masterClrMapping/>
+  </p:clrMapOvr>
+</p:sld>
+</file>
+
+<file path=ppt/slides/slide4.xml><?xml version="1.0" encoding="utf-8"?>
+<p:sld xmlns:a="http://schemas.openxmlformats.org/drawingml/2006/main" xmlns:r="http://schemas.openxmlformats.org/officeDocument/2006/relationships" xmlns:p="http://schemas.openxmlformats.org/presentationml/2006/main">
+  <p:cSld>
+    <p:spTree>
+      <p:nvGrpSpPr>
+        <p:cNvPr id="1" name=""/>
+        <p:cNvGrpSpPr/>
+        <p:nvPr/>
+      </p:nvGrpSpPr>
+      <p:grpSpPr>
+        <a:xfrm>
+          <a:off x="0" y="0"/>
+          <a:ext cx="0" cy="0"/>
+          <a:chOff x="0" y="0"/>
+          <a:chExt cx="0" cy="0"/>
+        </a:xfrm>
+      </p:grpSpPr>
+      <p:sp>
+        <p:nvSpPr>
+          <p:cNvPr id="2" name="Title 1">
+            <a:extLst>
+              <a:ext uri="{FF2B5EF4-FFF2-40B4-BE49-F238E27FC236}">
+                <a16:creationId xmlns:a16="http://schemas.microsoft.com/office/drawing/2014/main" id="{57E3CAEF-5B1F-948D-AEEE-AAFA91FE174C}"/>
+              </a:ext>
+            </a:extLst>
+          </p:cNvPr>
+          <p:cNvSpPr>
+            <a:spLocks noGrp="1"/>
+          </p:cNvSpPr>
+          <p:nvPr>
+            <p:ph type="title"/>
+          </p:nvPr>
+        </p:nvSpPr>
+        <p:spPr>
+          <a:xfrm>
+            <a:off x="1069848" y="484632"/>
+            <a:ext cx="10058400" cy="721868"/>
+          </a:xfrm>
+        </p:spPr>
+        <p:txBody>
+          <a:bodyPr>
+            <a:normAutofit/>
+          </a:bodyPr>
+          <a:lstStyle/>
+          <a:p>
+            <a:pPr algn="ctr"/>
+            <a:r>
+              <a:rPr lang="en-US" sz="3200" dirty="0"/>
+              <a:t>Stellar blockchain</a:t>
+            </a:r>
+          </a:p>
+        </p:txBody>
+      </p:sp>
+      <p:sp>
+        <p:nvSpPr>
+          <p:cNvPr id="3" name="Content Placeholder 2">
+            <a:extLst>
+              <a:ext uri="{FF2B5EF4-FFF2-40B4-BE49-F238E27FC236}">
+                <a16:creationId xmlns:a16="http://schemas.microsoft.com/office/drawing/2014/main" id="{18009C18-8E33-45ED-D083-5DE6D6DA7539}"/>
+              </a:ext>
+            </a:extLst>
+          </p:cNvPr>
+          <p:cNvSpPr>
+            <a:spLocks noGrp="1"/>
+          </p:cNvSpPr>
+          <p:nvPr>
+            <p:ph sz="quarter" idx="13"/>
+          </p:nvPr>
+        </p:nvSpPr>
+        <p:spPr>
+          <a:xfrm>
+            <a:off x="913774" y="1358900"/>
+            <a:ext cx="10363826" cy="4432299"/>
+          </a:xfrm>
+        </p:spPr>
+        <p:txBody>
+          <a:bodyPr/>
+          <a:lstStyle/>
+          <a:p>
+            <a:endParaRPr lang="en-US" dirty="0"/>
+          </a:p>
+        </p:txBody>
+      </p:sp>
+    </p:spTree>
+    <p:extLst>
+      <p:ext uri="{BB962C8B-B14F-4D97-AF65-F5344CB8AC3E}">
+        <p14:creationId xmlns:p14="http://schemas.microsoft.com/office/powerpoint/2010/main" val="2880059782"/>
+      </p:ext>
+    </p:extLst>
+  </p:cSld>
+  <p:clrMapOvr>
+    <a:masterClrMapping/>
+  </p:clrMapOvr>
+</p:sld>
+</file>
+
+<file path=ppt/slides/slide5.xml><?xml version="1.0" encoding="utf-8"?>
+<p:sld xmlns:a="http://schemas.openxmlformats.org/drawingml/2006/main" xmlns:r="http://schemas.openxmlformats.org/officeDocument/2006/relationships" xmlns:p="http://schemas.openxmlformats.org/presentationml/2006/main">
+  <p:cSld>
+    <p:spTree>
+      <p:nvGrpSpPr>
+        <p:cNvPr id="1" name=""/>
+        <p:cNvGrpSpPr/>
+        <p:nvPr/>
+      </p:nvGrpSpPr>
+      <p:grpSpPr>
+        <a:xfrm>
+          <a:off x="0" y="0"/>
+          <a:ext cx="0" cy="0"/>
+          <a:chOff x="0" y="0"/>
+          <a:chExt cx="0" cy="0"/>
+        </a:xfrm>
+      </p:grpSpPr>
+      <p:sp>
+        <p:nvSpPr>
+          <p:cNvPr id="2" name="Title 1">
+            <a:extLst>
+              <a:ext uri="{FF2B5EF4-FFF2-40B4-BE49-F238E27FC236}">
+                <a16:creationId xmlns:a16="http://schemas.microsoft.com/office/drawing/2014/main" id="{7ADCBF5B-1DE7-1326-EC3D-B30152466D15}"/>
+              </a:ext>
+            </a:extLst>
+          </p:cNvPr>
+          <p:cNvSpPr>
+            <a:spLocks noGrp="1"/>
+          </p:cNvSpPr>
+          <p:nvPr>
+            <p:ph type="title"/>
+          </p:nvPr>
+        </p:nvSpPr>
+        <p:spPr>
+          <a:xfrm>
+            <a:off x="1069848" y="484632"/>
+            <a:ext cx="10058400" cy="1267968"/>
+          </a:xfrm>
+        </p:spPr>
+        <p:txBody>
+          <a:bodyPr>
+            <a:normAutofit/>
+          </a:bodyPr>
+          <a:lstStyle/>
+          <a:p>
+            <a:pPr algn="ctr"/>
+            <a:r>
+              <a:rPr lang="en-US" sz="3200" dirty="0"/>
+              <a:t>User relations in the Stellar blockchain</a:t>
+            </a:r>
+          </a:p>
+        </p:txBody>
+      </p:sp>
+      <p:sp>
+        <p:nvSpPr>
+          <p:cNvPr id="3" name="Content Placeholder 2">
+            <a:extLst>
+              <a:ext uri="{FF2B5EF4-FFF2-40B4-BE49-F238E27FC236}">
+                <a16:creationId xmlns:a16="http://schemas.microsoft.com/office/drawing/2014/main" id="{A0D97959-5188-10CA-47D7-44A6B36201FA}"/>
+              </a:ext>
+            </a:extLst>
+          </p:cNvPr>
+          <p:cNvSpPr>
+            <a:spLocks noGrp="1"/>
+          </p:cNvSpPr>
+          <p:nvPr>
+            <p:ph sz="quarter" idx="13"/>
+          </p:nvPr>
+        </p:nvSpPr>
+        <p:spPr/>
+        <p:txBody>
+          <a:bodyPr/>
+          <a:lstStyle/>
+          <a:p>
+            <a:endParaRPr lang="en-US"/>
+          </a:p>
+        </p:txBody>
+      </p:sp>
+    </p:spTree>
+    <p:extLst>
+      <p:ext uri="{BB962C8B-B14F-4D97-AF65-F5344CB8AC3E}">
+        <p14:creationId xmlns:p14="http://schemas.microsoft.com/office/powerpoint/2010/main" val="3408116621"/>
+      </p:ext>
+    </p:extLst>
+  </p:cSld>
+  <p:clrMapOvr>
+    <a:masterClrMapping/>
+  </p:clrMapOvr>
+</p:sld>
+</file>
+
+<file path=ppt/slides/slide6.xml><?xml version="1.0" encoding="utf-8"?>
+<p:sld xmlns:a="http://schemas.openxmlformats.org/drawingml/2006/main" xmlns:r="http://schemas.openxmlformats.org/officeDocument/2006/relationships" xmlns:p="http://schemas.openxmlformats.org/presentationml/2006/main">
+  <p:cSld>
+    <p:spTree>
+      <p:nvGrpSpPr>
+        <p:cNvPr id="1" name=""/>
+        <p:cNvGrpSpPr/>
+        <p:nvPr/>
+      </p:nvGrpSpPr>
+      <p:grpSpPr>
+        <a:xfrm>
+          <a:off x="0" y="0"/>
+          <a:ext cx="0" cy="0"/>
+          <a:chOff x="0" y="0"/>
+          <a:chExt cx="0" cy="0"/>
+        </a:xfrm>
+      </p:grpSpPr>
+      <p:sp>
+        <p:nvSpPr>
+          <p:cNvPr id="2" name="Title 1">
+            <a:extLst>
+              <a:ext uri="{FF2B5EF4-FFF2-40B4-BE49-F238E27FC236}">
+                <a16:creationId xmlns:a16="http://schemas.microsoft.com/office/drawing/2014/main" id="{E9350FF3-E40D-F9CB-D55F-9AF5AB77B232}"/>
+              </a:ext>
+            </a:extLst>
+          </p:cNvPr>
+          <p:cNvSpPr>
+            <a:spLocks noGrp="1"/>
+          </p:cNvSpPr>
+          <p:nvPr>
+            <p:ph type="title"/>
+          </p:nvPr>
+        </p:nvSpPr>
+        <p:spPr>
+          <a:xfrm>
+            <a:off x="1069848" y="484632"/>
+            <a:ext cx="10058400" cy="1140968"/>
+          </a:xfrm>
+        </p:spPr>
+        <p:txBody>
+          <a:bodyPr>
+            <a:normAutofit/>
+          </a:bodyPr>
+          <a:lstStyle/>
+          <a:p>
+            <a:pPr algn="ctr"/>
+            <a:r>
+              <a:rPr lang="en-US" sz="3200" dirty="0"/>
+              <a:t>Relationships with high importance</a:t>
+            </a:r>
+          </a:p>
+        </p:txBody>
+      </p:sp>
+      <p:sp>
+        <p:nvSpPr>
+          <p:cNvPr id="3" name="Content Placeholder 2">
+            <a:extLst>
+              <a:ext uri="{FF2B5EF4-FFF2-40B4-BE49-F238E27FC236}">
+                <a16:creationId xmlns:a16="http://schemas.microsoft.com/office/drawing/2014/main" id="{5ACE5F39-990A-A23C-E8BF-D7E89CDA6C2F}"/>
+              </a:ext>
+            </a:extLst>
+          </p:cNvPr>
+          <p:cNvSpPr>
+            <a:spLocks noGrp="1"/>
+          </p:cNvSpPr>
+          <p:nvPr>
+            <p:ph sz="quarter" idx="13"/>
+          </p:nvPr>
+        </p:nvSpPr>
+        <p:spPr/>
+        <p:txBody>
+          <a:bodyPr/>
+          <a:lstStyle/>
+          <a:p>
+            <a:endParaRPr lang="en-US"/>
+          </a:p>
+        </p:txBody>
+      </p:sp>
+    </p:spTree>
+    <p:extLst>
+      <p:ext uri="{BB962C8B-B14F-4D97-AF65-F5344CB8AC3E}">
+        <p14:creationId xmlns:p14="http://schemas.microsoft.com/office/powerpoint/2010/main" val="105143781"/>
+      </p:ext>
+    </p:extLst>
+  </p:cSld>
+  <p:clrMapOvr>
+    <a:masterClrMapping/>
+  </p:clrMapOvr>
+</p:sld>
+</file>
+
+<file path=ppt/slides/slide7.xml><?xml version="1.0" encoding="utf-8"?>
+<p:sld xmlns:a="http://schemas.openxmlformats.org/drawingml/2006/main" xmlns:r="http://schemas.openxmlformats.org/officeDocument/2006/relationships" xmlns:p="http://schemas.openxmlformats.org/presentationml/2006/main">
+  <p:cSld>
+    <p:spTree>
+      <p:nvGrpSpPr>
+        <p:cNvPr id="1" name=""/>
+        <p:cNvGrpSpPr/>
+        <p:nvPr/>
+      </p:nvGrpSpPr>
+      <p:grpSpPr>
+        <a:xfrm>
+          <a:off x="0" y="0"/>
+          <a:ext cx="0" cy="0"/>
+          <a:chOff x="0" y="0"/>
+          <a:chExt cx="0" cy="0"/>
+        </a:xfrm>
+      </p:grpSpPr>
+      <p:sp>
+        <p:nvSpPr>
+          <p:cNvPr id="2" name="Title 1">
+            <a:extLst>
+              <a:ext uri="{FF2B5EF4-FFF2-40B4-BE49-F238E27FC236}">
+                <a16:creationId xmlns:a16="http://schemas.microsoft.com/office/drawing/2014/main" id="{A4377136-CC48-1882-C359-F99650E32361}"/>
+              </a:ext>
+            </a:extLst>
+          </p:cNvPr>
+          <p:cNvSpPr>
+            <a:spLocks noGrp="1"/>
+          </p:cNvSpPr>
+          <p:nvPr>
+            <p:ph type="title"/>
+          </p:nvPr>
+        </p:nvSpPr>
+        <p:spPr>
+          <a:xfrm>
+            <a:off x="1069848" y="484632"/>
+            <a:ext cx="10058400" cy="772668"/>
+          </a:xfrm>
+        </p:spPr>
+        <p:txBody>
+          <a:bodyPr>
+            <a:normAutofit/>
+          </a:bodyPr>
+          <a:lstStyle/>
+          <a:p>
+            <a:pPr algn="ctr"/>
+            <a:r>
+              <a:rPr lang="en-US" sz="3200" dirty="0"/>
+              <a:t>address graph</a:t>
+            </a:r>
+          </a:p>
+        </p:txBody>
+      </p:sp>
+      <p:sp>
+        <p:nvSpPr>
+          <p:cNvPr id="3" name="Content Placeholder 2">
+            <a:extLst>
+              <a:ext uri="{FF2B5EF4-FFF2-40B4-BE49-F238E27FC236}">
+                <a16:creationId xmlns:a16="http://schemas.microsoft.com/office/drawing/2014/main" id="{27B126EC-8619-7F53-C34E-405ECBAEADED}"/>
+              </a:ext>
+            </a:extLst>
+          </p:cNvPr>
+          <p:cNvSpPr>
+            <a:spLocks noGrp="1"/>
+          </p:cNvSpPr>
+          <p:nvPr>
+            <p:ph sz="quarter" idx="13"/>
+          </p:nvPr>
+        </p:nvSpPr>
+        <p:spPr>
+          <a:xfrm>
+            <a:off x="913774" y="1346200"/>
+            <a:ext cx="10363826" cy="4444999"/>
+          </a:xfrm>
+        </p:spPr>
+        <p:txBody>
+          <a:bodyPr/>
+          <a:lstStyle/>
+          <a:p>
+            <a:endParaRPr lang="en-US" dirty="0"/>
+          </a:p>
+        </p:txBody>
+      </p:sp>
+    </p:spTree>
+    <p:extLst>
+      <p:ext uri="{BB962C8B-B14F-4D97-AF65-F5344CB8AC3E}">
+        <p14:creationId xmlns:p14="http://schemas.microsoft.com/office/powerpoint/2010/main" val="3671003626"/>
+      </p:ext>
+    </p:extLst>
+  </p:cSld>
+  <p:clrMapOvr>
+    <a:masterClrMapping/>
+  </p:clrMapOvr>
+</p:sld>
+</file>
+
+<file path=ppt/slides/slide8.xml><?xml version="1.0" encoding="utf-8"?>
+<p:sld xmlns:a="http://schemas.openxmlformats.org/drawingml/2006/main" xmlns:r="http://schemas.openxmlformats.org/officeDocument/2006/relationships" xmlns:p="http://schemas.openxmlformats.org/presentationml/2006/main">
+  <p:cSld>
+    <p:spTree>
+      <p:nvGrpSpPr>
+        <p:cNvPr id="1" name=""/>
+        <p:cNvGrpSpPr/>
+        <p:nvPr/>
+      </p:nvGrpSpPr>
+      <p:grpSpPr>
+        <a:xfrm>
+          <a:off x="0" y="0"/>
+          <a:ext cx="0" cy="0"/>
+          <a:chOff x="0" y="0"/>
+          <a:chExt cx="0" cy="0"/>
+        </a:xfrm>
+      </p:grpSpPr>
+      <p:sp>
+        <p:nvSpPr>
+          <p:cNvPr id="2" name="Title 1">
+            <a:extLst>
+              <a:ext uri="{FF2B5EF4-FFF2-40B4-BE49-F238E27FC236}">
+                <a16:creationId xmlns:a16="http://schemas.microsoft.com/office/drawing/2014/main" id="{0505C632-3B7C-E8C7-2122-60A4BC2ACCDF}"/>
+              </a:ext>
+            </a:extLst>
+          </p:cNvPr>
+          <p:cNvSpPr>
+            <a:spLocks noGrp="1"/>
+          </p:cNvSpPr>
+          <p:nvPr>
+            <p:ph type="title"/>
+          </p:nvPr>
+        </p:nvSpPr>
+        <p:spPr>
+          <a:xfrm>
+            <a:off x="1069848" y="484632"/>
+            <a:ext cx="10058400" cy="1026668"/>
+          </a:xfrm>
+        </p:spPr>
+        <p:txBody>
+          <a:bodyPr>
+            <a:normAutofit/>
+          </a:bodyPr>
+          <a:lstStyle/>
+          <a:p>
+            <a:pPr algn="ctr"/>
+            <a:r>
+              <a:rPr lang="en-US" sz="3200" dirty="0"/>
+              <a:t>Node and relationship</a:t>
+            </a:r>
+          </a:p>
+        </p:txBody>
+      </p:sp>
+      <p:sp>
+        <p:nvSpPr>
+          <p:cNvPr id="3" name="Content Placeholder 2">
+            <a:extLst>
+              <a:ext uri="{FF2B5EF4-FFF2-40B4-BE49-F238E27FC236}">
+                <a16:creationId xmlns:a16="http://schemas.microsoft.com/office/drawing/2014/main" id="{143545F6-6204-6E4B-2F40-C349A0903E34}"/>
+              </a:ext>
+            </a:extLst>
+          </p:cNvPr>
+          <p:cNvSpPr>
+            <a:spLocks noGrp="1"/>
+          </p:cNvSpPr>
+          <p:nvPr>
+            <p:ph sz="quarter" idx="13"/>
+          </p:nvPr>
+        </p:nvSpPr>
+        <p:spPr>
+          <a:xfrm>
+            <a:off x="913774" y="1790700"/>
+            <a:ext cx="10363826" cy="4000499"/>
+          </a:xfrm>
+        </p:spPr>
+        <p:txBody>
+          <a:bodyPr/>
+          <a:lstStyle/>
+          <a:p>
+            <a:endParaRPr lang="en-US" dirty="0"/>
+          </a:p>
+        </p:txBody>
+      </p:sp>
+    </p:spTree>
+    <p:extLst>
+      <p:ext uri="{BB962C8B-B14F-4D97-AF65-F5344CB8AC3E}">
+        <p14:creationId xmlns:p14="http://schemas.microsoft.com/office/powerpoint/2010/main" val="2632894986"/>
+      </p:ext>
+    </p:extLst>
+  </p:cSld>
+  <p:clrMapOvr>
+    <a:masterClrMapping/>
+  </p:clrMapOvr>
+</p:sld>
+</file>
+
+<file path=ppt/slides/slide9.xml><?xml version="1.0" encoding="utf-8"?>
+<p:sld xmlns:a="http://schemas.openxmlformats.org/drawingml/2006/main" xmlns:r="http://schemas.openxmlformats.org/officeDocument/2006/relationships" xmlns:p="http://schemas.openxmlformats.org/presentationml/2006/main">
+  <p:cSld>
+    <p:spTree>
+      <p:nvGrpSpPr>
+        <p:cNvPr id="1" name=""/>
+        <p:cNvGrpSpPr/>
+        <p:nvPr/>
+      </p:nvGrpSpPr>
+      <p:grpSpPr>
+        <a:xfrm>
+          <a:off x="0" y="0"/>
+          <a:ext cx="0" cy="0"/>
+          <a:chOff x="0" y="0"/>
+          <a:chExt cx="0" cy="0"/>
+        </a:xfrm>
+      </p:grpSpPr>
+      <p:sp>
+        <p:nvSpPr>
+          <p:cNvPr id="2" name="Title 1">
+            <a:extLst>
+              <a:ext uri="{FF2B5EF4-FFF2-40B4-BE49-F238E27FC236}">
+                <a16:creationId xmlns:a16="http://schemas.microsoft.com/office/drawing/2014/main" id="{D737C7E2-9FD6-1BA0-4A3E-0F3E296CF653}"/>
+              </a:ext>
+            </a:extLst>
+          </p:cNvPr>
+          <p:cNvSpPr>
+            <a:spLocks noGrp="1"/>
+          </p:cNvSpPr>
+          <p:nvPr>
+            <p:ph type="title"/>
+          </p:nvPr>
+        </p:nvSpPr>
+        <p:spPr>
+          <a:xfrm>
+            <a:off x="1069848" y="484632"/>
+            <a:ext cx="10058400" cy="886968"/>
+          </a:xfrm>
+        </p:spPr>
+        <p:txBody>
+          <a:bodyPr>
+            <a:normAutofit/>
+          </a:bodyPr>
+          <a:lstStyle/>
+          <a:p>
+            <a:pPr algn="ctr"/>
+            <a:r>
+              <a:rPr lang="en-US" sz="3200" dirty="0"/>
+              <a:t>Graph model</a:t>
+            </a:r>
+          </a:p>
+        </p:txBody>
+      </p:sp>
+      <p:sp>
+        <p:nvSpPr>
+          <p:cNvPr id="3" name="Content Placeholder 2">
+            <a:extLst>
+              <a:ext uri="{FF2B5EF4-FFF2-40B4-BE49-F238E27FC236}">
+                <a16:creationId xmlns:a16="http://schemas.microsoft.com/office/drawing/2014/main" id="{7E5F90EC-2642-9516-5223-3B684877EC20}"/>
+              </a:ext>
+            </a:extLst>
+          </p:cNvPr>
+          <p:cNvSpPr>
+            <a:spLocks noGrp="1"/>
+          </p:cNvSpPr>
+          <p:nvPr>
+            <p:ph sz="quarter" idx="13"/>
+          </p:nvPr>
+        </p:nvSpPr>
+        <p:spPr>
+          <a:xfrm>
+            <a:off x="913774" y="1536700"/>
+            <a:ext cx="10363826" cy="4254499"/>
+          </a:xfrm>
+        </p:spPr>
+        <p:txBody>
+          <a:bodyPr/>
+          <a:lstStyle/>
+          <a:p>
+            <a:endParaRPr lang="en-US" dirty="0"/>
+          </a:p>
+        </p:txBody>
+      </p:sp>
+    </p:spTree>
+    <p:extLst>
+      <p:ext uri="{BB962C8B-B14F-4D97-AF65-F5344CB8AC3E}">
+        <p14:creationId xmlns:p14="http://schemas.microsoft.com/office/powerpoint/2010/main" val="2897287999"/>
       </p:ext>
     </p:extLst>
   </p:cSld>

--- a/Thesis_defense.pptx
+++ b/Thesis_defense.pptx
@@ -4461,18 +4461,83 @@
         </p:nvSpPr>
         <p:spPr>
           <a:xfrm>
-            <a:off x="913774" y="1511300"/>
-            <a:ext cx="10363826" cy="4279899"/>
+            <a:off x="913774" y="1511301"/>
+            <a:ext cx="10363826" cy="1320800"/>
           </a:xfrm>
         </p:spPr>
         <p:txBody>
           <a:bodyPr/>
           <a:lstStyle/>
           <a:p>
+            <a:pPr algn="r" rtl="1"/>
+            <a:r>
+              <a:rPr lang="fa-IR" dirty="0"/>
+              <a:t>ارائه مدل سیستم</a:t>
+            </a:r>
             <a:endParaRPr lang="en-US" dirty="0"/>
           </a:p>
         </p:txBody>
       </p:sp>
+      <p:pic>
+        <p:nvPicPr>
+          <p:cNvPr id="6146" name="Picture 2">
+            <a:extLst>
+              <a:ext uri="{FF2B5EF4-FFF2-40B4-BE49-F238E27FC236}">
+                <a16:creationId xmlns:a16="http://schemas.microsoft.com/office/drawing/2014/main" id="{01B26548-209F-3FFD-A721-F9832D4D08C2}"/>
+              </a:ext>
+            </a:extLst>
+          </p:cNvPr>
+          <p:cNvPicPr>
+            <a:picLocks noChangeAspect="1" noChangeArrowheads="1"/>
+          </p:cNvPicPr>
+          <p:nvPr/>
+        </p:nvPicPr>
+        <p:blipFill>
+          <a:blip r:embed="rId2">
+            <a:extLst>
+              <a:ext uri="{28A0092B-C50C-407E-A947-70E740481C1C}">
+                <a14:useLocalDpi xmlns:a14="http://schemas.microsoft.com/office/drawing/2010/main" val="0"/>
+              </a:ext>
+            </a:extLst>
+          </a:blip>
+          <a:srcRect/>
+          <a:stretch>
+            <a:fillRect/>
+          </a:stretch>
+        </p:blipFill>
+        <p:spPr bwMode="auto">
+          <a:xfrm>
+            <a:off x="1779274" y="3771900"/>
+            <a:ext cx="8632825" cy="2601468"/>
+          </a:xfrm>
+          <a:prstGeom prst="rect">
+            <a:avLst/>
+          </a:prstGeom>
+          <a:noFill/>
+          <a:ln>
+            <a:noFill/>
+          </a:ln>
+          <a:extLst>
+            <a:ext uri="{909E8E84-426E-40DD-AFC4-6F175D3DCCD1}">
+              <a14:hiddenFill xmlns:a14="http://schemas.microsoft.com/office/drawing/2010/main">
+                <a:solidFill>
+                  <a:srgbClr val="FFFFFF"/>
+                </a:solidFill>
+              </a14:hiddenFill>
+            </a:ext>
+            <a:ext uri="{91240B29-F687-4F45-9708-019B960494DF}">
+              <a14:hiddenLine xmlns:a14="http://schemas.microsoft.com/office/drawing/2010/main" w="9525">
+                <a:solidFill>
+                  <a:srgbClr val="000000"/>
+                </a:solidFill>
+                <a:miter lim="800000"/>
+                <a:headEnd/>
+                <a:tailEnd/>
+              </a14:hiddenLine>
+            </a:ext>
+          </a:extLst>
+        </p:spPr>
+      </p:pic>
     </p:spTree>
     <p:extLst>
       <p:ext uri="{BB962C8B-B14F-4D97-AF65-F5344CB8AC3E}">
@@ -4555,15 +4620,85 @@
             <p:ph sz="quarter" idx="13"/>
           </p:nvPr>
         </p:nvSpPr>
-        <p:spPr/>
+        <p:spPr>
+          <a:xfrm>
+            <a:off x="913774" y="1562101"/>
+            <a:ext cx="10363826" cy="2197100"/>
+          </a:xfrm>
+        </p:spPr>
         <p:txBody>
           <a:bodyPr/>
           <a:lstStyle/>
           <a:p>
-            <a:endParaRPr lang="en-US"/>
-          </a:p>
-        </p:txBody>
-      </p:sp>
+            <a:pPr algn="r" rtl="1"/>
+            <a:r>
+              <a:rPr lang="fa-IR" dirty="0"/>
+              <a:t>توضیح کاملی از فول نود و شیوه اتصال به ان</a:t>
+            </a:r>
+            <a:endParaRPr lang="en-US" dirty="0"/>
+          </a:p>
+        </p:txBody>
+      </p:sp>
+      <p:pic>
+        <p:nvPicPr>
+          <p:cNvPr id="3074" name="Picture 2">
+            <a:extLst>
+              <a:ext uri="{FF2B5EF4-FFF2-40B4-BE49-F238E27FC236}">
+                <a16:creationId xmlns:a16="http://schemas.microsoft.com/office/drawing/2014/main" id="{245F57CD-ABDD-E60D-3F3F-B98A0DFD6950}"/>
+              </a:ext>
+            </a:extLst>
+          </p:cNvPr>
+          <p:cNvPicPr>
+            <a:picLocks noChangeAspect="1" noChangeArrowheads="1"/>
+          </p:cNvPicPr>
+          <p:nvPr/>
+        </p:nvPicPr>
+        <p:blipFill>
+          <a:blip r:embed="rId2">
+            <a:extLst>
+              <a:ext uri="{28A0092B-C50C-407E-A947-70E740481C1C}">
+                <a14:useLocalDpi xmlns:a14="http://schemas.microsoft.com/office/drawing/2010/main" val="0"/>
+              </a:ext>
+            </a:extLst>
+          </a:blip>
+          <a:srcRect/>
+          <a:stretch>
+            <a:fillRect/>
+          </a:stretch>
+        </p:blipFill>
+        <p:spPr bwMode="auto">
+          <a:xfrm>
+            <a:off x="2701455" y="3973070"/>
+            <a:ext cx="6788463" cy="2410966"/>
+          </a:xfrm>
+          <a:prstGeom prst="rect">
+            <a:avLst/>
+          </a:prstGeom>
+          <a:noFill/>
+          <a:ln>
+            <a:noFill/>
+          </a:ln>
+          <a:extLst>
+            <a:ext uri="{909E8E84-426E-40DD-AFC4-6F175D3DCCD1}">
+              <a14:hiddenFill xmlns:a14="http://schemas.microsoft.com/office/drawing/2010/main">
+                <a:solidFill>
+                  <a:srgbClr val="FFFFFF"/>
+                </a:solidFill>
+              </a14:hiddenFill>
+            </a:ext>
+            <a:ext uri="{91240B29-F687-4F45-9708-019B960494DF}">
+              <a14:hiddenLine xmlns:a14="http://schemas.microsoft.com/office/drawing/2010/main" w="9525">
+                <a:solidFill>
+                  <a:srgbClr val="000000"/>
+                </a:solidFill>
+                <a:miter lim="800000"/>
+                <a:headEnd/>
+                <a:tailEnd/>
+              </a14:hiddenLine>
+            </a:ext>
+          </a:extLst>
+        </p:spPr>
+      </p:pic>
     </p:spTree>
     <p:extLst>
       <p:ext uri="{BB962C8B-B14F-4D97-AF65-F5344CB8AC3E}">
@@ -4646,12 +4781,22 @@
             <p:ph sz="quarter" idx="13"/>
           </p:nvPr>
         </p:nvSpPr>
-        <p:spPr/>
+        <p:spPr>
+          <a:xfrm>
+            <a:off x="913774" y="1651000"/>
+            <a:ext cx="10363826" cy="4140199"/>
+          </a:xfrm>
+        </p:spPr>
         <p:txBody>
           <a:bodyPr/>
           <a:lstStyle/>
           <a:p>
-            <a:endParaRPr lang="en-US"/>
+            <a:pPr algn="r" rtl="1"/>
+            <a:r>
+              <a:rPr lang="fa-IR" dirty="0"/>
+              <a:t>شیوه جمع آوری دیتا</a:t>
+            </a:r>
+            <a:endParaRPr lang="en-US" dirty="0"/>
           </a:p>
         </p:txBody>
       </p:sp>
@@ -4740,17 +4885,142 @@
         <p:spPr>
           <a:xfrm>
             <a:off x="913774" y="1498600"/>
-            <a:ext cx="10363826" cy="4292599"/>
+            <a:ext cx="10363826" cy="1511299"/>
           </a:xfrm>
         </p:spPr>
         <p:txBody>
           <a:bodyPr/>
           <a:lstStyle/>
           <a:p>
+            <a:pPr algn="r" rtl="1"/>
+            <a:r>
+              <a:rPr lang="fa-IR" dirty="0"/>
+              <a:t>توضیحی از پایگاه داده گراف</a:t>
+            </a:r>
             <a:endParaRPr lang="en-US" dirty="0"/>
           </a:p>
         </p:txBody>
       </p:sp>
+      <p:pic>
+        <p:nvPicPr>
+          <p:cNvPr id="7170" name="Picture 1">
+            <a:extLst>
+              <a:ext uri="{FF2B5EF4-FFF2-40B4-BE49-F238E27FC236}">
+                <a16:creationId xmlns:a16="http://schemas.microsoft.com/office/drawing/2014/main" id="{11D28C63-ED37-15B7-C8D3-58C03012041A}"/>
+              </a:ext>
+            </a:extLst>
+          </p:cNvPr>
+          <p:cNvPicPr>
+            <a:picLocks noChangeAspect="1" noChangeArrowheads="1"/>
+          </p:cNvPicPr>
+          <p:nvPr/>
+        </p:nvPicPr>
+        <p:blipFill>
+          <a:blip r:embed="rId2">
+            <a:extLst>
+              <a:ext uri="{28A0092B-C50C-407E-A947-70E740481C1C}">
+                <a14:useLocalDpi xmlns:a14="http://schemas.microsoft.com/office/drawing/2010/main" val="0"/>
+              </a:ext>
+            </a:extLst>
+          </a:blip>
+          <a:srcRect/>
+          <a:stretch>
+            <a:fillRect/>
+          </a:stretch>
+        </p:blipFill>
+        <p:spPr bwMode="auto">
+          <a:xfrm>
+            <a:off x="913774" y="3429000"/>
+            <a:ext cx="4262437" cy="3302001"/>
+          </a:xfrm>
+          <a:prstGeom prst="rect">
+            <a:avLst/>
+          </a:prstGeom>
+          <a:noFill/>
+          <a:ln>
+            <a:noFill/>
+          </a:ln>
+          <a:extLst>
+            <a:ext uri="{909E8E84-426E-40DD-AFC4-6F175D3DCCD1}">
+              <a14:hiddenFill xmlns:a14="http://schemas.microsoft.com/office/drawing/2010/main">
+                <a:solidFill>
+                  <a:srgbClr val="FFFFFF"/>
+                </a:solidFill>
+              </a14:hiddenFill>
+            </a:ext>
+            <a:ext uri="{91240B29-F687-4F45-9708-019B960494DF}">
+              <a14:hiddenLine xmlns:a14="http://schemas.microsoft.com/office/drawing/2010/main" w="9525">
+                <a:solidFill>
+                  <a:srgbClr val="000000"/>
+                </a:solidFill>
+                <a:miter lim="800000"/>
+                <a:headEnd/>
+                <a:tailEnd/>
+              </a14:hiddenLine>
+            </a:ext>
+          </a:extLst>
+        </p:spPr>
+      </p:pic>
+      <p:pic>
+        <p:nvPicPr>
+          <p:cNvPr id="7171" name="Picture 1">
+            <a:extLst>
+              <a:ext uri="{FF2B5EF4-FFF2-40B4-BE49-F238E27FC236}">
+                <a16:creationId xmlns:a16="http://schemas.microsoft.com/office/drawing/2014/main" id="{0673132D-6C73-7915-31E1-482683847D3B}"/>
+              </a:ext>
+            </a:extLst>
+          </p:cNvPr>
+          <p:cNvPicPr>
+            <a:picLocks noChangeAspect="1" noChangeArrowheads="1"/>
+          </p:cNvPicPr>
+          <p:nvPr/>
+        </p:nvPicPr>
+        <p:blipFill>
+          <a:blip r:embed="rId3">
+            <a:extLst>
+              <a:ext uri="{28A0092B-C50C-407E-A947-70E740481C1C}">
+                <a14:useLocalDpi xmlns:a14="http://schemas.microsoft.com/office/drawing/2010/main" val="0"/>
+              </a:ext>
+            </a:extLst>
+          </a:blip>
+          <a:srcRect/>
+          <a:stretch>
+            <a:fillRect/>
+          </a:stretch>
+        </p:blipFill>
+        <p:spPr bwMode="auto">
+          <a:xfrm>
+            <a:off x="6095687" y="3429000"/>
+            <a:ext cx="4262437" cy="3302001"/>
+          </a:xfrm>
+          <a:prstGeom prst="rect">
+            <a:avLst/>
+          </a:prstGeom>
+          <a:noFill/>
+          <a:ln>
+            <a:noFill/>
+          </a:ln>
+          <a:extLst>
+            <a:ext uri="{909E8E84-426E-40DD-AFC4-6F175D3DCCD1}">
+              <a14:hiddenFill xmlns:a14="http://schemas.microsoft.com/office/drawing/2010/main">
+                <a:solidFill>
+                  <a:srgbClr val="FFFFFF"/>
+                </a:solidFill>
+              </a14:hiddenFill>
+            </a:ext>
+            <a:ext uri="{91240B29-F687-4F45-9708-019B960494DF}">
+              <a14:hiddenLine xmlns:a14="http://schemas.microsoft.com/office/drawing/2010/main" w="9525">
+                <a:solidFill>
+                  <a:srgbClr val="000000"/>
+                </a:solidFill>
+                <a:miter lim="800000"/>
+                <a:headEnd/>
+                <a:tailEnd/>
+              </a14:hiddenLine>
+            </a:ext>
+          </a:extLst>
+        </p:spPr>
+      </p:pic>
     </p:spTree>
     <p:extLst>
       <p:ext uri="{BB962C8B-B14F-4D97-AF65-F5344CB8AC3E}">
@@ -4799,8 +5069,8 @@
         </p:nvSpPr>
         <p:spPr>
           <a:xfrm>
-            <a:off x="1069848" y="484632"/>
-            <a:ext cx="10058400" cy="1242568"/>
+            <a:off x="1066487" y="306833"/>
+            <a:ext cx="10058400" cy="1039368"/>
           </a:xfrm>
         </p:spPr>
         <p:txBody>
@@ -4833,15 +5103,356 @@
             <p:ph sz="quarter" idx="13"/>
           </p:nvPr>
         </p:nvSpPr>
-        <p:spPr/>
+        <p:spPr>
+          <a:xfrm>
+            <a:off x="913774" y="1346201"/>
+            <a:ext cx="10363826" cy="1612899"/>
+          </a:xfrm>
+        </p:spPr>
         <p:txBody>
           <a:bodyPr/>
           <a:lstStyle/>
           <a:p>
-            <a:endParaRPr lang="en-US"/>
-          </a:p>
-        </p:txBody>
-      </p:sp>
+            <a:pPr algn="r" rtl="1"/>
+            <a:r>
+              <a:rPr lang="fa-IR" dirty="0"/>
+              <a:t>توضیح کاملی از زبان سایفر</a:t>
+            </a:r>
+          </a:p>
+          <a:p>
+            <a:pPr marL="0" marR="0" indent="0" algn="justLow" rtl="0">
+              <a:lnSpc>
+                <a:spcPct val="124000"/>
+              </a:lnSpc>
+              <a:spcBef>
+                <a:spcPts val="0"/>
+              </a:spcBef>
+              <a:spcAft>
+                <a:spcPts val="0"/>
+              </a:spcAft>
+              <a:buNone/>
+            </a:pPr>
+            <a:r>
+              <a:rPr lang="en-US" sz="1400" b="1" dirty="0">
+                <a:solidFill>
+                  <a:srgbClr val="0D0D0D"/>
+                </a:solidFill>
+                <a:effectLst/>
+                <a:highlight>
+                  <a:srgbClr val="FFFF00"/>
+                </a:highlight>
+                <a:latin typeface="Segoe UI Symbol" panose="020B0502040204020203" pitchFamily="34" charset="0"/>
+                <a:ea typeface="Times New Roman" panose="02020603050405020304" pitchFamily="18" charset="0"/>
+                <a:cs typeface="B Nazanin" panose="00000400000000000000" pitchFamily="2" charset="-78"/>
+              </a:rPr>
+              <a:t>MATCH</a:t>
+            </a:r>
+            <a:endParaRPr lang="en-US" sz="1400" b="1" dirty="0">
+              <a:effectLst/>
+              <a:highlight>
+                <a:srgbClr val="FFFF00"/>
+              </a:highlight>
+              <a:latin typeface="Times New Roman" panose="02020603050405020304" pitchFamily="18" charset="0"/>
+              <a:ea typeface="Times New Roman" panose="02020603050405020304" pitchFamily="18" charset="0"/>
+              <a:cs typeface="B Nazanin" panose="00000400000000000000" pitchFamily="2" charset="-78"/>
+            </a:endParaRPr>
+          </a:p>
+          <a:p>
+            <a:pPr marL="0" marR="0" indent="0" algn="justLow" rtl="0">
+              <a:lnSpc>
+                <a:spcPct val="124000"/>
+              </a:lnSpc>
+              <a:spcBef>
+                <a:spcPts val="0"/>
+              </a:spcBef>
+              <a:spcAft>
+                <a:spcPts val="0"/>
+              </a:spcAft>
+              <a:buNone/>
+            </a:pPr>
+            <a:r>
+              <a:rPr lang="en-US" sz="1400" b="1" dirty="0">
+                <a:solidFill>
+                  <a:srgbClr val="0D0D0D"/>
+                </a:solidFill>
+                <a:effectLst/>
+                <a:highlight>
+                  <a:srgbClr val="FFFF00"/>
+                </a:highlight>
+                <a:latin typeface="Segoe UI Symbol" panose="020B0502040204020203" pitchFamily="34" charset="0"/>
+                <a:ea typeface="Times New Roman" panose="02020603050405020304" pitchFamily="18" charset="0"/>
+                <a:cs typeface="B Nazanin" panose="00000400000000000000" pitchFamily="2" charset="-78"/>
+              </a:rPr>
+              <a:t>(</a:t>
+            </a:r>
+            <a:r>
+              <a:rPr lang="en-US" sz="1400" b="1" dirty="0" err="1">
+                <a:solidFill>
+                  <a:srgbClr val="0D0D0D"/>
+                </a:solidFill>
+                <a:effectLst/>
+                <a:highlight>
+                  <a:srgbClr val="FFFF00"/>
+                </a:highlight>
+                <a:latin typeface="Segoe UI Symbol" panose="020B0502040204020203" pitchFamily="34" charset="0"/>
+                <a:ea typeface="Times New Roman" panose="02020603050405020304" pitchFamily="18" charset="0"/>
+                <a:cs typeface="B Nazanin" panose="00000400000000000000" pitchFamily="2" charset="-78"/>
+              </a:rPr>
+              <a:t>address_from</a:t>
+            </a:r>
+            <a:r>
+              <a:rPr lang="en-US" sz="1400" b="1" dirty="0">
+                <a:solidFill>
+                  <a:srgbClr val="0D0D0D"/>
+                </a:solidFill>
+                <a:effectLst/>
+                <a:highlight>
+                  <a:srgbClr val="FFFF00"/>
+                </a:highlight>
+                <a:latin typeface="Segoe UI Symbol" panose="020B0502040204020203" pitchFamily="34" charset="0"/>
+                <a:ea typeface="Times New Roman" panose="02020603050405020304" pitchFamily="18" charset="0"/>
+                <a:cs typeface="B Nazanin" panose="00000400000000000000" pitchFamily="2" charset="-78"/>
+              </a:rPr>
+              <a:t>),</a:t>
+            </a:r>
+            <a:endParaRPr lang="en-US" sz="1400" b="1" dirty="0">
+              <a:effectLst/>
+              <a:highlight>
+                <a:srgbClr val="FFFF00"/>
+              </a:highlight>
+              <a:latin typeface="Times New Roman" panose="02020603050405020304" pitchFamily="18" charset="0"/>
+              <a:ea typeface="Times New Roman" panose="02020603050405020304" pitchFamily="18" charset="0"/>
+              <a:cs typeface="B Nazanin" panose="00000400000000000000" pitchFamily="2" charset="-78"/>
+            </a:endParaRPr>
+          </a:p>
+          <a:p>
+            <a:pPr marL="0" marR="0" indent="0" algn="justLow" rtl="0">
+              <a:lnSpc>
+                <a:spcPct val="124000"/>
+              </a:lnSpc>
+              <a:spcBef>
+                <a:spcPts val="0"/>
+              </a:spcBef>
+              <a:spcAft>
+                <a:spcPts val="0"/>
+              </a:spcAft>
+              <a:buNone/>
+            </a:pPr>
+            <a:r>
+              <a:rPr lang="en-US" sz="1400" b="1" dirty="0">
+                <a:solidFill>
+                  <a:srgbClr val="0D0D0D"/>
+                </a:solidFill>
+                <a:effectLst/>
+                <a:highlight>
+                  <a:srgbClr val="FFFF00"/>
+                </a:highlight>
+                <a:latin typeface="Segoe UI Symbol" panose="020B0502040204020203" pitchFamily="34" charset="0"/>
+                <a:ea typeface="Times New Roman" panose="02020603050405020304" pitchFamily="18" charset="0"/>
+                <a:cs typeface="B Nazanin" panose="00000400000000000000" pitchFamily="2" charset="-78"/>
+              </a:rPr>
+              <a:t>(</a:t>
+            </a:r>
+            <a:r>
+              <a:rPr lang="en-US" sz="1400" b="1" dirty="0" err="1">
+                <a:solidFill>
+                  <a:srgbClr val="0D0D0D"/>
+                </a:solidFill>
+                <a:effectLst/>
+                <a:highlight>
+                  <a:srgbClr val="FFFF00"/>
+                </a:highlight>
+                <a:latin typeface="Segoe UI Symbol" panose="020B0502040204020203" pitchFamily="34" charset="0"/>
+                <a:ea typeface="Times New Roman" panose="02020603050405020304" pitchFamily="18" charset="0"/>
+                <a:cs typeface="B Nazanin" panose="00000400000000000000" pitchFamily="2" charset="-78"/>
+              </a:rPr>
+              <a:t>address_to</a:t>
+            </a:r>
+            <a:r>
+              <a:rPr lang="en-US" sz="1400" b="1" dirty="0">
+                <a:solidFill>
+                  <a:srgbClr val="0D0D0D"/>
+                </a:solidFill>
+                <a:effectLst/>
+                <a:highlight>
+                  <a:srgbClr val="FFFF00"/>
+                </a:highlight>
+                <a:latin typeface="Segoe UI Symbol" panose="020B0502040204020203" pitchFamily="34" charset="0"/>
+                <a:ea typeface="Times New Roman" panose="02020603050405020304" pitchFamily="18" charset="0"/>
+                <a:cs typeface="B Nazanin" panose="00000400000000000000" pitchFamily="2" charset="-78"/>
+              </a:rPr>
+              <a:t>) </a:t>
+            </a:r>
+            <a:endParaRPr lang="en-US" sz="1400" b="1" dirty="0">
+              <a:effectLst/>
+              <a:highlight>
+                <a:srgbClr val="FFFF00"/>
+              </a:highlight>
+              <a:latin typeface="Times New Roman" panose="02020603050405020304" pitchFamily="18" charset="0"/>
+              <a:ea typeface="Times New Roman" panose="02020603050405020304" pitchFamily="18" charset="0"/>
+              <a:cs typeface="B Nazanin" panose="00000400000000000000" pitchFamily="2" charset="-78"/>
+            </a:endParaRPr>
+          </a:p>
+          <a:p>
+            <a:pPr marL="0" marR="0" indent="0" algn="justLow" rtl="0">
+              <a:lnSpc>
+                <a:spcPct val="124000"/>
+              </a:lnSpc>
+              <a:spcBef>
+                <a:spcPts val="0"/>
+              </a:spcBef>
+              <a:spcAft>
+                <a:spcPts val="0"/>
+              </a:spcAft>
+              <a:buNone/>
+            </a:pPr>
+            <a:r>
+              <a:rPr lang="en-US" sz="1400" b="1" dirty="0">
+                <a:solidFill>
+                  <a:srgbClr val="0D0D0D"/>
+                </a:solidFill>
+                <a:effectLst/>
+                <a:highlight>
+                  <a:srgbClr val="FFFF00"/>
+                </a:highlight>
+                <a:latin typeface="Segoe UI Symbol" panose="020B0502040204020203" pitchFamily="34" charset="0"/>
+                <a:ea typeface="Times New Roman" panose="02020603050405020304" pitchFamily="18" charset="0"/>
+                <a:cs typeface="B Nazanin" panose="00000400000000000000" pitchFamily="2" charset="-78"/>
+              </a:rPr>
+              <a:t>p = Path(</a:t>
+            </a:r>
+            <a:r>
+              <a:rPr lang="en-US" sz="1400" b="1" dirty="0" err="1">
+                <a:solidFill>
+                  <a:srgbClr val="0D0D0D"/>
+                </a:solidFill>
+                <a:effectLst/>
+                <a:highlight>
+                  <a:srgbClr val="FFFF00"/>
+                </a:highlight>
+                <a:latin typeface="Segoe UI Symbol" panose="020B0502040204020203" pitchFamily="34" charset="0"/>
+                <a:ea typeface="Times New Roman" panose="02020603050405020304" pitchFamily="18" charset="0"/>
+                <a:cs typeface="B Nazanin" panose="00000400000000000000" pitchFamily="2" charset="-78"/>
+              </a:rPr>
+              <a:t>address_from</a:t>
+            </a:r>
+            <a:r>
+              <a:rPr lang="en-US" sz="1400" b="1" dirty="0">
+                <a:solidFill>
+                  <a:srgbClr val="0D0D0D"/>
+                </a:solidFill>
+                <a:effectLst/>
+                <a:highlight>
+                  <a:srgbClr val="FFFF00"/>
+                </a:highlight>
+                <a:latin typeface="Segoe UI Symbol" panose="020B0502040204020203" pitchFamily="34" charset="0"/>
+                <a:ea typeface="Times New Roman" panose="02020603050405020304" pitchFamily="18" charset="0"/>
+                <a:cs typeface="B Nazanin" panose="00000400000000000000" pitchFamily="2" charset="-78"/>
+              </a:rPr>
+              <a:t>)-[*]-&gt;( </a:t>
+            </a:r>
+            <a:r>
+              <a:rPr lang="en-US" sz="1400" b="1" dirty="0" err="1">
+                <a:solidFill>
+                  <a:srgbClr val="0D0D0D"/>
+                </a:solidFill>
+                <a:effectLst/>
+                <a:highlight>
+                  <a:srgbClr val="FFFF00"/>
+                </a:highlight>
+                <a:latin typeface="Segoe UI Symbol" panose="020B0502040204020203" pitchFamily="34" charset="0"/>
+                <a:ea typeface="Times New Roman" panose="02020603050405020304" pitchFamily="18" charset="0"/>
+                <a:cs typeface="B Nazanin" panose="00000400000000000000" pitchFamily="2" charset="-78"/>
+              </a:rPr>
+              <a:t>address_to</a:t>
+            </a:r>
+            <a:r>
+              <a:rPr lang="en-US" sz="1400" b="1" dirty="0">
+                <a:solidFill>
+                  <a:srgbClr val="0D0D0D"/>
+                </a:solidFill>
+                <a:effectLst/>
+                <a:highlight>
+                  <a:srgbClr val="FFFF00"/>
+                </a:highlight>
+                <a:latin typeface="Segoe UI Symbol" panose="020B0502040204020203" pitchFamily="34" charset="0"/>
+                <a:ea typeface="Times New Roman" panose="02020603050405020304" pitchFamily="18" charset="0"/>
+                <a:cs typeface="B Nazanin" panose="00000400000000000000" pitchFamily="2" charset="-78"/>
+              </a:rPr>
+              <a:t>)  RETURN p</a:t>
+            </a:r>
+            <a:endParaRPr lang="en-US" sz="1400" b="1" dirty="0">
+              <a:effectLst/>
+              <a:highlight>
+                <a:srgbClr val="FFFF00"/>
+              </a:highlight>
+              <a:latin typeface="Times New Roman" panose="02020603050405020304" pitchFamily="18" charset="0"/>
+              <a:ea typeface="Times New Roman" panose="02020603050405020304" pitchFamily="18" charset="0"/>
+              <a:cs typeface="B Nazanin" panose="00000400000000000000" pitchFamily="2" charset="-78"/>
+            </a:endParaRPr>
+          </a:p>
+        </p:txBody>
+      </p:sp>
+      <p:pic>
+        <p:nvPicPr>
+          <p:cNvPr id="8194" name="Picture 1">
+            <a:extLst>
+              <a:ext uri="{FF2B5EF4-FFF2-40B4-BE49-F238E27FC236}">
+                <a16:creationId xmlns:a16="http://schemas.microsoft.com/office/drawing/2014/main" id="{CE1B1A67-7EB1-445A-6A03-2EB7B570E049}"/>
+              </a:ext>
+            </a:extLst>
+          </p:cNvPr>
+          <p:cNvPicPr>
+            <a:picLocks noChangeAspect="1" noChangeArrowheads="1"/>
+          </p:cNvPicPr>
+          <p:nvPr/>
+        </p:nvPicPr>
+        <p:blipFill>
+          <a:blip r:embed="rId2">
+            <a:extLst>
+              <a:ext uri="{28A0092B-C50C-407E-A947-70E740481C1C}">
+                <a14:useLocalDpi xmlns:a14="http://schemas.microsoft.com/office/drawing/2010/main" val="0"/>
+              </a:ext>
+            </a:extLst>
+          </a:blip>
+          <a:srcRect/>
+          <a:stretch>
+            <a:fillRect/>
+          </a:stretch>
+        </p:blipFill>
+        <p:spPr bwMode="auto">
+          <a:xfrm>
+            <a:off x="3243263" y="3070225"/>
+            <a:ext cx="5038725" cy="3544443"/>
+          </a:xfrm>
+          <a:prstGeom prst="rect">
+            <a:avLst/>
+          </a:prstGeom>
+          <a:noFill/>
+          <a:ln>
+            <a:noFill/>
+          </a:ln>
+          <a:extLst>
+            <a:ext uri="{909E8E84-426E-40DD-AFC4-6F175D3DCCD1}">
+              <a14:hiddenFill xmlns:a14="http://schemas.microsoft.com/office/drawing/2010/main">
+                <a:solidFill>
+                  <a:srgbClr val="FFFFFF"/>
+                </a:solidFill>
+              </a14:hiddenFill>
+            </a:ext>
+            <a:ext uri="{91240B29-F687-4F45-9708-019B960494DF}">
+              <a14:hiddenLine xmlns:a14="http://schemas.microsoft.com/office/drawing/2010/main" w="9525">
+                <a:solidFill>
+                  <a:srgbClr val="000000"/>
+                </a:solidFill>
+                <a:miter lim="800000"/>
+                <a:headEnd/>
+                <a:tailEnd/>
+              </a14:hiddenLine>
+            </a:ext>
+          </a:extLst>
+        </p:spPr>
+      </p:pic>
     </p:spTree>
     <p:extLst>
       <p:ext uri="{BB962C8B-B14F-4D97-AF65-F5344CB8AC3E}">
@@ -5031,7 +5642,11 @@
           <a:bodyPr/>
           <a:lstStyle/>
           <a:p>
-            <a:endParaRPr lang="en-US" dirty="0"/>
+            <a:pPr algn="r" rtl="1"/>
+            <a:r>
+              <a:rPr lang="fa-IR" dirty="0"/>
+              <a:t>شبکه غیر متمرکز</a:t>
+            </a:r>
           </a:p>
         </p:txBody>
       </p:sp>
@@ -5117,9 +5732,119 @@
             <p:ph sz="quarter" idx="13"/>
           </p:nvPr>
         </p:nvSpPr>
-        <p:spPr/>
+        <p:spPr>
+          <a:xfrm>
+            <a:off x="913774" y="1739900"/>
+            <a:ext cx="10363826" cy="4051299"/>
+          </a:xfrm>
+        </p:spPr>
         <p:txBody>
           <a:bodyPr/>
+          <a:lstStyle/>
+          <a:p>
+            <a:pPr algn="r" rtl="1"/>
+            <a:r>
+              <a:rPr lang="fa-IR" dirty="0"/>
+              <a:t>کاربران ناشناس تراکنش میزنند و توسط شناسه حساب خود شناخته می شوند</a:t>
+            </a:r>
+          </a:p>
+          <a:p>
+            <a:pPr algn="r" rtl="1"/>
+            <a:r>
+              <a:rPr lang="fa-IR" dirty="0"/>
+              <a:t>معدود </a:t>
+            </a:r>
+            <a:r>
+              <a:rPr lang="en-US" dirty="0"/>
+              <a:t> </a:t>
+            </a:r>
+            <a:r>
+              <a:rPr lang="en-US" dirty="0" err="1"/>
+              <a:t>kyc</a:t>
+            </a:r>
+            <a:r>
+              <a:rPr lang="fa-IR" dirty="0"/>
+              <a:t> کاربران با سطح پایین توسط سازمان های ارائه دهنده خدمت مثلا صرافی ها</a:t>
+            </a:r>
+          </a:p>
+          <a:p>
+            <a:pPr algn="r" rtl="1"/>
+            <a:r>
+              <a:rPr lang="fa-IR" dirty="0"/>
+              <a:t>امکان انجام تراکنش با واسطه در بلاکچین</a:t>
+            </a:r>
+          </a:p>
+          <a:p>
+            <a:pPr marL="0" indent="0" algn="r" rtl="1">
+              <a:buNone/>
+            </a:pPr>
+            <a:endParaRPr lang="en-US" dirty="0"/>
+          </a:p>
+        </p:txBody>
+      </p:sp>
+      <p:sp>
+        <p:nvSpPr>
+          <p:cNvPr id="5" name="Rectangle 1">
+            <a:extLst>
+              <a:ext uri="{FF2B5EF4-FFF2-40B4-BE49-F238E27FC236}">
+                <a16:creationId xmlns:a16="http://schemas.microsoft.com/office/drawing/2014/main" id="{FBDC0C5D-56BD-90F3-38D5-CF674ECE2E4F}"/>
+              </a:ext>
+            </a:extLst>
+          </p:cNvPr>
+          <p:cNvSpPr>
+            <a:spLocks noChangeArrowheads="1"/>
+          </p:cNvSpPr>
+          <p:nvPr/>
+        </p:nvSpPr>
+        <p:spPr bwMode="auto">
+          <a:xfrm>
+            <a:off x="-724199" y="2907665"/>
+            <a:ext cx="14596954" cy="457200"/>
+          </a:xfrm>
+          <a:prstGeom prst="rect">
+            <a:avLst/>
+          </a:prstGeom>
+          <a:noFill/>
+          <a:ln>
+            <a:noFill/>
+          </a:ln>
+          <a:effectLst/>
+          <a:extLst>
+            <a:ext uri="{909E8E84-426E-40DD-AFC4-6F175D3DCCD1}">
+              <a14:hiddenFill xmlns:a14="http://schemas.microsoft.com/office/drawing/2010/main">
+                <a:solidFill>
+                  <a:schemeClr val="accent1"/>
+                </a:solidFill>
+              </a14:hiddenFill>
+            </a:ext>
+            <a:ext uri="{91240B29-F687-4F45-9708-019B960494DF}">
+              <a14:hiddenLine xmlns:a14="http://schemas.microsoft.com/office/drawing/2010/main" w="9525">
+                <a:solidFill>
+                  <a:schemeClr val="tx1"/>
+                </a:solidFill>
+                <a:miter lim="800000"/>
+                <a:headEnd/>
+                <a:tailEnd/>
+              </a14:hiddenLine>
+            </a:ext>
+            <a:ext uri="{AF507438-7753-43E0-B8FC-AC1667EBCBE1}">
+              <a14:hiddenEffects xmlns:a14="http://schemas.microsoft.com/office/drawing/2010/main">
+                <a:effectLst>
+                  <a:outerShdw dist="35921" dir="2700000" algn="ctr" rotWithShape="0">
+                    <a:schemeClr val="bg2"/>
+                  </a:outerShdw>
+                </a:effectLst>
+              </a14:hiddenEffects>
+            </a:ext>
+          </a:extLst>
+        </p:spPr>
+        <p:txBody>
+          <a:bodyPr vert="horz" wrap="square" lIns="91440" tIns="45720" rIns="91440" bIns="45720" numCol="1" anchor="ctr" anchorCtr="0" compatLnSpc="1">
+            <a:prstTxWarp prst="textNoShape">
+              <a:avLst/>
+            </a:prstTxWarp>
+            <a:spAutoFit/>
+          </a:bodyPr>
           <a:lstStyle/>
           <a:p>
             <a:endParaRPr lang="en-US"/>
@@ -5211,14 +5936,961 @@
         <p:spPr>
           <a:xfrm>
             <a:off x="913774" y="1358900"/>
-            <a:ext cx="10363826" cy="4432299"/>
+            <a:ext cx="10363826" cy="1070791"/>
           </a:xfrm>
         </p:spPr>
         <p:txBody>
           <a:bodyPr/>
           <a:lstStyle/>
           <a:p>
+            <a:pPr algn="r" rtl="1"/>
+            <a:r>
+              <a:rPr lang="fa-IR" dirty="0"/>
+              <a:t>ما شبکه استلار رو انتخاب کردیم زیرا شبکه ای است با پیچیدگی بالا و وجود عملیات ها و روابط متعدد بین کاربران خود</a:t>
+            </a:r>
+          </a:p>
+          <a:p>
+            <a:pPr algn="r" rtl="1"/>
+            <a:r>
+              <a:rPr lang="fa-IR" dirty="0"/>
+              <a:t>لیست عملیات ها بین کاربران</a:t>
+            </a:r>
+          </a:p>
+          <a:p>
+            <a:pPr algn="r" rtl="1"/>
             <a:endParaRPr lang="en-US" dirty="0"/>
+          </a:p>
+        </p:txBody>
+      </p:sp>
+      <p:graphicFrame>
+        <p:nvGraphicFramePr>
+          <p:cNvPr id="4" name="Table 3">
+            <a:extLst>
+              <a:ext uri="{FF2B5EF4-FFF2-40B4-BE49-F238E27FC236}">
+                <a16:creationId xmlns:a16="http://schemas.microsoft.com/office/drawing/2014/main" id="{0384D450-442B-266E-9D8D-462187562827}"/>
+              </a:ext>
+            </a:extLst>
+          </p:cNvPr>
+          <p:cNvGraphicFramePr>
+            <a:graphicFrameLocks noGrp="1"/>
+          </p:cNvGraphicFramePr>
+          <p:nvPr>
+            <p:extLst>
+              <p:ext uri="{D42A27DB-BD31-4B8C-83A1-F6EECF244321}">
+                <p14:modId xmlns:p14="http://schemas.microsoft.com/office/powerpoint/2010/main" val="3941284031"/>
+              </p:ext>
+            </p:extLst>
+          </p:nvPr>
+        </p:nvGraphicFramePr>
+        <p:xfrm>
+          <a:off x="1448285" y="2524445"/>
+          <a:ext cx="9294804" cy="4201669"/>
+        </p:xfrm>
+        <a:graphic>
+          <a:graphicData uri="http://schemas.openxmlformats.org/drawingml/2006/table">
+            <a:tbl>
+              <a:tblPr rtl="1" firstRow="1" firstCol="1" bandRow="1">
+                <a:tableStyleId>{5C22544A-7EE6-4342-B048-85BDC9FD1C3A}</a:tableStyleId>
+              </a:tblPr>
+              <a:tblGrid>
+                <a:gridCol w="2243178">
+                  <a:extLst>
+                    <a:ext uri="{9D8B030D-6E8A-4147-A177-3AD203B41FA5}">
+                      <a16:colId xmlns:a16="http://schemas.microsoft.com/office/drawing/2014/main" val="2464390246"/>
+                    </a:ext>
+                  </a:extLst>
+                </a:gridCol>
+                <a:gridCol w="7051626">
+                  <a:extLst>
+                    <a:ext uri="{9D8B030D-6E8A-4147-A177-3AD203B41FA5}">
+                      <a16:colId xmlns:a16="http://schemas.microsoft.com/office/drawing/2014/main" val="595447565"/>
+                    </a:ext>
+                  </a:extLst>
+                </a:gridCol>
+              </a:tblGrid>
+              <a:tr h="248959">
+                <a:tc>
+                  <a:txBody>
+                    <a:bodyPr/>
+                    <a:lstStyle/>
+                    <a:p>
+                      <a:pPr marL="0" marR="0" indent="0" algn="ctr" rtl="1">
+                        <a:lnSpc>
+                          <a:spcPct val="124000"/>
+                        </a:lnSpc>
+                        <a:spcBef>
+                          <a:spcPts val="0"/>
+                        </a:spcBef>
+                        <a:spcAft>
+                          <a:spcPts val="0"/>
+                        </a:spcAft>
+                      </a:pPr>
+                      <a:r>
+                        <a:rPr lang="fa-IR" sz="1200" dirty="0">
+                          <a:effectLst/>
+                        </a:rPr>
+                        <a:t>نوع عملیات</a:t>
+                      </a:r>
+                      <a:endParaRPr lang="en-US" sz="1200" dirty="0">
+                        <a:effectLst/>
+                        <a:latin typeface="Times New Roman" panose="02020603050405020304" pitchFamily="18" charset="0"/>
+                        <a:ea typeface="Times New Roman" panose="02020603050405020304" pitchFamily="18" charset="0"/>
+                        <a:cs typeface="B Nazanin" panose="00000400000000000000" pitchFamily="2" charset="-78"/>
+                      </a:endParaRPr>
+                    </a:p>
+                  </a:txBody>
+                  <a:tcPr marL="68580" marR="68580" marT="0" marB="0"/>
+                </a:tc>
+                <a:tc>
+                  <a:txBody>
+                    <a:bodyPr/>
+                    <a:lstStyle/>
+                    <a:p>
+                      <a:pPr marL="0" marR="0" indent="0" algn="ctr" rtl="1">
+                        <a:lnSpc>
+                          <a:spcPct val="124000"/>
+                        </a:lnSpc>
+                        <a:spcBef>
+                          <a:spcPts val="0"/>
+                        </a:spcBef>
+                        <a:spcAft>
+                          <a:spcPts val="0"/>
+                        </a:spcAft>
+                      </a:pPr>
+                      <a:r>
+                        <a:rPr lang="fa-IR" sz="1200">
+                          <a:effectLst/>
+                        </a:rPr>
+                        <a:t>فعالیت</a:t>
+                      </a:r>
+                      <a:endParaRPr lang="en-US" sz="1200">
+                        <a:effectLst/>
+                        <a:latin typeface="Times New Roman" panose="02020603050405020304" pitchFamily="18" charset="0"/>
+                        <a:ea typeface="Times New Roman" panose="02020603050405020304" pitchFamily="18" charset="0"/>
+                        <a:cs typeface="B Nazanin" panose="00000400000000000000" pitchFamily="2" charset="-78"/>
+                      </a:endParaRPr>
+                    </a:p>
+                  </a:txBody>
+                  <a:tcPr marL="68580" marR="68580" marT="0" marB="0"/>
+                </a:tc>
+                <a:extLst>
+                  <a:ext uri="{0D108BD9-81ED-4DB2-BD59-A6C34878D82A}">
+                    <a16:rowId xmlns:a16="http://schemas.microsoft.com/office/drawing/2014/main" val="708044761"/>
+                  </a:ext>
+                </a:extLst>
+              </a:tr>
+              <a:tr h="458323">
+                <a:tc>
+                  <a:txBody>
+                    <a:bodyPr/>
+                    <a:lstStyle/>
+                    <a:p>
+                      <a:pPr marL="342900" marR="0" lvl="0" indent="-342900" algn="r" rtl="1">
+                        <a:lnSpc>
+                          <a:spcPct val="124000"/>
+                        </a:lnSpc>
+                        <a:spcBef>
+                          <a:spcPts val="0"/>
+                        </a:spcBef>
+                        <a:spcAft>
+                          <a:spcPts val="0"/>
+                        </a:spcAft>
+                        <a:buFont typeface="Wingdings" panose="05000000000000000000" pitchFamily="2" charset="2"/>
+                        <a:buChar char=""/>
+                      </a:pPr>
+                      <a:r>
+                        <a:rPr lang="en-US" sz="1200">
+                          <a:effectLst/>
+                        </a:rPr>
+                        <a:t>CreateAccount</a:t>
+                      </a:r>
+                      <a:endParaRPr lang="en-US" sz="1200">
+                        <a:effectLst/>
+                        <a:latin typeface="Times New Roman" panose="02020603050405020304" pitchFamily="18" charset="0"/>
+                        <a:ea typeface="Times New Roman" panose="02020603050405020304" pitchFamily="18" charset="0"/>
+                        <a:cs typeface="B Nazanin" panose="00000400000000000000" pitchFamily="2" charset="-78"/>
+                      </a:endParaRPr>
+                    </a:p>
+                  </a:txBody>
+                  <a:tcPr marL="68580" marR="68580" marT="0" marB="0"/>
+                </a:tc>
+                <a:tc>
+                  <a:txBody>
+                    <a:bodyPr/>
+                    <a:lstStyle/>
+                    <a:p>
+                      <a:pPr marL="0" marR="0" indent="0" algn="ctr" rtl="1">
+                        <a:lnSpc>
+                          <a:spcPct val="124000"/>
+                        </a:lnSpc>
+                        <a:spcBef>
+                          <a:spcPts val="0"/>
+                        </a:spcBef>
+                        <a:spcAft>
+                          <a:spcPts val="0"/>
+                        </a:spcAft>
+                      </a:pPr>
+                      <a:r>
+                        <a:rPr lang="fa-IR" sz="1200">
+                          <a:effectLst/>
+                        </a:rPr>
+                        <a:t>ورودی دفتر حساب جدید را ایجاد و تأمین مالی کنید</a:t>
+                      </a:r>
+                      <a:endParaRPr lang="en-US" sz="1200">
+                        <a:effectLst/>
+                        <a:latin typeface="Times New Roman" panose="02020603050405020304" pitchFamily="18" charset="0"/>
+                        <a:ea typeface="Times New Roman" panose="02020603050405020304" pitchFamily="18" charset="0"/>
+                        <a:cs typeface="B Nazanin" panose="00000400000000000000" pitchFamily="2" charset="-78"/>
+                      </a:endParaRPr>
+                    </a:p>
+                  </a:txBody>
+                  <a:tcPr marL="68580" marR="68580" marT="0" marB="0"/>
+                </a:tc>
+                <a:extLst>
+                  <a:ext uri="{0D108BD9-81ED-4DB2-BD59-A6C34878D82A}">
+                    <a16:rowId xmlns:a16="http://schemas.microsoft.com/office/drawing/2014/main" val="957889179"/>
+                  </a:ext>
+                </a:extLst>
+              </a:tr>
+              <a:tr h="458323">
+                <a:tc>
+                  <a:txBody>
+                    <a:bodyPr/>
+                    <a:lstStyle/>
+                    <a:p>
+                      <a:pPr marL="342900" marR="0" lvl="0" indent="-342900" algn="r" rtl="1">
+                        <a:lnSpc>
+                          <a:spcPct val="124000"/>
+                        </a:lnSpc>
+                        <a:spcBef>
+                          <a:spcPts val="0"/>
+                        </a:spcBef>
+                        <a:spcAft>
+                          <a:spcPts val="0"/>
+                        </a:spcAft>
+                        <a:buFont typeface="Wingdings" panose="05000000000000000000" pitchFamily="2" charset="2"/>
+                        <a:buChar char=""/>
+                      </a:pPr>
+                      <a:r>
+                        <a:rPr lang="en-US" sz="1200">
+                          <a:effectLst/>
+                        </a:rPr>
+                        <a:t>AccountMerge</a:t>
+                      </a:r>
+                      <a:endParaRPr lang="en-US" sz="1200">
+                        <a:effectLst/>
+                        <a:latin typeface="Times New Roman" panose="02020603050405020304" pitchFamily="18" charset="0"/>
+                        <a:ea typeface="Times New Roman" panose="02020603050405020304" pitchFamily="18" charset="0"/>
+                        <a:cs typeface="B Nazanin" panose="00000400000000000000" pitchFamily="2" charset="-78"/>
+                      </a:endParaRPr>
+                    </a:p>
+                  </a:txBody>
+                  <a:tcPr marL="68580" marR="68580" marT="0" marB="0"/>
+                </a:tc>
+                <a:tc>
+                  <a:txBody>
+                    <a:bodyPr/>
+                    <a:lstStyle/>
+                    <a:p>
+                      <a:pPr marL="0" marR="0" indent="0" algn="ctr" rtl="1">
+                        <a:lnSpc>
+                          <a:spcPct val="124000"/>
+                        </a:lnSpc>
+                        <a:spcBef>
+                          <a:spcPts val="0"/>
+                        </a:spcBef>
+                        <a:spcAft>
+                          <a:spcPts val="0"/>
+                        </a:spcAft>
+                      </a:pPr>
+                      <a:r>
+                        <a:rPr lang="fa-IR" sz="1200">
+                          <a:effectLst/>
+                        </a:rPr>
+                        <a:t>حذف ورودی دفتر حساب</a:t>
+                      </a:r>
+                      <a:endParaRPr lang="en-US" sz="1200">
+                        <a:effectLst/>
+                        <a:latin typeface="Times New Roman" panose="02020603050405020304" pitchFamily="18" charset="0"/>
+                        <a:ea typeface="Times New Roman" panose="02020603050405020304" pitchFamily="18" charset="0"/>
+                        <a:cs typeface="B Nazanin" panose="00000400000000000000" pitchFamily="2" charset="-78"/>
+                      </a:endParaRPr>
+                    </a:p>
+                  </a:txBody>
+                  <a:tcPr marL="68580" marR="68580" marT="0" marB="0"/>
+                </a:tc>
+                <a:extLst>
+                  <a:ext uri="{0D108BD9-81ED-4DB2-BD59-A6C34878D82A}">
+                    <a16:rowId xmlns:a16="http://schemas.microsoft.com/office/drawing/2014/main" val="1579742977"/>
+                  </a:ext>
+                </a:extLst>
+              </a:tr>
+              <a:tr h="300693">
+                <a:tc>
+                  <a:txBody>
+                    <a:bodyPr/>
+                    <a:lstStyle/>
+                    <a:p>
+                      <a:pPr marL="342900" marR="0" lvl="0" indent="-342900" algn="r" rtl="1">
+                        <a:lnSpc>
+                          <a:spcPct val="124000"/>
+                        </a:lnSpc>
+                        <a:spcBef>
+                          <a:spcPts val="0"/>
+                        </a:spcBef>
+                        <a:spcAft>
+                          <a:spcPts val="0"/>
+                        </a:spcAft>
+                        <a:buFont typeface="Wingdings" panose="05000000000000000000" pitchFamily="2" charset="2"/>
+                        <a:buChar char=""/>
+                      </a:pPr>
+                      <a:r>
+                        <a:rPr lang="en-US" sz="1200" dirty="0" err="1">
+                          <a:effectLst/>
+                        </a:rPr>
+                        <a:t>SetOptions</a:t>
+                      </a:r>
+                      <a:endParaRPr lang="en-US" sz="1200" dirty="0">
+                        <a:effectLst/>
+                        <a:latin typeface="Times New Roman" panose="02020603050405020304" pitchFamily="18" charset="0"/>
+                        <a:ea typeface="Times New Roman" panose="02020603050405020304" pitchFamily="18" charset="0"/>
+                        <a:cs typeface="B Nazanin" panose="00000400000000000000" pitchFamily="2" charset="-78"/>
+                      </a:endParaRPr>
+                    </a:p>
+                  </a:txBody>
+                  <a:tcPr marL="68580" marR="68580" marT="0" marB="0"/>
+                </a:tc>
+                <a:tc>
+                  <a:txBody>
+                    <a:bodyPr/>
+                    <a:lstStyle/>
+                    <a:p>
+                      <a:pPr marL="0" marR="0" indent="0" algn="ctr" rtl="1">
+                        <a:lnSpc>
+                          <a:spcPct val="124000"/>
+                        </a:lnSpc>
+                        <a:spcBef>
+                          <a:spcPts val="0"/>
+                        </a:spcBef>
+                        <a:spcAft>
+                          <a:spcPts val="0"/>
+                        </a:spcAft>
+                      </a:pPr>
+                      <a:r>
+                        <a:rPr lang="fa-IR" sz="1200">
+                          <a:effectLst/>
+                        </a:rPr>
+                        <a:t>پرچم‌ها و امضاکنندگان حساب را تغییر دهید</a:t>
+                      </a:r>
+                      <a:endParaRPr lang="en-US" sz="1200">
+                        <a:effectLst/>
+                        <a:latin typeface="Times New Roman" panose="02020603050405020304" pitchFamily="18" charset="0"/>
+                        <a:ea typeface="Times New Roman" panose="02020603050405020304" pitchFamily="18" charset="0"/>
+                        <a:cs typeface="B Nazanin" panose="00000400000000000000" pitchFamily="2" charset="-78"/>
+                      </a:endParaRPr>
+                    </a:p>
+                  </a:txBody>
+                  <a:tcPr marL="68580" marR="68580" marT="0" marB="0"/>
+                </a:tc>
+                <a:extLst>
+                  <a:ext uri="{0D108BD9-81ED-4DB2-BD59-A6C34878D82A}">
+                    <a16:rowId xmlns:a16="http://schemas.microsoft.com/office/drawing/2014/main" val="949144842"/>
+                  </a:ext>
+                </a:extLst>
+              </a:tr>
+              <a:tr h="300693">
+                <a:tc>
+                  <a:txBody>
+                    <a:bodyPr/>
+                    <a:lstStyle/>
+                    <a:p>
+                      <a:pPr marL="342900" marR="0" lvl="0" indent="-342900" algn="r" rtl="1">
+                        <a:lnSpc>
+                          <a:spcPct val="124000"/>
+                        </a:lnSpc>
+                        <a:spcBef>
+                          <a:spcPts val="0"/>
+                        </a:spcBef>
+                        <a:spcAft>
+                          <a:spcPts val="0"/>
+                        </a:spcAft>
+                        <a:buFont typeface="Wingdings" panose="05000000000000000000" pitchFamily="2" charset="2"/>
+                        <a:buChar char=""/>
+                      </a:pPr>
+                      <a:r>
+                        <a:rPr lang="en-US" sz="1200">
+                          <a:effectLst/>
+                        </a:rPr>
+                        <a:t>Payment</a:t>
+                      </a:r>
+                      <a:endParaRPr lang="en-US" sz="1200">
+                        <a:effectLst/>
+                        <a:latin typeface="Times New Roman" panose="02020603050405020304" pitchFamily="18" charset="0"/>
+                        <a:ea typeface="Times New Roman" panose="02020603050405020304" pitchFamily="18" charset="0"/>
+                        <a:cs typeface="B Nazanin" panose="00000400000000000000" pitchFamily="2" charset="-78"/>
+                      </a:endParaRPr>
+                    </a:p>
+                  </a:txBody>
+                  <a:tcPr marL="68580" marR="68580" marT="0" marB="0"/>
+                </a:tc>
+                <a:tc>
+                  <a:txBody>
+                    <a:bodyPr/>
+                    <a:lstStyle/>
+                    <a:p>
+                      <a:pPr marL="0" marR="0" indent="0" algn="ctr" rtl="1">
+                        <a:lnSpc>
+                          <a:spcPct val="124000"/>
+                        </a:lnSpc>
+                        <a:spcBef>
+                          <a:spcPts val="0"/>
+                        </a:spcBef>
+                        <a:spcAft>
+                          <a:spcPts val="0"/>
+                        </a:spcAft>
+                      </a:pPr>
+                      <a:r>
+                        <a:rPr lang="fa-IR" sz="1200">
+                          <a:effectLst/>
+                        </a:rPr>
+                        <a:t>مقدار مشخصی از دارایی را به مقصد پرداخت می کند.</a:t>
+                      </a:r>
+                      <a:endParaRPr lang="en-US" sz="1200">
+                        <a:effectLst/>
+                        <a:latin typeface="Times New Roman" panose="02020603050405020304" pitchFamily="18" charset="0"/>
+                        <a:ea typeface="Times New Roman" panose="02020603050405020304" pitchFamily="18" charset="0"/>
+                        <a:cs typeface="B Nazanin" panose="00000400000000000000" pitchFamily="2" charset="-78"/>
+                      </a:endParaRPr>
+                    </a:p>
+                  </a:txBody>
+                  <a:tcPr marL="68580" marR="68580" marT="0" marB="0"/>
+                </a:tc>
+                <a:extLst>
+                  <a:ext uri="{0D108BD9-81ED-4DB2-BD59-A6C34878D82A}">
+                    <a16:rowId xmlns:a16="http://schemas.microsoft.com/office/drawing/2014/main" val="3546524710"/>
+                  </a:ext>
+                </a:extLst>
+              </a:tr>
+              <a:tr h="458323">
+                <a:tc>
+                  <a:txBody>
+                    <a:bodyPr/>
+                    <a:lstStyle/>
+                    <a:p>
+                      <a:pPr marL="342900" marR="0" lvl="0" indent="-342900" algn="r" rtl="1">
+                        <a:lnSpc>
+                          <a:spcPct val="124000"/>
+                        </a:lnSpc>
+                        <a:spcBef>
+                          <a:spcPts val="0"/>
+                        </a:spcBef>
+                        <a:spcAft>
+                          <a:spcPts val="0"/>
+                        </a:spcAft>
+                        <a:buFont typeface="Wingdings" panose="05000000000000000000" pitchFamily="2" charset="2"/>
+                        <a:buChar char=""/>
+                      </a:pPr>
+                      <a:r>
+                        <a:rPr lang="en-US" sz="1200">
+                          <a:effectLst/>
+                        </a:rPr>
+                        <a:t>PathPayment</a:t>
+                      </a:r>
+                      <a:endParaRPr lang="en-US" sz="1200">
+                        <a:effectLst/>
+                        <a:latin typeface="Times New Roman" panose="02020603050405020304" pitchFamily="18" charset="0"/>
+                        <a:ea typeface="Times New Roman" panose="02020603050405020304" pitchFamily="18" charset="0"/>
+                        <a:cs typeface="B Nazanin" panose="00000400000000000000" pitchFamily="2" charset="-78"/>
+                      </a:endParaRPr>
+                    </a:p>
+                  </a:txBody>
+                  <a:tcPr marL="68580" marR="68580" marT="0" marB="0"/>
+                </a:tc>
+                <a:tc>
+                  <a:txBody>
+                    <a:bodyPr/>
+                    <a:lstStyle/>
+                    <a:p>
+                      <a:pPr marL="0" marR="0" indent="180340" algn="ctr" rtl="1">
+                        <a:lnSpc>
+                          <a:spcPct val="124000"/>
+                        </a:lnSpc>
+                        <a:spcBef>
+                          <a:spcPts val="0"/>
+                        </a:spcBef>
+                        <a:spcAft>
+                          <a:spcPts val="0"/>
+                        </a:spcAft>
+                      </a:pPr>
+                      <a:r>
+                        <a:rPr lang="fa-IR" sz="1200">
+                          <a:effectLst/>
+                        </a:rPr>
+                        <a:t>مانند پرداخت است، اما در دارایی های مختلف پرداخت می کند ؛ حداکثر 5 دارایی واسطه ای.</a:t>
+                      </a:r>
+                      <a:endParaRPr lang="en-US" sz="1200">
+                        <a:effectLst/>
+                        <a:latin typeface="Times New Roman" panose="02020603050405020304" pitchFamily="18" charset="0"/>
+                        <a:ea typeface="Times New Roman" panose="02020603050405020304" pitchFamily="18" charset="0"/>
+                        <a:cs typeface="B Nazanin" panose="00000400000000000000" pitchFamily="2" charset="-78"/>
+                      </a:endParaRPr>
+                    </a:p>
+                  </a:txBody>
+                  <a:tcPr marL="68580" marR="68580" marT="0" marB="0"/>
+                </a:tc>
+                <a:extLst>
+                  <a:ext uri="{0D108BD9-81ED-4DB2-BD59-A6C34878D82A}">
+                    <a16:rowId xmlns:a16="http://schemas.microsoft.com/office/drawing/2014/main" val="1575879806"/>
+                  </a:ext>
+                </a:extLst>
+              </a:tr>
+              <a:tr h="458323">
+                <a:tc>
+                  <a:txBody>
+                    <a:bodyPr/>
+                    <a:lstStyle/>
+                    <a:p>
+                      <a:pPr marL="342900" marR="0" lvl="0" indent="-342900" algn="r" rtl="1">
+                        <a:lnSpc>
+                          <a:spcPct val="124000"/>
+                        </a:lnSpc>
+                        <a:spcBef>
+                          <a:spcPts val="0"/>
+                        </a:spcBef>
+                        <a:spcAft>
+                          <a:spcPts val="0"/>
+                        </a:spcAft>
+                        <a:buFont typeface="Wingdings" panose="05000000000000000000" pitchFamily="2" charset="2"/>
+                        <a:buChar char=""/>
+                      </a:pPr>
+                      <a:r>
+                        <a:rPr lang="en-US" sz="1200">
+                          <a:effectLst/>
+                        </a:rPr>
+                        <a:t>ManageOffer</a:t>
+                      </a:r>
+                      <a:endParaRPr lang="en-US" sz="1200">
+                        <a:effectLst/>
+                        <a:latin typeface="Times New Roman" panose="02020603050405020304" pitchFamily="18" charset="0"/>
+                        <a:ea typeface="Times New Roman" panose="02020603050405020304" pitchFamily="18" charset="0"/>
+                        <a:cs typeface="B Nazanin" panose="00000400000000000000" pitchFamily="2" charset="-78"/>
+                      </a:endParaRPr>
+                    </a:p>
+                  </a:txBody>
+                  <a:tcPr marL="68580" marR="68580" marT="0" marB="0"/>
+                </a:tc>
+                <a:tc>
+                  <a:txBody>
+                    <a:bodyPr/>
+                    <a:lstStyle/>
+                    <a:p>
+                      <a:pPr marL="0" marR="0" indent="0" algn="ctr" rtl="1">
+                        <a:lnSpc>
+                          <a:spcPct val="124000"/>
+                        </a:lnSpc>
+                        <a:spcBef>
+                          <a:spcPts val="0"/>
+                        </a:spcBef>
+                        <a:spcAft>
+                          <a:spcPts val="0"/>
+                        </a:spcAft>
+                      </a:pPr>
+                      <a:r>
+                        <a:rPr lang="fa-IR" sz="1200">
+                          <a:effectLst/>
+                        </a:rPr>
+                        <a:t>ایجاد/حذف/تغییر ورودی دفتر کل پیشنهادات.</a:t>
+                      </a:r>
+                      <a:endParaRPr lang="en-US" sz="1200">
+                        <a:effectLst/>
+                        <a:latin typeface="Times New Roman" panose="02020603050405020304" pitchFamily="18" charset="0"/>
+                        <a:ea typeface="Times New Roman" panose="02020603050405020304" pitchFamily="18" charset="0"/>
+                        <a:cs typeface="B Nazanin" panose="00000400000000000000" pitchFamily="2" charset="-78"/>
+                      </a:endParaRPr>
+                    </a:p>
+                  </a:txBody>
+                  <a:tcPr marL="68580" marR="68580" marT="0" marB="0"/>
+                </a:tc>
+                <a:extLst>
+                  <a:ext uri="{0D108BD9-81ED-4DB2-BD59-A6C34878D82A}">
+                    <a16:rowId xmlns:a16="http://schemas.microsoft.com/office/drawing/2014/main" val="1557801842"/>
+                  </a:ext>
+                </a:extLst>
+              </a:tr>
+              <a:tr h="458323">
+                <a:tc>
+                  <a:txBody>
+                    <a:bodyPr/>
+                    <a:lstStyle/>
+                    <a:p>
+                      <a:pPr marL="342900" marR="0" lvl="0" indent="-342900" algn="r" rtl="1">
+                        <a:lnSpc>
+                          <a:spcPct val="124000"/>
+                        </a:lnSpc>
+                        <a:spcBef>
+                          <a:spcPts val="0"/>
+                        </a:spcBef>
+                        <a:spcAft>
+                          <a:spcPts val="0"/>
+                        </a:spcAft>
+                        <a:buFont typeface="Wingdings" panose="05000000000000000000" pitchFamily="2" charset="2"/>
+                        <a:buChar char=""/>
+                      </a:pPr>
+                      <a:r>
+                        <a:rPr lang="en-US" sz="1200">
+                          <a:effectLst/>
+                        </a:rPr>
+                        <a:t>ManageData</a:t>
+                      </a:r>
+                      <a:endParaRPr lang="en-US" sz="1200">
+                        <a:effectLst/>
+                        <a:latin typeface="Times New Roman" panose="02020603050405020304" pitchFamily="18" charset="0"/>
+                        <a:ea typeface="Times New Roman" panose="02020603050405020304" pitchFamily="18" charset="0"/>
+                        <a:cs typeface="B Nazanin" panose="00000400000000000000" pitchFamily="2" charset="-78"/>
+                      </a:endParaRPr>
+                    </a:p>
+                  </a:txBody>
+                  <a:tcPr marL="68580" marR="68580" marT="0" marB="0"/>
+                </a:tc>
+                <a:tc>
+                  <a:txBody>
+                    <a:bodyPr/>
+                    <a:lstStyle/>
+                    <a:p>
+                      <a:pPr marL="0" marR="0" indent="0" algn="ctr" rtl="1">
+                        <a:lnSpc>
+                          <a:spcPct val="124000"/>
+                        </a:lnSpc>
+                        <a:spcBef>
+                          <a:spcPts val="0"/>
+                        </a:spcBef>
+                        <a:spcAft>
+                          <a:spcPts val="0"/>
+                        </a:spcAft>
+                      </a:pPr>
+                      <a:r>
+                        <a:rPr lang="fa-IR" sz="1200">
+                          <a:effectLst/>
+                        </a:rPr>
+                        <a:t>ایجاد/حذف/تغییر عمل، ورود به دفتر اطلاعات.</a:t>
+                      </a:r>
+                      <a:endParaRPr lang="en-US" sz="1200">
+                        <a:effectLst/>
+                        <a:latin typeface="Times New Roman" panose="02020603050405020304" pitchFamily="18" charset="0"/>
+                        <a:ea typeface="Times New Roman" panose="02020603050405020304" pitchFamily="18" charset="0"/>
+                        <a:cs typeface="B Nazanin" panose="00000400000000000000" pitchFamily="2" charset="-78"/>
+                      </a:endParaRPr>
+                    </a:p>
+                  </a:txBody>
+                  <a:tcPr marL="68580" marR="68580" marT="0" marB="0"/>
+                </a:tc>
+                <a:extLst>
+                  <a:ext uri="{0D108BD9-81ED-4DB2-BD59-A6C34878D82A}">
+                    <a16:rowId xmlns:a16="http://schemas.microsoft.com/office/drawing/2014/main" val="3286509732"/>
+                  </a:ext>
+                </a:extLst>
+              </a:tr>
+              <a:tr h="300693">
+                <a:tc>
+                  <a:txBody>
+                    <a:bodyPr/>
+                    <a:lstStyle/>
+                    <a:p>
+                      <a:pPr marL="342900" marR="0" lvl="0" indent="-342900" algn="r" rtl="1">
+                        <a:lnSpc>
+                          <a:spcPct val="124000"/>
+                        </a:lnSpc>
+                        <a:spcBef>
+                          <a:spcPts val="0"/>
+                        </a:spcBef>
+                        <a:spcAft>
+                          <a:spcPts val="0"/>
+                        </a:spcAft>
+                        <a:buFont typeface="Wingdings" panose="05000000000000000000" pitchFamily="2" charset="2"/>
+                        <a:buChar char=""/>
+                      </a:pPr>
+                      <a:r>
+                        <a:rPr lang="en-US" sz="1200">
+                          <a:effectLst/>
+                        </a:rPr>
+                        <a:t>ChangeTrust</a:t>
+                      </a:r>
+                      <a:endParaRPr lang="en-US" sz="1200">
+                        <a:effectLst/>
+                        <a:latin typeface="Times New Roman" panose="02020603050405020304" pitchFamily="18" charset="0"/>
+                        <a:ea typeface="Times New Roman" panose="02020603050405020304" pitchFamily="18" charset="0"/>
+                        <a:cs typeface="B Nazanin" panose="00000400000000000000" pitchFamily="2" charset="-78"/>
+                      </a:endParaRPr>
+                    </a:p>
+                  </a:txBody>
+                  <a:tcPr marL="68580" marR="68580" marT="0" marB="0"/>
+                </a:tc>
+                <a:tc>
+                  <a:txBody>
+                    <a:bodyPr/>
+                    <a:lstStyle/>
+                    <a:p>
+                      <a:pPr marL="0" marR="0" indent="0" algn="ctr" rtl="1">
+                        <a:lnSpc>
+                          <a:spcPct val="124000"/>
+                        </a:lnSpc>
+                        <a:spcBef>
+                          <a:spcPts val="0"/>
+                        </a:spcBef>
+                        <a:spcAft>
+                          <a:spcPts val="0"/>
+                        </a:spcAft>
+                      </a:pPr>
+                      <a:r>
+                        <a:rPr lang="fa-IR" sz="1200">
+                          <a:effectLst/>
+                        </a:rPr>
+                        <a:t>ایجاد/حذف/تغییر خط اعتماد.</a:t>
+                      </a:r>
+                      <a:endParaRPr lang="en-US" sz="1200">
+                        <a:effectLst/>
+                        <a:latin typeface="Times New Roman" panose="02020603050405020304" pitchFamily="18" charset="0"/>
+                        <a:ea typeface="Times New Roman" panose="02020603050405020304" pitchFamily="18" charset="0"/>
+                        <a:cs typeface="B Nazanin" panose="00000400000000000000" pitchFamily="2" charset="-78"/>
+                      </a:endParaRPr>
+                    </a:p>
+                  </a:txBody>
+                  <a:tcPr marL="68580" marR="68580" marT="0" marB="0"/>
+                </a:tc>
+                <a:extLst>
+                  <a:ext uri="{0D108BD9-81ED-4DB2-BD59-A6C34878D82A}">
+                    <a16:rowId xmlns:a16="http://schemas.microsoft.com/office/drawing/2014/main" val="3500557753"/>
+                  </a:ext>
+                </a:extLst>
+              </a:tr>
+              <a:tr h="300693">
+                <a:tc>
+                  <a:txBody>
+                    <a:bodyPr/>
+                    <a:lstStyle/>
+                    <a:p>
+                      <a:pPr marL="342900" marR="0" lvl="0" indent="-342900" algn="r" rtl="1">
+                        <a:lnSpc>
+                          <a:spcPct val="124000"/>
+                        </a:lnSpc>
+                        <a:spcBef>
+                          <a:spcPts val="0"/>
+                        </a:spcBef>
+                        <a:spcAft>
+                          <a:spcPts val="0"/>
+                        </a:spcAft>
+                        <a:buFont typeface="Wingdings" panose="05000000000000000000" pitchFamily="2" charset="2"/>
+                        <a:buChar char=""/>
+                      </a:pPr>
+                      <a:r>
+                        <a:rPr lang="en-US" sz="1200">
+                          <a:effectLst/>
+                        </a:rPr>
+                        <a:t>AllowTrust</a:t>
+                      </a:r>
+                      <a:endParaRPr lang="en-US" sz="1200">
+                        <a:effectLst/>
+                        <a:latin typeface="Times New Roman" panose="02020603050405020304" pitchFamily="18" charset="0"/>
+                        <a:ea typeface="Times New Roman" panose="02020603050405020304" pitchFamily="18" charset="0"/>
+                        <a:cs typeface="B Nazanin" panose="00000400000000000000" pitchFamily="2" charset="-78"/>
+                      </a:endParaRPr>
+                    </a:p>
+                  </a:txBody>
+                  <a:tcPr marL="68580" marR="68580" marT="0" marB="0"/>
+                </a:tc>
+                <a:tc>
+                  <a:txBody>
+                    <a:bodyPr/>
+                    <a:lstStyle/>
+                    <a:p>
+                      <a:pPr marL="0" marR="0" indent="0" algn="ctr" rtl="1">
+                        <a:lnSpc>
+                          <a:spcPct val="124000"/>
+                        </a:lnSpc>
+                        <a:spcBef>
+                          <a:spcPts val="0"/>
+                        </a:spcBef>
+                        <a:spcAft>
+                          <a:spcPts val="0"/>
+                        </a:spcAft>
+                      </a:pPr>
+                      <a:r>
+                        <a:rPr lang="fa-IR" sz="1200">
+                          <a:effectLst/>
+                        </a:rPr>
+                        <a:t>پرچم مجاز را در </a:t>
+                      </a:r>
+                      <a:r>
+                        <a:rPr lang="en-US" sz="1200">
+                          <a:effectLst/>
+                        </a:rPr>
+                        <a:t>Trustline</a:t>
+                      </a:r>
+                      <a:r>
+                        <a:rPr lang="fa-IR" sz="1200">
+                          <a:effectLst/>
+                        </a:rPr>
+                        <a:t> تنظیم یا پاک می کند.</a:t>
+                      </a:r>
+                      <a:endParaRPr lang="en-US" sz="1200">
+                        <a:effectLst/>
+                        <a:latin typeface="Times New Roman" panose="02020603050405020304" pitchFamily="18" charset="0"/>
+                        <a:ea typeface="Times New Roman" panose="02020603050405020304" pitchFamily="18" charset="0"/>
+                        <a:cs typeface="B Nazanin" panose="00000400000000000000" pitchFamily="2" charset="-78"/>
+                      </a:endParaRPr>
+                    </a:p>
+                  </a:txBody>
+                  <a:tcPr marL="68580" marR="68580" marT="0" marB="0"/>
+                </a:tc>
+                <a:extLst>
+                  <a:ext uri="{0D108BD9-81ED-4DB2-BD59-A6C34878D82A}">
+                    <a16:rowId xmlns:a16="http://schemas.microsoft.com/office/drawing/2014/main" val="705207979"/>
+                  </a:ext>
+                </a:extLst>
+              </a:tr>
+              <a:tr h="458323">
+                <a:tc>
+                  <a:txBody>
+                    <a:bodyPr/>
+                    <a:lstStyle/>
+                    <a:p>
+                      <a:pPr marL="342900" marR="0" lvl="0" indent="-342900" algn="r" rtl="1">
+                        <a:lnSpc>
+                          <a:spcPct val="124000"/>
+                        </a:lnSpc>
+                        <a:spcBef>
+                          <a:spcPts val="0"/>
+                        </a:spcBef>
+                        <a:spcAft>
+                          <a:spcPts val="0"/>
+                        </a:spcAft>
+                        <a:buFont typeface="Wingdings" panose="05000000000000000000" pitchFamily="2" charset="2"/>
+                        <a:buChar char=""/>
+                      </a:pPr>
+                      <a:r>
+                        <a:rPr lang="en-US" sz="1200">
+                          <a:effectLst/>
+                        </a:rPr>
+                        <a:t>BumpSequence</a:t>
+                      </a:r>
+                      <a:endParaRPr lang="en-US" sz="1200">
+                        <a:effectLst/>
+                        <a:latin typeface="Times New Roman" panose="02020603050405020304" pitchFamily="18" charset="0"/>
+                        <a:ea typeface="Times New Roman" panose="02020603050405020304" pitchFamily="18" charset="0"/>
+                        <a:cs typeface="B Nazanin" panose="00000400000000000000" pitchFamily="2" charset="-78"/>
+                      </a:endParaRPr>
+                    </a:p>
+                  </a:txBody>
+                  <a:tcPr marL="68580" marR="68580" marT="0" marB="0"/>
+                </a:tc>
+                <a:tc>
+                  <a:txBody>
+                    <a:bodyPr/>
+                    <a:lstStyle/>
+                    <a:p>
+                      <a:pPr marL="0" marR="0" indent="0" algn="ctr" rtl="1">
+                        <a:lnSpc>
+                          <a:spcPct val="124000"/>
+                        </a:lnSpc>
+                        <a:spcBef>
+                          <a:spcPts val="0"/>
+                        </a:spcBef>
+                        <a:spcAft>
+                          <a:spcPts val="0"/>
+                        </a:spcAft>
+                      </a:pPr>
+                      <a:r>
+                        <a:rPr lang="fa-IR" sz="1200" dirty="0">
+                          <a:effectLst/>
+                        </a:rPr>
+                        <a:t>افزایش دنباله شماره در حساب.</a:t>
+                      </a:r>
+                      <a:endParaRPr lang="en-US" sz="1200" dirty="0">
+                        <a:effectLst/>
+                        <a:latin typeface="Times New Roman" panose="02020603050405020304" pitchFamily="18" charset="0"/>
+                        <a:ea typeface="Times New Roman" panose="02020603050405020304" pitchFamily="18" charset="0"/>
+                        <a:cs typeface="B Nazanin" panose="00000400000000000000" pitchFamily="2" charset="-78"/>
+                      </a:endParaRPr>
+                    </a:p>
+                  </a:txBody>
+                  <a:tcPr marL="68580" marR="68580" marT="0" marB="0"/>
+                </a:tc>
+                <a:extLst>
+                  <a:ext uri="{0D108BD9-81ED-4DB2-BD59-A6C34878D82A}">
+                    <a16:rowId xmlns:a16="http://schemas.microsoft.com/office/drawing/2014/main" val="1388798684"/>
+                  </a:ext>
+                </a:extLst>
+              </a:tr>
+            </a:tbl>
+          </a:graphicData>
+        </a:graphic>
+      </p:graphicFrame>
+      <p:sp>
+        <p:nvSpPr>
+          <p:cNvPr id="5" name="Rectangle 1">
+            <a:extLst>
+              <a:ext uri="{FF2B5EF4-FFF2-40B4-BE49-F238E27FC236}">
+                <a16:creationId xmlns:a16="http://schemas.microsoft.com/office/drawing/2014/main" id="{77FF04B1-BE0E-20E8-31F0-C707D0D7F61C}"/>
+              </a:ext>
+            </a:extLst>
+          </p:cNvPr>
+          <p:cNvSpPr>
+            <a:spLocks noChangeArrowheads="1"/>
+          </p:cNvSpPr>
+          <p:nvPr/>
+        </p:nvSpPr>
+        <p:spPr bwMode="auto">
+          <a:xfrm>
+            <a:off x="-6331087" y="2524445"/>
+            <a:ext cx="20179174" cy="457152"/>
+          </a:xfrm>
+          <a:prstGeom prst="rect">
+            <a:avLst/>
+          </a:prstGeom>
+          <a:noFill/>
+          <a:ln>
+            <a:noFill/>
+          </a:ln>
+          <a:effectLst/>
+          <a:extLst>
+            <a:ext uri="{909E8E84-426E-40DD-AFC4-6F175D3DCCD1}">
+              <a14:hiddenFill xmlns:a14="http://schemas.microsoft.com/office/drawing/2010/main">
+                <a:solidFill>
+                  <a:schemeClr val="accent1"/>
+                </a:solidFill>
+              </a14:hiddenFill>
+            </a:ext>
+            <a:ext uri="{91240B29-F687-4F45-9708-019B960494DF}">
+              <a14:hiddenLine xmlns:a14="http://schemas.microsoft.com/office/drawing/2010/main" w="9525">
+                <a:solidFill>
+                  <a:schemeClr val="tx1"/>
+                </a:solidFill>
+                <a:miter lim="800000"/>
+                <a:headEnd/>
+                <a:tailEnd/>
+              </a14:hiddenLine>
+            </a:ext>
+            <a:ext uri="{AF507438-7753-43E0-B8FC-AC1667EBCBE1}">
+              <a14:hiddenEffects xmlns:a14="http://schemas.microsoft.com/office/drawing/2010/main">
+                <a:effectLst>
+                  <a:outerShdw dist="35921" dir="2700000" algn="ctr" rotWithShape="0">
+                    <a:schemeClr val="bg2"/>
+                  </a:outerShdw>
+                </a:effectLst>
+              </a14:hiddenEffects>
+            </a:ext>
+          </a:extLst>
+        </p:spPr>
+        <p:txBody>
+          <a:bodyPr vert="horz" wrap="square" lIns="91440" tIns="45720" rIns="91440" bIns="45720" numCol="1" anchor="ctr" anchorCtr="0" compatLnSpc="1">
+            <a:prstTxWarp prst="textNoShape">
+              <a:avLst/>
+            </a:prstTxWarp>
+            <a:spAutoFit/>
+          </a:bodyPr>
+          <a:lstStyle/>
+          <a:p>
+            <a:endParaRPr lang="en-US"/>
           </a:p>
         </p:txBody>
       </p:sp>
@@ -5304,15 +6976,601 @@
             <p:ph sz="quarter" idx="13"/>
           </p:nvPr>
         </p:nvSpPr>
-        <p:spPr/>
+        <p:spPr>
+          <a:xfrm>
+            <a:off x="913774" y="1638300"/>
+            <a:ext cx="10363826" cy="1267968"/>
+          </a:xfrm>
+        </p:spPr>
         <p:txBody>
           <a:bodyPr/>
           <a:lstStyle/>
           <a:p>
-            <a:endParaRPr lang="en-US"/>
-          </a:p>
-        </p:txBody>
-      </p:sp>
+            <a:pPr algn="r" rtl="1"/>
+            <a:r>
+              <a:rPr lang="fa-IR" dirty="0"/>
+              <a:t>لیست کاملی از روابط و شرح اون ها در بلاکچین استلار</a:t>
+            </a:r>
+            <a:endParaRPr lang="en-US" dirty="0"/>
+          </a:p>
+        </p:txBody>
+      </p:sp>
+      <p:graphicFrame>
+        <p:nvGraphicFramePr>
+          <p:cNvPr id="7" name="Table 6">
+            <a:extLst>
+              <a:ext uri="{FF2B5EF4-FFF2-40B4-BE49-F238E27FC236}">
+                <a16:creationId xmlns:a16="http://schemas.microsoft.com/office/drawing/2014/main" id="{4DC66EAE-DFF1-3AC5-C4D8-EA30A3F2E96F}"/>
+              </a:ext>
+            </a:extLst>
+          </p:cNvPr>
+          <p:cNvGraphicFramePr>
+            <a:graphicFrameLocks noGrp="1"/>
+          </p:cNvGraphicFramePr>
+          <p:nvPr>
+            <p:extLst>
+              <p:ext uri="{D42A27DB-BD31-4B8C-83A1-F6EECF244321}">
+                <p14:modId xmlns:p14="http://schemas.microsoft.com/office/powerpoint/2010/main" val="3577051376"/>
+              </p:ext>
+            </p:extLst>
+          </p:nvPr>
+        </p:nvGraphicFramePr>
+        <p:xfrm>
+          <a:off x="1701800" y="3055663"/>
+          <a:ext cx="8791575" cy="3317705"/>
+        </p:xfrm>
+        <a:graphic>
+          <a:graphicData uri="http://schemas.openxmlformats.org/drawingml/2006/table">
+            <a:tbl>
+              <a:tblPr rtl="1" firstRow="1" firstCol="1" bandRow="1">
+                <a:tableStyleId>{5C22544A-7EE6-4342-B048-85BDC9FD1C3A}</a:tableStyleId>
+              </a:tblPr>
+              <a:tblGrid>
+                <a:gridCol w="2847975">
+                  <a:extLst>
+                    <a:ext uri="{9D8B030D-6E8A-4147-A177-3AD203B41FA5}">
+                      <a16:colId xmlns:a16="http://schemas.microsoft.com/office/drawing/2014/main" val="4037930218"/>
+                    </a:ext>
+                  </a:extLst>
+                </a:gridCol>
+                <a:gridCol w="5943600">
+                  <a:extLst>
+                    <a:ext uri="{9D8B030D-6E8A-4147-A177-3AD203B41FA5}">
+                      <a16:colId xmlns:a16="http://schemas.microsoft.com/office/drawing/2014/main" val="1921880601"/>
+                    </a:ext>
+                  </a:extLst>
+                </a:gridCol>
+              </a:tblGrid>
+              <a:tr h="438150">
+                <a:tc>
+                  <a:txBody>
+                    <a:bodyPr/>
+                    <a:lstStyle/>
+                    <a:p>
+                      <a:pPr marL="0" marR="0" algn="ctr" rtl="1">
+                        <a:spcBef>
+                          <a:spcPts val="0"/>
+                        </a:spcBef>
+                        <a:spcAft>
+                          <a:spcPts val="0"/>
+                        </a:spcAft>
+                      </a:pPr>
+                      <a:r>
+                        <a:rPr lang="fa-IR" sz="1400" cap="all">
+                          <a:effectLst/>
+                        </a:rPr>
+                        <a:t>رابطه</a:t>
+                      </a:r>
+                      <a:endParaRPr lang="en-US" sz="1400" dirty="0">
+                        <a:effectLst/>
+                        <a:latin typeface="Times New Roman" panose="02020603050405020304" pitchFamily="18" charset="0"/>
+                        <a:ea typeface="Times New Roman" panose="02020603050405020304" pitchFamily="18" charset="0"/>
+                        <a:cs typeface="B Nazanin" panose="00000400000000000000" pitchFamily="2" charset="-78"/>
+                      </a:endParaRPr>
+                    </a:p>
+                  </a:txBody>
+                  <a:tcPr marL="68580" marR="68580" marT="0" marB="0"/>
+                </a:tc>
+                <a:tc>
+                  <a:txBody>
+                    <a:bodyPr/>
+                    <a:lstStyle/>
+                    <a:p>
+                      <a:pPr marL="0" marR="0" algn="ctr" rtl="1">
+                        <a:spcBef>
+                          <a:spcPts val="0"/>
+                        </a:spcBef>
+                        <a:spcAft>
+                          <a:spcPts val="0"/>
+                        </a:spcAft>
+                      </a:pPr>
+                      <a:r>
+                        <a:rPr lang="fa-IR" sz="1400" cap="all" dirty="0">
+                          <a:effectLst/>
+                        </a:rPr>
+                        <a:t>عملکرد</a:t>
+                      </a:r>
+                      <a:endParaRPr lang="en-US" sz="1400" dirty="0">
+                        <a:effectLst/>
+                        <a:latin typeface="Times New Roman" panose="02020603050405020304" pitchFamily="18" charset="0"/>
+                        <a:ea typeface="Times New Roman" panose="02020603050405020304" pitchFamily="18" charset="0"/>
+                        <a:cs typeface="B Nazanin" panose="00000400000000000000" pitchFamily="2" charset="-78"/>
+                      </a:endParaRPr>
+                    </a:p>
+                  </a:txBody>
+                  <a:tcPr marL="68580" marR="68580" marT="0" marB="0"/>
+                </a:tc>
+                <a:extLst>
+                  <a:ext uri="{0D108BD9-81ED-4DB2-BD59-A6C34878D82A}">
+                    <a16:rowId xmlns:a16="http://schemas.microsoft.com/office/drawing/2014/main" val="3712392004"/>
+                  </a:ext>
+                </a:extLst>
+              </a:tr>
+              <a:tr h="411365">
+                <a:tc>
+                  <a:txBody>
+                    <a:bodyPr/>
+                    <a:lstStyle/>
+                    <a:p>
+                      <a:pPr marL="0" marR="0" algn="ctr" rtl="1">
+                        <a:spcBef>
+                          <a:spcPts val="0"/>
+                        </a:spcBef>
+                        <a:spcAft>
+                          <a:spcPts val="0"/>
+                        </a:spcAft>
+                      </a:pPr>
+                      <a:r>
+                        <a:rPr lang="en-US" sz="1400" dirty="0">
+                          <a:effectLst/>
+                        </a:rPr>
+                        <a:t>Payment</a:t>
+                      </a:r>
+                      <a:endParaRPr lang="en-US" sz="1400" dirty="0">
+                        <a:effectLst/>
+                        <a:latin typeface="Times New Roman" panose="02020603050405020304" pitchFamily="18" charset="0"/>
+                        <a:ea typeface="Times New Roman" panose="02020603050405020304" pitchFamily="18" charset="0"/>
+                        <a:cs typeface="B Nazanin" panose="00000400000000000000" pitchFamily="2" charset="-78"/>
+                      </a:endParaRPr>
+                    </a:p>
+                  </a:txBody>
+                  <a:tcPr marL="68580" marR="68580" marT="0" marB="0"/>
+                </a:tc>
+                <a:tc>
+                  <a:txBody>
+                    <a:bodyPr/>
+                    <a:lstStyle/>
+                    <a:p>
+                      <a:pPr marL="0" marR="0" algn="ctr" rtl="1">
+                        <a:spcBef>
+                          <a:spcPts val="0"/>
+                        </a:spcBef>
+                        <a:spcAft>
+                          <a:spcPts val="0"/>
+                        </a:spcAft>
+                      </a:pPr>
+                      <a:r>
+                        <a:rPr lang="fa-IR" sz="1400">
+                          <a:effectLst/>
+                        </a:rPr>
+                        <a:t>+</a:t>
+                      </a:r>
+                      <a:endParaRPr lang="en-US" sz="1400">
+                        <a:effectLst/>
+                        <a:latin typeface="Times New Roman" panose="02020603050405020304" pitchFamily="18" charset="0"/>
+                        <a:ea typeface="Times New Roman" panose="02020603050405020304" pitchFamily="18" charset="0"/>
+                        <a:cs typeface="B Nazanin" panose="00000400000000000000" pitchFamily="2" charset="-78"/>
+                      </a:endParaRPr>
+                    </a:p>
+                  </a:txBody>
+                  <a:tcPr marL="68580" marR="68580" marT="0" marB="0"/>
+                </a:tc>
+                <a:extLst>
+                  <a:ext uri="{0D108BD9-81ED-4DB2-BD59-A6C34878D82A}">
+                    <a16:rowId xmlns:a16="http://schemas.microsoft.com/office/drawing/2014/main" val="3377226268"/>
+                  </a:ext>
+                </a:extLst>
+              </a:tr>
+              <a:tr h="411365">
+                <a:tc>
+                  <a:txBody>
+                    <a:bodyPr/>
+                    <a:lstStyle/>
+                    <a:p>
+                      <a:pPr marL="0" marR="0" algn="ctr" rtl="1">
+                        <a:spcBef>
+                          <a:spcPts val="0"/>
+                        </a:spcBef>
+                        <a:spcAft>
+                          <a:spcPts val="0"/>
+                        </a:spcAft>
+                      </a:pPr>
+                      <a:r>
+                        <a:rPr lang="en-US" sz="1400" dirty="0">
+                          <a:effectLst/>
+                        </a:rPr>
+                        <a:t>Co-</a:t>
+                      </a:r>
+                      <a:r>
+                        <a:rPr lang="en-US" sz="1400" dirty="0" err="1">
+                          <a:effectLst/>
+                        </a:rPr>
+                        <a:t>Singner</a:t>
+                      </a:r>
+                      <a:endParaRPr lang="en-US" sz="1400" dirty="0">
+                        <a:effectLst/>
+                        <a:latin typeface="Times New Roman" panose="02020603050405020304" pitchFamily="18" charset="0"/>
+                        <a:ea typeface="Times New Roman" panose="02020603050405020304" pitchFamily="18" charset="0"/>
+                        <a:cs typeface="B Nazanin" panose="00000400000000000000" pitchFamily="2" charset="-78"/>
+                      </a:endParaRPr>
+                    </a:p>
+                  </a:txBody>
+                  <a:tcPr marL="68580" marR="68580" marT="0" marB="0"/>
+                </a:tc>
+                <a:tc>
+                  <a:txBody>
+                    <a:bodyPr/>
+                    <a:lstStyle/>
+                    <a:p>
+                      <a:pPr marL="0" marR="0" algn="ctr" rtl="1">
+                        <a:spcBef>
+                          <a:spcPts val="0"/>
+                        </a:spcBef>
+                        <a:spcAft>
+                          <a:spcPts val="0"/>
+                        </a:spcAft>
+                      </a:pPr>
+                      <a:r>
+                        <a:rPr lang="fa-IR" sz="1400">
+                          <a:effectLst/>
+                        </a:rPr>
+                        <a:t>+</a:t>
+                      </a:r>
+                      <a:endParaRPr lang="en-US" sz="1400" dirty="0">
+                        <a:effectLst/>
+                        <a:latin typeface="Times New Roman" panose="02020603050405020304" pitchFamily="18" charset="0"/>
+                        <a:ea typeface="Times New Roman" panose="02020603050405020304" pitchFamily="18" charset="0"/>
+                        <a:cs typeface="B Nazanin" panose="00000400000000000000" pitchFamily="2" charset="-78"/>
+                      </a:endParaRPr>
+                    </a:p>
+                  </a:txBody>
+                  <a:tcPr marL="68580" marR="68580" marT="0" marB="0"/>
+                </a:tc>
+                <a:extLst>
+                  <a:ext uri="{0D108BD9-81ED-4DB2-BD59-A6C34878D82A}">
+                    <a16:rowId xmlns:a16="http://schemas.microsoft.com/office/drawing/2014/main" val="2267118520"/>
+                  </a:ext>
+                </a:extLst>
+              </a:tr>
+              <a:tr h="411365">
+                <a:tc>
+                  <a:txBody>
+                    <a:bodyPr/>
+                    <a:lstStyle/>
+                    <a:p>
+                      <a:pPr marL="0" marR="0" algn="ctr" rtl="1">
+                        <a:spcBef>
+                          <a:spcPts val="0"/>
+                        </a:spcBef>
+                        <a:spcAft>
+                          <a:spcPts val="0"/>
+                        </a:spcAft>
+                      </a:pPr>
+                      <a:r>
+                        <a:rPr lang="en-US" sz="1400" dirty="0">
+                          <a:effectLst/>
+                        </a:rPr>
+                        <a:t>Create Account</a:t>
+                      </a:r>
+                      <a:endParaRPr lang="en-US" sz="1400" dirty="0">
+                        <a:effectLst/>
+                        <a:latin typeface="Times New Roman" panose="02020603050405020304" pitchFamily="18" charset="0"/>
+                        <a:ea typeface="Times New Roman" panose="02020603050405020304" pitchFamily="18" charset="0"/>
+                        <a:cs typeface="B Nazanin" panose="00000400000000000000" pitchFamily="2" charset="-78"/>
+                      </a:endParaRPr>
+                    </a:p>
+                  </a:txBody>
+                  <a:tcPr marL="68580" marR="68580" marT="0" marB="0"/>
+                </a:tc>
+                <a:tc>
+                  <a:txBody>
+                    <a:bodyPr/>
+                    <a:lstStyle/>
+                    <a:p>
+                      <a:pPr marL="0" marR="0" algn="ctr" rtl="1">
+                        <a:spcBef>
+                          <a:spcPts val="0"/>
+                        </a:spcBef>
+                        <a:spcAft>
+                          <a:spcPts val="0"/>
+                        </a:spcAft>
+                      </a:pPr>
+                      <a:r>
+                        <a:rPr lang="fa-IR" sz="1400">
+                          <a:effectLst/>
+                        </a:rPr>
+                        <a:t>-</a:t>
+                      </a:r>
+                      <a:endParaRPr lang="en-US" sz="1400" dirty="0">
+                        <a:effectLst/>
+                        <a:latin typeface="Times New Roman" panose="02020603050405020304" pitchFamily="18" charset="0"/>
+                        <a:ea typeface="Times New Roman" panose="02020603050405020304" pitchFamily="18" charset="0"/>
+                        <a:cs typeface="B Nazanin" panose="00000400000000000000" pitchFamily="2" charset="-78"/>
+                      </a:endParaRPr>
+                    </a:p>
+                  </a:txBody>
+                  <a:tcPr marL="68580" marR="68580" marT="0" marB="0"/>
+                </a:tc>
+                <a:extLst>
+                  <a:ext uri="{0D108BD9-81ED-4DB2-BD59-A6C34878D82A}">
+                    <a16:rowId xmlns:a16="http://schemas.microsoft.com/office/drawing/2014/main" val="661484654"/>
+                  </a:ext>
+                </a:extLst>
+              </a:tr>
+              <a:tr h="411365">
+                <a:tc>
+                  <a:txBody>
+                    <a:bodyPr/>
+                    <a:lstStyle/>
+                    <a:p>
+                      <a:pPr marL="0" marR="0" algn="ctr" rtl="1">
+                        <a:spcBef>
+                          <a:spcPts val="0"/>
+                        </a:spcBef>
+                        <a:spcAft>
+                          <a:spcPts val="0"/>
+                        </a:spcAft>
+                      </a:pPr>
+                      <a:r>
+                        <a:rPr lang="en-US" sz="1400" dirty="0">
+                          <a:effectLst/>
+                        </a:rPr>
+                        <a:t>Merge Account</a:t>
+                      </a:r>
+                      <a:endParaRPr lang="en-US" sz="1400" dirty="0">
+                        <a:effectLst/>
+                        <a:latin typeface="Times New Roman" panose="02020603050405020304" pitchFamily="18" charset="0"/>
+                        <a:ea typeface="Times New Roman" panose="02020603050405020304" pitchFamily="18" charset="0"/>
+                        <a:cs typeface="B Nazanin" panose="00000400000000000000" pitchFamily="2" charset="-78"/>
+                      </a:endParaRPr>
+                    </a:p>
+                  </a:txBody>
+                  <a:tcPr marL="68580" marR="68580" marT="0" marB="0"/>
+                </a:tc>
+                <a:tc>
+                  <a:txBody>
+                    <a:bodyPr/>
+                    <a:lstStyle/>
+                    <a:p>
+                      <a:pPr marL="0" marR="0" algn="ctr" rtl="1">
+                        <a:spcBef>
+                          <a:spcPts val="0"/>
+                        </a:spcBef>
+                        <a:spcAft>
+                          <a:spcPts val="0"/>
+                        </a:spcAft>
+                      </a:pPr>
+                      <a:r>
+                        <a:rPr lang="fa-IR" sz="1400">
+                          <a:effectLst/>
+                        </a:rPr>
+                        <a:t>-</a:t>
+                      </a:r>
+                      <a:endParaRPr lang="en-US" sz="1400" dirty="0">
+                        <a:effectLst/>
+                        <a:latin typeface="Times New Roman" panose="02020603050405020304" pitchFamily="18" charset="0"/>
+                        <a:ea typeface="Times New Roman" panose="02020603050405020304" pitchFamily="18" charset="0"/>
+                        <a:cs typeface="B Nazanin" panose="00000400000000000000" pitchFamily="2" charset="-78"/>
+                      </a:endParaRPr>
+                    </a:p>
+                  </a:txBody>
+                  <a:tcPr marL="68580" marR="68580" marT="0" marB="0"/>
+                </a:tc>
+                <a:extLst>
+                  <a:ext uri="{0D108BD9-81ED-4DB2-BD59-A6C34878D82A}">
+                    <a16:rowId xmlns:a16="http://schemas.microsoft.com/office/drawing/2014/main" val="2920766741"/>
+                  </a:ext>
+                </a:extLst>
+              </a:tr>
+              <a:tr h="411365">
+                <a:tc>
+                  <a:txBody>
+                    <a:bodyPr/>
+                    <a:lstStyle/>
+                    <a:p>
+                      <a:pPr marL="0" marR="0" algn="ctr" rtl="1">
+                        <a:spcBef>
+                          <a:spcPts val="0"/>
+                        </a:spcBef>
+                        <a:spcAft>
+                          <a:spcPts val="0"/>
+                        </a:spcAft>
+                      </a:pPr>
+                      <a:r>
+                        <a:rPr lang="en-US" sz="1400" dirty="0">
+                          <a:effectLst/>
+                        </a:rPr>
+                        <a:t>Sponsor</a:t>
+                      </a:r>
+                      <a:endParaRPr lang="en-US" sz="1400" dirty="0">
+                        <a:effectLst/>
+                        <a:latin typeface="Times New Roman" panose="02020603050405020304" pitchFamily="18" charset="0"/>
+                        <a:ea typeface="Times New Roman" panose="02020603050405020304" pitchFamily="18" charset="0"/>
+                        <a:cs typeface="B Nazanin" panose="00000400000000000000" pitchFamily="2" charset="-78"/>
+                      </a:endParaRPr>
+                    </a:p>
+                  </a:txBody>
+                  <a:tcPr marL="68580" marR="68580" marT="0" marB="0"/>
+                </a:tc>
+                <a:tc>
+                  <a:txBody>
+                    <a:bodyPr/>
+                    <a:lstStyle/>
+                    <a:p>
+                      <a:pPr marL="0" marR="0" algn="ctr" rtl="1">
+                        <a:spcBef>
+                          <a:spcPts val="0"/>
+                        </a:spcBef>
+                        <a:spcAft>
+                          <a:spcPts val="0"/>
+                        </a:spcAft>
+                      </a:pPr>
+                      <a:r>
+                        <a:rPr lang="fa-IR" sz="1400">
+                          <a:effectLst/>
+                        </a:rPr>
+                        <a:t>-</a:t>
+                      </a:r>
+                      <a:endParaRPr lang="en-US" sz="1400" dirty="0">
+                        <a:effectLst/>
+                        <a:latin typeface="Times New Roman" panose="02020603050405020304" pitchFamily="18" charset="0"/>
+                        <a:ea typeface="Times New Roman" panose="02020603050405020304" pitchFamily="18" charset="0"/>
+                        <a:cs typeface="B Nazanin" panose="00000400000000000000" pitchFamily="2" charset="-78"/>
+                      </a:endParaRPr>
+                    </a:p>
+                  </a:txBody>
+                  <a:tcPr marL="68580" marR="68580" marT="0" marB="0"/>
+                </a:tc>
+                <a:extLst>
+                  <a:ext uri="{0D108BD9-81ED-4DB2-BD59-A6C34878D82A}">
+                    <a16:rowId xmlns:a16="http://schemas.microsoft.com/office/drawing/2014/main" val="301827708"/>
+                  </a:ext>
+                </a:extLst>
+              </a:tr>
+              <a:tr h="411365">
+                <a:tc>
+                  <a:txBody>
+                    <a:bodyPr/>
+                    <a:lstStyle/>
+                    <a:p>
+                      <a:pPr marL="0" marR="0" algn="ctr" rtl="1">
+                        <a:spcBef>
+                          <a:spcPts val="0"/>
+                        </a:spcBef>
+                        <a:spcAft>
+                          <a:spcPts val="0"/>
+                        </a:spcAft>
+                      </a:pPr>
+                      <a:r>
+                        <a:rPr lang="en-US" sz="1400" dirty="0">
+                          <a:effectLst/>
+                        </a:rPr>
+                        <a:t>Allow Trust</a:t>
+                      </a:r>
+                      <a:endParaRPr lang="en-US" sz="1400" dirty="0">
+                        <a:effectLst/>
+                        <a:latin typeface="Times New Roman" panose="02020603050405020304" pitchFamily="18" charset="0"/>
+                        <a:ea typeface="Times New Roman" panose="02020603050405020304" pitchFamily="18" charset="0"/>
+                        <a:cs typeface="B Nazanin" panose="00000400000000000000" pitchFamily="2" charset="-78"/>
+                      </a:endParaRPr>
+                    </a:p>
+                  </a:txBody>
+                  <a:tcPr marL="68580" marR="68580" marT="0" marB="0"/>
+                </a:tc>
+                <a:tc>
+                  <a:txBody>
+                    <a:bodyPr/>
+                    <a:lstStyle/>
+                    <a:p>
+                      <a:pPr marL="0" marR="0" algn="ctr" rtl="1">
+                        <a:spcBef>
+                          <a:spcPts val="0"/>
+                        </a:spcBef>
+                        <a:spcAft>
+                          <a:spcPts val="0"/>
+                        </a:spcAft>
+                      </a:pPr>
+                      <a:r>
+                        <a:rPr lang="fa-IR" sz="1400">
+                          <a:effectLst/>
+                        </a:rPr>
+                        <a:t>+</a:t>
+                      </a:r>
+                      <a:endParaRPr lang="en-US" sz="1400" dirty="0">
+                        <a:effectLst/>
+                        <a:latin typeface="Times New Roman" panose="02020603050405020304" pitchFamily="18" charset="0"/>
+                        <a:ea typeface="Times New Roman" panose="02020603050405020304" pitchFamily="18" charset="0"/>
+                        <a:cs typeface="B Nazanin" panose="00000400000000000000" pitchFamily="2" charset="-78"/>
+                      </a:endParaRPr>
+                    </a:p>
+                  </a:txBody>
+                  <a:tcPr marL="68580" marR="68580" marT="0" marB="0"/>
+                </a:tc>
+                <a:extLst>
+                  <a:ext uri="{0D108BD9-81ED-4DB2-BD59-A6C34878D82A}">
+                    <a16:rowId xmlns:a16="http://schemas.microsoft.com/office/drawing/2014/main" val="1706220685"/>
+                  </a:ext>
+                </a:extLst>
+              </a:tr>
+              <a:tr h="411365">
+                <a:tc>
+                  <a:txBody>
+                    <a:bodyPr/>
+                    <a:lstStyle/>
+                    <a:p>
+                      <a:pPr marL="0" marR="0" algn="ctr" rtl="1">
+                        <a:spcBef>
+                          <a:spcPts val="0"/>
+                        </a:spcBef>
+                        <a:spcAft>
+                          <a:spcPts val="0"/>
+                        </a:spcAft>
+                      </a:pPr>
+                      <a:r>
+                        <a:rPr lang="en-US" sz="1400" dirty="0">
+                          <a:effectLst/>
+                        </a:rPr>
+                        <a:t>Matching</a:t>
+                      </a:r>
+                      <a:endParaRPr lang="en-US" sz="1400" dirty="0">
+                        <a:effectLst/>
+                        <a:latin typeface="Times New Roman" panose="02020603050405020304" pitchFamily="18" charset="0"/>
+                        <a:ea typeface="Times New Roman" panose="02020603050405020304" pitchFamily="18" charset="0"/>
+                        <a:cs typeface="B Nazanin" panose="00000400000000000000" pitchFamily="2" charset="-78"/>
+                      </a:endParaRPr>
+                    </a:p>
+                  </a:txBody>
+                  <a:tcPr marL="68580" marR="68580" marT="0" marB="0"/>
+                </a:tc>
+                <a:tc>
+                  <a:txBody>
+                    <a:bodyPr/>
+                    <a:lstStyle/>
+                    <a:p>
+                      <a:pPr marL="0" marR="0" algn="ctr" rtl="1">
+                        <a:spcBef>
+                          <a:spcPts val="0"/>
+                        </a:spcBef>
+                        <a:spcAft>
+                          <a:spcPts val="0"/>
+                        </a:spcAft>
+                      </a:pPr>
+                      <a:r>
+                        <a:rPr lang="fa-IR" sz="1400" dirty="0">
+                          <a:effectLst/>
+                        </a:rPr>
+                        <a:t>+</a:t>
+                      </a:r>
+                      <a:endParaRPr lang="en-US" sz="1400" dirty="0">
+                        <a:effectLst/>
+                        <a:latin typeface="Times New Roman" panose="02020603050405020304" pitchFamily="18" charset="0"/>
+                        <a:ea typeface="Times New Roman" panose="02020603050405020304" pitchFamily="18" charset="0"/>
+                        <a:cs typeface="B Nazanin" panose="00000400000000000000" pitchFamily="2" charset="-78"/>
+                      </a:endParaRPr>
+                    </a:p>
+                  </a:txBody>
+                  <a:tcPr marL="68580" marR="68580" marT="0" marB="0"/>
+                </a:tc>
+                <a:extLst>
+                  <a:ext uri="{0D108BD9-81ED-4DB2-BD59-A6C34878D82A}">
+                    <a16:rowId xmlns:a16="http://schemas.microsoft.com/office/drawing/2014/main" val="1206513117"/>
+                  </a:ext>
+                </a:extLst>
+              </a:tr>
+            </a:tbl>
+          </a:graphicData>
+        </a:graphic>
+      </p:graphicFrame>
     </p:spTree>
     <p:extLst>
       <p:ext uri="{BB962C8B-B14F-4D97-AF65-F5344CB8AC3E}">
@@ -5395,15 +7653,840 @@
             <p:ph sz="quarter" idx="13"/>
           </p:nvPr>
         </p:nvSpPr>
-        <p:spPr/>
+        <p:spPr>
+          <a:xfrm>
+            <a:off x="913774" y="1625600"/>
+            <a:ext cx="10363826" cy="4165599"/>
+          </a:xfrm>
+        </p:spPr>
         <p:txBody>
           <a:bodyPr/>
           <a:lstStyle/>
           <a:p>
-            <a:endParaRPr lang="en-US"/>
-          </a:p>
-        </p:txBody>
-      </p:sp>
+            <a:pPr algn="r" rtl="1"/>
+            <a:r>
+              <a:rPr lang="fa-IR" dirty="0"/>
+              <a:t>بررسی کامل روابط و دسته بندی اون ها و بیان میزان اهمیت هر کدام</a:t>
+            </a:r>
+            <a:endParaRPr lang="en-US" dirty="0"/>
+          </a:p>
+        </p:txBody>
+      </p:sp>
+      <p:graphicFrame>
+        <p:nvGraphicFramePr>
+          <p:cNvPr id="4" name="Table 3">
+            <a:extLst>
+              <a:ext uri="{FF2B5EF4-FFF2-40B4-BE49-F238E27FC236}">
+                <a16:creationId xmlns:a16="http://schemas.microsoft.com/office/drawing/2014/main" id="{A9DA443C-7DBE-3DB8-A4F7-82B73C10369B}"/>
+              </a:ext>
+            </a:extLst>
+          </p:cNvPr>
+          <p:cNvGraphicFramePr>
+            <a:graphicFrameLocks noGrp="1"/>
+          </p:cNvGraphicFramePr>
+          <p:nvPr>
+            <p:extLst>
+              <p:ext uri="{D42A27DB-BD31-4B8C-83A1-F6EECF244321}">
+                <p14:modId xmlns:p14="http://schemas.microsoft.com/office/powerpoint/2010/main" val="3557695376"/>
+              </p:ext>
+            </p:extLst>
+          </p:nvPr>
+        </p:nvGraphicFramePr>
+        <p:xfrm>
+          <a:off x="1777687" y="3181350"/>
+          <a:ext cx="8636000" cy="3317705"/>
+        </p:xfrm>
+        <a:graphic>
+          <a:graphicData uri="http://schemas.openxmlformats.org/drawingml/2006/table">
+            <a:tbl>
+              <a:tblPr rtl="1" firstRow="1" firstCol="1" bandRow="1">
+                <a:tableStyleId>{5C22544A-7EE6-4342-B048-85BDC9FD1C3A}</a:tableStyleId>
+              </a:tblPr>
+              <a:tblGrid>
+                <a:gridCol w="2877960">
+                  <a:extLst>
+                    <a:ext uri="{9D8B030D-6E8A-4147-A177-3AD203B41FA5}">
+                      <a16:colId xmlns:a16="http://schemas.microsoft.com/office/drawing/2014/main" val="480737374"/>
+                    </a:ext>
+                  </a:extLst>
+                </a:gridCol>
+                <a:gridCol w="2879020">
+                  <a:extLst>
+                    <a:ext uri="{9D8B030D-6E8A-4147-A177-3AD203B41FA5}">
+                      <a16:colId xmlns:a16="http://schemas.microsoft.com/office/drawing/2014/main" val="2829563016"/>
+                    </a:ext>
+                  </a:extLst>
+                </a:gridCol>
+                <a:gridCol w="2879020">
+                  <a:extLst>
+                    <a:ext uri="{9D8B030D-6E8A-4147-A177-3AD203B41FA5}">
+                      <a16:colId xmlns:a16="http://schemas.microsoft.com/office/drawing/2014/main" val="370154719"/>
+                    </a:ext>
+                  </a:extLst>
+                </a:gridCol>
+              </a:tblGrid>
+              <a:tr h="438150">
+                <a:tc>
+                  <a:txBody>
+                    <a:bodyPr/>
+                    <a:lstStyle/>
+                    <a:p>
+                      <a:pPr marL="0" marR="0" algn="ctr" rtl="1">
+                        <a:spcBef>
+                          <a:spcPts val="0"/>
+                        </a:spcBef>
+                        <a:spcAft>
+                          <a:spcPts val="0"/>
+                        </a:spcAft>
+                      </a:pPr>
+                      <a:r>
+                        <a:rPr lang="fa-IR" sz="1400" cap="all">
+                          <a:effectLst/>
+                        </a:rPr>
+                        <a:t>رابطه</a:t>
+                      </a:r>
+                      <a:endParaRPr lang="en-US" sz="1400" dirty="0">
+                        <a:effectLst/>
+                        <a:latin typeface="Times New Roman" panose="02020603050405020304" pitchFamily="18" charset="0"/>
+                        <a:ea typeface="Times New Roman" panose="02020603050405020304" pitchFamily="18" charset="0"/>
+                        <a:cs typeface="B Nazanin" panose="00000400000000000000" pitchFamily="2" charset="-78"/>
+                      </a:endParaRPr>
+                    </a:p>
+                  </a:txBody>
+                  <a:tcPr marL="68580" marR="68580" marT="0" marB="0"/>
+                </a:tc>
+                <a:tc>
+                  <a:txBody>
+                    <a:bodyPr/>
+                    <a:lstStyle/>
+                    <a:p>
+                      <a:pPr marL="0" marR="0" algn="ctr" rtl="1">
+                        <a:spcBef>
+                          <a:spcPts val="0"/>
+                        </a:spcBef>
+                        <a:spcAft>
+                          <a:spcPts val="0"/>
+                        </a:spcAft>
+                      </a:pPr>
+                      <a:r>
+                        <a:rPr lang="fa-IR" sz="1400" cap="all">
+                          <a:effectLst/>
+                        </a:rPr>
+                        <a:t>اهمیت</a:t>
+                      </a:r>
+                      <a:endParaRPr lang="en-US" sz="1400" dirty="0">
+                        <a:effectLst/>
+                        <a:latin typeface="Times New Roman" panose="02020603050405020304" pitchFamily="18" charset="0"/>
+                        <a:ea typeface="Times New Roman" panose="02020603050405020304" pitchFamily="18" charset="0"/>
+                        <a:cs typeface="B Nazanin" panose="00000400000000000000" pitchFamily="2" charset="-78"/>
+                      </a:endParaRPr>
+                    </a:p>
+                  </a:txBody>
+                  <a:tcPr marL="68580" marR="68580" marT="0" marB="0"/>
+                </a:tc>
+                <a:tc>
+                  <a:txBody>
+                    <a:bodyPr/>
+                    <a:lstStyle/>
+                    <a:p>
+                      <a:pPr marL="0" marR="0" algn="ctr" rtl="1">
+                        <a:spcBef>
+                          <a:spcPts val="0"/>
+                        </a:spcBef>
+                        <a:spcAft>
+                          <a:spcPts val="0"/>
+                        </a:spcAft>
+                      </a:pPr>
+                      <a:r>
+                        <a:rPr lang="fa-IR" sz="1400" cap="all">
+                          <a:effectLst/>
+                        </a:rPr>
+                        <a:t>نوع رابطه</a:t>
+                      </a:r>
+                      <a:endParaRPr lang="en-US" sz="1400">
+                        <a:effectLst/>
+                        <a:latin typeface="Times New Roman" panose="02020603050405020304" pitchFamily="18" charset="0"/>
+                        <a:ea typeface="Times New Roman" panose="02020603050405020304" pitchFamily="18" charset="0"/>
+                        <a:cs typeface="B Nazanin" panose="00000400000000000000" pitchFamily="2" charset="-78"/>
+                      </a:endParaRPr>
+                    </a:p>
+                  </a:txBody>
+                  <a:tcPr marL="68580" marR="68580" marT="0" marB="0"/>
+                </a:tc>
+                <a:extLst>
+                  <a:ext uri="{0D108BD9-81ED-4DB2-BD59-A6C34878D82A}">
+                    <a16:rowId xmlns:a16="http://schemas.microsoft.com/office/drawing/2014/main" val="1152224043"/>
+                  </a:ext>
+                </a:extLst>
+              </a:tr>
+              <a:tr h="411365">
+                <a:tc>
+                  <a:txBody>
+                    <a:bodyPr/>
+                    <a:lstStyle/>
+                    <a:p>
+                      <a:pPr marL="0" marR="0" algn="ctr" rtl="1">
+                        <a:spcBef>
+                          <a:spcPts val="0"/>
+                        </a:spcBef>
+                        <a:spcAft>
+                          <a:spcPts val="0"/>
+                        </a:spcAft>
+                      </a:pPr>
+                      <a:r>
+                        <a:rPr lang="en-US" sz="1400" dirty="0">
+                          <a:effectLst/>
+                        </a:rPr>
+                        <a:t>Payment</a:t>
+                      </a:r>
+                      <a:endParaRPr lang="en-US" sz="1400" dirty="0">
+                        <a:effectLst/>
+                        <a:latin typeface="Times New Roman" panose="02020603050405020304" pitchFamily="18" charset="0"/>
+                        <a:ea typeface="Times New Roman" panose="02020603050405020304" pitchFamily="18" charset="0"/>
+                        <a:cs typeface="B Nazanin" panose="00000400000000000000" pitchFamily="2" charset="-78"/>
+                      </a:endParaRPr>
+                    </a:p>
+                  </a:txBody>
+                  <a:tcPr marL="68580" marR="68580" marT="0" marB="0"/>
+                </a:tc>
+                <a:tc>
+                  <a:txBody>
+                    <a:bodyPr/>
+                    <a:lstStyle/>
+                    <a:p>
+                      <a:pPr marL="0" marR="0" algn="ctr" rtl="1">
+                        <a:spcBef>
+                          <a:spcPts val="0"/>
+                        </a:spcBef>
+                        <a:spcAft>
+                          <a:spcPts val="0"/>
+                        </a:spcAft>
+                      </a:pPr>
+                      <a:r>
+                        <a:rPr lang="fa-IR" sz="1400">
+                          <a:effectLst/>
+                        </a:rPr>
+                        <a:t>+</a:t>
+                      </a:r>
+                      <a:endParaRPr lang="en-US" sz="1400">
+                        <a:effectLst/>
+                        <a:latin typeface="Times New Roman" panose="02020603050405020304" pitchFamily="18" charset="0"/>
+                        <a:ea typeface="Times New Roman" panose="02020603050405020304" pitchFamily="18" charset="0"/>
+                        <a:cs typeface="B Nazanin" panose="00000400000000000000" pitchFamily="2" charset="-78"/>
+                      </a:endParaRPr>
+                    </a:p>
+                  </a:txBody>
+                  <a:tcPr marL="68580" marR="68580" marT="0" marB="0"/>
+                </a:tc>
+                <a:tc>
+                  <a:txBody>
+                    <a:bodyPr/>
+                    <a:lstStyle/>
+                    <a:p>
+                      <a:pPr marL="0" marR="0" algn="ctr" rtl="1">
+                        <a:spcBef>
+                          <a:spcPts val="0"/>
+                        </a:spcBef>
+                        <a:spcAft>
+                          <a:spcPts val="0"/>
+                        </a:spcAft>
+                      </a:pPr>
+                      <a:r>
+                        <a:rPr lang="fa-IR" sz="1400">
+                          <a:effectLst/>
+                        </a:rPr>
+                        <a:t>شخصی</a:t>
+                      </a:r>
+                      <a:endParaRPr lang="en-US" sz="1400">
+                        <a:effectLst/>
+                        <a:latin typeface="Times New Roman" panose="02020603050405020304" pitchFamily="18" charset="0"/>
+                        <a:ea typeface="Times New Roman" panose="02020603050405020304" pitchFamily="18" charset="0"/>
+                        <a:cs typeface="B Nazanin" panose="00000400000000000000" pitchFamily="2" charset="-78"/>
+                      </a:endParaRPr>
+                    </a:p>
+                  </a:txBody>
+                  <a:tcPr marL="68580" marR="68580" marT="0" marB="0"/>
+                </a:tc>
+                <a:extLst>
+                  <a:ext uri="{0D108BD9-81ED-4DB2-BD59-A6C34878D82A}">
+                    <a16:rowId xmlns:a16="http://schemas.microsoft.com/office/drawing/2014/main" val="1952466389"/>
+                  </a:ext>
+                </a:extLst>
+              </a:tr>
+              <a:tr h="411365">
+                <a:tc>
+                  <a:txBody>
+                    <a:bodyPr/>
+                    <a:lstStyle/>
+                    <a:p>
+                      <a:pPr marL="0" marR="0" algn="ctr" rtl="1">
+                        <a:spcBef>
+                          <a:spcPts val="0"/>
+                        </a:spcBef>
+                        <a:spcAft>
+                          <a:spcPts val="0"/>
+                        </a:spcAft>
+                      </a:pPr>
+                      <a:r>
+                        <a:rPr lang="en-US" sz="1400" dirty="0">
+                          <a:effectLst/>
+                        </a:rPr>
+                        <a:t>Co-</a:t>
+                      </a:r>
+                      <a:r>
+                        <a:rPr lang="en-US" sz="1400" dirty="0" err="1">
+                          <a:effectLst/>
+                        </a:rPr>
+                        <a:t>Singner</a:t>
+                      </a:r>
+                      <a:endParaRPr lang="en-US" sz="1400" dirty="0">
+                        <a:effectLst/>
+                        <a:latin typeface="Times New Roman" panose="02020603050405020304" pitchFamily="18" charset="0"/>
+                        <a:ea typeface="Times New Roman" panose="02020603050405020304" pitchFamily="18" charset="0"/>
+                        <a:cs typeface="B Nazanin" panose="00000400000000000000" pitchFamily="2" charset="-78"/>
+                      </a:endParaRPr>
+                    </a:p>
+                  </a:txBody>
+                  <a:tcPr marL="68580" marR="68580" marT="0" marB="0"/>
+                </a:tc>
+                <a:tc>
+                  <a:txBody>
+                    <a:bodyPr/>
+                    <a:lstStyle/>
+                    <a:p>
+                      <a:pPr marL="0" marR="0" algn="ctr" rtl="1">
+                        <a:spcBef>
+                          <a:spcPts val="0"/>
+                        </a:spcBef>
+                        <a:spcAft>
+                          <a:spcPts val="0"/>
+                        </a:spcAft>
+                      </a:pPr>
+                      <a:r>
+                        <a:rPr lang="fa-IR" sz="1400">
+                          <a:effectLst/>
+                        </a:rPr>
+                        <a:t>+</a:t>
+                      </a:r>
+                      <a:endParaRPr lang="en-US" sz="1400" dirty="0">
+                        <a:effectLst/>
+                        <a:latin typeface="Times New Roman" panose="02020603050405020304" pitchFamily="18" charset="0"/>
+                        <a:ea typeface="Times New Roman" panose="02020603050405020304" pitchFamily="18" charset="0"/>
+                        <a:cs typeface="B Nazanin" panose="00000400000000000000" pitchFamily="2" charset="-78"/>
+                      </a:endParaRPr>
+                    </a:p>
+                  </a:txBody>
+                  <a:tcPr marL="68580" marR="68580" marT="0" marB="0"/>
+                </a:tc>
+                <a:tc>
+                  <a:txBody>
+                    <a:bodyPr/>
+                    <a:lstStyle/>
+                    <a:p>
+                      <a:pPr marL="0" marR="0" algn="ctr" rtl="1">
+                        <a:spcBef>
+                          <a:spcPts val="0"/>
+                        </a:spcBef>
+                        <a:spcAft>
+                          <a:spcPts val="0"/>
+                        </a:spcAft>
+                      </a:pPr>
+                      <a:r>
+                        <a:rPr lang="fa-IR" sz="1400">
+                          <a:effectLst/>
+                        </a:rPr>
+                        <a:t>شخصی</a:t>
+                      </a:r>
+                      <a:endParaRPr lang="en-US" sz="1400">
+                        <a:effectLst/>
+                        <a:latin typeface="Times New Roman" panose="02020603050405020304" pitchFamily="18" charset="0"/>
+                        <a:ea typeface="Times New Roman" panose="02020603050405020304" pitchFamily="18" charset="0"/>
+                        <a:cs typeface="B Nazanin" panose="00000400000000000000" pitchFamily="2" charset="-78"/>
+                      </a:endParaRPr>
+                    </a:p>
+                  </a:txBody>
+                  <a:tcPr marL="68580" marR="68580" marT="0" marB="0"/>
+                </a:tc>
+                <a:extLst>
+                  <a:ext uri="{0D108BD9-81ED-4DB2-BD59-A6C34878D82A}">
+                    <a16:rowId xmlns:a16="http://schemas.microsoft.com/office/drawing/2014/main" val="2497463439"/>
+                  </a:ext>
+                </a:extLst>
+              </a:tr>
+              <a:tr h="411365">
+                <a:tc>
+                  <a:txBody>
+                    <a:bodyPr/>
+                    <a:lstStyle/>
+                    <a:p>
+                      <a:pPr marL="0" marR="0" algn="ctr" rtl="1">
+                        <a:spcBef>
+                          <a:spcPts val="0"/>
+                        </a:spcBef>
+                        <a:spcAft>
+                          <a:spcPts val="0"/>
+                        </a:spcAft>
+                      </a:pPr>
+                      <a:r>
+                        <a:rPr lang="en-US" sz="1400" dirty="0">
+                          <a:effectLst/>
+                        </a:rPr>
+                        <a:t>Create Account</a:t>
+                      </a:r>
+                      <a:endParaRPr lang="en-US" sz="1400" dirty="0">
+                        <a:effectLst/>
+                        <a:latin typeface="Times New Roman" panose="02020603050405020304" pitchFamily="18" charset="0"/>
+                        <a:ea typeface="Times New Roman" panose="02020603050405020304" pitchFamily="18" charset="0"/>
+                        <a:cs typeface="B Nazanin" panose="00000400000000000000" pitchFamily="2" charset="-78"/>
+                      </a:endParaRPr>
+                    </a:p>
+                  </a:txBody>
+                  <a:tcPr marL="68580" marR="68580" marT="0" marB="0"/>
+                </a:tc>
+                <a:tc>
+                  <a:txBody>
+                    <a:bodyPr/>
+                    <a:lstStyle/>
+                    <a:p>
+                      <a:pPr marL="0" marR="0" algn="ctr" rtl="1">
+                        <a:spcBef>
+                          <a:spcPts val="0"/>
+                        </a:spcBef>
+                        <a:spcAft>
+                          <a:spcPts val="0"/>
+                        </a:spcAft>
+                      </a:pPr>
+                      <a:r>
+                        <a:rPr lang="fa-IR" sz="1400">
+                          <a:effectLst/>
+                        </a:rPr>
+                        <a:t>-</a:t>
+                      </a:r>
+                      <a:endParaRPr lang="en-US" sz="1400" dirty="0">
+                        <a:effectLst/>
+                        <a:latin typeface="Times New Roman" panose="02020603050405020304" pitchFamily="18" charset="0"/>
+                        <a:ea typeface="Times New Roman" panose="02020603050405020304" pitchFamily="18" charset="0"/>
+                        <a:cs typeface="B Nazanin" panose="00000400000000000000" pitchFamily="2" charset="-78"/>
+                      </a:endParaRPr>
+                    </a:p>
+                  </a:txBody>
+                  <a:tcPr marL="68580" marR="68580" marT="0" marB="0"/>
+                </a:tc>
+                <a:tc>
+                  <a:txBody>
+                    <a:bodyPr/>
+                    <a:lstStyle/>
+                    <a:p>
+                      <a:pPr marL="0" marR="0" algn="ctr" rtl="1">
+                        <a:spcBef>
+                          <a:spcPts val="0"/>
+                        </a:spcBef>
+                        <a:spcAft>
+                          <a:spcPts val="0"/>
+                        </a:spcAft>
+                      </a:pPr>
+                      <a:r>
+                        <a:rPr lang="fa-IR" sz="1400">
+                          <a:effectLst/>
+                        </a:rPr>
+                        <a:t>شخصی</a:t>
+                      </a:r>
+                      <a:endParaRPr lang="en-US" sz="1400">
+                        <a:effectLst/>
+                        <a:latin typeface="Times New Roman" panose="02020603050405020304" pitchFamily="18" charset="0"/>
+                        <a:ea typeface="Times New Roman" panose="02020603050405020304" pitchFamily="18" charset="0"/>
+                        <a:cs typeface="B Nazanin" panose="00000400000000000000" pitchFamily="2" charset="-78"/>
+                      </a:endParaRPr>
+                    </a:p>
+                  </a:txBody>
+                  <a:tcPr marL="68580" marR="68580" marT="0" marB="0"/>
+                </a:tc>
+                <a:extLst>
+                  <a:ext uri="{0D108BD9-81ED-4DB2-BD59-A6C34878D82A}">
+                    <a16:rowId xmlns:a16="http://schemas.microsoft.com/office/drawing/2014/main" val="919074496"/>
+                  </a:ext>
+                </a:extLst>
+              </a:tr>
+              <a:tr h="411365">
+                <a:tc>
+                  <a:txBody>
+                    <a:bodyPr/>
+                    <a:lstStyle/>
+                    <a:p>
+                      <a:pPr marL="0" marR="0" algn="ctr" rtl="1">
+                        <a:spcBef>
+                          <a:spcPts val="0"/>
+                        </a:spcBef>
+                        <a:spcAft>
+                          <a:spcPts val="0"/>
+                        </a:spcAft>
+                      </a:pPr>
+                      <a:r>
+                        <a:rPr lang="en-US" sz="1400" dirty="0">
+                          <a:effectLst/>
+                        </a:rPr>
+                        <a:t>Merge Account</a:t>
+                      </a:r>
+                      <a:endParaRPr lang="en-US" sz="1400" dirty="0">
+                        <a:effectLst/>
+                        <a:latin typeface="Times New Roman" panose="02020603050405020304" pitchFamily="18" charset="0"/>
+                        <a:ea typeface="Times New Roman" panose="02020603050405020304" pitchFamily="18" charset="0"/>
+                        <a:cs typeface="B Nazanin" panose="00000400000000000000" pitchFamily="2" charset="-78"/>
+                      </a:endParaRPr>
+                    </a:p>
+                  </a:txBody>
+                  <a:tcPr marL="68580" marR="68580" marT="0" marB="0"/>
+                </a:tc>
+                <a:tc>
+                  <a:txBody>
+                    <a:bodyPr/>
+                    <a:lstStyle/>
+                    <a:p>
+                      <a:pPr marL="0" marR="0" algn="ctr" rtl="1">
+                        <a:spcBef>
+                          <a:spcPts val="0"/>
+                        </a:spcBef>
+                        <a:spcAft>
+                          <a:spcPts val="0"/>
+                        </a:spcAft>
+                      </a:pPr>
+                      <a:r>
+                        <a:rPr lang="fa-IR" sz="1400">
+                          <a:effectLst/>
+                        </a:rPr>
+                        <a:t>-</a:t>
+                      </a:r>
+                      <a:endParaRPr lang="en-US" sz="1400" dirty="0">
+                        <a:effectLst/>
+                        <a:latin typeface="Times New Roman" panose="02020603050405020304" pitchFamily="18" charset="0"/>
+                        <a:ea typeface="Times New Roman" panose="02020603050405020304" pitchFamily="18" charset="0"/>
+                        <a:cs typeface="B Nazanin" panose="00000400000000000000" pitchFamily="2" charset="-78"/>
+                      </a:endParaRPr>
+                    </a:p>
+                  </a:txBody>
+                  <a:tcPr marL="68580" marR="68580" marT="0" marB="0"/>
+                </a:tc>
+                <a:tc>
+                  <a:txBody>
+                    <a:bodyPr/>
+                    <a:lstStyle/>
+                    <a:p>
+                      <a:pPr marL="0" marR="0" algn="ctr" rtl="1">
+                        <a:spcBef>
+                          <a:spcPts val="0"/>
+                        </a:spcBef>
+                        <a:spcAft>
+                          <a:spcPts val="0"/>
+                        </a:spcAft>
+                      </a:pPr>
+                      <a:r>
+                        <a:rPr lang="fa-IR" sz="1400">
+                          <a:effectLst/>
+                        </a:rPr>
+                        <a:t>شخصی</a:t>
+                      </a:r>
+                      <a:endParaRPr lang="en-US" sz="1400">
+                        <a:effectLst/>
+                        <a:latin typeface="Times New Roman" panose="02020603050405020304" pitchFamily="18" charset="0"/>
+                        <a:ea typeface="Times New Roman" panose="02020603050405020304" pitchFamily="18" charset="0"/>
+                        <a:cs typeface="B Nazanin" panose="00000400000000000000" pitchFamily="2" charset="-78"/>
+                      </a:endParaRPr>
+                    </a:p>
+                  </a:txBody>
+                  <a:tcPr marL="68580" marR="68580" marT="0" marB="0"/>
+                </a:tc>
+                <a:extLst>
+                  <a:ext uri="{0D108BD9-81ED-4DB2-BD59-A6C34878D82A}">
+                    <a16:rowId xmlns:a16="http://schemas.microsoft.com/office/drawing/2014/main" val="2590320366"/>
+                  </a:ext>
+                </a:extLst>
+              </a:tr>
+              <a:tr h="411365">
+                <a:tc>
+                  <a:txBody>
+                    <a:bodyPr/>
+                    <a:lstStyle/>
+                    <a:p>
+                      <a:pPr marL="0" marR="0" algn="ctr" rtl="1">
+                        <a:spcBef>
+                          <a:spcPts val="0"/>
+                        </a:spcBef>
+                        <a:spcAft>
+                          <a:spcPts val="0"/>
+                        </a:spcAft>
+                      </a:pPr>
+                      <a:r>
+                        <a:rPr lang="en-US" sz="1400" dirty="0">
+                          <a:effectLst/>
+                        </a:rPr>
+                        <a:t>Sponsor</a:t>
+                      </a:r>
+                      <a:endParaRPr lang="en-US" sz="1400" dirty="0">
+                        <a:effectLst/>
+                        <a:latin typeface="Times New Roman" panose="02020603050405020304" pitchFamily="18" charset="0"/>
+                        <a:ea typeface="Times New Roman" panose="02020603050405020304" pitchFamily="18" charset="0"/>
+                        <a:cs typeface="B Nazanin" panose="00000400000000000000" pitchFamily="2" charset="-78"/>
+                      </a:endParaRPr>
+                    </a:p>
+                  </a:txBody>
+                  <a:tcPr marL="68580" marR="68580" marT="0" marB="0"/>
+                </a:tc>
+                <a:tc>
+                  <a:txBody>
+                    <a:bodyPr/>
+                    <a:lstStyle/>
+                    <a:p>
+                      <a:pPr marL="0" marR="0" algn="ctr" rtl="1">
+                        <a:spcBef>
+                          <a:spcPts val="0"/>
+                        </a:spcBef>
+                        <a:spcAft>
+                          <a:spcPts val="0"/>
+                        </a:spcAft>
+                      </a:pPr>
+                      <a:r>
+                        <a:rPr lang="fa-IR" sz="1400">
+                          <a:effectLst/>
+                        </a:rPr>
+                        <a:t>-</a:t>
+                      </a:r>
+                      <a:endParaRPr lang="en-US" sz="1400" dirty="0">
+                        <a:effectLst/>
+                        <a:latin typeface="Times New Roman" panose="02020603050405020304" pitchFamily="18" charset="0"/>
+                        <a:ea typeface="Times New Roman" panose="02020603050405020304" pitchFamily="18" charset="0"/>
+                        <a:cs typeface="B Nazanin" panose="00000400000000000000" pitchFamily="2" charset="-78"/>
+                      </a:endParaRPr>
+                    </a:p>
+                  </a:txBody>
+                  <a:tcPr marL="68580" marR="68580" marT="0" marB="0"/>
+                </a:tc>
+                <a:tc>
+                  <a:txBody>
+                    <a:bodyPr/>
+                    <a:lstStyle/>
+                    <a:p>
+                      <a:pPr marL="0" marR="0" algn="ctr" rtl="1">
+                        <a:spcBef>
+                          <a:spcPts val="0"/>
+                        </a:spcBef>
+                        <a:spcAft>
+                          <a:spcPts val="0"/>
+                        </a:spcAft>
+                      </a:pPr>
+                      <a:r>
+                        <a:rPr lang="fa-IR" sz="1400">
+                          <a:effectLst/>
+                        </a:rPr>
+                        <a:t>شخصی</a:t>
+                      </a:r>
+                      <a:endParaRPr lang="en-US" sz="1400">
+                        <a:effectLst/>
+                        <a:latin typeface="Times New Roman" panose="02020603050405020304" pitchFamily="18" charset="0"/>
+                        <a:ea typeface="Times New Roman" panose="02020603050405020304" pitchFamily="18" charset="0"/>
+                        <a:cs typeface="B Nazanin" panose="00000400000000000000" pitchFamily="2" charset="-78"/>
+                      </a:endParaRPr>
+                    </a:p>
+                  </a:txBody>
+                  <a:tcPr marL="68580" marR="68580" marT="0" marB="0"/>
+                </a:tc>
+                <a:extLst>
+                  <a:ext uri="{0D108BD9-81ED-4DB2-BD59-A6C34878D82A}">
+                    <a16:rowId xmlns:a16="http://schemas.microsoft.com/office/drawing/2014/main" val="3234386528"/>
+                  </a:ext>
+                </a:extLst>
+              </a:tr>
+              <a:tr h="411365">
+                <a:tc>
+                  <a:txBody>
+                    <a:bodyPr/>
+                    <a:lstStyle/>
+                    <a:p>
+                      <a:pPr marL="0" marR="0" algn="ctr" rtl="1">
+                        <a:spcBef>
+                          <a:spcPts val="0"/>
+                        </a:spcBef>
+                        <a:spcAft>
+                          <a:spcPts val="0"/>
+                        </a:spcAft>
+                      </a:pPr>
+                      <a:r>
+                        <a:rPr lang="en-US" sz="1400" dirty="0">
+                          <a:effectLst/>
+                        </a:rPr>
+                        <a:t>Allow Trust</a:t>
+                      </a:r>
+                      <a:endParaRPr lang="en-US" sz="1400" dirty="0">
+                        <a:effectLst/>
+                        <a:latin typeface="Times New Roman" panose="02020603050405020304" pitchFamily="18" charset="0"/>
+                        <a:ea typeface="Times New Roman" panose="02020603050405020304" pitchFamily="18" charset="0"/>
+                        <a:cs typeface="B Nazanin" panose="00000400000000000000" pitchFamily="2" charset="-78"/>
+                      </a:endParaRPr>
+                    </a:p>
+                  </a:txBody>
+                  <a:tcPr marL="68580" marR="68580" marT="0" marB="0"/>
+                </a:tc>
+                <a:tc>
+                  <a:txBody>
+                    <a:bodyPr/>
+                    <a:lstStyle/>
+                    <a:p>
+                      <a:pPr marL="0" marR="0" algn="ctr" rtl="1">
+                        <a:spcBef>
+                          <a:spcPts val="0"/>
+                        </a:spcBef>
+                        <a:spcAft>
+                          <a:spcPts val="0"/>
+                        </a:spcAft>
+                      </a:pPr>
+                      <a:r>
+                        <a:rPr lang="fa-IR" sz="1400">
+                          <a:effectLst/>
+                        </a:rPr>
+                        <a:t>+</a:t>
+                      </a:r>
+                      <a:endParaRPr lang="en-US" sz="1400" dirty="0">
+                        <a:effectLst/>
+                        <a:latin typeface="Times New Roman" panose="02020603050405020304" pitchFamily="18" charset="0"/>
+                        <a:ea typeface="Times New Roman" panose="02020603050405020304" pitchFamily="18" charset="0"/>
+                        <a:cs typeface="B Nazanin" panose="00000400000000000000" pitchFamily="2" charset="-78"/>
+                      </a:endParaRPr>
+                    </a:p>
+                  </a:txBody>
+                  <a:tcPr marL="68580" marR="68580" marT="0" marB="0"/>
+                </a:tc>
+                <a:tc>
+                  <a:txBody>
+                    <a:bodyPr/>
+                    <a:lstStyle/>
+                    <a:p>
+                      <a:pPr marL="0" marR="0" algn="ctr" rtl="1">
+                        <a:spcBef>
+                          <a:spcPts val="0"/>
+                        </a:spcBef>
+                        <a:spcAft>
+                          <a:spcPts val="0"/>
+                        </a:spcAft>
+                      </a:pPr>
+                      <a:r>
+                        <a:rPr lang="fa-IR" sz="1400">
+                          <a:effectLst/>
+                        </a:rPr>
+                        <a:t>سازمانی</a:t>
+                      </a:r>
+                      <a:endParaRPr lang="en-US" sz="1400" dirty="0">
+                        <a:effectLst/>
+                        <a:latin typeface="Times New Roman" panose="02020603050405020304" pitchFamily="18" charset="0"/>
+                        <a:ea typeface="Times New Roman" panose="02020603050405020304" pitchFamily="18" charset="0"/>
+                        <a:cs typeface="B Nazanin" panose="00000400000000000000" pitchFamily="2" charset="-78"/>
+                      </a:endParaRPr>
+                    </a:p>
+                  </a:txBody>
+                  <a:tcPr marL="68580" marR="68580" marT="0" marB="0"/>
+                </a:tc>
+                <a:extLst>
+                  <a:ext uri="{0D108BD9-81ED-4DB2-BD59-A6C34878D82A}">
+                    <a16:rowId xmlns:a16="http://schemas.microsoft.com/office/drawing/2014/main" val="2969530034"/>
+                  </a:ext>
+                </a:extLst>
+              </a:tr>
+              <a:tr h="411365">
+                <a:tc>
+                  <a:txBody>
+                    <a:bodyPr/>
+                    <a:lstStyle/>
+                    <a:p>
+                      <a:pPr marL="0" marR="0" algn="ctr" rtl="1">
+                        <a:spcBef>
+                          <a:spcPts val="0"/>
+                        </a:spcBef>
+                        <a:spcAft>
+                          <a:spcPts val="0"/>
+                        </a:spcAft>
+                      </a:pPr>
+                      <a:r>
+                        <a:rPr lang="en-US" sz="1400" dirty="0">
+                          <a:effectLst/>
+                        </a:rPr>
+                        <a:t>Matching</a:t>
+                      </a:r>
+                      <a:endParaRPr lang="en-US" sz="1400" dirty="0">
+                        <a:effectLst/>
+                        <a:latin typeface="Times New Roman" panose="02020603050405020304" pitchFamily="18" charset="0"/>
+                        <a:ea typeface="Times New Roman" panose="02020603050405020304" pitchFamily="18" charset="0"/>
+                        <a:cs typeface="B Nazanin" panose="00000400000000000000" pitchFamily="2" charset="-78"/>
+                      </a:endParaRPr>
+                    </a:p>
+                  </a:txBody>
+                  <a:tcPr marL="68580" marR="68580" marT="0" marB="0"/>
+                </a:tc>
+                <a:tc>
+                  <a:txBody>
+                    <a:bodyPr/>
+                    <a:lstStyle/>
+                    <a:p>
+                      <a:pPr marL="0" marR="0" algn="ctr" rtl="1">
+                        <a:spcBef>
+                          <a:spcPts val="0"/>
+                        </a:spcBef>
+                        <a:spcAft>
+                          <a:spcPts val="0"/>
+                        </a:spcAft>
+                      </a:pPr>
+                      <a:r>
+                        <a:rPr lang="fa-IR" sz="1400" dirty="0">
+                          <a:effectLst/>
+                        </a:rPr>
+                        <a:t>+</a:t>
+                      </a:r>
+                      <a:endParaRPr lang="en-US" sz="1400" dirty="0">
+                        <a:effectLst/>
+                        <a:latin typeface="Times New Roman" panose="02020603050405020304" pitchFamily="18" charset="0"/>
+                        <a:ea typeface="Times New Roman" panose="02020603050405020304" pitchFamily="18" charset="0"/>
+                        <a:cs typeface="B Nazanin" panose="00000400000000000000" pitchFamily="2" charset="-78"/>
+                      </a:endParaRPr>
+                    </a:p>
+                  </a:txBody>
+                  <a:tcPr marL="68580" marR="68580" marT="0" marB="0"/>
+                </a:tc>
+                <a:tc>
+                  <a:txBody>
+                    <a:bodyPr/>
+                    <a:lstStyle/>
+                    <a:p>
+                      <a:pPr marL="0" marR="0" algn="ctr" rtl="1">
+                        <a:spcBef>
+                          <a:spcPts val="0"/>
+                        </a:spcBef>
+                        <a:spcAft>
+                          <a:spcPts val="0"/>
+                        </a:spcAft>
+                      </a:pPr>
+                      <a:r>
+                        <a:rPr lang="fa-IR" sz="1400" dirty="0">
+                          <a:effectLst/>
+                        </a:rPr>
+                        <a:t>اجتماعی</a:t>
+                      </a:r>
+                      <a:endParaRPr lang="en-US" sz="1400" dirty="0">
+                        <a:effectLst/>
+                        <a:latin typeface="Times New Roman" panose="02020603050405020304" pitchFamily="18" charset="0"/>
+                        <a:ea typeface="Times New Roman" panose="02020603050405020304" pitchFamily="18" charset="0"/>
+                        <a:cs typeface="B Nazanin" panose="00000400000000000000" pitchFamily="2" charset="-78"/>
+                      </a:endParaRPr>
+                    </a:p>
+                  </a:txBody>
+                  <a:tcPr marL="68580" marR="68580" marT="0" marB="0"/>
+                </a:tc>
+                <a:extLst>
+                  <a:ext uri="{0D108BD9-81ED-4DB2-BD59-A6C34878D82A}">
+                    <a16:rowId xmlns:a16="http://schemas.microsoft.com/office/drawing/2014/main" val="268411939"/>
+                  </a:ext>
+                </a:extLst>
+              </a:tr>
+            </a:tbl>
+          </a:graphicData>
+        </a:graphic>
+      </p:graphicFrame>
     </p:spTree>
     <p:extLst>
       <p:ext uri="{BB962C8B-B14F-4D97-AF65-F5344CB8AC3E}">
@@ -5496,6 +8579,11 @@
           <a:bodyPr/>
           <a:lstStyle/>
           <a:p>
+            <a:pPr algn="r" rtl="1"/>
+            <a:r>
+              <a:rPr lang="fa-IR" dirty="0"/>
+              <a:t>بیان اینکه گراف ادرس برای انجام این کار مناسب است و توضیح دیگر انواع گراف</a:t>
+            </a:r>
             <a:endParaRPr lang="en-US" dirty="0"/>
           </a:p>
         </p:txBody>
@@ -5592,6 +8680,11 @@
           <a:bodyPr/>
           <a:lstStyle/>
           <a:p>
+            <a:pPr algn="r" rtl="1"/>
+            <a:r>
+              <a:rPr lang="fa-IR" dirty="0"/>
+              <a:t>توضیح نود و روابط در گراف ادرس</a:t>
+            </a:r>
             <a:endParaRPr lang="en-US" dirty="0"/>
           </a:p>
         </p:txBody>
@@ -5688,10 +8781,62 @@
           <a:bodyPr/>
           <a:lstStyle/>
           <a:p>
+            <a:pPr algn="r" rtl="1"/>
+            <a:r>
+              <a:rPr lang="fa-IR" dirty="0"/>
+              <a:t>مدل نهایی گراف برای انجام این کار</a:t>
+            </a:r>
             <a:endParaRPr lang="en-US" dirty="0"/>
           </a:p>
         </p:txBody>
       </p:sp>
+      <p:pic>
+        <p:nvPicPr>
+          <p:cNvPr id="5122" name="Picture 2">
+            <a:extLst>
+              <a:ext uri="{FF2B5EF4-FFF2-40B4-BE49-F238E27FC236}">
+                <a16:creationId xmlns:a16="http://schemas.microsoft.com/office/drawing/2014/main" id="{EA1751F2-3A8F-321B-2350-CE4425068C94}"/>
+              </a:ext>
+            </a:extLst>
+          </p:cNvPr>
+          <p:cNvPicPr>
+            <a:picLocks noChangeAspect="1" noChangeArrowheads="1"/>
+          </p:cNvPicPr>
+          <p:nvPr/>
+        </p:nvPicPr>
+        <p:blipFill>
+          <a:blip r:embed="rId2">
+            <a:extLst>
+              <a:ext uri="{28A0092B-C50C-407E-A947-70E740481C1C}">
+                <a14:useLocalDpi xmlns:a14="http://schemas.microsoft.com/office/drawing/2010/main" val="0"/>
+              </a:ext>
+            </a:extLst>
+          </a:blip>
+          <a:srcRect/>
+          <a:stretch>
+            <a:fillRect/>
+          </a:stretch>
+        </p:blipFill>
+        <p:spPr bwMode="auto">
+          <a:xfrm>
+            <a:off x="2706374" y="3162300"/>
+            <a:ext cx="6778625" cy="3211068"/>
+          </a:xfrm>
+          <a:prstGeom prst="rect">
+            <a:avLst/>
+          </a:prstGeom>
+          <a:noFill/>
+          <a:extLst>
+            <a:ext uri="{909E8E84-426E-40DD-AFC4-6F175D3DCCD1}">
+              <a14:hiddenFill xmlns:a14="http://schemas.microsoft.com/office/drawing/2010/main">
+                <a:solidFill>
+                  <a:srgbClr val="FFFFFF"/>
+                </a:solidFill>
+              </a14:hiddenFill>
+            </a:ext>
+          </a:extLst>
+        </p:spPr>
+      </p:pic>
     </p:spTree>
     <p:extLst>
       <p:ext uri="{BB962C8B-B14F-4D97-AF65-F5344CB8AC3E}">

--- a/Thesis_defense.pptx
+++ b/Thesis_defense.pptx
@@ -13,11 +13,11 @@
     <p:sldId id="269" r:id="rId7"/>
     <p:sldId id="259" r:id="rId8"/>
     <p:sldId id="260" r:id="rId9"/>
-    <p:sldId id="261" r:id="rId10"/>
-    <p:sldId id="262" r:id="rId11"/>
-    <p:sldId id="263" r:id="rId12"/>
-    <p:sldId id="265" r:id="rId13"/>
-    <p:sldId id="264" r:id="rId14"/>
+    <p:sldId id="264" r:id="rId10"/>
+    <p:sldId id="261" r:id="rId11"/>
+    <p:sldId id="262" r:id="rId12"/>
+    <p:sldId id="263" r:id="rId13"/>
+    <p:sldId id="265" r:id="rId14"/>
     <p:sldId id="270" r:id="rId15"/>
     <p:sldId id="266" r:id="rId16"/>
   </p:sldIdLst>
@@ -4412,6 +4412,154 @@
           <p:cNvPr id="2" name="Title 1">
             <a:extLst>
               <a:ext uri="{FF2B5EF4-FFF2-40B4-BE49-F238E27FC236}">
+                <a16:creationId xmlns:a16="http://schemas.microsoft.com/office/drawing/2014/main" id="{D737C7E2-9FD6-1BA0-4A3E-0F3E296CF653}"/>
+              </a:ext>
+            </a:extLst>
+          </p:cNvPr>
+          <p:cNvSpPr>
+            <a:spLocks noGrp="1"/>
+          </p:cNvSpPr>
+          <p:nvPr>
+            <p:ph type="title"/>
+          </p:nvPr>
+        </p:nvSpPr>
+        <p:spPr>
+          <a:xfrm>
+            <a:off x="1069848" y="484632"/>
+            <a:ext cx="10058400" cy="886968"/>
+          </a:xfrm>
+        </p:spPr>
+        <p:txBody>
+          <a:bodyPr>
+            <a:normAutofit/>
+          </a:bodyPr>
+          <a:lstStyle/>
+          <a:p>
+            <a:pPr algn="ctr"/>
+            <a:r>
+              <a:rPr lang="en-US" sz="3200" dirty="0"/>
+              <a:t>Graph model</a:t>
+            </a:r>
+          </a:p>
+        </p:txBody>
+      </p:sp>
+      <p:sp>
+        <p:nvSpPr>
+          <p:cNvPr id="3" name="Content Placeholder 2">
+            <a:extLst>
+              <a:ext uri="{FF2B5EF4-FFF2-40B4-BE49-F238E27FC236}">
+                <a16:creationId xmlns:a16="http://schemas.microsoft.com/office/drawing/2014/main" id="{7E5F90EC-2642-9516-5223-3B684877EC20}"/>
+              </a:ext>
+            </a:extLst>
+          </p:cNvPr>
+          <p:cNvSpPr>
+            <a:spLocks noGrp="1"/>
+          </p:cNvSpPr>
+          <p:nvPr>
+            <p:ph sz="quarter" idx="13"/>
+          </p:nvPr>
+        </p:nvSpPr>
+        <p:spPr>
+          <a:xfrm>
+            <a:off x="913774" y="1536700"/>
+            <a:ext cx="10363826" cy="4254499"/>
+          </a:xfrm>
+        </p:spPr>
+        <p:txBody>
+          <a:bodyPr/>
+          <a:lstStyle/>
+          <a:p>
+            <a:pPr algn="r" rtl="1"/>
+            <a:r>
+              <a:rPr lang="fa-IR" dirty="0"/>
+              <a:t>مدل نهایی گراف برای انجام این کار</a:t>
+            </a:r>
+            <a:endParaRPr lang="en-US" dirty="0"/>
+          </a:p>
+        </p:txBody>
+      </p:sp>
+      <p:pic>
+        <p:nvPicPr>
+          <p:cNvPr id="5122" name="Picture 2">
+            <a:extLst>
+              <a:ext uri="{FF2B5EF4-FFF2-40B4-BE49-F238E27FC236}">
+                <a16:creationId xmlns:a16="http://schemas.microsoft.com/office/drawing/2014/main" id="{EA1751F2-3A8F-321B-2350-CE4425068C94}"/>
+              </a:ext>
+            </a:extLst>
+          </p:cNvPr>
+          <p:cNvPicPr>
+            <a:picLocks noChangeAspect="1" noChangeArrowheads="1"/>
+          </p:cNvPicPr>
+          <p:nvPr/>
+        </p:nvPicPr>
+        <p:blipFill>
+          <a:blip r:embed="rId2">
+            <a:extLst>
+              <a:ext uri="{28A0092B-C50C-407E-A947-70E740481C1C}">
+                <a14:useLocalDpi xmlns:a14="http://schemas.microsoft.com/office/drawing/2010/main" val="0"/>
+              </a:ext>
+            </a:extLst>
+          </a:blip>
+          <a:srcRect/>
+          <a:stretch>
+            <a:fillRect/>
+          </a:stretch>
+        </p:blipFill>
+        <p:spPr bwMode="auto">
+          <a:xfrm>
+            <a:off x="2706374" y="3162300"/>
+            <a:ext cx="6778625" cy="3211068"/>
+          </a:xfrm>
+          <a:prstGeom prst="rect">
+            <a:avLst/>
+          </a:prstGeom>
+          <a:noFill/>
+          <a:extLst>
+            <a:ext uri="{909E8E84-426E-40DD-AFC4-6F175D3DCCD1}">
+              <a14:hiddenFill xmlns:a14="http://schemas.microsoft.com/office/drawing/2010/main">
+                <a:solidFill>
+                  <a:srgbClr val="FFFFFF"/>
+                </a:solidFill>
+              </a14:hiddenFill>
+            </a:ext>
+          </a:extLst>
+        </p:spPr>
+      </p:pic>
+    </p:spTree>
+    <p:extLst>
+      <p:ext uri="{BB962C8B-B14F-4D97-AF65-F5344CB8AC3E}">
+        <p14:creationId xmlns:p14="http://schemas.microsoft.com/office/powerpoint/2010/main" val="2897287999"/>
+      </p:ext>
+    </p:extLst>
+  </p:cSld>
+  <p:clrMapOvr>
+    <a:masterClrMapping/>
+  </p:clrMapOvr>
+</p:sld>
+</file>
+
+<file path=ppt/slides/slide11.xml><?xml version="1.0" encoding="utf-8"?>
+<p:sld xmlns:a="http://schemas.openxmlformats.org/drawingml/2006/main" xmlns:r="http://schemas.openxmlformats.org/officeDocument/2006/relationships" xmlns:p="http://schemas.openxmlformats.org/presentationml/2006/main">
+  <p:cSld>
+    <p:spTree>
+      <p:nvGrpSpPr>
+        <p:cNvPr id="1" name=""/>
+        <p:cNvGrpSpPr/>
+        <p:nvPr/>
+      </p:nvGrpSpPr>
+      <p:grpSpPr>
+        <a:xfrm>
+          <a:off x="0" y="0"/>
+          <a:ext cx="0" cy="0"/>
+          <a:chOff x="0" y="0"/>
+          <a:chExt cx="0" cy="0"/>
+        </a:xfrm>
+      </p:grpSpPr>
+      <p:sp>
+        <p:nvSpPr>
+          <p:cNvPr id="2" name="Title 1">
+            <a:extLst>
+              <a:ext uri="{FF2B5EF4-FFF2-40B4-BE49-F238E27FC236}">
                 <a16:creationId xmlns:a16="http://schemas.microsoft.com/office/drawing/2014/main" id="{2E034E34-3CD0-2755-0F75-5FC16A8DDDD3}"/>
               </a:ext>
             </a:extLst>
@@ -4551,7 +4699,7 @@
 </p:sld>
 </file>
 
-<file path=ppt/slides/slide11.xml><?xml version="1.0" encoding="utf-8"?>
+<file path=ppt/slides/slide12.xml><?xml version="1.0" encoding="utf-8"?>
 <p:sld xmlns:a="http://schemas.openxmlformats.org/drawingml/2006/main" xmlns:r="http://schemas.openxmlformats.org/officeDocument/2006/relationships" xmlns:p="http://schemas.openxmlformats.org/presentationml/2006/main">
   <p:cSld>
     <p:spTree>
@@ -4712,7 +4860,7 @@
 </p:sld>
 </file>
 
-<file path=ppt/slides/slide12.xml><?xml version="1.0" encoding="utf-8"?>
+<file path=ppt/slides/slide13.xml><?xml version="1.0" encoding="utf-8"?>
 <p:sld xmlns:a="http://schemas.openxmlformats.org/drawingml/2006/main" xmlns:r="http://schemas.openxmlformats.org/officeDocument/2006/relationships" xmlns:p="http://schemas.openxmlformats.org/presentationml/2006/main">
   <p:cSld>
     <p:spTree>
@@ -4813,7 +4961,3712 @@
 </p:sld>
 </file>
 
-<file path=ppt/slides/slide13.xml><?xml version="1.0" encoding="utf-8"?>
+<file path=ppt/slides/slide14.xml><?xml version="1.0" encoding="utf-8"?>
+<p:sld xmlns:a="http://schemas.openxmlformats.org/drawingml/2006/main" xmlns:r="http://schemas.openxmlformats.org/officeDocument/2006/relationships" xmlns:p="http://schemas.openxmlformats.org/presentationml/2006/main">
+  <p:cSld>
+    <p:spTree>
+      <p:nvGrpSpPr>
+        <p:cNvPr id="1" name=""/>
+        <p:cNvGrpSpPr/>
+        <p:nvPr/>
+      </p:nvGrpSpPr>
+      <p:grpSpPr>
+        <a:xfrm>
+          <a:off x="0" y="0"/>
+          <a:ext cx="0" cy="0"/>
+          <a:chOff x="0" y="0"/>
+          <a:chExt cx="0" cy="0"/>
+        </a:xfrm>
+      </p:grpSpPr>
+      <p:sp>
+        <p:nvSpPr>
+          <p:cNvPr id="2" name="Title 1">
+            <a:extLst>
+              <a:ext uri="{FF2B5EF4-FFF2-40B4-BE49-F238E27FC236}">
+                <a16:creationId xmlns:a16="http://schemas.microsoft.com/office/drawing/2014/main" id="{658AB36A-BCE1-D06D-29EA-0F84AA06B4CC}"/>
+              </a:ext>
+            </a:extLst>
+          </p:cNvPr>
+          <p:cNvSpPr>
+            <a:spLocks noGrp="1"/>
+          </p:cNvSpPr>
+          <p:nvPr>
+            <p:ph type="title"/>
+          </p:nvPr>
+        </p:nvSpPr>
+        <p:spPr>
+          <a:xfrm>
+            <a:off x="1066487" y="306833"/>
+            <a:ext cx="10058400" cy="1039368"/>
+          </a:xfrm>
+        </p:spPr>
+        <p:txBody>
+          <a:bodyPr>
+            <a:normAutofit/>
+          </a:bodyPr>
+          <a:lstStyle/>
+          <a:p>
+            <a:pPr algn="ctr"/>
+            <a:r>
+              <a:rPr lang="en-US" sz="3200" dirty="0"/>
+              <a:t>Cypher queries</a:t>
+            </a:r>
+          </a:p>
+        </p:txBody>
+      </p:sp>
+      <p:sp>
+        <p:nvSpPr>
+          <p:cNvPr id="3" name="Content Placeholder 2">
+            <a:extLst>
+              <a:ext uri="{FF2B5EF4-FFF2-40B4-BE49-F238E27FC236}">
+                <a16:creationId xmlns:a16="http://schemas.microsoft.com/office/drawing/2014/main" id="{DDE74E36-B48D-909B-EB36-D35AB043940C}"/>
+              </a:ext>
+            </a:extLst>
+          </p:cNvPr>
+          <p:cNvSpPr>
+            <a:spLocks noGrp="1"/>
+          </p:cNvSpPr>
+          <p:nvPr>
+            <p:ph sz="quarter" idx="13"/>
+          </p:nvPr>
+        </p:nvSpPr>
+        <p:spPr>
+          <a:xfrm>
+            <a:off x="913774" y="1346201"/>
+            <a:ext cx="10363826" cy="1612899"/>
+          </a:xfrm>
+        </p:spPr>
+        <p:txBody>
+          <a:bodyPr/>
+          <a:lstStyle/>
+          <a:p>
+            <a:pPr algn="r" rtl="1"/>
+            <a:r>
+              <a:rPr lang="fa-IR" dirty="0"/>
+              <a:t>توضیح کاملی از زبان سایفر</a:t>
+            </a:r>
+          </a:p>
+          <a:p>
+            <a:pPr marL="0" marR="0" indent="0" algn="justLow" rtl="0">
+              <a:lnSpc>
+                <a:spcPct val="124000"/>
+              </a:lnSpc>
+              <a:spcBef>
+                <a:spcPts val="0"/>
+              </a:spcBef>
+              <a:spcAft>
+                <a:spcPts val="0"/>
+              </a:spcAft>
+              <a:buNone/>
+            </a:pPr>
+            <a:r>
+              <a:rPr lang="en-US" sz="1400" b="1" dirty="0">
+                <a:solidFill>
+                  <a:srgbClr val="0D0D0D"/>
+                </a:solidFill>
+                <a:effectLst/>
+                <a:highlight>
+                  <a:srgbClr val="FFFF00"/>
+                </a:highlight>
+                <a:latin typeface="Segoe UI Symbol" panose="020B0502040204020203" pitchFamily="34" charset="0"/>
+                <a:ea typeface="Times New Roman" panose="02020603050405020304" pitchFamily="18" charset="0"/>
+                <a:cs typeface="B Nazanin" panose="00000400000000000000" pitchFamily="2" charset="-78"/>
+              </a:rPr>
+              <a:t>MATCH</a:t>
+            </a:r>
+            <a:endParaRPr lang="en-US" sz="1400" b="1" dirty="0">
+              <a:effectLst/>
+              <a:highlight>
+                <a:srgbClr val="FFFF00"/>
+              </a:highlight>
+              <a:latin typeface="Times New Roman" panose="02020603050405020304" pitchFamily="18" charset="0"/>
+              <a:ea typeface="Times New Roman" panose="02020603050405020304" pitchFamily="18" charset="0"/>
+              <a:cs typeface="B Nazanin" panose="00000400000000000000" pitchFamily="2" charset="-78"/>
+            </a:endParaRPr>
+          </a:p>
+          <a:p>
+            <a:pPr marL="0" marR="0" indent="0" algn="justLow" rtl="0">
+              <a:lnSpc>
+                <a:spcPct val="124000"/>
+              </a:lnSpc>
+              <a:spcBef>
+                <a:spcPts val="0"/>
+              </a:spcBef>
+              <a:spcAft>
+                <a:spcPts val="0"/>
+              </a:spcAft>
+              <a:buNone/>
+            </a:pPr>
+            <a:r>
+              <a:rPr lang="en-US" sz="1400" b="1" dirty="0">
+                <a:solidFill>
+                  <a:srgbClr val="0D0D0D"/>
+                </a:solidFill>
+                <a:effectLst/>
+                <a:highlight>
+                  <a:srgbClr val="FFFF00"/>
+                </a:highlight>
+                <a:latin typeface="Segoe UI Symbol" panose="020B0502040204020203" pitchFamily="34" charset="0"/>
+                <a:ea typeface="Times New Roman" panose="02020603050405020304" pitchFamily="18" charset="0"/>
+                <a:cs typeface="B Nazanin" panose="00000400000000000000" pitchFamily="2" charset="-78"/>
+              </a:rPr>
+              <a:t>(</a:t>
+            </a:r>
+            <a:r>
+              <a:rPr lang="en-US" sz="1400" b="1" dirty="0" err="1">
+                <a:solidFill>
+                  <a:srgbClr val="0D0D0D"/>
+                </a:solidFill>
+                <a:effectLst/>
+                <a:highlight>
+                  <a:srgbClr val="FFFF00"/>
+                </a:highlight>
+                <a:latin typeface="Segoe UI Symbol" panose="020B0502040204020203" pitchFamily="34" charset="0"/>
+                <a:ea typeface="Times New Roman" panose="02020603050405020304" pitchFamily="18" charset="0"/>
+                <a:cs typeface="B Nazanin" panose="00000400000000000000" pitchFamily="2" charset="-78"/>
+              </a:rPr>
+              <a:t>address_from</a:t>
+            </a:r>
+            <a:r>
+              <a:rPr lang="en-US" sz="1400" b="1" dirty="0">
+                <a:solidFill>
+                  <a:srgbClr val="0D0D0D"/>
+                </a:solidFill>
+                <a:effectLst/>
+                <a:highlight>
+                  <a:srgbClr val="FFFF00"/>
+                </a:highlight>
+                <a:latin typeface="Segoe UI Symbol" panose="020B0502040204020203" pitchFamily="34" charset="0"/>
+                <a:ea typeface="Times New Roman" panose="02020603050405020304" pitchFamily="18" charset="0"/>
+                <a:cs typeface="B Nazanin" panose="00000400000000000000" pitchFamily="2" charset="-78"/>
+              </a:rPr>
+              <a:t>),</a:t>
+            </a:r>
+            <a:endParaRPr lang="en-US" sz="1400" b="1" dirty="0">
+              <a:effectLst/>
+              <a:highlight>
+                <a:srgbClr val="FFFF00"/>
+              </a:highlight>
+              <a:latin typeface="Times New Roman" panose="02020603050405020304" pitchFamily="18" charset="0"/>
+              <a:ea typeface="Times New Roman" panose="02020603050405020304" pitchFamily="18" charset="0"/>
+              <a:cs typeface="B Nazanin" panose="00000400000000000000" pitchFamily="2" charset="-78"/>
+            </a:endParaRPr>
+          </a:p>
+          <a:p>
+            <a:pPr marL="0" marR="0" indent="0" algn="justLow" rtl="0">
+              <a:lnSpc>
+                <a:spcPct val="124000"/>
+              </a:lnSpc>
+              <a:spcBef>
+                <a:spcPts val="0"/>
+              </a:spcBef>
+              <a:spcAft>
+                <a:spcPts val="0"/>
+              </a:spcAft>
+              <a:buNone/>
+            </a:pPr>
+            <a:r>
+              <a:rPr lang="en-US" sz="1400" b="1" dirty="0">
+                <a:solidFill>
+                  <a:srgbClr val="0D0D0D"/>
+                </a:solidFill>
+                <a:effectLst/>
+                <a:highlight>
+                  <a:srgbClr val="FFFF00"/>
+                </a:highlight>
+                <a:latin typeface="Segoe UI Symbol" panose="020B0502040204020203" pitchFamily="34" charset="0"/>
+                <a:ea typeface="Times New Roman" panose="02020603050405020304" pitchFamily="18" charset="0"/>
+                <a:cs typeface="B Nazanin" panose="00000400000000000000" pitchFamily="2" charset="-78"/>
+              </a:rPr>
+              <a:t>(</a:t>
+            </a:r>
+            <a:r>
+              <a:rPr lang="en-US" sz="1400" b="1" dirty="0" err="1">
+                <a:solidFill>
+                  <a:srgbClr val="0D0D0D"/>
+                </a:solidFill>
+                <a:effectLst/>
+                <a:highlight>
+                  <a:srgbClr val="FFFF00"/>
+                </a:highlight>
+                <a:latin typeface="Segoe UI Symbol" panose="020B0502040204020203" pitchFamily="34" charset="0"/>
+                <a:ea typeface="Times New Roman" panose="02020603050405020304" pitchFamily="18" charset="0"/>
+                <a:cs typeface="B Nazanin" panose="00000400000000000000" pitchFamily="2" charset="-78"/>
+              </a:rPr>
+              <a:t>address_to</a:t>
+            </a:r>
+            <a:r>
+              <a:rPr lang="en-US" sz="1400" b="1" dirty="0">
+                <a:solidFill>
+                  <a:srgbClr val="0D0D0D"/>
+                </a:solidFill>
+                <a:effectLst/>
+                <a:highlight>
+                  <a:srgbClr val="FFFF00"/>
+                </a:highlight>
+                <a:latin typeface="Segoe UI Symbol" panose="020B0502040204020203" pitchFamily="34" charset="0"/>
+                <a:ea typeface="Times New Roman" panose="02020603050405020304" pitchFamily="18" charset="0"/>
+                <a:cs typeface="B Nazanin" panose="00000400000000000000" pitchFamily="2" charset="-78"/>
+              </a:rPr>
+              <a:t>) </a:t>
+            </a:r>
+            <a:endParaRPr lang="en-US" sz="1400" b="1" dirty="0">
+              <a:effectLst/>
+              <a:highlight>
+                <a:srgbClr val="FFFF00"/>
+              </a:highlight>
+              <a:latin typeface="Times New Roman" panose="02020603050405020304" pitchFamily="18" charset="0"/>
+              <a:ea typeface="Times New Roman" panose="02020603050405020304" pitchFamily="18" charset="0"/>
+              <a:cs typeface="B Nazanin" panose="00000400000000000000" pitchFamily="2" charset="-78"/>
+            </a:endParaRPr>
+          </a:p>
+          <a:p>
+            <a:pPr marL="0" marR="0" indent="0" algn="justLow" rtl="0">
+              <a:lnSpc>
+                <a:spcPct val="124000"/>
+              </a:lnSpc>
+              <a:spcBef>
+                <a:spcPts val="0"/>
+              </a:spcBef>
+              <a:spcAft>
+                <a:spcPts val="0"/>
+              </a:spcAft>
+              <a:buNone/>
+            </a:pPr>
+            <a:r>
+              <a:rPr lang="en-US" sz="1400" b="1" dirty="0">
+                <a:solidFill>
+                  <a:srgbClr val="0D0D0D"/>
+                </a:solidFill>
+                <a:effectLst/>
+                <a:highlight>
+                  <a:srgbClr val="FFFF00"/>
+                </a:highlight>
+                <a:latin typeface="Segoe UI Symbol" panose="020B0502040204020203" pitchFamily="34" charset="0"/>
+                <a:ea typeface="Times New Roman" panose="02020603050405020304" pitchFamily="18" charset="0"/>
+                <a:cs typeface="B Nazanin" panose="00000400000000000000" pitchFamily="2" charset="-78"/>
+              </a:rPr>
+              <a:t>p = Path(</a:t>
+            </a:r>
+            <a:r>
+              <a:rPr lang="en-US" sz="1400" b="1" dirty="0" err="1">
+                <a:solidFill>
+                  <a:srgbClr val="0D0D0D"/>
+                </a:solidFill>
+                <a:effectLst/>
+                <a:highlight>
+                  <a:srgbClr val="FFFF00"/>
+                </a:highlight>
+                <a:latin typeface="Segoe UI Symbol" panose="020B0502040204020203" pitchFamily="34" charset="0"/>
+                <a:ea typeface="Times New Roman" panose="02020603050405020304" pitchFamily="18" charset="0"/>
+                <a:cs typeface="B Nazanin" panose="00000400000000000000" pitchFamily="2" charset="-78"/>
+              </a:rPr>
+              <a:t>address_from</a:t>
+            </a:r>
+            <a:r>
+              <a:rPr lang="en-US" sz="1400" b="1" dirty="0">
+                <a:solidFill>
+                  <a:srgbClr val="0D0D0D"/>
+                </a:solidFill>
+                <a:effectLst/>
+                <a:highlight>
+                  <a:srgbClr val="FFFF00"/>
+                </a:highlight>
+                <a:latin typeface="Segoe UI Symbol" panose="020B0502040204020203" pitchFamily="34" charset="0"/>
+                <a:ea typeface="Times New Roman" panose="02020603050405020304" pitchFamily="18" charset="0"/>
+                <a:cs typeface="B Nazanin" panose="00000400000000000000" pitchFamily="2" charset="-78"/>
+              </a:rPr>
+              <a:t>)-[*]-&gt;( </a:t>
+            </a:r>
+            <a:r>
+              <a:rPr lang="en-US" sz="1400" b="1" dirty="0" err="1">
+                <a:solidFill>
+                  <a:srgbClr val="0D0D0D"/>
+                </a:solidFill>
+                <a:effectLst/>
+                <a:highlight>
+                  <a:srgbClr val="FFFF00"/>
+                </a:highlight>
+                <a:latin typeface="Segoe UI Symbol" panose="020B0502040204020203" pitchFamily="34" charset="0"/>
+                <a:ea typeface="Times New Roman" panose="02020603050405020304" pitchFamily="18" charset="0"/>
+                <a:cs typeface="B Nazanin" panose="00000400000000000000" pitchFamily="2" charset="-78"/>
+              </a:rPr>
+              <a:t>address_to</a:t>
+            </a:r>
+            <a:r>
+              <a:rPr lang="en-US" sz="1400" b="1" dirty="0">
+                <a:solidFill>
+                  <a:srgbClr val="0D0D0D"/>
+                </a:solidFill>
+                <a:effectLst/>
+                <a:highlight>
+                  <a:srgbClr val="FFFF00"/>
+                </a:highlight>
+                <a:latin typeface="Segoe UI Symbol" panose="020B0502040204020203" pitchFamily="34" charset="0"/>
+                <a:ea typeface="Times New Roman" panose="02020603050405020304" pitchFamily="18" charset="0"/>
+                <a:cs typeface="B Nazanin" panose="00000400000000000000" pitchFamily="2" charset="-78"/>
+              </a:rPr>
+              <a:t>)  RETURN p</a:t>
+            </a:r>
+            <a:endParaRPr lang="en-US" sz="1400" b="1" dirty="0">
+              <a:effectLst/>
+              <a:highlight>
+                <a:srgbClr val="FFFF00"/>
+              </a:highlight>
+              <a:latin typeface="Times New Roman" panose="02020603050405020304" pitchFamily="18" charset="0"/>
+              <a:ea typeface="Times New Roman" panose="02020603050405020304" pitchFamily="18" charset="0"/>
+              <a:cs typeface="B Nazanin" panose="00000400000000000000" pitchFamily="2" charset="-78"/>
+            </a:endParaRPr>
+          </a:p>
+        </p:txBody>
+      </p:sp>
+      <p:pic>
+        <p:nvPicPr>
+          <p:cNvPr id="8194" name="Picture 1">
+            <a:extLst>
+              <a:ext uri="{FF2B5EF4-FFF2-40B4-BE49-F238E27FC236}">
+                <a16:creationId xmlns:a16="http://schemas.microsoft.com/office/drawing/2014/main" id="{CE1B1A67-7EB1-445A-6A03-2EB7B570E049}"/>
+              </a:ext>
+            </a:extLst>
+          </p:cNvPr>
+          <p:cNvPicPr>
+            <a:picLocks noChangeAspect="1" noChangeArrowheads="1"/>
+          </p:cNvPicPr>
+          <p:nvPr/>
+        </p:nvPicPr>
+        <p:blipFill>
+          <a:blip r:embed="rId2">
+            <a:extLst>
+              <a:ext uri="{28A0092B-C50C-407E-A947-70E740481C1C}">
+                <a14:useLocalDpi xmlns:a14="http://schemas.microsoft.com/office/drawing/2010/main" val="0"/>
+              </a:ext>
+            </a:extLst>
+          </a:blip>
+          <a:srcRect/>
+          <a:stretch>
+            <a:fillRect/>
+          </a:stretch>
+        </p:blipFill>
+        <p:spPr bwMode="auto">
+          <a:xfrm>
+            <a:off x="3243263" y="3070225"/>
+            <a:ext cx="5038725" cy="3544443"/>
+          </a:xfrm>
+          <a:prstGeom prst="rect">
+            <a:avLst/>
+          </a:prstGeom>
+          <a:noFill/>
+          <a:ln>
+            <a:noFill/>
+          </a:ln>
+          <a:extLst>
+            <a:ext uri="{909E8E84-426E-40DD-AFC4-6F175D3DCCD1}">
+              <a14:hiddenFill xmlns:a14="http://schemas.microsoft.com/office/drawing/2010/main">
+                <a:solidFill>
+                  <a:srgbClr val="FFFFFF"/>
+                </a:solidFill>
+              </a14:hiddenFill>
+            </a:ext>
+            <a:ext uri="{91240B29-F687-4F45-9708-019B960494DF}">
+              <a14:hiddenLine xmlns:a14="http://schemas.microsoft.com/office/drawing/2010/main" w="9525">
+                <a:solidFill>
+                  <a:srgbClr val="000000"/>
+                </a:solidFill>
+                <a:miter lim="800000"/>
+                <a:headEnd/>
+                <a:tailEnd/>
+              </a14:hiddenLine>
+            </a:ext>
+          </a:extLst>
+        </p:spPr>
+      </p:pic>
+    </p:spTree>
+    <p:extLst>
+      <p:ext uri="{BB962C8B-B14F-4D97-AF65-F5344CB8AC3E}">
+        <p14:creationId xmlns:p14="http://schemas.microsoft.com/office/powerpoint/2010/main" val="3376554392"/>
+      </p:ext>
+    </p:extLst>
+  </p:cSld>
+  <p:clrMapOvr>
+    <a:masterClrMapping/>
+  </p:clrMapOvr>
+</p:sld>
+</file>
+
+<file path=ppt/slides/slide15.xml><?xml version="1.0" encoding="utf-8"?>
+<p:sld xmlns:a="http://schemas.openxmlformats.org/drawingml/2006/main" xmlns:r="http://schemas.openxmlformats.org/officeDocument/2006/relationships" xmlns:p="http://schemas.openxmlformats.org/presentationml/2006/main">
+  <p:cSld>
+    <p:spTree>
+      <p:nvGrpSpPr>
+        <p:cNvPr id="1" name=""/>
+        <p:cNvGrpSpPr/>
+        <p:nvPr/>
+      </p:nvGrpSpPr>
+      <p:grpSpPr>
+        <a:xfrm>
+          <a:off x="0" y="0"/>
+          <a:ext cx="0" cy="0"/>
+          <a:chOff x="0" y="0"/>
+          <a:chExt cx="0" cy="0"/>
+        </a:xfrm>
+      </p:grpSpPr>
+      <p:sp>
+        <p:nvSpPr>
+          <p:cNvPr id="2" name="Title 1">
+            <a:extLst>
+              <a:ext uri="{FF2B5EF4-FFF2-40B4-BE49-F238E27FC236}">
+                <a16:creationId xmlns:a16="http://schemas.microsoft.com/office/drawing/2014/main" id="{A46B84DA-FBC5-E38B-BC20-6A97B4730EAC}"/>
+              </a:ext>
+            </a:extLst>
+          </p:cNvPr>
+          <p:cNvSpPr>
+            <a:spLocks noGrp="1"/>
+          </p:cNvSpPr>
+          <p:nvPr>
+            <p:ph type="title"/>
+          </p:nvPr>
+        </p:nvSpPr>
+        <p:spPr>
+          <a:xfrm>
+            <a:off x="1069848" y="484632"/>
+            <a:ext cx="10058400" cy="1242568"/>
+          </a:xfrm>
+        </p:spPr>
+        <p:txBody>
+          <a:bodyPr>
+            <a:normAutofit/>
+          </a:bodyPr>
+          <a:lstStyle/>
+          <a:p>
+            <a:pPr algn="ctr"/>
+            <a:r>
+              <a:rPr lang="en-US" sz="3200" dirty="0"/>
+              <a:t>References</a:t>
+            </a:r>
+          </a:p>
+        </p:txBody>
+      </p:sp>
+      <p:sp>
+        <p:nvSpPr>
+          <p:cNvPr id="3" name="Content Placeholder 2">
+            <a:extLst>
+              <a:ext uri="{FF2B5EF4-FFF2-40B4-BE49-F238E27FC236}">
+                <a16:creationId xmlns:a16="http://schemas.microsoft.com/office/drawing/2014/main" id="{A7CBB626-556D-78B3-F626-774BDF992CF6}"/>
+              </a:ext>
+            </a:extLst>
+          </p:cNvPr>
+          <p:cNvSpPr>
+            <a:spLocks noGrp="1"/>
+          </p:cNvSpPr>
+          <p:nvPr>
+            <p:ph sz="quarter" idx="13"/>
+          </p:nvPr>
+        </p:nvSpPr>
+        <p:spPr>
+          <a:xfrm>
+            <a:off x="913774" y="1727200"/>
+            <a:ext cx="10363826" cy="4063999"/>
+          </a:xfrm>
+        </p:spPr>
+        <p:txBody>
+          <a:bodyPr/>
+          <a:lstStyle/>
+          <a:p>
+            <a:endParaRPr lang="en-US" dirty="0"/>
+          </a:p>
+        </p:txBody>
+      </p:sp>
+    </p:spTree>
+    <p:extLst>
+      <p:ext uri="{BB962C8B-B14F-4D97-AF65-F5344CB8AC3E}">
+        <p14:creationId xmlns:p14="http://schemas.microsoft.com/office/powerpoint/2010/main" val="3303618452"/>
+      </p:ext>
+    </p:extLst>
+  </p:cSld>
+  <p:clrMapOvr>
+    <a:masterClrMapping/>
+  </p:clrMapOvr>
+</p:sld>
+</file>
+
+<file path=ppt/slides/slide2.xml><?xml version="1.0" encoding="utf-8"?>
+<p:sld xmlns:a="http://schemas.openxmlformats.org/drawingml/2006/main" xmlns:r="http://schemas.openxmlformats.org/officeDocument/2006/relationships" xmlns:p="http://schemas.openxmlformats.org/presentationml/2006/main">
+  <p:cSld>
+    <p:spTree>
+      <p:nvGrpSpPr>
+        <p:cNvPr id="1" name=""/>
+        <p:cNvGrpSpPr/>
+        <p:nvPr/>
+      </p:nvGrpSpPr>
+      <p:grpSpPr>
+        <a:xfrm>
+          <a:off x="0" y="0"/>
+          <a:ext cx="0" cy="0"/>
+          <a:chOff x="0" y="0"/>
+          <a:chExt cx="0" cy="0"/>
+        </a:xfrm>
+      </p:grpSpPr>
+      <p:sp>
+        <p:nvSpPr>
+          <p:cNvPr id="2" name="Title 1">
+            <a:extLst>
+              <a:ext uri="{FF2B5EF4-FFF2-40B4-BE49-F238E27FC236}">
+                <a16:creationId xmlns:a16="http://schemas.microsoft.com/office/drawing/2014/main" id="{8427413E-D74B-B83F-0BF9-E196E5C21BC7}"/>
+              </a:ext>
+            </a:extLst>
+          </p:cNvPr>
+          <p:cNvSpPr>
+            <a:spLocks noGrp="1"/>
+          </p:cNvSpPr>
+          <p:nvPr>
+            <p:ph type="title"/>
+          </p:nvPr>
+        </p:nvSpPr>
+        <p:spPr>
+          <a:xfrm>
+            <a:off x="1069848" y="624199"/>
+            <a:ext cx="10207752" cy="886968"/>
+          </a:xfrm>
+        </p:spPr>
+        <p:txBody>
+          <a:bodyPr>
+            <a:normAutofit/>
+          </a:bodyPr>
+          <a:lstStyle/>
+          <a:p>
+            <a:pPr algn="ctr"/>
+            <a:r>
+              <a:rPr lang="en-US" sz="3200" dirty="0" err="1"/>
+              <a:t>blochchain</a:t>
+            </a:r>
+            <a:endParaRPr lang="en-US" sz="3200" dirty="0"/>
+          </a:p>
+        </p:txBody>
+      </p:sp>
+      <p:sp>
+        <p:nvSpPr>
+          <p:cNvPr id="3" name="Content Placeholder 2">
+            <a:extLst>
+              <a:ext uri="{FF2B5EF4-FFF2-40B4-BE49-F238E27FC236}">
+                <a16:creationId xmlns:a16="http://schemas.microsoft.com/office/drawing/2014/main" id="{6509F986-57B3-6CE3-CA49-2BF7C85C778E}"/>
+              </a:ext>
+            </a:extLst>
+          </p:cNvPr>
+          <p:cNvSpPr>
+            <a:spLocks noGrp="1"/>
+          </p:cNvSpPr>
+          <p:nvPr>
+            <p:ph sz="quarter" idx="13"/>
+          </p:nvPr>
+        </p:nvSpPr>
+        <p:spPr>
+          <a:xfrm>
+            <a:off x="913774" y="1841499"/>
+            <a:ext cx="10363826" cy="1104901"/>
+          </a:xfrm>
+        </p:spPr>
+        <p:txBody>
+          <a:bodyPr/>
+          <a:lstStyle/>
+          <a:p>
+            <a:pPr algn="l"/>
+            <a:r>
+              <a:rPr lang="en-US" dirty="0"/>
+              <a:t>Blockchain is a kind of decentralized information recording system. The data recorded on it cannot be deleted or changed.</a:t>
+            </a:r>
+            <a:endParaRPr lang="fa-IR" dirty="0"/>
+          </a:p>
+        </p:txBody>
+      </p:sp>
+      <p:pic>
+        <p:nvPicPr>
+          <p:cNvPr id="6" name="Picture 5">
+            <a:extLst>
+              <a:ext uri="{FF2B5EF4-FFF2-40B4-BE49-F238E27FC236}">
+                <a16:creationId xmlns:a16="http://schemas.microsoft.com/office/drawing/2014/main" id="{9A76E89E-1341-C561-ADD2-A615C56744C7}"/>
+              </a:ext>
+            </a:extLst>
+          </p:cNvPr>
+          <p:cNvPicPr>
+            <a:picLocks noChangeAspect="1"/>
+          </p:cNvPicPr>
+          <p:nvPr/>
+        </p:nvPicPr>
+        <p:blipFill>
+          <a:blip r:embed="rId2">
+            <a:extLst>
+              <a:ext uri="{28A0092B-C50C-407E-A947-70E740481C1C}">
+                <a14:useLocalDpi xmlns:a14="http://schemas.microsoft.com/office/drawing/2010/main" val="0"/>
+              </a:ext>
+            </a:extLst>
+          </a:blip>
+          <a:stretch>
+            <a:fillRect/>
+          </a:stretch>
+        </p:blipFill>
+        <p:spPr>
+          <a:xfrm>
+            <a:off x="2893763" y="2946400"/>
+            <a:ext cx="6403848" cy="3559632"/>
+          </a:xfrm>
+          <a:prstGeom prst="rect">
+            <a:avLst/>
+          </a:prstGeom>
+        </p:spPr>
+      </p:pic>
+    </p:spTree>
+    <p:extLst>
+      <p:ext uri="{BB962C8B-B14F-4D97-AF65-F5344CB8AC3E}">
+        <p14:creationId xmlns:p14="http://schemas.microsoft.com/office/powerpoint/2010/main" val="636164389"/>
+      </p:ext>
+    </p:extLst>
+  </p:cSld>
+  <p:clrMapOvr>
+    <a:masterClrMapping/>
+  </p:clrMapOvr>
+</p:sld>
+</file>
+
+<file path=ppt/slides/slide3.xml><?xml version="1.0" encoding="utf-8"?>
+<p:sld xmlns:a="http://schemas.openxmlformats.org/drawingml/2006/main" xmlns:r="http://schemas.openxmlformats.org/officeDocument/2006/relationships" xmlns:p="http://schemas.openxmlformats.org/presentationml/2006/main">
+  <p:cSld>
+    <p:spTree>
+      <p:nvGrpSpPr>
+        <p:cNvPr id="1" name=""/>
+        <p:cNvGrpSpPr/>
+        <p:nvPr/>
+      </p:nvGrpSpPr>
+      <p:grpSpPr>
+        <a:xfrm>
+          <a:off x="0" y="0"/>
+          <a:ext cx="0" cy="0"/>
+          <a:chOff x="0" y="0"/>
+          <a:chExt cx="0" cy="0"/>
+        </a:xfrm>
+      </p:grpSpPr>
+      <p:sp>
+        <p:nvSpPr>
+          <p:cNvPr id="2" name="Title 1">
+            <a:extLst>
+              <a:ext uri="{FF2B5EF4-FFF2-40B4-BE49-F238E27FC236}">
+                <a16:creationId xmlns:a16="http://schemas.microsoft.com/office/drawing/2014/main" id="{CC664C5E-570B-A26F-930C-C09193750465}"/>
+              </a:ext>
+            </a:extLst>
+          </p:cNvPr>
+          <p:cNvSpPr>
+            <a:spLocks noGrp="1"/>
+          </p:cNvSpPr>
+          <p:nvPr>
+            <p:ph type="title"/>
+          </p:nvPr>
+        </p:nvSpPr>
+        <p:spPr>
+          <a:xfrm>
+            <a:off x="1069848" y="484632"/>
+            <a:ext cx="10058400" cy="1077468"/>
+          </a:xfrm>
+        </p:spPr>
+        <p:txBody>
+          <a:bodyPr>
+            <a:normAutofit/>
+          </a:bodyPr>
+          <a:lstStyle/>
+          <a:p>
+            <a:pPr algn="ctr"/>
+            <a:r>
+              <a:rPr lang="en-US" sz="3200" dirty="0"/>
+              <a:t>Anonymous users</a:t>
+            </a:r>
+          </a:p>
+        </p:txBody>
+      </p:sp>
+      <p:sp>
+        <p:nvSpPr>
+          <p:cNvPr id="3" name="Content Placeholder 2">
+            <a:extLst>
+              <a:ext uri="{FF2B5EF4-FFF2-40B4-BE49-F238E27FC236}">
+                <a16:creationId xmlns:a16="http://schemas.microsoft.com/office/drawing/2014/main" id="{4F7D90EB-82C5-A3EC-D4BF-B69A324F7B87}"/>
+              </a:ext>
+            </a:extLst>
+          </p:cNvPr>
+          <p:cNvSpPr>
+            <a:spLocks noGrp="1"/>
+          </p:cNvSpPr>
+          <p:nvPr>
+            <p:ph sz="quarter" idx="13"/>
+          </p:nvPr>
+        </p:nvSpPr>
+        <p:spPr>
+          <a:xfrm>
+            <a:off x="913774" y="1739900"/>
+            <a:ext cx="10363826" cy="4051299"/>
+          </a:xfrm>
+        </p:spPr>
+        <p:txBody>
+          <a:bodyPr/>
+          <a:lstStyle/>
+          <a:p>
+            <a:pPr algn="r" rtl="1"/>
+            <a:r>
+              <a:rPr lang="fa-IR" dirty="0"/>
+              <a:t>کاربران ناشناس تراکنش میزنند و توسط شناسه حساب خود شناخته می شوند</a:t>
+            </a:r>
+          </a:p>
+          <a:p>
+            <a:pPr algn="r" rtl="1"/>
+            <a:r>
+              <a:rPr lang="fa-IR" dirty="0"/>
+              <a:t>معدود </a:t>
+            </a:r>
+            <a:r>
+              <a:rPr lang="en-US" dirty="0"/>
+              <a:t> </a:t>
+            </a:r>
+            <a:r>
+              <a:rPr lang="en-US" dirty="0" err="1"/>
+              <a:t>kyc</a:t>
+            </a:r>
+            <a:r>
+              <a:rPr lang="fa-IR" dirty="0"/>
+              <a:t> کاربران با سطح پایین توسط سازمان های ارائه دهنده خدمت مثلا صرافی ها</a:t>
+            </a:r>
+          </a:p>
+          <a:p>
+            <a:pPr algn="r" rtl="1"/>
+            <a:r>
+              <a:rPr lang="fa-IR" dirty="0"/>
+              <a:t>امکان انجام تراکنش با واسطه در بلاکچین</a:t>
+            </a:r>
+          </a:p>
+          <a:p>
+            <a:pPr marL="0" indent="0" algn="r" rtl="1">
+              <a:buNone/>
+            </a:pPr>
+            <a:endParaRPr lang="en-US" dirty="0"/>
+          </a:p>
+        </p:txBody>
+      </p:sp>
+      <p:sp>
+        <p:nvSpPr>
+          <p:cNvPr id="5" name="Rectangle 1">
+            <a:extLst>
+              <a:ext uri="{FF2B5EF4-FFF2-40B4-BE49-F238E27FC236}">
+                <a16:creationId xmlns:a16="http://schemas.microsoft.com/office/drawing/2014/main" id="{FBDC0C5D-56BD-90F3-38D5-CF674ECE2E4F}"/>
+              </a:ext>
+            </a:extLst>
+          </p:cNvPr>
+          <p:cNvSpPr>
+            <a:spLocks noChangeArrowheads="1"/>
+          </p:cNvSpPr>
+          <p:nvPr/>
+        </p:nvSpPr>
+        <p:spPr bwMode="auto">
+          <a:xfrm>
+            <a:off x="-724199" y="2907665"/>
+            <a:ext cx="14596954" cy="457200"/>
+          </a:xfrm>
+          <a:prstGeom prst="rect">
+            <a:avLst/>
+          </a:prstGeom>
+          <a:noFill/>
+          <a:ln>
+            <a:noFill/>
+          </a:ln>
+          <a:effectLst/>
+          <a:extLst>
+            <a:ext uri="{909E8E84-426E-40DD-AFC4-6F175D3DCCD1}">
+              <a14:hiddenFill xmlns:a14="http://schemas.microsoft.com/office/drawing/2010/main">
+                <a:solidFill>
+                  <a:schemeClr val="accent1"/>
+                </a:solidFill>
+              </a14:hiddenFill>
+            </a:ext>
+            <a:ext uri="{91240B29-F687-4F45-9708-019B960494DF}">
+              <a14:hiddenLine xmlns:a14="http://schemas.microsoft.com/office/drawing/2010/main" w="9525">
+                <a:solidFill>
+                  <a:schemeClr val="tx1"/>
+                </a:solidFill>
+                <a:miter lim="800000"/>
+                <a:headEnd/>
+                <a:tailEnd/>
+              </a14:hiddenLine>
+            </a:ext>
+            <a:ext uri="{AF507438-7753-43E0-B8FC-AC1667EBCBE1}">
+              <a14:hiddenEffects xmlns:a14="http://schemas.microsoft.com/office/drawing/2010/main">
+                <a:effectLst>
+                  <a:outerShdw dist="35921" dir="2700000" algn="ctr" rotWithShape="0">
+                    <a:schemeClr val="bg2"/>
+                  </a:outerShdw>
+                </a:effectLst>
+              </a14:hiddenEffects>
+            </a:ext>
+          </a:extLst>
+        </p:spPr>
+        <p:txBody>
+          <a:bodyPr vert="horz" wrap="square" lIns="91440" tIns="45720" rIns="91440" bIns="45720" numCol="1" anchor="ctr" anchorCtr="0" compatLnSpc="1">
+            <a:prstTxWarp prst="textNoShape">
+              <a:avLst/>
+            </a:prstTxWarp>
+            <a:spAutoFit/>
+          </a:bodyPr>
+          <a:lstStyle/>
+          <a:p>
+            <a:endParaRPr lang="en-US"/>
+          </a:p>
+        </p:txBody>
+      </p:sp>
+    </p:spTree>
+    <p:extLst>
+      <p:ext uri="{BB962C8B-B14F-4D97-AF65-F5344CB8AC3E}">
+        <p14:creationId xmlns:p14="http://schemas.microsoft.com/office/powerpoint/2010/main" val="1214090925"/>
+      </p:ext>
+    </p:extLst>
+  </p:cSld>
+  <p:clrMapOvr>
+    <a:masterClrMapping/>
+  </p:clrMapOvr>
+</p:sld>
+</file>
+
+<file path=ppt/slides/slide4.xml><?xml version="1.0" encoding="utf-8"?>
+<p:sld xmlns:a="http://schemas.openxmlformats.org/drawingml/2006/main" xmlns:r="http://schemas.openxmlformats.org/officeDocument/2006/relationships" xmlns:p="http://schemas.openxmlformats.org/presentationml/2006/main">
+  <p:cSld>
+    <p:spTree>
+      <p:nvGrpSpPr>
+        <p:cNvPr id="1" name=""/>
+        <p:cNvGrpSpPr/>
+        <p:nvPr/>
+      </p:nvGrpSpPr>
+      <p:grpSpPr>
+        <a:xfrm>
+          <a:off x="0" y="0"/>
+          <a:ext cx="0" cy="0"/>
+          <a:chOff x="0" y="0"/>
+          <a:chExt cx="0" cy="0"/>
+        </a:xfrm>
+      </p:grpSpPr>
+      <p:sp>
+        <p:nvSpPr>
+          <p:cNvPr id="2" name="Title 1">
+            <a:extLst>
+              <a:ext uri="{FF2B5EF4-FFF2-40B4-BE49-F238E27FC236}">
+                <a16:creationId xmlns:a16="http://schemas.microsoft.com/office/drawing/2014/main" id="{57E3CAEF-5B1F-948D-AEEE-AAFA91FE174C}"/>
+              </a:ext>
+            </a:extLst>
+          </p:cNvPr>
+          <p:cNvSpPr>
+            <a:spLocks noGrp="1"/>
+          </p:cNvSpPr>
+          <p:nvPr>
+            <p:ph type="title"/>
+          </p:nvPr>
+        </p:nvSpPr>
+        <p:spPr>
+          <a:xfrm>
+            <a:off x="1069848" y="484632"/>
+            <a:ext cx="10058400" cy="721868"/>
+          </a:xfrm>
+        </p:spPr>
+        <p:txBody>
+          <a:bodyPr>
+            <a:normAutofit/>
+          </a:bodyPr>
+          <a:lstStyle/>
+          <a:p>
+            <a:pPr algn="ctr"/>
+            <a:r>
+              <a:rPr lang="en-US" sz="3200" dirty="0"/>
+              <a:t>Stellar blockchain</a:t>
+            </a:r>
+          </a:p>
+        </p:txBody>
+      </p:sp>
+      <p:sp>
+        <p:nvSpPr>
+          <p:cNvPr id="3" name="Content Placeholder 2">
+            <a:extLst>
+              <a:ext uri="{FF2B5EF4-FFF2-40B4-BE49-F238E27FC236}">
+                <a16:creationId xmlns:a16="http://schemas.microsoft.com/office/drawing/2014/main" id="{18009C18-8E33-45ED-D083-5DE6D6DA7539}"/>
+              </a:ext>
+            </a:extLst>
+          </p:cNvPr>
+          <p:cNvSpPr>
+            <a:spLocks noGrp="1"/>
+          </p:cNvSpPr>
+          <p:nvPr>
+            <p:ph sz="quarter" idx="13"/>
+          </p:nvPr>
+        </p:nvSpPr>
+        <p:spPr>
+          <a:xfrm>
+            <a:off x="913774" y="1358900"/>
+            <a:ext cx="10363826" cy="1070791"/>
+          </a:xfrm>
+        </p:spPr>
+        <p:txBody>
+          <a:bodyPr/>
+          <a:lstStyle/>
+          <a:p>
+            <a:pPr algn="r" rtl="1"/>
+            <a:r>
+              <a:rPr lang="fa-IR" dirty="0"/>
+              <a:t>ما شبکه استلار رو انتخاب کردیم زیرا شبکه ای است با پیچیدگی بالا و وجود عملیات ها و روابط متعدد بین کاربران خود</a:t>
+            </a:r>
+          </a:p>
+          <a:p>
+            <a:pPr algn="r" rtl="1"/>
+            <a:r>
+              <a:rPr lang="fa-IR" dirty="0"/>
+              <a:t>لیست عملیات ها بین کاربران</a:t>
+            </a:r>
+          </a:p>
+          <a:p>
+            <a:pPr algn="r" rtl="1"/>
+            <a:endParaRPr lang="en-US" dirty="0"/>
+          </a:p>
+        </p:txBody>
+      </p:sp>
+      <p:graphicFrame>
+        <p:nvGraphicFramePr>
+          <p:cNvPr id="4" name="Table 3">
+            <a:extLst>
+              <a:ext uri="{FF2B5EF4-FFF2-40B4-BE49-F238E27FC236}">
+                <a16:creationId xmlns:a16="http://schemas.microsoft.com/office/drawing/2014/main" id="{0384D450-442B-266E-9D8D-462187562827}"/>
+              </a:ext>
+            </a:extLst>
+          </p:cNvPr>
+          <p:cNvGraphicFramePr>
+            <a:graphicFrameLocks noGrp="1"/>
+          </p:cNvGraphicFramePr>
+          <p:nvPr>
+            <p:extLst>
+              <p:ext uri="{D42A27DB-BD31-4B8C-83A1-F6EECF244321}">
+                <p14:modId xmlns:p14="http://schemas.microsoft.com/office/powerpoint/2010/main" val="3941284031"/>
+              </p:ext>
+            </p:extLst>
+          </p:nvPr>
+        </p:nvGraphicFramePr>
+        <p:xfrm>
+          <a:off x="1448285" y="2524445"/>
+          <a:ext cx="9294804" cy="4201669"/>
+        </p:xfrm>
+        <a:graphic>
+          <a:graphicData uri="http://schemas.openxmlformats.org/drawingml/2006/table">
+            <a:tbl>
+              <a:tblPr rtl="1" firstRow="1" firstCol="1" bandRow="1">
+                <a:tableStyleId>{5C22544A-7EE6-4342-B048-85BDC9FD1C3A}</a:tableStyleId>
+              </a:tblPr>
+              <a:tblGrid>
+                <a:gridCol w="2243178">
+                  <a:extLst>
+                    <a:ext uri="{9D8B030D-6E8A-4147-A177-3AD203B41FA5}">
+                      <a16:colId xmlns:a16="http://schemas.microsoft.com/office/drawing/2014/main" val="2464390246"/>
+                    </a:ext>
+                  </a:extLst>
+                </a:gridCol>
+                <a:gridCol w="7051626">
+                  <a:extLst>
+                    <a:ext uri="{9D8B030D-6E8A-4147-A177-3AD203B41FA5}">
+                      <a16:colId xmlns:a16="http://schemas.microsoft.com/office/drawing/2014/main" val="595447565"/>
+                    </a:ext>
+                  </a:extLst>
+                </a:gridCol>
+              </a:tblGrid>
+              <a:tr h="248959">
+                <a:tc>
+                  <a:txBody>
+                    <a:bodyPr/>
+                    <a:lstStyle/>
+                    <a:p>
+                      <a:pPr marL="0" marR="0" indent="0" algn="ctr" rtl="1">
+                        <a:lnSpc>
+                          <a:spcPct val="124000"/>
+                        </a:lnSpc>
+                        <a:spcBef>
+                          <a:spcPts val="0"/>
+                        </a:spcBef>
+                        <a:spcAft>
+                          <a:spcPts val="0"/>
+                        </a:spcAft>
+                      </a:pPr>
+                      <a:r>
+                        <a:rPr lang="fa-IR" sz="1200" dirty="0">
+                          <a:effectLst/>
+                        </a:rPr>
+                        <a:t>نوع عملیات</a:t>
+                      </a:r>
+                      <a:endParaRPr lang="en-US" sz="1200" dirty="0">
+                        <a:effectLst/>
+                        <a:latin typeface="Times New Roman" panose="02020603050405020304" pitchFamily="18" charset="0"/>
+                        <a:ea typeface="Times New Roman" panose="02020603050405020304" pitchFamily="18" charset="0"/>
+                        <a:cs typeface="B Nazanin" panose="00000400000000000000" pitchFamily="2" charset="-78"/>
+                      </a:endParaRPr>
+                    </a:p>
+                  </a:txBody>
+                  <a:tcPr marL="68580" marR="68580" marT="0" marB="0"/>
+                </a:tc>
+                <a:tc>
+                  <a:txBody>
+                    <a:bodyPr/>
+                    <a:lstStyle/>
+                    <a:p>
+                      <a:pPr marL="0" marR="0" indent="0" algn="ctr" rtl="1">
+                        <a:lnSpc>
+                          <a:spcPct val="124000"/>
+                        </a:lnSpc>
+                        <a:spcBef>
+                          <a:spcPts val="0"/>
+                        </a:spcBef>
+                        <a:spcAft>
+                          <a:spcPts val="0"/>
+                        </a:spcAft>
+                      </a:pPr>
+                      <a:r>
+                        <a:rPr lang="fa-IR" sz="1200">
+                          <a:effectLst/>
+                        </a:rPr>
+                        <a:t>فعالیت</a:t>
+                      </a:r>
+                      <a:endParaRPr lang="en-US" sz="1200">
+                        <a:effectLst/>
+                        <a:latin typeface="Times New Roman" panose="02020603050405020304" pitchFamily="18" charset="0"/>
+                        <a:ea typeface="Times New Roman" panose="02020603050405020304" pitchFamily="18" charset="0"/>
+                        <a:cs typeface="B Nazanin" panose="00000400000000000000" pitchFamily="2" charset="-78"/>
+                      </a:endParaRPr>
+                    </a:p>
+                  </a:txBody>
+                  <a:tcPr marL="68580" marR="68580" marT="0" marB="0"/>
+                </a:tc>
+                <a:extLst>
+                  <a:ext uri="{0D108BD9-81ED-4DB2-BD59-A6C34878D82A}">
+                    <a16:rowId xmlns:a16="http://schemas.microsoft.com/office/drawing/2014/main" val="708044761"/>
+                  </a:ext>
+                </a:extLst>
+              </a:tr>
+              <a:tr h="458323">
+                <a:tc>
+                  <a:txBody>
+                    <a:bodyPr/>
+                    <a:lstStyle/>
+                    <a:p>
+                      <a:pPr marL="342900" marR="0" lvl="0" indent="-342900" algn="r" rtl="1">
+                        <a:lnSpc>
+                          <a:spcPct val="124000"/>
+                        </a:lnSpc>
+                        <a:spcBef>
+                          <a:spcPts val="0"/>
+                        </a:spcBef>
+                        <a:spcAft>
+                          <a:spcPts val="0"/>
+                        </a:spcAft>
+                        <a:buFont typeface="Wingdings" panose="05000000000000000000" pitchFamily="2" charset="2"/>
+                        <a:buChar char=""/>
+                      </a:pPr>
+                      <a:r>
+                        <a:rPr lang="en-US" sz="1200">
+                          <a:effectLst/>
+                        </a:rPr>
+                        <a:t>CreateAccount</a:t>
+                      </a:r>
+                      <a:endParaRPr lang="en-US" sz="1200">
+                        <a:effectLst/>
+                        <a:latin typeface="Times New Roman" panose="02020603050405020304" pitchFamily="18" charset="0"/>
+                        <a:ea typeface="Times New Roman" panose="02020603050405020304" pitchFamily="18" charset="0"/>
+                        <a:cs typeface="B Nazanin" panose="00000400000000000000" pitchFamily="2" charset="-78"/>
+                      </a:endParaRPr>
+                    </a:p>
+                  </a:txBody>
+                  <a:tcPr marL="68580" marR="68580" marT="0" marB="0"/>
+                </a:tc>
+                <a:tc>
+                  <a:txBody>
+                    <a:bodyPr/>
+                    <a:lstStyle/>
+                    <a:p>
+                      <a:pPr marL="0" marR="0" indent="0" algn="ctr" rtl="1">
+                        <a:lnSpc>
+                          <a:spcPct val="124000"/>
+                        </a:lnSpc>
+                        <a:spcBef>
+                          <a:spcPts val="0"/>
+                        </a:spcBef>
+                        <a:spcAft>
+                          <a:spcPts val="0"/>
+                        </a:spcAft>
+                      </a:pPr>
+                      <a:r>
+                        <a:rPr lang="fa-IR" sz="1200">
+                          <a:effectLst/>
+                        </a:rPr>
+                        <a:t>ورودی دفتر حساب جدید را ایجاد و تأمین مالی کنید</a:t>
+                      </a:r>
+                      <a:endParaRPr lang="en-US" sz="1200">
+                        <a:effectLst/>
+                        <a:latin typeface="Times New Roman" panose="02020603050405020304" pitchFamily="18" charset="0"/>
+                        <a:ea typeface="Times New Roman" panose="02020603050405020304" pitchFamily="18" charset="0"/>
+                        <a:cs typeface="B Nazanin" panose="00000400000000000000" pitchFamily="2" charset="-78"/>
+                      </a:endParaRPr>
+                    </a:p>
+                  </a:txBody>
+                  <a:tcPr marL="68580" marR="68580" marT="0" marB="0"/>
+                </a:tc>
+                <a:extLst>
+                  <a:ext uri="{0D108BD9-81ED-4DB2-BD59-A6C34878D82A}">
+                    <a16:rowId xmlns:a16="http://schemas.microsoft.com/office/drawing/2014/main" val="957889179"/>
+                  </a:ext>
+                </a:extLst>
+              </a:tr>
+              <a:tr h="458323">
+                <a:tc>
+                  <a:txBody>
+                    <a:bodyPr/>
+                    <a:lstStyle/>
+                    <a:p>
+                      <a:pPr marL="342900" marR="0" lvl="0" indent="-342900" algn="r" rtl="1">
+                        <a:lnSpc>
+                          <a:spcPct val="124000"/>
+                        </a:lnSpc>
+                        <a:spcBef>
+                          <a:spcPts val="0"/>
+                        </a:spcBef>
+                        <a:spcAft>
+                          <a:spcPts val="0"/>
+                        </a:spcAft>
+                        <a:buFont typeface="Wingdings" panose="05000000000000000000" pitchFamily="2" charset="2"/>
+                        <a:buChar char=""/>
+                      </a:pPr>
+                      <a:r>
+                        <a:rPr lang="en-US" sz="1200">
+                          <a:effectLst/>
+                        </a:rPr>
+                        <a:t>AccountMerge</a:t>
+                      </a:r>
+                      <a:endParaRPr lang="en-US" sz="1200">
+                        <a:effectLst/>
+                        <a:latin typeface="Times New Roman" panose="02020603050405020304" pitchFamily="18" charset="0"/>
+                        <a:ea typeface="Times New Roman" panose="02020603050405020304" pitchFamily="18" charset="0"/>
+                        <a:cs typeface="B Nazanin" panose="00000400000000000000" pitchFamily="2" charset="-78"/>
+                      </a:endParaRPr>
+                    </a:p>
+                  </a:txBody>
+                  <a:tcPr marL="68580" marR="68580" marT="0" marB="0"/>
+                </a:tc>
+                <a:tc>
+                  <a:txBody>
+                    <a:bodyPr/>
+                    <a:lstStyle/>
+                    <a:p>
+                      <a:pPr marL="0" marR="0" indent="0" algn="ctr" rtl="1">
+                        <a:lnSpc>
+                          <a:spcPct val="124000"/>
+                        </a:lnSpc>
+                        <a:spcBef>
+                          <a:spcPts val="0"/>
+                        </a:spcBef>
+                        <a:spcAft>
+                          <a:spcPts val="0"/>
+                        </a:spcAft>
+                      </a:pPr>
+                      <a:r>
+                        <a:rPr lang="fa-IR" sz="1200">
+                          <a:effectLst/>
+                        </a:rPr>
+                        <a:t>حذف ورودی دفتر حساب</a:t>
+                      </a:r>
+                      <a:endParaRPr lang="en-US" sz="1200">
+                        <a:effectLst/>
+                        <a:latin typeface="Times New Roman" panose="02020603050405020304" pitchFamily="18" charset="0"/>
+                        <a:ea typeface="Times New Roman" panose="02020603050405020304" pitchFamily="18" charset="0"/>
+                        <a:cs typeface="B Nazanin" panose="00000400000000000000" pitchFamily="2" charset="-78"/>
+                      </a:endParaRPr>
+                    </a:p>
+                  </a:txBody>
+                  <a:tcPr marL="68580" marR="68580" marT="0" marB="0"/>
+                </a:tc>
+                <a:extLst>
+                  <a:ext uri="{0D108BD9-81ED-4DB2-BD59-A6C34878D82A}">
+                    <a16:rowId xmlns:a16="http://schemas.microsoft.com/office/drawing/2014/main" val="1579742977"/>
+                  </a:ext>
+                </a:extLst>
+              </a:tr>
+              <a:tr h="300693">
+                <a:tc>
+                  <a:txBody>
+                    <a:bodyPr/>
+                    <a:lstStyle/>
+                    <a:p>
+                      <a:pPr marL="342900" marR="0" lvl="0" indent="-342900" algn="r" rtl="1">
+                        <a:lnSpc>
+                          <a:spcPct val="124000"/>
+                        </a:lnSpc>
+                        <a:spcBef>
+                          <a:spcPts val="0"/>
+                        </a:spcBef>
+                        <a:spcAft>
+                          <a:spcPts val="0"/>
+                        </a:spcAft>
+                        <a:buFont typeface="Wingdings" panose="05000000000000000000" pitchFamily="2" charset="2"/>
+                        <a:buChar char=""/>
+                      </a:pPr>
+                      <a:r>
+                        <a:rPr lang="en-US" sz="1200" dirty="0" err="1">
+                          <a:effectLst/>
+                        </a:rPr>
+                        <a:t>SetOptions</a:t>
+                      </a:r>
+                      <a:endParaRPr lang="en-US" sz="1200" dirty="0">
+                        <a:effectLst/>
+                        <a:latin typeface="Times New Roman" panose="02020603050405020304" pitchFamily="18" charset="0"/>
+                        <a:ea typeface="Times New Roman" panose="02020603050405020304" pitchFamily="18" charset="0"/>
+                        <a:cs typeface="B Nazanin" panose="00000400000000000000" pitchFamily="2" charset="-78"/>
+                      </a:endParaRPr>
+                    </a:p>
+                  </a:txBody>
+                  <a:tcPr marL="68580" marR="68580" marT="0" marB="0"/>
+                </a:tc>
+                <a:tc>
+                  <a:txBody>
+                    <a:bodyPr/>
+                    <a:lstStyle/>
+                    <a:p>
+                      <a:pPr marL="0" marR="0" indent="0" algn="ctr" rtl="1">
+                        <a:lnSpc>
+                          <a:spcPct val="124000"/>
+                        </a:lnSpc>
+                        <a:spcBef>
+                          <a:spcPts val="0"/>
+                        </a:spcBef>
+                        <a:spcAft>
+                          <a:spcPts val="0"/>
+                        </a:spcAft>
+                      </a:pPr>
+                      <a:r>
+                        <a:rPr lang="fa-IR" sz="1200">
+                          <a:effectLst/>
+                        </a:rPr>
+                        <a:t>پرچم‌ها و امضاکنندگان حساب را تغییر دهید</a:t>
+                      </a:r>
+                      <a:endParaRPr lang="en-US" sz="1200">
+                        <a:effectLst/>
+                        <a:latin typeface="Times New Roman" panose="02020603050405020304" pitchFamily="18" charset="0"/>
+                        <a:ea typeface="Times New Roman" panose="02020603050405020304" pitchFamily="18" charset="0"/>
+                        <a:cs typeface="B Nazanin" panose="00000400000000000000" pitchFamily="2" charset="-78"/>
+                      </a:endParaRPr>
+                    </a:p>
+                  </a:txBody>
+                  <a:tcPr marL="68580" marR="68580" marT="0" marB="0"/>
+                </a:tc>
+                <a:extLst>
+                  <a:ext uri="{0D108BD9-81ED-4DB2-BD59-A6C34878D82A}">
+                    <a16:rowId xmlns:a16="http://schemas.microsoft.com/office/drawing/2014/main" val="949144842"/>
+                  </a:ext>
+                </a:extLst>
+              </a:tr>
+              <a:tr h="300693">
+                <a:tc>
+                  <a:txBody>
+                    <a:bodyPr/>
+                    <a:lstStyle/>
+                    <a:p>
+                      <a:pPr marL="342900" marR="0" lvl="0" indent="-342900" algn="r" rtl="1">
+                        <a:lnSpc>
+                          <a:spcPct val="124000"/>
+                        </a:lnSpc>
+                        <a:spcBef>
+                          <a:spcPts val="0"/>
+                        </a:spcBef>
+                        <a:spcAft>
+                          <a:spcPts val="0"/>
+                        </a:spcAft>
+                        <a:buFont typeface="Wingdings" panose="05000000000000000000" pitchFamily="2" charset="2"/>
+                        <a:buChar char=""/>
+                      </a:pPr>
+                      <a:r>
+                        <a:rPr lang="en-US" sz="1200">
+                          <a:effectLst/>
+                        </a:rPr>
+                        <a:t>Payment</a:t>
+                      </a:r>
+                      <a:endParaRPr lang="en-US" sz="1200">
+                        <a:effectLst/>
+                        <a:latin typeface="Times New Roman" panose="02020603050405020304" pitchFamily="18" charset="0"/>
+                        <a:ea typeface="Times New Roman" panose="02020603050405020304" pitchFamily="18" charset="0"/>
+                        <a:cs typeface="B Nazanin" panose="00000400000000000000" pitchFamily="2" charset="-78"/>
+                      </a:endParaRPr>
+                    </a:p>
+                  </a:txBody>
+                  <a:tcPr marL="68580" marR="68580" marT="0" marB="0"/>
+                </a:tc>
+                <a:tc>
+                  <a:txBody>
+                    <a:bodyPr/>
+                    <a:lstStyle/>
+                    <a:p>
+                      <a:pPr marL="0" marR="0" indent="0" algn="ctr" rtl="1">
+                        <a:lnSpc>
+                          <a:spcPct val="124000"/>
+                        </a:lnSpc>
+                        <a:spcBef>
+                          <a:spcPts val="0"/>
+                        </a:spcBef>
+                        <a:spcAft>
+                          <a:spcPts val="0"/>
+                        </a:spcAft>
+                      </a:pPr>
+                      <a:r>
+                        <a:rPr lang="fa-IR" sz="1200">
+                          <a:effectLst/>
+                        </a:rPr>
+                        <a:t>مقدار مشخصی از دارایی را به مقصد پرداخت می کند.</a:t>
+                      </a:r>
+                      <a:endParaRPr lang="en-US" sz="1200">
+                        <a:effectLst/>
+                        <a:latin typeface="Times New Roman" panose="02020603050405020304" pitchFamily="18" charset="0"/>
+                        <a:ea typeface="Times New Roman" panose="02020603050405020304" pitchFamily="18" charset="0"/>
+                        <a:cs typeface="B Nazanin" panose="00000400000000000000" pitchFamily="2" charset="-78"/>
+                      </a:endParaRPr>
+                    </a:p>
+                  </a:txBody>
+                  <a:tcPr marL="68580" marR="68580" marT="0" marB="0"/>
+                </a:tc>
+                <a:extLst>
+                  <a:ext uri="{0D108BD9-81ED-4DB2-BD59-A6C34878D82A}">
+                    <a16:rowId xmlns:a16="http://schemas.microsoft.com/office/drawing/2014/main" val="3546524710"/>
+                  </a:ext>
+                </a:extLst>
+              </a:tr>
+              <a:tr h="458323">
+                <a:tc>
+                  <a:txBody>
+                    <a:bodyPr/>
+                    <a:lstStyle/>
+                    <a:p>
+                      <a:pPr marL="342900" marR="0" lvl="0" indent="-342900" algn="r" rtl="1">
+                        <a:lnSpc>
+                          <a:spcPct val="124000"/>
+                        </a:lnSpc>
+                        <a:spcBef>
+                          <a:spcPts val="0"/>
+                        </a:spcBef>
+                        <a:spcAft>
+                          <a:spcPts val="0"/>
+                        </a:spcAft>
+                        <a:buFont typeface="Wingdings" panose="05000000000000000000" pitchFamily="2" charset="2"/>
+                        <a:buChar char=""/>
+                      </a:pPr>
+                      <a:r>
+                        <a:rPr lang="en-US" sz="1200">
+                          <a:effectLst/>
+                        </a:rPr>
+                        <a:t>PathPayment</a:t>
+                      </a:r>
+                      <a:endParaRPr lang="en-US" sz="1200">
+                        <a:effectLst/>
+                        <a:latin typeface="Times New Roman" panose="02020603050405020304" pitchFamily="18" charset="0"/>
+                        <a:ea typeface="Times New Roman" panose="02020603050405020304" pitchFamily="18" charset="0"/>
+                        <a:cs typeface="B Nazanin" panose="00000400000000000000" pitchFamily="2" charset="-78"/>
+                      </a:endParaRPr>
+                    </a:p>
+                  </a:txBody>
+                  <a:tcPr marL="68580" marR="68580" marT="0" marB="0"/>
+                </a:tc>
+                <a:tc>
+                  <a:txBody>
+                    <a:bodyPr/>
+                    <a:lstStyle/>
+                    <a:p>
+                      <a:pPr marL="0" marR="0" indent="180340" algn="ctr" rtl="1">
+                        <a:lnSpc>
+                          <a:spcPct val="124000"/>
+                        </a:lnSpc>
+                        <a:spcBef>
+                          <a:spcPts val="0"/>
+                        </a:spcBef>
+                        <a:spcAft>
+                          <a:spcPts val="0"/>
+                        </a:spcAft>
+                      </a:pPr>
+                      <a:r>
+                        <a:rPr lang="fa-IR" sz="1200">
+                          <a:effectLst/>
+                        </a:rPr>
+                        <a:t>مانند پرداخت است، اما در دارایی های مختلف پرداخت می کند ؛ حداکثر 5 دارایی واسطه ای.</a:t>
+                      </a:r>
+                      <a:endParaRPr lang="en-US" sz="1200">
+                        <a:effectLst/>
+                        <a:latin typeface="Times New Roman" panose="02020603050405020304" pitchFamily="18" charset="0"/>
+                        <a:ea typeface="Times New Roman" panose="02020603050405020304" pitchFamily="18" charset="0"/>
+                        <a:cs typeface="B Nazanin" panose="00000400000000000000" pitchFamily="2" charset="-78"/>
+                      </a:endParaRPr>
+                    </a:p>
+                  </a:txBody>
+                  <a:tcPr marL="68580" marR="68580" marT="0" marB="0"/>
+                </a:tc>
+                <a:extLst>
+                  <a:ext uri="{0D108BD9-81ED-4DB2-BD59-A6C34878D82A}">
+                    <a16:rowId xmlns:a16="http://schemas.microsoft.com/office/drawing/2014/main" val="1575879806"/>
+                  </a:ext>
+                </a:extLst>
+              </a:tr>
+              <a:tr h="458323">
+                <a:tc>
+                  <a:txBody>
+                    <a:bodyPr/>
+                    <a:lstStyle/>
+                    <a:p>
+                      <a:pPr marL="342900" marR="0" lvl="0" indent="-342900" algn="r" rtl="1">
+                        <a:lnSpc>
+                          <a:spcPct val="124000"/>
+                        </a:lnSpc>
+                        <a:spcBef>
+                          <a:spcPts val="0"/>
+                        </a:spcBef>
+                        <a:spcAft>
+                          <a:spcPts val="0"/>
+                        </a:spcAft>
+                        <a:buFont typeface="Wingdings" panose="05000000000000000000" pitchFamily="2" charset="2"/>
+                        <a:buChar char=""/>
+                      </a:pPr>
+                      <a:r>
+                        <a:rPr lang="en-US" sz="1200">
+                          <a:effectLst/>
+                        </a:rPr>
+                        <a:t>ManageOffer</a:t>
+                      </a:r>
+                      <a:endParaRPr lang="en-US" sz="1200">
+                        <a:effectLst/>
+                        <a:latin typeface="Times New Roman" panose="02020603050405020304" pitchFamily="18" charset="0"/>
+                        <a:ea typeface="Times New Roman" panose="02020603050405020304" pitchFamily="18" charset="0"/>
+                        <a:cs typeface="B Nazanin" panose="00000400000000000000" pitchFamily="2" charset="-78"/>
+                      </a:endParaRPr>
+                    </a:p>
+                  </a:txBody>
+                  <a:tcPr marL="68580" marR="68580" marT="0" marB="0"/>
+                </a:tc>
+                <a:tc>
+                  <a:txBody>
+                    <a:bodyPr/>
+                    <a:lstStyle/>
+                    <a:p>
+                      <a:pPr marL="0" marR="0" indent="0" algn="ctr" rtl="1">
+                        <a:lnSpc>
+                          <a:spcPct val="124000"/>
+                        </a:lnSpc>
+                        <a:spcBef>
+                          <a:spcPts val="0"/>
+                        </a:spcBef>
+                        <a:spcAft>
+                          <a:spcPts val="0"/>
+                        </a:spcAft>
+                      </a:pPr>
+                      <a:r>
+                        <a:rPr lang="fa-IR" sz="1200">
+                          <a:effectLst/>
+                        </a:rPr>
+                        <a:t>ایجاد/حذف/تغییر ورودی دفتر کل پیشنهادات.</a:t>
+                      </a:r>
+                      <a:endParaRPr lang="en-US" sz="1200">
+                        <a:effectLst/>
+                        <a:latin typeface="Times New Roman" panose="02020603050405020304" pitchFamily="18" charset="0"/>
+                        <a:ea typeface="Times New Roman" panose="02020603050405020304" pitchFamily="18" charset="0"/>
+                        <a:cs typeface="B Nazanin" panose="00000400000000000000" pitchFamily="2" charset="-78"/>
+                      </a:endParaRPr>
+                    </a:p>
+                  </a:txBody>
+                  <a:tcPr marL="68580" marR="68580" marT="0" marB="0"/>
+                </a:tc>
+                <a:extLst>
+                  <a:ext uri="{0D108BD9-81ED-4DB2-BD59-A6C34878D82A}">
+                    <a16:rowId xmlns:a16="http://schemas.microsoft.com/office/drawing/2014/main" val="1557801842"/>
+                  </a:ext>
+                </a:extLst>
+              </a:tr>
+              <a:tr h="458323">
+                <a:tc>
+                  <a:txBody>
+                    <a:bodyPr/>
+                    <a:lstStyle/>
+                    <a:p>
+                      <a:pPr marL="342900" marR="0" lvl="0" indent="-342900" algn="r" rtl="1">
+                        <a:lnSpc>
+                          <a:spcPct val="124000"/>
+                        </a:lnSpc>
+                        <a:spcBef>
+                          <a:spcPts val="0"/>
+                        </a:spcBef>
+                        <a:spcAft>
+                          <a:spcPts val="0"/>
+                        </a:spcAft>
+                        <a:buFont typeface="Wingdings" panose="05000000000000000000" pitchFamily="2" charset="2"/>
+                        <a:buChar char=""/>
+                      </a:pPr>
+                      <a:r>
+                        <a:rPr lang="en-US" sz="1200">
+                          <a:effectLst/>
+                        </a:rPr>
+                        <a:t>ManageData</a:t>
+                      </a:r>
+                      <a:endParaRPr lang="en-US" sz="1200">
+                        <a:effectLst/>
+                        <a:latin typeface="Times New Roman" panose="02020603050405020304" pitchFamily="18" charset="0"/>
+                        <a:ea typeface="Times New Roman" panose="02020603050405020304" pitchFamily="18" charset="0"/>
+                        <a:cs typeface="B Nazanin" panose="00000400000000000000" pitchFamily="2" charset="-78"/>
+                      </a:endParaRPr>
+                    </a:p>
+                  </a:txBody>
+                  <a:tcPr marL="68580" marR="68580" marT="0" marB="0"/>
+                </a:tc>
+                <a:tc>
+                  <a:txBody>
+                    <a:bodyPr/>
+                    <a:lstStyle/>
+                    <a:p>
+                      <a:pPr marL="0" marR="0" indent="0" algn="ctr" rtl="1">
+                        <a:lnSpc>
+                          <a:spcPct val="124000"/>
+                        </a:lnSpc>
+                        <a:spcBef>
+                          <a:spcPts val="0"/>
+                        </a:spcBef>
+                        <a:spcAft>
+                          <a:spcPts val="0"/>
+                        </a:spcAft>
+                      </a:pPr>
+                      <a:r>
+                        <a:rPr lang="fa-IR" sz="1200">
+                          <a:effectLst/>
+                        </a:rPr>
+                        <a:t>ایجاد/حذف/تغییر عمل، ورود به دفتر اطلاعات.</a:t>
+                      </a:r>
+                      <a:endParaRPr lang="en-US" sz="1200">
+                        <a:effectLst/>
+                        <a:latin typeface="Times New Roman" panose="02020603050405020304" pitchFamily="18" charset="0"/>
+                        <a:ea typeface="Times New Roman" panose="02020603050405020304" pitchFamily="18" charset="0"/>
+                        <a:cs typeface="B Nazanin" panose="00000400000000000000" pitchFamily="2" charset="-78"/>
+                      </a:endParaRPr>
+                    </a:p>
+                  </a:txBody>
+                  <a:tcPr marL="68580" marR="68580" marT="0" marB="0"/>
+                </a:tc>
+                <a:extLst>
+                  <a:ext uri="{0D108BD9-81ED-4DB2-BD59-A6C34878D82A}">
+                    <a16:rowId xmlns:a16="http://schemas.microsoft.com/office/drawing/2014/main" val="3286509732"/>
+                  </a:ext>
+                </a:extLst>
+              </a:tr>
+              <a:tr h="300693">
+                <a:tc>
+                  <a:txBody>
+                    <a:bodyPr/>
+                    <a:lstStyle/>
+                    <a:p>
+                      <a:pPr marL="342900" marR="0" lvl="0" indent="-342900" algn="r" rtl="1">
+                        <a:lnSpc>
+                          <a:spcPct val="124000"/>
+                        </a:lnSpc>
+                        <a:spcBef>
+                          <a:spcPts val="0"/>
+                        </a:spcBef>
+                        <a:spcAft>
+                          <a:spcPts val="0"/>
+                        </a:spcAft>
+                        <a:buFont typeface="Wingdings" panose="05000000000000000000" pitchFamily="2" charset="2"/>
+                        <a:buChar char=""/>
+                      </a:pPr>
+                      <a:r>
+                        <a:rPr lang="en-US" sz="1200">
+                          <a:effectLst/>
+                        </a:rPr>
+                        <a:t>ChangeTrust</a:t>
+                      </a:r>
+                      <a:endParaRPr lang="en-US" sz="1200">
+                        <a:effectLst/>
+                        <a:latin typeface="Times New Roman" panose="02020603050405020304" pitchFamily="18" charset="0"/>
+                        <a:ea typeface="Times New Roman" panose="02020603050405020304" pitchFamily="18" charset="0"/>
+                        <a:cs typeface="B Nazanin" panose="00000400000000000000" pitchFamily="2" charset="-78"/>
+                      </a:endParaRPr>
+                    </a:p>
+                  </a:txBody>
+                  <a:tcPr marL="68580" marR="68580" marT="0" marB="0"/>
+                </a:tc>
+                <a:tc>
+                  <a:txBody>
+                    <a:bodyPr/>
+                    <a:lstStyle/>
+                    <a:p>
+                      <a:pPr marL="0" marR="0" indent="0" algn="ctr" rtl="1">
+                        <a:lnSpc>
+                          <a:spcPct val="124000"/>
+                        </a:lnSpc>
+                        <a:spcBef>
+                          <a:spcPts val="0"/>
+                        </a:spcBef>
+                        <a:spcAft>
+                          <a:spcPts val="0"/>
+                        </a:spcAft>
+                      </a:pPr>
+                      <a:r>
+                        <a:rPr lang="fa-IR" sz="1200">
+                          <a:effectLst/>
+                        </a:rPr>
+                        <a:t>ایجاد/حذف/تغییر خط اعتماد.</a:t>
+                      </a:r>
+                      <a:endParaRPr lang="en-US" sz="1200">
+                        <a:effectLst/>
+                        <a:latin typeface="Times New Roman" panose="02020603050405020304" pitchFamily="18" charset="0"/>
+                        <a:ea typeface="Times New Roman" panose="02020603050405020304" pitchFamily="18" charset="0"/>
+                        <a:cs typeface="B Nazanin" panose="00000400000000000000" pitchFamily="2" charset="-78"/>
+                      </a:endParaRPr>
+                    </a:p>
+                  </a:txBody>
+                  <a:tcPr marL="68580" marR="68580" marT="0" marB="0"/>
+                </a:tc>
+                <a:extLst>
+                  <a:ext uri="{0D108BD9-81ED-4DB2-BD59-A6C34878D82A}">
+                    <a16:rowId xmlns:a16="http://schemas.microsoft.com/office/drawing/2014/main" val="3500557753"/>
+                  </a:ext>
+                </a:extLst>
+              </a:tr>
+              <a:tr h="300693">
+                <a:tc>
+                  <a:txBody>
+                    <a:bodyPr/>
+                    <a:lstStyle/>
+                    <a:p>
+                      <a:pPr marL="342900" marR="0" lvl="0" indent="-342900" algn="r" rtl="1">
+                        <a:lnSpc>
+                          <a:spcPct val="124000"/>
+                        </a:lnSpc>
+                        <a:spcBef>
+                          <a:spcPts val="0"/>
+                        </a:spcBef>
+                        <a:spcAft>
+                          <a:spcPts val="0"/>
+                        </a:spcAft>
+                        <a:buFont typeface="Wingdings" panose="05000000000000000000" pitchFamily="2" charset="2"/>
+                        <a:buChar char=""/>
+                      </a:pPr>
+                      <a:r>
+                        <a:rPr lang="en-US" sz="1200">
+                          <a:effectLst/>
+                        </a:rPr>
+                        <a:t>AllowTrust</a:t>
+                      </a:r>
+                      <a:endParaRPr lang="en-US" sz="1200">
+                        <a:effectLst/>
+                        <a:latin typeface="Times New Roman" panose="02020603050405020304" pitchFamily="18" charset="0"/>
+                        <a:ea typeface="Times New Roman" panose="02020603050405020304" pitchFamily="18" charset="0"/>
+                        <a:cs typeface="B Nazanin" panose="00000400000000000000" pitchFamily="2" charset="-78"/>
+                      </a:endParaRPr>
+                    </a:p>
+                  </a:txBody>
+                  <a:tcPr marL="68580" marR="68580" marT="0" marB="0"/>
+                </a:tc>
+                <a:tc>
+                  <a:txBody>
+                    <a:bodyPr/>
+                    <a:lstStyle/>
+                    <a:p>
+                      <a:pPr marL="0" marR="0" indent="0" algn="ctr" rtl="1">
+                        <a:lnSpc>
+                          <a:spcPct val="124000"/>
+                        </a:lnSpc>
+                        <a:spcBef>
+                          <a:spcPts val="0"/>
+                        </a:spcBef>
+                        <a:spcAft>
+                          <a:spcPts val="0"/>
+                        </a:spcAft>
+                      </a:pPr>
+                      <a:r>
+                        <a:rPr lang="fa-IR" sz="1200">
+                          <a:effectLst/>
+                        </a:rPr>
+                        <a:t>پرچم مجاز را در </a:t>
+                      </a:r>
+                      <a:r>
+                        <a:rPr lang="en-US" sz="1200">
+                          <a:effectLst/>
+                        </a:rPr>
+                        <a:t>Trustline</a:t>
+                      </a:r>
+                      <a:r>
+                        <a:rPr lang="fa-IR" sz="1200">
+                          <a:effectLst/>
+                        </a:rPr>
+                        <a:t> تنظیم یا پاک می کند.</a:t>
+                      </a:r>
+                      <a:endParaRPr lang="en-US" sz="1200">
+                        <a:effectLst/>
+                        <a:latin typeface="Times New Roman" panose="02020603050405020304" pitchFamily="18" charset="0"/>
+                        <a:ea typeface="Times New Roman" panose="02020603050405020304" pitchFamily="18" charset="0"/>
+                        <a:cs typeface="B Nazanin" panose="00000400000000000000" pitchFamily="2" charset="-78"/>
+                      </a:endParaRPr>
+                    </a:p>
+                  </a:txBody>
+                  <a:tcPr marL="68580" marR="68580" marT="0" marB="0"/>
+                </a:tc>
+                <a:extLst>
+                  <a:ext uri="{0D108BD9-81ED-4DB2-BD59-A6C34878D82A}">
+                    <a16:rowId xmlns:a16="http://schemas.microsoft.com/office/drawing/2014/main" val="705207979"/>
+                  </a:ext>
+                </a:extLst>
+              </a:tr>
+              <a:tr h="458323">
+                <a:tc>
+                  <a:txBody>
+                    <a:bodyPr/>
+                    <a:lstStyle/>
+                    <a:p>
+                      <a:pPr marL="342900" marR="0" lvl="0" indent="-342900" algn="r" rtl="1">
+                        <a:lnSpc>
+                          <a:spcPct val="124000"/>
+                        </a:lnSpc>
+                        <a:spcBef>
+                          <a:spcPts val="0"/>
+                        </a:spcBef>
+                        <a:spcAft>
+                          <a:spcPts val="0"/>
+                        </a:spcAft>
+                        <a:buFont typeface="Wingdings" panose="05000000000000000000" pitchFamily="2" charset="2"/>
+                        <a:buChar char=""/>
+                      </a:pPr>
+                      <a:r>
+                        <a:rPr lang="en-US" sz="1200">
+                          <a:effectLst/>
+                        </a:rPr>
+                        <a:t>BumpSequence</a:t>
+                      </a:r>
+                      <a:endParaRPr lang="en-US" sz="1200">
+                        <a:effectLst/>
+                        <a:latin typeface="Times New Roman" panose="02020603050405020304" pitchFamily="18" charset="0"/>
+                        <a:ea typeface="Times New Roman" panose="02020603050405020304" pitchFamily="18" charset="0"/>
+                        <a:cs typeface="B Nazanin" panose="00000400000000000000" pitchFamily="2" charset="-78"/>
+                      </a:endParaRPr>
+                    </a:p>
+                  </a:txBody>
+                  <a:tcPr marL="68580" marR="68580" marT="0" marB="0"/>
+                </a:tc>
+                <a:tc>
+                  <a:txBody>
+                    <a:bodyPr/>
+                    <a:lstStyle/>
+                    <a:p>
+                      <a:pPr marL="0" marR="0" indent="0" algn="ctr" rtl="1">
+                        <a:lnSpc>
+                          <a:spcPct val="124000"/>
+                        </a:lnSpc>
+                        <a:spcBef>
+                          <a:spcPts val="0"/>
+                        </a:spcBef>
+                        <a:spcAft>
+                          <a:spcPts val="0"/>
+                        </a:spcAft>
+                      </a:pPr>
+                      <a:r>
+                        <a:rPr lang="fa-IR" sz="1200" dirty="0">
+                          <a:effectLst/>
+                        </a:rPr>
+                        <a:t>افزایش دنباله شماره در حساب.</a:t>
+                      </a:r>
+                      <a:endParaRPr lang="en-US" sz="1200" dirty="0">
+                        <a:effectLst/>
+                        <a:latin typeface="Times New Roman" panose="02020603050405020304" pitchFamily="18" charset="0"/>
+                        <a:ea typeface="Times New Roman" panose="02020603050405020304" pitchFamily="18" charset="0"/>
+                        <a:cs typeface="B Nazanin" panose="00000400000000000000" pitchFamily="2" charset="-78"/>
+                      </a:endParaRPr>
+                    </a:p>
+                  </a:txBody>
+                  <a:tcPr marL="68580" marR="68580" marT="0" marB="0"/>
+                </a:tc>
+                <a:extLst>
+                  <a:ext uri="{0D108BD9-81ED-4DB2-BD59-A6C34878D82A}">
+                    <a16:rowId xmlns:a16="http://schemas.microsoft.com/office/drawing/2014/main" val="1388798684"/>
+                  </a:ext>
+                </a:extLst>
+              </a:tr>
+            </a:tbl>
+          </a:graphicData>
+        </a:graphic>
+      </p:graphicFrame>
+      <p:sp>
+        <p:nvSpPr>
+          <p:cNvPr id="5" name="Rectangle 1">
+            <a:extLst>
+              <a:ext uri="{FF2B5EF4-FFF2-40B4-BE49-F238E27FC236}">
+                <a16:creationId xmlns:a16="http://schemas.microsoft.com/office/drawing/2014/main" id="{77FF04B1-BE0E-20E8-31F0-C707D0D7F61C}"/>
+              </a:ext>
+            </a:extLst>
+          </p:cNvPr>
+          <p:cNvSpPr>
+            <a:spLocks noChangeArrowheads="1"/>
+          </p:cNvSpPr>
+          <p:nvPr/>
+        </p:nvSpPr>
+        <p:spPr bwMode="auto">
+          <a:xfrm>
+            <a:off x="-6331087" y="2524445"/>
+            <a:ext cx="20179174" cy="457152"/>
+          </a:xfrm>
+          <a:prstGeom prst="rect">
+            <a:avLst/>
+          </a:prstGeom>
+          <a:noFill/>
+          <a:ln>
+            <a:noFill/>
+          </a:ln>
+          <a:effectLst/>
+          <a:extLst>
+            <a:ext uri="{909E8E84-426E-40DD-AFC4-6F175D3DCCD1}">
+              <a14:hiddenFill xmlns:a14="http://schemas.microsoft.com/office/drawing/2010/main">
+                <a:solidFill>
+                  <a:schemeClr val="accent1"/>
+                </a:solidFill>
+              </a14:hiddenFill>
+            </a:ext>
+            <a:ext uri="{91240B29-F687-4F45-9708-019B960494DF}">
+              <a14:hiddenLine xmlns:a14="http://schemas.microsoft.com/office/drawing/2010/main" w="9525">
+                <a:solidFill>
+                  <a:schemeClr val="tx1"/>
+                </a:solidFill>
+                <a:miter lim="800000"/>
+                <a:headEnd/>
+                <a:tailEnd/>
+              </a14:hiddenLine>
+            </a:ext>
+            <a:ext uri="{AF507438-7753-43E0-B8FC-AC1667EBCBE1}">
+              <a14:hiddenEffects xmlns:a14="http://schemas.microsoft.com/office/drawing/2010/main">
+                <a:effectLst>
+                  <a:outerShdw dist="35921" dir="2700000" algn="ctr" rotWithShape="0">
+                    <a:schemeClr val="bg2"/>
+                  </a:outerShdw>
+                </a:effectLst>
+              </a14:hiddenEffects>
+            </a:ext>
+          </a:extLst>
+        </p:spPr>
+        <p:txBody>
+          <a:bodyPr vert="horz" wrap="square" lIns="91440" tIns="45720" rIns="91440" bIns="45720" numCol="1" anchor="ctr" anchorCtr="0" compatLnSpc="1">
+            <a:prstTxWarp prst="textNoShape">
+              <a:avLst/>
+            </a:prstTxWarp>
+            <a:spAutoFit/>
+          </a:bodyPr>
+          <a:lstStyle/>
+          <a:p>
+            <a:endParaRPr lang="en-US"/>
+          </a:p>
+        </p:txBody>
+      </p:sp>
+    </p:spTree>
+    <p:extLst>
+      <p:ext uri="{BB962C8B-B14F-4D97-AF65-F5344CB8AC3E}">
+        <p14:creationId xmlns:p14="http://schemas.microsoft.com/office/powerpoint/2010/main" val="2880059782"/>
+      </p:ext>
+    </p:extLst>
+  </p:cSld>
+  <p:clrMapOvr>
+    <a:masterClrMapping/>
+  </p:clrMapOvr>
+</p:sld>
+</file>
+
+<file path=ppt/slides/slide5.xml><?xml version="1.0" encoding="utf-8"?>
+<p:sld xmlns:a="http://schemas.openxmlformats.org/drawingml/2006/main" xmlns:r="http://schemas.openxmlformats.org/officeDocument/2006/relationships" xmlns:p="http://schemas.openxmlformats.org/presentationml/2006/main">
+  <p:cSld>
+    <p:spTree>
+      <p:nvGrpSpPr>
+        <p:cNvPr id="1" name=""/>
+        <p:cNvGrpSpPr/>
+        <p:nvPr/>
+      </p:nvGrpSpPr>
+      <p:grpSpPr>
+        <a:xfrm>
+          <a:off x="0" y="0"/>
+          <a:ext cx="0" cy="0"/>
+          <a:chOff x="0" y="0"/>
+          <a:chExt cx="0" cy="0"/>
+        </a:xfrm>
+      </p:grpSpPr>
+      <p:sp>
+        <p:nvSpPr>
+          <p:cNvPr id="2" name="Title 1">
+            <a:extLst>
+              <a:ext uri="{FF2B5EF4-FFF2-40B4-BE49-F238E27FC236}">
+                <a16:creationId xmlns:a16="http://schemas.microsoft.com/office/drawing/2014/main" id="{7ADCBF5B-1DE7-1326-EC3D-B30152466D15}"/>
+              </a:ext>
+            </a:extLst>
+          </p:cNvPr>
+          <p:cNvSpPr>
+            <a:spLocks noGrp="1"/>
+          </p:cNvSpPr>
+          <p:nvPr>
+            <p:ph type="title"/>
+          </p:nvPr>
+        </p:nvSpPr>
+        <p:spPr>
+          <a:xfrm>
+            <a:off x="1069848" y="484632"/>
+            <a:ext cx="10058400" cy="1267968"/>
+          </a:xfrm>
+        </p:spPr>
+        <p:txBody>
+          <a:bodyPr>
+            <a:normAutofit/>
+          </a:bodyPr>
+          <a:lstStyle/>
+          <a:p>
+            <a:pPr algn="ctr"/>
+            <a:r>
+              <a:rPr lang="en-US" sz="3200" dirty="0"/>
+              <a:t>User relations in the Stellar blockchain</a:t>
+            </a:r>
+          </a:p>
+        </p:txBody>
+      </p:sp>
+      <p:sp>
+        <p:nvSpPr>
+          <p:cNvPr id="3" name="Content Placeholder 2">
+            <a:extLst>
+              <a:ext uri="{FF2B5EF4-FFF2-40B4-BE49-F238E27FC236}">
+                <a16:creationId xmlns:a16="http://schemas.microsoft.com/office/drawing/2014/main" id="{A0D97959-5188-10CA-47D7-44A6B36201FA}"/>
+              </a:ext>
+            </a:extLst>
+          </p:cNvPr>
+          <p:cNvSpPr>
+            <a:spLocks noGrp="1"/>
+          </p:cNvSpPr>
+          <p:nvPr>
+            <p:ph sz="quarter" idx="13"/>
+          </p:nvPr>
+        </p:nvSpPr>
+        <p:spPr>
+          <a:xfrm>
+            <a:off x="913774" y="1638300"/>
+            <a:ext cx="10363826" cy="1267968"/>
+          </a:xfrm>
+        </p:spPr>
+        <p:txBody>
+          <a:bodyPr/>
+          <a:lstStyle/>
+          <a:p>
+            <a:pPr algn="r" rtl="1"/>
+            <a:r>
+              <a:rPr lang="fa-IR" dirty="0"/>
+              <a:t>لیست کاملی از روابط و شرح اون ها در بلاکچین استلار</a:t>
+            </a:r>
+            <a:endParaRPr lang="en-US" dirty="0"/>
+          </a:p>
+        </p:txBody>
+      </p:sp>
+      <p:graphicFrame>
+        <p:nvGraphicFramePr>
+          <p:cNvPr id="7" name="Table 6">
+            <a:extLst>
+              <a:ext uri="{FF2B5EF4-FFF2-40B4-BE49-F238E27FC236}">
+                <a16:creationId xmlns:a16="http://schemas.microsoft.com/office/drawing/2014/main" id="{4DC66EAE-DFF1-3AC5-C4D8-EA30A3F2E96F}"/>
+              </a:ext>
+            </a:extLst>
+          </p:cNvPr>
+          <p:cNvGraphicFramePr>
+            <a:graphicFrameLocks noGrp="1"/>
+          </p:cNvGraphicFramePr>
+          <p:nvPr>
+            <p:extLst>
+              <p:ext uri="{D42A27DB-BD31-4B8C-83A1-F6EECF244321}">
+                <p14:modId xmlns:p14="http://schemas.microsoft.com/office/powerpoint/2010/main" val="3577051376"/>
+              </p:ext>
+            </p:extLst>
+          </p:nvPr>
+        </p:nvGraphicFramePr>
+        <p:xfrm>
+          <a:off x="1701800" y="3055663"/>
+          <a:ext cx="8791575" cy="3317705"/>
+        </p:xfrm>
+        <a:graphic>
+          <a:graphicData uri="http://schemas.openxmlformats.org/drawingml/2006/table">
+            <a:tbl>
+              <a:tblPr rtl="1" firstRow="1" firstCol="1" bandRow="1">
+                <a:tableStyleId>{5C22544A-7EE6-4342-B048-85BDC9FD1C3A}</a:tableStyleId>
+              </a:tblPr>
+              <a:tblGrid>
+                <a:gridCol w="2847975">
+                  <a:extLst>
+                    <a:ext uri="{9D8B030D-6E8A-4147-A177-3AD203B41FA5}">
+                      <a16:colId xmlns:a16="http://schemas.microsoft.com/office/drawing/2014/main" val="4037930218"/>
+                    </a:ext>
+                  </a:extLst>
+                </a:gridCol>
+                <a:gridCol w="5943600">
+                  <a:extLst>
+                    <a:ext uri="{9D8B030D-6E8A-4147-A177-3AD203B41FA5}">
+                      <a16:colId xmlns:a16="http://schemas.microsoft.com/office/drawing/2014/main" val="1921880601"/>
+                    </a:ext>
+                  </a:extLst>
+                </a:gridCol>
+              </a:tblGrid>
+              <a:tr h="438150">
+                <a:tc>
+                  <a:txBody>
+                    <a:bodyPr/>
+                    <a:lstStyle/>
+                    <a:p>
+                      <a:pPr marL="0" marR="0" algn="ctr" rtl="1">
+                        <a:spcBef>
+                          <a:spcPts val="0"/>
+                        </a:spcBef>
+                        <a:spcAft>
+                          <a:spcPts val="0"/>
+                        </a:spcAft>
+                      </a:pPr>
+                      <a:r>
+                        <a:rPr lang="fa-IR" sz="1400" cap="all">
+                          <a:effectLst/>
+                        </a:rPr>
+                        <a:t>رابطه</a:t>
+                      </a:r>
+                      <a:endParaRPr lang="en-US" sz="1400" dirty="0">
+                        <a:effectLst/>
+                        <a:latin typeface="Times New Roman" panose="02020603050405020304" pitchFamily="18" charset="0"/>
+                        <a:ea typeface="Times New Roman" panose="02020603050405020304" pitchFamily="18" charset="0"/>
+                        <a:cs typeface="B Nazanin" panose="00000400000000000000" pitchFamily="2" charset="-78"/>
+                      </a:endParaRPr>
+                    </a:p>
+                  </a:txBody>
+                  <a:tcPr marL="68580" marR="68580" marT="0" marB="0"/>
+                </a:tc>
+                <a:tc>
+                  <a:txBody>
+                    <a:bodyPr/>
+                    <a:lstStyle/>
+                    <a:p>
+                      <a:pPr marL="0" marR="0" algn="ctr" rtl="1">
+                        <a:spcBef>
+                          <a:spcPts val="0"/>
+                        </a:spcBef>
+                        <a:spcAft>
+                          <a:spcPts val="0"/>
+                        </a:spcAft>
+                      </a:pPr>
+                      <a:r>
+                        <a:rPr lang="fa-IR" sz="1400" cap="all" dirty="0">
+                          <a:effectLst/>
+                        </a:rPr>
+                        <a:t>عملکرد</a:t>
+                      </a:r>
+                      <a:endParaRPr lang="en-US" sz="1400" dirty="0">
+                        <a:effectLst/>
+                        <a:latin typeface="Times New Roman" panose="02020603050405020304" pitchFamily="18" charset="0"/>
+                        <a:ea typeface="Times New Roman" panose="02020603050405020304" pitchFamily="18" charset="0"/>
+                        <a:cs typeface="B Nazanin" panose="00000400000000000000" pitchFamily="2" charset="-78"/>
+                      </a:endParaRPr>
+                    </a:p>
+                  </a:txBody>
+                  <a:tcPr marL="68580" marR="68580" marT="0" marB="0"/>
+                </a:tc>
+                <a:extLst>
+                  <a:ext uri="{0D108BD9-81ED-4DB2-BD59-A6C34878D82A}">
+                    <a16:rowId xmlns:a16="http://schemas.microsoft.com/office/drawing/2014/main" val="3712392004"/>
+                  </a:ext>
+                </a:extLst>
+              </a:tr>
+              <a:tr h="411365">
+                <a:tc>
+                  <a:txBody>
+                    <a:bodyPr/>
+                    <a:lstStyle/>
+                    <a:p>
+                      <a:pPr marL="0" marR="0" algn="ctr" rtl="1">
+                        <a:spcBef>
+                          <a:spcPts val="0"/>
+                        </a:spcBef>
+                        <a:spcAft>
+                          <a:spcPts val="0"/>
+                        </a:spcAft>
+                      </a:pPr>
+                      <a:r>
+                        <a:rPr lang="en-US" sz="1400" dirty="0">
+                          <a:effectLst/>
+                        </a:rPr>
+                        <a:t>Payment</a:t>
+                      </a:r>
+                      <a:endParaRPr lang="en-US" sz="1400" dirty="0">
+                        <a:effectLst/>
+                        <a:latin typeface="Times New Roman" panose="02020603050405020304" pitchFamily="18" charset="0"/>
+                        <a:ea typeface="Times New Roman" panose="02020603050405020304" pitchFamily="18" charset="0"/>
+                        <a:cs typeface="B Nazanin" panose="00000400000000000000" pitchFamily="2" charset="-78"/>
+                      </a:endParaRPr>
+                    </a:p>
+                  </a:txBody>
+                  <a:tcPr marL="68580" marR="68580" marT="0" marB="0"/>
+                </a:tc>
+                <a:tc>
+                  <a:txBody>
+                    <a:bodyPr/>
+                    <a:lstStyle/>
+                    <a:p>
+                      <a:pPr marL="0" marR="0" algn="ctr" rtl="1">
+                        <a:spcBef>
+                          <a:spcPts val="0"/>
+                        </a:spcBef>
+                        <a:spcAft>
+                          <a:spcPts val="0"/>
+                        </a:spcAft>
+                      </a:pPr>
+                      <a:r>
+                        <a:rPr lang="fa-IR" sz="1400">
+                          <a:effectLst/>
+                        </a:rPr>
+                        <a:t>+</a:t>
+                      </a:r>
+                      <a:endParaRPr lang="en-US" sz="1400">
+                        <a:effectLst/>
+                        <a:latin typeface="Times New Roman" panose="02020603050405020304" pitchFamily="18" charset="0"/>
+                        <a:ea typeface="Times New Roman" panose="02020603050405020304" pitchFamily="18" charset="0"/>
+                        <a:cs typeface="B Nazanin" panose="00000400000000000000" pitchFamily="2" charset="-78"/>
+                      </a:endParaRPr>
+                    </a:p>
+                  </a:txBody>
+                  <a:tcPr marL="68580" marR="68580" marT="0" marB="0"/>
+                </a:tc>
+                <a:extLst>
+                  <a:ext uri="{0D108BD9-81ED-4DB2-BD59-A6C34878D82A}">
+                    <a16:rowId xmlns:a16="http://schemas.microsoft.com/office/drawing/2014/main" val="3377226268"/>
+                  </a:ext>
+                </a:extLst>
+              </a:tr>
+              <a:tr h="411365">
+                <a:tc>
+                  <a:txBody>
+                    <a:bodyPr/>
+                    <a:lstStyle/>
+                    <a:p>
+                      <a:pPr marL="0" marR="0" algn="ctr" rtl="1">
+                        <a:spcBef>
+                          <a:spcPts val="0"/>
+                        </a:spcBef>
+                        <a:spcAft>
+                          <a:spcPts val="0"/>
+                        </a:spcAft>
+                      </a:pPr>
+                      <a:r>
+                        <a:rPr lang="en-US" sz="1400" dirty="0">
+                          <a:effectLst/>
+                        </a:rPr>
+                        <a:t>Co-</a:t>
+                      </a:r>
+                      <a:r>
+                        <a:rPr lang="en-US" sz="1400" dirty="0" err="1">
+                          <a:effectLst/>
+                        </a:rPr>
+                        <a:t>Singner</a:t>
+                      </a:r>
+                      <a:endParaRPr lang="en-US" sz="1400" dirty="0">
+                        <a:effectLst/>
+                        <a:latin typeface="Times New Roman" panose="02020603050405020304" pitchFamily="18" charset="0"/>
+                        <a:ea typeface="Times New Roman" panose="02020603050405020304" pitchFamily="18" charset="0"/>
+                        <a:cs typeface="B Nazanin" panose="00000400000000000000" pitchFamily="2" charset="-78"/>
+                      </a:endParaRPr>
+                    </a:p>
+                  </a:txBody>
+                  <a:tcPr marL="68580" marR="68580" marT="0" marB="0"/>
+                </a:tc>
+                <a:tc>
+                  <a:txBody>
+                    <a:bodyPr/>
+                    <a:lstStyle/>
+                    <a:p>
+                      <a:pPr marL="0" marR="0" algn="ctr" rtl="1">
+                        <a:spcBef>
+                          <a:spcPts val="0"/>
+                        </a:spcBef>
+                        <a:spcAft>
+                          <a:spcPts val="0"/>
+                        </a:spcAft>
+                      </a:pPr>
+                      <a:r>
+                        <a:rPr lang="fa-IR" sz="1400">
+                          <a:effectLst/>
+                        </a:rPr>
+                        <a:t>+</a:t>
+                      </a:r>
+                      <a:endParaRPr lang="en-US" sz="1400" dirty="0">
+                        <a:effectLst/>
+                        <a:latin typeface="Times New Roman" panose="02020603050405020304" pitchFamily="18" charset="0"/>
+                        <a:ea typeface="Times New Roman" panose="02020603050405020304" pitchFamily="18" charset="0"/>
+                        <a:cs typeface="B Nazanin" panose="00000400000000000000" pitchFamily="2" charset="-78"/>
+                      </a:endParaRPr>
+                    </a:p>
+                  </a:txBody>
+                  <a:tcPr marL="68580" marR="68580" marT="0" marB="0"/>
+                </a:tc>
+                <a:extLst>
+                  <a:ext uri="{0D108BD9-81ED-4DB2-BD59-A6C34878D82A}">
+                    <a16:rowId xmlns:a16="http://schemas.microsoft.com/office/drawing/2014/main" val="2267118520"/>
+                  </a:ext>
+                </a:extLst>
+              </a:tr>
+              <a:tr h="411365">
+                <a:tc>
+                  <a:txBody>
+                    <a:bodyPr/>
+                    <a:lstStyle/>
+                    <a:p>
+                      <a:pPr marL="0" marR="0" algn="ctr" rtl="1">
+                        <a:spcBef>
+                          <a:spcPts val="0"/>
+                        </a:spcBef>
+                        <a:spcAft>
+                          <a:spcPts val="0"/>
+                        </a:spcAft>
+                      </a:pPr>
+                      <a:r>
+                        <a:rPr lang="en-US" sz="1400" dirty="0">
+                          <a:effectLst/>
+                        </a:rPr>
+                        <a:t>Create Account</a:t>
+                      </a:r>
+                      <a:endParaRPr lang="en-US" sz="1400" dirty="0">
+                        <a:effectLst/>
+                        <a:latin typeface="Times New Roman" panose="02020603050405020304" pitchFamily="18" charset="0"/>
+                        <a:ea typeface="Times New Roman" panose="02020603050405020304" pitchFamily="18" charset="0"/>
+                        <a:cs typeface="B Nazanin" panose="00000400000000000000" pitchFamily="2" charset="-78"/>
+                      </a:endParaRPr>
+                    </a:p>
+                  </a:txBody>
+                  <a:tcPr marL="68580" marR="68580" marT="0" marB="0"/>
+                </a:tc>
+                <a:tc>
+                  <a:txBody>
+                    <a:bodyPr/>
+                    <a:lstStyle/>
+                    <a:p>
+                      <a:pPr marL="0" marR="0" algn="ctr" rtl="1">
+                        <a:spcBef>
+                          <a:spcPts val="0"/>
+                        </a:spcBef>
+                        <a:spcAft>
+                          <a:spcPts val="0"/>
+                        </a:spcAft>
+                      </a:pPr>
+                      <a:r>
+                        <a:rPr lang="fa-IR" sz="1400">
+                          <a:effectLst/>
+                        </a:rPr>
+                        <a:t>-</a:t>
+                      </a:r>
+                      <a:endParaRPr lang="en-US" sz="1400" dirty="0">
+                        <a:effectLst/>
+                        <a:latin typeface="Times New Roman" panose="02020603050405020304" pitchFamily="18" charset="0"/>
+                        <a:ea typeface="Times New Roman" panose="02020603050405020304" pitchFamily="18" charset="0"/>
+                        <a:cs typeface="B Nazanin" panose="00000400000000000000" pitchFamily="2" charset="-78"/>
+                      </a:endParaRPr>
+                    </a:p>
+                  </a:txBody>
+                  <a:tcPr marL="68580" marR="68580" marT="0" marB="0"/>
+                </a:tc>
+                <a:extLst>
+                  <a:ext uri="{0D108BD9-81ED-4DB2-BD59-A6C34878D82A}">
+                    <a16:rowId xmlns:a16="http://schemas.microsoft.com/office/drawing/2014/main" val="661484654"/>
+                  </a:ext>
+                </a:extLst>
+              </a:tr>
+              <a:tr h="411365">
+                <a:tc>
+                  <a:txBody>
+                    <a:bodyPr/>
+                    <a:lstStyle/>
+                    <a:p>
+                      <a:pPr marL="0" marR="0" algn="ctr" rtl="1">
+                        <a:spcBef>
+                          <a:spcPts val="0"/>
+                        </a:spcBef>
+                        <a:spcAft>
+                          <a:spcPts val="0"/>
+                        </a:spcAft>
+                      </a:pPr>
+                      <a:r>
+                        <a:rPr lang="en-US" sz="1400" dirty="0">
+                          <a:effectLst/>
+                        </a:rPr>
+                        <a:t>Merge Account</a:t>
+                      </a:r>
+                      <a:endParaRPr lang="en-US" sz="1400" dirty="0">
+                        <a:effectLst/>
+                        <a:latin typeface="Times New Roman" panose="02020603050405020304" pitchFamily="18" charset="0"/>
+                        <a:ea typeface="Times New Roman" panose="02020603050405020304" pitchFamily="18" charset="0"/>
+                        <a:cs typeface="B Nazanin" panose="00000400000000000000" pitchFamily="2" charset="-78"/>
+                      </a:endParaRPr>
+                    </a:p>
+                  </a:txBody>
+                  <a:tcPr marL="68580" marR="68580" marT="0" marB="0"/>
+                </a:tc>
+                <a:tc>
+                  <a:txBody>
+                    <a:bodyPr/>
+                    <a:lstStyle/>
+                    <a:p>
+                      <a:pPr marL="0" marR="0" algn="ctr" rtl="1">
+                        <a:spcBef>
+                          <a:spcPts val="0"/>
+                        </a:spcBef>
+                        <a:spcAft>
+                          <a:spcPts val="0"/>
+                        </a:spcAft>
+                      </a:pPr>
+                      <a:r>
+                        <a:rPr lang="fa-IR" sz="1400">
+                          <a:effectLst/>
+                        </a:rPr>
+                        <a:t>-</a:t>
+                      </a:r>
+                      <a:endParaRPr lang="en-US" sz="1400" dirty="0">
+                        <a:effectLst/>
+                        <a:latin typeface="Times New Roman" panose="02020603050405020304" pitchFamily="18" charset="0"/>
+                        <a:ea typeface="Times New Roman" panose="02020603050405020304" pitchFamily="18" charset="0"/>
+                        <a:cs typeface="B Nazanin" panose="00000400000000000000" pitchFamily="2" charset="-78"/>
+                      </a:endParaRPr>
+                    </a:p>
+                  </a:txBody>
+                  <a:tcPr marL="68580" marR="68580" marT="0" marB="0"/>
+                </a:tc>
+                <a:extLst>
+                  <a:ext uri="{0D108BD9-81ED-4DB2-BD59-A6C34878D82A}">
+                    <a16:rowId xmlns:a16="http://schemas.microsoft.com/office/drawing/2014/main" val="2920766741"/>
+                  </a:ext>
+                </a:extLst>
+              </a:tr>
+              <a:tr h="411365">
+                <a:tc>
+                  <a:txBody>
+                    <a:bodyPr/>
+                    <a:lstStyle/>
+                    <a:p>
+                      <a:pPr marL="0" marR="0" algn="ctr" rtl="1">
+                        <a:spcBef>
+                          <a:spcPts val="0"/>
+                        </a:spcBef>
+                        <a:spcAft>
+                          <a:spcPts val="0"/>
+                        </a:spcAft>
+                      </a:pPr>
+                      <a:r>
+                        <a:rPr lang="en-US" sz="1400" dirty="0">
+                          <a:effectLst/>
+                        </a:rPr>
+                        <a:t>Sponsor</a:t>
+                      </a:r>
+                      <a:endParaRPr lang="en-US" sz="1400" dirty="0">
+                        <a:effectLst/>
+                        <a:latin typeface="Times New Roman" panose="02020603050405020304" pitchFamily="18" charset="0"/>
+                        <a:ea typeface="Times New Roman" panose="02020603050405020304" pitchFamily="18" charset="0"/>
+                        <a:cs typeface="B Nazanin" panose="00000400000000000000" pitchFamily="2" charset="-78"/>
+                      </a:endParaRPr>
+                    </a:p>
+                  </a:txBody>
+                  <a:tcPr marL="68580" marR="68580" marT="0" marB="0"/>
+                </a:tc>
+                <a:tc>
+                  <a:txBody>
+                    <a:bodyPr/>
+                    <a:lstStyle/>
+                    <a:p>
+                      <a:pPr marL="0" marR="0" algn="ctr" rtl="1">
+                        <a:spcBef>
+                          <a:spcPts val="0"/>
+                        </a:spcBef>
+                        <a:spcAft>
+                          <a:spcPts val="0"/>
+                        </a:spcAft>
+                      </a:pPr>
+                      <a:r>
+                        <a:rPr lang="fa-IR" sz="1400">
+                          <a:effectLst/>
+                        </a:rPr>
+                        <a:t>-</a:t>
+                      </a:r>
+                      <a:endParaRPr lang="en-US" sz="1400" dirty="0">
+                        <a:effectLst/>
+                        <a:latin typeface="Times New Roman" panose="02020603050405020304" pitchFamily="18" charset="0"/>
+                        <a:ea typeface="Times New Roman" panose="02020603050405020304" pitchFamily="18" charset="0"/>
+                        <a:cs typeface="B Nazanin" panose="00000400000000000000" pitchFamily="2" charset="-78"/>
+                      </a:endParaRPr>
+                    </a:p>
+                  </a:txBody>
+                  <a:tcPr marL="68580" marR="68580" marT="0" marB="0"/>
+                </a:tc>
+                <a:extLst>
+                  <a:ext uri="{0D108BD9-81ED-4DB2-BD59-A6C34878D82A}">
+                    <a16:rowId xmlns:a16="http://schemas.microsoft.com/office/drawing/2014/main" val="301827708"/>
+                  </a:ext>
+                </a:extLst>
+              </a:tr>
+              <a:tr h="411365">
+                <a:tc>
+                  <a:txBody>
+                    <a:bodyPr/>
+                    <a:lstStyle/>
+                    <a:p>
+                      <a:pPr marL="0" marR="0" algn="ctr" rtl="1">
+                        <a:spcBef>
+                          <a:spcPts val="0"/>
+                        </a:spcBef>
+                        <a:spcAft>
+                          <a:spcPts val="0"/>
+                        </a:spcAft>
+                      </a:pPr>
+                      <a:r>
+                        <a:rPr lang="en-US" sz="1400" dirty="0">
+                          <a:effectLst/>
+                        </a:rPr>
+                        <a:t>Allow Trust</a:t>
+                      </a:r>
+                      <a:endParaRPr lang="en-US" sz="1400" dirty="0">
+                        <a:effectLst/>
+                        <a:latin typeface="Times New Roman" panose="02020603050405020304" pitchFamily="18" charset="0"/>
+                        <a:ea typeface="Times New Roman" panose="02020603050405020304" pitchFamily="18" charset="0"/>
+                        <a:cs typeface="B Nazanin" panose="00000400000000000000" pitchFamily="2" charset="-78"/>
+                      </a:endParaRPr>
+                    </a:p>
+                  </a:txBody>
+                  <a:tcPr marL="68580" marR="68580" marT="0" marB="0"/>
+                </a:tc>
+                <a:tc>
+                  <a:txBody>
+                    <a:bodyPr/>
+                    <a:lstStyle/>
+                    <a:p>
+                      <a:pPr marL="0" marR="0" algn="ctr" rtl="1">
+                        <a:spcBef>
+                          <a:spcPts val="0"/>
+                        </a:spcBef>
+                        <a:spcAft>
+                          <a:spcPts val="0"/>
+                        </a:spcAft>
+                      </a:pPr>
+                      <a:r>
+                        <a:rPr lang="fa-IR" sz="1400">
+                          <a:effectLst/>
+                        </a:rPr>
+                        <a:t>+</a:t>
+                      </a:r>
+                      <a:endParaRPr lang="en-US" sz="1400" dirty="0">
+                        <a:effectLst/>
+                        <a:latin typeface="Times New Roman" panose="02020603050405020304" pitchFamily="18" charset="0"/>
+                        <a:ea typeface="Times New Roman" panose="02020603050405020304" pitchFamily="18" charset="0"/>
+                        <a:cs typeface="B Nazanin" panose="00000400000000000000" pitchFamily="2" charset="-78"/>
+                      </a:endParaRPr>
+                    </a:p>
+                  </a:txBody>
+                  <a:tcPr marL="68580" marR="68580" marT="0" marB="0"/>
+                </a:tc>
+                <a:extLst>
+                  <a:ext uri="{0D108BD9-81ED-4DB2-BD59-A6C34878D82A}">
+                    <a16:rowId xmlns:a16="http://schemas.microsoft.com/office/drawing/2014/main" val="1706220685"/>
+                  </a:ext>
+                </a:extLst>
+              </a:tr>
+              <a:tr h="411365">
+                <a:tc>
+                  <a:txBody>
+                    <a:bodyPr/>
+                    <a:lstStyle/>
+                    <a:p>
+                      <a:pPr marL="0" marR="0" algn="ctr" rtl="1">
+                        <a:spcBef>
+                          <a:spcPts val="0"/>
+                        </a:spcBef>
+                        <a:spcAft>
+                          <a:spcPts val="0"/>
+                        </a:spcAft>
+                      </a:pPr>
+                      <a:r>
+                        <a:rPr lang="en-US" sz="1400" dirty="0">
+                          <a:effectLst/>
+                        </a:rPr>
+                        <a:t>Matching</a:t>
+                      </a:r>
+                      <a:endParaRPr lang="en-US" sz="1400" dirty="0">
+                        <a:effectLst/>
+                        <a:latin typeface="Times New Roman" panose="02020603050405020304" pitchFamily="18" charset="0"/>
+                        <a:ea typeface="Times New Roman" panose="02020603050405020304" pitchFamily="18" charset="0"/>
+                        <a:cs typeface="B Nazanin" panose="00000400000000000000" pitchFamily="2" charset="-78"/>
+                      </a:endParaRPr>
+                    </a:p>
+                  </a:txBody>
+                  <a:tcPr marL="68580" marR="68580" marT="0" marB="0"/>
+                </a:tc>
+                <a:tc>
+                  <a:txBody>
+                    <a:bodyPr/>
+                    <a:lstStyle/>
+                    <a:p>
+                      <a:pPr marL="0" marR="0" algn="ctr" rtl="1">
+                        <a:spcBef>
+                          <a:spcPts val="0"/>
+                        </a:spcBef>
+                        <a:spcAft>
+                          <a:spcPts val="0"/>
+                        </a:spcAft>
+                      </a:pPr>
+                      <a:r>
+                        <a:rPr lang="fa-IR" sz="1400" dirty="0">
+                          <a:effectLst/>
+                        </a:rPr>
+                        <a:t>+</a:t>
+                      </a:r>
+                      <a:endParaRPr lang="en-US" sz="1400" dirty="0">
+                        <a:effectLst/>
+                        <a:latin typeface="Times New Roman" panose="02020603050405020304" pitchFamily="18" charset="0"/>
+                        <a:ea typeface="Times New Roman" panose="02020603050405020304" pitchFamily="18" charset="0"/>
+                        <a:cs typeface="B Nazanin" panose="00000400000000000000" pitchFamily="2" charset="-78"/>
+                      </a:endParaRPr>
+                    </a:p>
+                  </a:txBody>
+                  <a:tcPr marL="68580" marR="68580" marT="0" marB="0"/>
+                </a:tc>
+                <a:extLst>
+                  <a:ext uri="{0D108BD9-81ED-4DB2-BD59-A6C34878D82A}">
+                    <a16:rowId xmlns:a16="http://schemas.microsoft.com/office/drawing/2014/main" val="1206513117"/>
+                  </a:ext>
+                </a:extLst>
+              </a:tr>
+            </a:tbl>
+          </a:graphicData>
+        </a:graphic>
+      </p:graphicFrame>
+    </p:spTree>
+    <p:extLst>
+      <p:ext uri="{BB962C8B-B14F-4D97-AF65-F5344CB8AC3E}">
+        <p14:creationId xmlns:p14="http://schemas.microsoft.com/office/powerpoint/2010/main" val="3408116621"/>
+      </p:ext>
+    </p:extLst>
+  </p:cSld>
+  <p:clrMapOvr>
+    <a:masterClrMapping/>
+  </p:clrMapOvr>
+</p:sld>
+</file>
+
+<file path=ppt/slides/slide6.xml><?xml version="1.0" encoding="utf-8"?>
+<p:sld xmlns:a="http://schemas.openxmlformats.org/drawingml/2006/main" xmlns:r="http://schemas.openxmlformats.org/officeDocument/2006/relationships" xmlns:p="http://schemas.openxmlformats.org/presentationml/2006/main">
+  <p:cSld>
+    <p:spTree>
+      <p:nvGrpSpPr>
+        <p:cNvPr id="1" name=""/>
+        <p:cNvGrpSpPr/>
+        <p:nvPr/>
+      </p:nvGrpSpPr>
+      <p:grpSpPr>
+        <a:xfrm>
+          <a:off x="0" y="0"/>
+          <a:ext cx="0" cy="0"/>
+          <a:chOff x="0" y="0"/>
+          <a:chExt cx="0" cy="0"/>
+        </a:xfrm>
+      </p:grpSpPr>
+      <p:sp>
+        <p:nvSpPr>
+          <p:cNvPr id="2" name="Title 1">
+            <a:extLst>
+              <a:ext uri="{FF2B5EF4-FFF2-40B4-BE49-F238E27FC236}">
+                <a16:creationId xmlns:a16="http://schemas.microsoft.com/office/drawing/2014/main" id="{E9350FF3-E40D-F9CB-D55F-9AF5AB77B232}"/>
+              </a:ext>
+            </a:extLst>
+          </p:cNvPr>
+          <p:cNvSpPr>
+            <a:spLocks noGrp="1"/>
+          </p:cNvSpPr>
+          <p:nvPr>
+            <p:ph type="title"/>
+          </p:nvPr>
+        </p:nvSpPr>
+        <p:spPr>
+          <a:xfrm>
+            <a:off x="1069848" y="484632"/>
+            <a:ext cx="10058400" cy="1140968"/>
+          </a:xfrm>
+        </p:spPr>
+        <p:txBody>
+          <a:bodyPr>
+            <a:normAutofit/>
+          </a:bodyPr>
+          <a:lstStyle/>
+          <a:p>
+            <a:pPr algn="ctr"/>
+            <a:r>
+              <a:rPr lang="en-US" sz="3200" dirty="0"/>
+              <a:t>Relationships with high importance</a:t>
+            </a:r>
+          </a:p>
+        </p:txBody>
+      </p:sp>
+      <p:sp>
+        <p:nvSpPr>
+          <p:cNvPr id="3" name="Content Placeholder 2">
+            <a:extLst>
+              <a:ext uri="{FF2B5EF4-FFF2-40B4-BE49-F238E27FC236}">
+                <a16:creationId xmlns:a16="http://schemas.microsoft.com/office/drawing/2014/main" id="{5ACE5F39-990A-A23C-E8BF-D7E89CDA6C2F}"/>
+              </a:ext>
+            </a:extLst>
+          </p:cNvPr>
+          <p:cNvSpPr>
+            <a:spLocks noGrp="1"/>
+          </p:cNvSpPr>
+          <p:nvPr>
+            <p:ph sz="quarter" idx="13"/>
+          </p:nvPr>
+        </p:nvSpPr>
+        <p:spPr>
+          <a:xfrm>
+            <a:off x="913774" y="1625600"/>
+            <a:ext cx="10363826" cy="4165599"/>
+          </a:xfrm>
+        </p:spPr>
+        <p:txBody>
+          <a:bodyPr/>
+          <a:lstStyle/>
+          <a:p>
+            <a:pPr algn="r" rtl="1"/>
+            <a:r>
+              <a:rPr lang="fa-IR" dirty="0"/>
+              <a:t>بررسی کامل روابط و دسته بندی اون ها و بیان میزان اهمیت هر کدام</a:t>
+            </a:r>
+            <a:endParaRPr lang="en-US" dirty="0"/>
+          </a:p>
+        </p:txBody>
+      </p:sp>
+      <p:graphicFrame>
+        <p:nvGraphicFramePr>
+          <p:cNvPr id="4" name="Table 3">
+            <a:extLst>
+              <a:ext uri="{FF2B5EF4-FFF2-40B4-BE49-F238E27FC236}">
+                <a16:creationId xmlns:a16="http://schemas.microsoft.com/office/drawing/2014/main" id="{A9DA443C-7DBE-3DB8-A4F7-82B73C10369B}"/>
+              </a:ext>
+            </a:extLst>
+          </p:cNvPr>
+          <p:cNvGraphicFramePr>
+            <a:graphicFrameLocks noGrp="1"/>
+          </p:cNvGraphicFramePr>
+          <p:nvPr>
+            <p:extLst>
+              <p:ext uri="{D42A27DB-BD31-4B8C-83A1-F6EECF244321}">
+                <p14:modId xmlns:p14="http://schemas.microsoft.com/office/powerpoint/2010/main" val="3557695376"/>
+              </p:ext>
+            </p:extLst>
+          </p:nvPr>
+        </p:nvGraphicFramePr>
+        <p:xfrm>
+          <a:off x="1777687" y="3181350"/>
+          <a:ext cx="8636000" cy="3317705"/>
+        </p:xfrm>
+        <a:graphic>
+          <a:graphicData uri="http://schemas.openxmlformats.org/drawingml/2006/table">
+            <a:tbl>
+              <a:tblPr rtl="1" firstRow="1" firstCol="1" bandRow="1">
+                <a:tableStyleId>{5C22544A-7EE6-4342-B048-85BDC9FD1C3A}</a:tableStyleId>
+              </a:tblPr>
+              <a:tblGrid>
+                <a:gridCol w="2877960">
+                  <a:extLst>
+                    <a:ext uri="{9D8B030D-6E8A-4147-A177-3AD203B41FA5}">
+                      <a16:colId xmlns:a16="http://schemas.microsoft.com/office/drawing/2014/main" val="480737374"/>
+                    </a:ext>
+                  </a:extLst>
+                </a:gridCol>
+                <a:gridCol w="2879020">
+                  <a:extLst>
+                    <a:ext uri="{9D8B030D-6E8A-4147-A177-3AD203B41FA5}">
+                      <a16:colId xmlns:a16="http://schemas.microsoft.com/office/drawing/2014/main" val="2829563016"/>
+                    </a:ext>
+                  </a:extLst>
+                </a:gridCol>
+                <a:gridCol w="2879020">
+                  <a:extLst>
+                    <a:ext uri="{9D8B030D-6E8A-4147-A177-3AD203B41FA5}">
+                      <a16:colId xmlns:a16="http://schemas.microsoft.com/office/drawing/2014/main" val="370154719"/>
+                    </a:ext>
+                  </a:extLst>
+                </a:gridCol>
+              </a:tblGrid>
+              <a:tr h="438150">
+                <a:tc>
+                  <a:txBody>
+                    <a:bodyPr/>
+                    <a:lstStyle/>
+                    <a:p>
+                      <a:pPr marL="0" marR="0" algn="ctr" rtl="1">
+                        <a:spcBef>
+                          <a:spcPts val="0"/>
+                        </a:spcBef>
+                        <a:spcAft>
+                          <a:spcPts val="0"/>
+                        </a:spcAft>
+                      </a:pPr>
+                      <a:r>
+                        <a:rPr lang="fa-IR" sz="1400" cap="all">
+                          <a:effectLst/>
+                        </a:rPr>
+                        <a:t>رابطه</a:t>
+                      </a:r>
+                      <a:endParaRPr lang="en-US" sz="1400" dirty="0">
+                        <a:effectLst/>
+                        <a:latin typeface="Times New Roman" panose="02020603050405020304" pitchFamily="18" charset="0"/>
+                        <a:ea typeface="Times New Roman" panose="02020603050405020304" pitchFamily="18" charset="0"/>
+                        <a:cs typeface="B Nazanin" panose="00000400000000000000" pitchFamily="2" charset="-78"/>
+                      </a:endParaRPr>
+                    </a:p>
+                  </a:txBody>
+                  <a:tcPr marL="68580" marR="68580" marT="0" marB="0"/>
+                </a:tc>
+                <a:tc>
+                  <a:txBody>
+                    <a:bodyPr/>
+                    <a:lstStyle/>
+                    <a:p>
+                      <a:pPr marL="0" marR="0" algn="ctr" rtl="1">
+                        <a:spcBef>
+                          <a:spcPts val="0"/>
+                        </a:spcBef>
+                        <a:spcAft>
+                          <a:spcPts val="0"/>
+                        </a:spcAft>
+                      </a:pPr>
+                      <a:r>
+                        <a:rPr lang="fa-IR" sz="1400" cap="all">
+                          <a:effectLst/>
+                        </a:rPr>
+                        <a:t>اهمیت</a:t>
+                      </a:r>
+                      <a:endParaRPr lang="en-US" sz="1400" dirty="0">
+                        <a:effectLst/>
+                        <a:latin typeface="Times New Roman" panose="02020603050405020304" pitchFamily="18" charset="0"/>
+                        <a:ea typeface="Times New Roman" panose="02020603050405020304" pitchFamily="18" charset="0"/>
+                        <a:cs typeface="B Nazanin" panose="00000400000000000000" pitchFamily="2" charset="-78"/>
+                      </a:endParaRPr>
+                    </a:p>
+                  </a:txBody>
+                  <a:tcPr marL="68580" marR="68580" marT="0" marB="0"/>
+                </a:tc>
+                <a:tc>
+                  <a:txBody>
+                    <a:bodyPr/>
+                    <a:lstStyle/>
+                    <a:p>
+                      <a:pPr marL="0" marR="0" algn="ctr" rtl="1">
+                        <a:spcBef>
+                          <a:spcPts val="0"/>
+                        </a:spcBef>
+                        <a:spcAft>
+                          <a:spcPts val="0"/>
+                        </a:spcAft>
+                      </a:pPr>
+                      <a:r>
+                        <a:rPr lang="fa-IR" sz="1400" cap="all">
+                          <a:effectLst/>
+                        </a:rPr>
+                        <a:t>نوع رابطه</a:t>
+                      </a:r>
+                      <a:endParaRPr lang="en-US" sz="1400">
+                        <a:effectLst/>
+                        <a:latin typeface="Times New Roman" panose="02020603050405020304" pitchFamily="18" charset="0"/>
+                        <a:ea typeface="Times New Roman" panose="02020603050405020304" pitchFamily="18" charset="0"/>
+                        <a:cs typeface="B Nazanin" panose="00000400000000000000" pitchFamily="2" charset="-78"/>
+                      </a:endParaRPr>
+                    </a:p>
+                  </a:txBody>
+                  <a:tcPr marL="68580" marR="68580" marT="0" marB="0"/>
+                </a:tc>
+                <a:extLst>
+                  <a:ext uri="{0D108BD9-81ED-4DB2-BD59-A6C34878D82A}">
+                    <a16:rowId xmlns:a16="http://schemas.microsoft.com/office/drawing/2014/main" val="1152224043"/>
+                  </a:ext>
+                </a:extLst>
+              </a:tr>
+              <a:tr h="411365">
+                <a:tc>
+                  <a:txBody>
+                    <a:bodyPr/>
+                    <a:lstStyle/>
+                    <a:p>
+                      <a:pPr marL="0" marR="0" algn="ctr" rtl="1">
+                        <a:spcBef>
+                          <a:spcPts val="0"/>
+                        </a:spcBef>
+                        <a:spcAft>
+                          <a:spcPts val="0"/>
+                        </a:spcAft>
+                      </a:pPr>
+                      <a:r>
+                        <a:rPr lang="en-US" sz="1400" dirty="0">
+                          <a:effectLst/>
+                        </a:rPr>
+                        <a:t>Payment</a:t>
+                      </a:r>
+                      <a:endParaRPr lang="en-US" sz="1400" dirty="0">
+                        <a:effectLst/>
+                        <a:latin typeface="Times New Roman" panose="02020603050405020304" pitchFamily="18" charset="0"/>
+                        <a:ea typeface="Times New Roman" panose="02020603050405020304" pitchFamily="18" charset="0"/>
+                        <a:cs typeface="B Nazanin" panose="00000400000000000000" pitchFamily="2" charset="-78"/>
+                      </a:endParaRPr>
+                    </a:p>
+                  </a:txBody>
+                  <a:tcPr marL="68580" marR="68580" marT="0" marB="0"/>
+                </a:tc>
+                <a:tc>
+                  <a:txBody>
+                    <a:bodyPr/>
+                    <a:lstStyle/>
+                    <a:p>
+                      <a:pPr marL="0" marR="0" algn="ctr" rtl="1">
+                        <a:spcBef>
+                          <a:spcPts val="0"/>
+                        </a:spcBef>
+                        <a:spcAft>
+                          <a:spcPts val="0"/>
+                        </a:spcAft>
+                      </a:pPr>
+                      <a:r>
+                        <a:rPr lang="fa-IR" sz="1400">
+                          <a:effectLst/>
+                        </a:rPr>
+                        <a:t>+</a:t>
+                      </a:r>
+                      <a:endParaRPr lang="en-US" sz="1400">
+                        <a:effectLst/>
+                        <a:latin typeface="Times New Roman" panose="02020603050405020304" pitchFamily="18" charset="0"/>
+                        <a:ea typeface="Times New Roman" panose="02020603050405020304" pitchFamily="18" charset="0"/>
+                        <a:cs typeface="B Nazanin" panose="00000400000000000000" pitchFamily="2" charset="-78"/>
+                      </a:endParaRPr>
+                    </a:p>
+                  </a:txBody>
+                  <a:tcPr marL="68580" marR="68580" marT="0" marB="0"/>
+                </a:tc>
+                <a:tc>
+                  <a:txBody>
+                    <a:bodyPr/>
+                    <a:lstStyle/>
+                    <a:p>
+                      <a:pPr marL="0" marR="0" algn="ctr" rtl="1">
+                        <a:spcBef>
+                          <a:spcPts val="0"/>
+                        </a:spcBef>
+                        <a:spcAft>
+                          <a:spcPts val="0"/>
+                        </a:spcAft>
+                      </a:pPr>
+                      <a:r>
+                        <a:rPr lang="fa-IR" sz="1400">
+                          <a:effectLst/>
+                        </a:rPr>
+                        <a:t>شخصی</a:t>
+                      </a:r>
+                      <a:endParaRPr lang="en-US" sz="1400">
+                        <a:effectLst/>
+                        <a:latin typeface="Times New Roman" panose="02020603050405020304" pitchFamily="18" charset="0"/>
+                        <a:ea typeface="Times New Roman" panose="02020603050405020304" pitchFamily="18" charset="0"/>
+                        <a:cs typeface="B Nazanin" panose="00000400000000000000" pitchFamily="2" charset="-78"/>
+                      </a:endParaRPr>
+                    </a:p>
+                  </a:txBody>
+                  <a:tcPr marL="68580" marR="68580" marT="0" marB="0"/>
+                </a:tc>
+                <a:extLst>
+                  <a:ext uri="{0D108BD9-81ED-4DB2-BD59-A6C34878D82A}">
+                    <a16:rowId xmlns:a16="http://schemas.microsoft.com/office/drawing/2014/main" val="1952466389"/>
+                  </a:ext>
+                </a:extLst>
+              </a:tr>
+              <a:tr h="411365">
+                <a:tc>
+                  <a:txBody>
+                    <a:bodyPr/>
+                    <a:lstStyle/>
+                    <a:p>
+                      <a:pPr marL="0" marR="0" algn="ctr" rtl="1">
+                        <a:spcBef>
+                          <a:spcPts val="0"/>
+                        </a:spcBef>
+                        <a:spcAft>
+                          <a:spcPts val="0"/>
+                        </a:spcAft>
+                      </a:pPr>
+                      <a:r>
+                        <a:rPr lang="en-US" sz="1400" dirty="0">
+                          <a:effectLst/>
+                        </a:rPr>
+                        <a:t>Co-</a:t>
+                      </a:r>
+                      <a:r>
+                        <a:rPr lang="en-US" sz="1400" dirty="0" err="1">
+                          <a:effectLst/>
+                        </a:rPr>
+                        <a:t>Singner</a:t>
+                      </a:r>
+                      <a:endParaRPr lang="en-US" sz="1400" dirty="0">
+                        <a:effectLst/>
+                        <a:latin typeface="Times New Roman" panose="02020603050405020304" pitchFamily="18" charset="0"/>
+                        <a:ea typeface="Times New Roman" panose="02020603050405020304" pitchFamily="18" charset="0"/>
+                        <a:cs typeface="B Nazanin" panose="00000400000000000000" pitchFamily="2" charset="-78"/>
+                      </a:endParaRPr>
+                    </a:p>
+                  </a:txBody>
+                  <a:tcPr marL="68580" marR="68580" marT="0" marB="0"/>
+                </a:tc>
+                <a:tc>
+                  <a:txBody>
+                    <a:bodyPr/>
+                    <a:lstStyle/>
+                    <a:p>
+                      <a:pPr marL="0" marR="0" algn="ctr" rtl="1">
+                        <a:spcBef>
+                          <a:spcPts val="0"/>
+                        </a:spcBef>
+                        <a:spcAft>
+                          <a:spcPts val="0"/>
+                        </a:spcAft>
+                      </a:pPr>
+                      <a:r>
+                        <a:rPr lang="fa-IR" sz="1400">
+                          <a:effectLst/>
+                        </a:rPr>
+                        <a:t>+</a:t>
+                      </a:r>
+                      <a:endParaRPr lang="en-US" sz="1400" dirty="0">
+                        <a:effectLst/>
+                        <a:latin typeface="Times New Roman" panose="02020603050405020304" pitchFamily="18" charset="0"/>
+                        <a:ea typeface="Times New Roman" panose="02020603050405020304" pitchFamily="18" charset="0"/>
+                        <a:cs typeface="B Nazanin" panose="00000400000000000000" pitchFamily="2" charset="-78"/>
+                      </a:endParaRPr>
+                    </a:p>
+                  </a:txBody>
+                  <a:tcPr marL="68580" marR="68580" marT="0" marB="0"/>
+                </a:tc>
+                <a:tc>
+                  <a:txBody>
+                    <a:bodyPr/>
+                    <a:lstStyle/>
+                    <a:p>
+                      <a:pPr marL="0" marR="0" algn="ctr" rtl="1">
+                        <a:spcBef>
+                          <a:spcPts val="0"/>
+                        </a:spcBef>
+                        <a:spcAft>
+                          <a:spcPts val="0"/>
+                        </a:spcAft>
+                      </a:pPr>
+                      <a:r>
+                        <a:rPr lang="fa-IR" sz="1400">
+                          <a:effectLst/>
+                        </a:rPr>
+                        <a:t>شخصی</a:t>
+                      </a:r>
+                      <a:endParaRPr lang="en-US" sz="1400">
+                        <a:effectLst/>
+                        <a:latin typeface="Times New Roman" panose="02020603050405020304" pitchFamily="18" charset="0"/>
+                        <a:ea typeface="Times New Roman" panose="02020603050405020304" pitchFamily="18" charset="0"/>
+                        <a:cs typeface="B Nazanin" panose="00000400000000000000" pitchFamily="2" charset="-78"/>
+                      </a:endParaRPr>
+                    </a:p>
+                  </a:txBody>
+                  <a:tcPr marL="68580" marR="68580" marT="0" marB="0"/>
+                </a:tc>
+                <a:extLst>
+                  <a:ext uri="{0D108BD9-81ED-4DB2-BD59-A6C34878D82A}">
+                    <a16:rowId xmlns:a16="http://schemas.microsoft.com/office/drawing/2014/main" val="2497463439"/>
+                  </a:ext>
+                </a:extLst>
+              </a:tr>
+              <a:tr h="411365">
+                <a:tc>
+                  <a:txBody>
+                    <a:bodyPr/>
+                    <a:lstStyle/>
+                    <a:p>
+                      <a:pPr marL="0" marR="0" algn="ctr" rtl="1">
+                        <a:spcBef>
+                          <a:spcPts val="0"/>
+                        </a:spcBef>
+                        <a:spcAft>
+                          <a:spcPts val="0"/>
+                        </a:spcAft>
+                      </a:pPr>
+                      <a:r>
+                        <a:rPr lang="en-US" sz="1400" dirty="0">
+                          <a:effectLst/>
+                        </a:rPr>
+                        <a:t>Create Account</a:t>
+                      </a:r>
+                      <a:endParaRPr lang="en-US" sz="1400" dirty="0">
+                        <a:effectLst/>
+                        <a:latin typeface="Times New Roman" panose="02020603050405020304" pitchFamily="18" charset="0"/>
+                        <a:ea typeface="Times New Roman" panose="02020603050405020304" pitchFamily="18" charset="0"/>
+                        <a:cs typeface="B Nazanin" panose="00000400000000000000" pitchFamily="2" charset="-78"/>
+                      </a:endParaRPr>
+                    </a:p>
+                  </a:txBody>
+                  <a:tcPr marL="68580" marR="68580" marT="0" marB="0"/>
+                </a:tc>
+                <a:tc>
+                  <a:txBody>
+                    <a:bodyPr/>
+                    <a:lstStyle/>
+                    <a:p>
+                      <a:pPr marL="0" marR="0" algn="ctr" rtl="1">
+                        <a:spcBef>
+                          <a:spcPts val="0"/>
+                        </a:spcBef>
+                        <a:spcAft>
+                          <a:spcPts val="0"/>
+                        </a:spcAft>
+                      </a:pPr>
+                      <a:r>
+                        <a:rPr lang="fa-IR" sz="1400">
+                          <a:effectLst/>
+                        </a:rPr>
+                        <a:t>-</a:t>
+                      </a:r>
+                      <a:endParaRPr lang="en-US" sz="1400" dirty="0">
+                        <a:effectLst/>
+                        <a:latin typeface="Times New Roman" panose="02020603050405020304" pitchFamily="18" charset="0"/>
+                        <a:ea typeface="Times New Roman" panose="02020603050405020304" pitchFamily="18" charset="0"/>
+                        <a:cs typeface="B Nazanin" panose="00000400000000000000" pitchFamily="2" charset="-78"/>
+                      </a:endParaRPr>
+                    </a:p>
+                  </a:txBody>
+                  <a:tcPr marL="68580" marR="68580" marT="0" marB="0"/>
+                </a:tc>
+                <a:tc>
+                  <a:txBody>
+                    <a:bodyPr/>
+                    <a:lstStyle/>
+                    <a:p>
+                      <a:pPr marL="0" marR="0" algn="ctr" rtl="1">
+                        <a:spcBef>
+                          <a:spcPts val="0"/>
+                        </a:spcBef>
+                        <a:spcAft>
+                          <a:spcPts val="0"/>
+                        </a:spcAft>
+                      </a:pPr>
+                      <a:r>
+                        <a:rPr lang="fa-IR" sz="1400">
+                          <a:effectLst/>
+                        </a:rPr>
+                        <a:t>شخصی</a:t>
+                      </a:r>
+                      <a:endParaRPr lang="en-US" sz="1400">
+                        <a:effectLst/>
+                        <a:latin typeface="Times New Roman" panose="02020603050405020304" pitchFamily="18" charset="0"/>
+                        <a:ea typeface="Times New Roman" panose="02020603050405020304" pitchFamily="18" charset="0"/>
+                        <a:cs typeface="B Nazanin" panose="00000400000000000000" pitchFamily="2" charset="-78"/>
+                      </a:endParaRPr>
+                    </a:p>
+                  </a:txBody>
+                  <a:tcPr marL="68580" marR="68580" marT="0" marB="0"/>
+                </a:tc>
+                <a:extLst>
+                  <a:ext uri="{0D108BD9-81ED-4DB2-BD59-A6C34878D82A}">
+                    <a16:rowId xmlns:a16="http://schemas.microsoft.com/office/drawing/2014/main" val="919074496"/>
+                  </a:ext>
+                </a:extLst>
+              </a:tr>
+              <a:tr h="411365">
+                <a:tc>
+                  <a:txBody>
+                    <a:bodyPr/>
+                    <a:lstStyle/>
+                    <a:p>
+                      <a:pPr marL="0" marR="0" algn="ctr" rtl="1">
+                        <a:spcBef>
+                          <a:spcPts val="0"/>
+                        </a:spcBef>
+                        <a:spcAft>
+                          <a:spcPts val="0"/>
+                        </a:spcAft>
+                      </a:pPr>
+                      <a:r>
+                        <a:rPr lang="en-US" sz="1400" dirty="0">
+                          <a:effectLst/>
+                        </a:rPr>
+                        <a:t>Merge Account</a:t>
+                      </a:r>
+                      <a:endParaRPr lang="en-US" sz="1400" dirty="0">
+                        <a:effectLst/>
+                        <a:latin typeface="Times New Roman" panose="02020603050405020304" pitchFamily="18" charset="0"/>
+                        <a:ea typeface="Times New Roman" panose="02020603050405020304" pitchFamily="18" charset="0"/>
+                        <a:cs typeface="B Nazanin" panose="00000400000000000000" pitchFamily="2" charset="-78"/>
+                      </a:endParaRPr>
+                    </a:p>
+                  </a:txBody>
+                  <a:tcPr marL="68580" marR="68580" marT="0" marB="0"/>
+                </a:tc>
+                <a:tc>
+                  <a:txBody>
+                    <a:bodyPr/>
+                    <a:lstStyle/>
+                    <a:p>
+                      <a:pPr marL="0" marR="0" algn="ctr" rtl="1">
+                        <a:spcBef>
+                          <a:spcPts val="0"/>
+                        </a:spcBef>
+                        <a:spcAft>
+                          <a:spcPts val="0"/>
+                        </a:spcAft>
+                      </a:pPr>
+                      <a:r>
+                        <a:rPr lang="fa-IR" sz="1400">
+                          <a:effectLst/>
+                        </a:rPr>
+                        <a:t>-</a:t>
+                      </a:r>
+                      <a:endParaRPr lang="en-US" sz="1400" dirty="0">
+                        <a:effectLst/>
+                        <a:latin typeface="Times New Roman" panose="02020603050405020304" pitchFamily="18" charset="0"/>
+                        <a:ea typeface="Times New Roman" panose="02020603050405020304" pitchFamily="18" charset="0"/>
+                        <a:cs typeface="B Nazanin" panose="00000400000000000000" pitchFamily="2" charset="-78"/>
+                      </a:endParaRPr>
+                    </a:p>
+                  </a:txBody>
+                  <a:tcPr marL="68580" marR="68580" marT="0" marB="0"/>
+                </a:tc>
+                <a:tc>
+                  <a:txBody>
+                    <a:bodyPr/>
+                    <a:lstStyle/>
+                    <a:p>
+                      <a:pPr marL="0" marR="0" algn="ctr" rtl="1">
+                        <a:spcBef>
+                          <a:spcPts val="0"/>
+                        </a:spcBef>
+                        <a:spcAft>
+                          <a:spcPts val="0"/>
+                        </a:spcAft>
+                      </a:pPr>
+                      <a:r>
+                        <a:rPr lang="fa-IR" sz="1400">
+                          <a:effectLst/>
+                        </a:rPr>
+                        <a:t>شخصی</a:t>
+                      </a:r>
+                      <a:endParaRPr lang="en-US" sz="1400">
+                        <a:effectLst/>
+                        <a:latin typeface="Times New Roman" panose="02020603050405020304" pitchFamily="18" charset="0"/>
+                        <a:ea typeface="Times New Roman" panose="02020603050405020304" pitchFamily="18" charset="0"/>
+                        <a:cs typeface="B Nazanin" panose="00000400000000000000" pitchFamily="2" charset="-78"/>
+                      </a:endParaRPr>
+                    </a:p>
+                  </a:txBody>
+                  <a:tcPr marL="68580" marR="68580" marT="0" marB="0"/>
+                </a:tc>
+                <a:extLst>
+                  <a:ext uri="{0D108BD9-81ED-4DB2-BD59-A6C34878D82A}">
+                    <a16:rowId xmlns:a16="http://schemas.microsoft.com/office/drawing/2014/main" val="2590320366"/>
+                  </a:ext>
+                </a:extLst>
+              </a:tr>
+              <a:tr h="411365">
+                <a:tc>
+                  <a:txBody>
+                    <a:bodyPr/>
+                    <a:lstStyle/>
+                    <a:p>
+                      <a:pPr marL="0" marR="0" algn="ctr" rtl="1">
+                        <a:spcBef>
+                          <a:spcPts val="0"/>
+                        </a:spcBef>
+                        <a:spcAft>
+                          <a:spcPts val="0"/>
+                        </a:spcAft>
+                      </a:pPr>
+                      <a:r>
+                        <a:rPr lang="en-US" sz="1400" dirty="0">
+                          <a:effectLst/>
+                        </a:rPr>
+                        <a:t>Sponsor</a:t>
+                      </a:r>
+                      <a:endParaRPr lang="en-US" sz="1400" dirty="0">
+                        <a:effectLst/>
+                        <a:latin typeface="Times New Roman" panose="02020603050405020304" pitchFamily="18" charset="0"/>
+                        <a:ea typeface="Times New Roman" panose="02020603050405020304" pitchFamily="18" charset="0"/>
+                        <a:cs typeface="B Nazanin" panose="00000400000000000000" pitchFamily="2" charset="-78"/>
+                      </a:endParaRPr>
+                    </a:p>
+                  </a:txBody>
+                  <a:tcPr marL="68580" marR="68580" marT="0" marB="0"/>
+                </a:tc>
+                <a:tc>
+                  <a:txBody>
+                    <a:bodyPr/>
+                    <a:lstStyle/>
+                    <a:p>
+                      <a:pPr marL="0" marR="0" algn="ctr" rtl="1">
+                        <a:spcBef>
+                          <a:spcPts val="0"/>
+                        </a:spcBef>
+                        <a:spcAft>
+                          <a:spcPts val="0"/>
+                        </a:spcAft>
+                      </a:pPr>
+                      <a:r>
+                        <a:rPr lang="fa-IR" sz="1400">
+                          <a:effectLst/>
+                        </a:rPr>
+                        <a:t>-</a:t>
+                      </a:r>
+                      <a:endParaRPr lang="en-US" sz="1400" dirty="0">
+                        <a:effectLst/>
+                        <a:latin typeface="Times New Roman" panose="02020603050405020304" pitchFamily="18" charset="0"/>
+                        <a:ea typeface="Times New Roman" panose="02020603050405020304" pitchFamily="18" charset="0"/>
+                        <a:cs typeface="B Nazanin" panose="00000400000000000000" pitchFamily="2" charset="-78"/>
+                      </a:endParaRPr>
+                    </a:p>
+                  </a:txBody>
+                  <a:tcPr marL="68580" marR="68580" marT="0" marB="0"/>
+                </a:tc>
+                <a:tc>
+                  <a:txBody>
+                    <a:bodyPr/>
+                    <a:lstStyle/>
+                    <a:p>
+                      <a:pPr marL="0" marR="0" algn="ctr" rtl="1">
+                        <a:spcBef>
+                          <a:spcPts val="0"/>
+                        </a:spcBef>
+                        <a:spcAft>
+                          <a:spcPts val="0"/>
+                        </a:spcAft>
+                      </a:pPr>
+                      <a:r>
+                        <a:rPr lang="fa-IR" sz="1400">
+                          <a:effectLst/>
+                        </a:rPr>
+                        <a:t>شخصی</a:t>
+                      </a:r>
+                      <a:endParaRPr lang="en-US" sz="1400">
+                        <a:effectLst/>
+                        <a:latin typeface="Times New Roman" panose="02020603050405020304" pitchFamily="18" charset="0"/>
+                        <a:ea typeface="Times New Roman" panose="02020603050405020304" pitchFamily="18" charset="0"/>
+                        <a:cs typeface="B Nazanin" panose="00000400000000000000" pitchFamily="2" charset="-78"/>
+                      </a:endParaRPr>
+                    </a:p>
+                  </a:txBody>
+                  <a:tcPr marL="68580" marR="68580" marT="0" marB="0"/>
+                </a:tc>
+                <a:extLst>
+                  <a:ext uri="{0D108BD9-81ED-4DB2-BD59-A6C34878D82A}">
+                    <a16:rowId xmlns:a16="http://schemas.microsoft.com/office/drawing/2014/main" val="3234386528"/>
+                  </a:ext>
+                </a:extLst>
+              </a:tr>
+              <a:tr h="411365">
+                <a:tc>
+                  <a:txBody>
+                    <a:bodyPr/>
+                    <a:lstStyle/>
+                    <a:p>
+                      <a:pPr marL="0" marR="0" algn="ctr" rtl="1">
+                        <a:spcBef>
+                          <a:spcPts val="0"/>
+                        </a:spcBef>
+                        <a:spcAft>
+                          <a:spcPts val="0"/>
+                        </a:spcAft>
+                      </a:pPr>
+                      <a:r>
+                        <a:rPr lang="en-US" sz="1400" dirty="0">
+                          <a:effectLst/>
+                        </a:rPr>
+                        <a:t>Allow Trust</a:t>
+                      </a:r>
+                      <a:endParaRPr lang="en-US" sz="1400" dirty="0">
+                        <a:effectLst/>
+                        <a:latin typeface="Times New Roman" panose="02020603050405020304" pitchFamily="18" charset="0"/>
+                        <a:ea typeface="Times New Roman" panose="02020603050405020304" pitchFamily="18" charset="0"/>
+                        <a:cs typeface="B Nazanin" panose="00000400000000000000" pitchFamily="2" charset="-78"/>
+                      </a:endParaRPr>
+                    </a:p>
+                  </a:txBody>
+                  <a:tcPr marL="68580" marR="68580" marT="0" marB="0"/>
+                </a:tc>
+                <a:tc>
+                  <a:txBody>
+                    <a:bodyPr/>
+                    <a:lstStyle/>
+                    <a:p>
+                      <a:pPr marL="0" marR="0" algn="ctr" rtl="1">
+                        <a:spcBef>
+                          <a:spcPts val="0"/>
+                        </a:spcBef>
+                        <a:spcAft>
+                          <a:spcPts val="0"/>
+                        </a:spcAft>
+                      </a:pPr>
+                      <a:r>
+                        <a:rPr lang="fa-IR" sz="1400">
+                          <a:effectLst/>
+                        </a:rPr>
+                        <a:t>+</a:t>
+                      </a:r>
+                      <a:endParaRPr lang="en-US" sz="1400" dirty="0">
+                        <a:effectLst/>
+                        <a:latin typeface="Times New Roman" panose="02020603050405020304" pitchFamily="18" charset="0"/>
+                        <a:ea typeface="Times New Roman" panose="02020603050405020304" pitchFamily="18" charset="0"/>
+                        <a:cs typeface="B Nazanin" panose="00000400000000000000" pitchFamily="2" charset="-78"/>
+                      </a:endParaRPr>
+                    </a:p>
+                  </a:txBody>
+                  <a:tcPr marL="68580" marR="68580" marT="0" marB="0"/>
+                </a:tc>
+                <a:tc>
+                  <a:txBody>
+                    <a:bodyPr/>
+                    <a:lstStyle/>
+                    <a:p>
+                      <a:pPr marL="0" marR="0" algn="ctr" rtl="1">
+                        <a:spcBef>
+                          <a:spcPts val="0"/>
+                        </a:spcBef>
+                        <a:spcAft>
+                          <a:spcPts val="0"/>
+                        </a:spcAft>
+                      </a:pPr>
+                      <a:r>
+                        <a:rPr lang="fa-IR" sz="1400">
+                          <a:effectLst/>
+                        </a:rPr>
+                        <a:t>سازمانی</a:t>
+                      </a:r>
+                      <a:endParaRPr lang="en-US" sz="1400" dirty="0">
+                        <a:effectLst/>
+                        <a:latin typeface="Times New Roman" panose="02020603050405020304" pitchFamily="18" charset="0"/>
+                        <a:ea typeface="Times New Roman" panose="02020603050405020304" pitchFamily="18" charset="0"/>
+                        <a:cs typeface="B Nazanin" panose="00000400000000000000" pitchFamily="2" charset="-78"/>
+                      </a:endParaRPr>
+                    </a:p>
+                  </a:txBody>
+                  <a:tcPr marL="68580" marR="68580" marT="0" marB="0"/>
+                </a:tc>
+                <a:extLst>
+                  <a:ext uri="{0D108BD9-81ED-4DB2-BD59-A6C34878D82A}">
+                    <a16:rowId xmlns:a16="http://schemas.microsoft.com/office/drawing/2014/main" val="2969530034"/>
+                  </a:ext>
+                </a:extLst>
+              </a:tr>
+              <a:tr h="411365">
+                <a:tc>
+                  <a:txBody>
+                    <a:bodyPr/>
+                    <a:lstStyle/>
+                    <a:p>
+                      <a:pPr marL="0" marR="0" algn="ctr" rtl="1">
+                        <a:spcBef>
+                          <a:spcPts val="0"/>
+                        </a:spcBef>
+                        <a:spcAft>
+                          <a:spcPts val="0"/>
+                        </a:spcAft>
+                      </a:pPr>
+                      <a:r>
+                        <a:rPr lang="en-US" sz="1400" dirty="0">
+                          <a:effectLst/>
+                        </a:rPr>
+                        <a:t>Matching</a:t>
+                      </a:r>
+                      <a:endParaRPr lang="en-US" sz="1400" dirty="0">
+                        <a:effectLst/>
+                        <a:latin typeface="Times New Roman" panose="02020603050405020304" pitchFamily="18" charset="0"/>
+                        <a:ea typeface="Times New Roman" panose="02020603050405020304" pitchFamily="18" charset="0"/>
+                        <a:cs typeface="B Nazanin" panose="00000400000000000000" pitchFamily="2" charset="-78"/>
+                      </a:endParaRPr>
+                    </a:p>
+                  </a:txBody>
+                  <a:tcPr marL="68580" marR="68580" marT="0" marB="0"/>
+                </a:tc>
+                <a:tc>
+                  <a:txBody>
+                    <a:bodyPr/>
+                    <a:lstStyle/>
+                    <a:p>
+                      <a:pPr marL="0" marR="0" algn="ctr" rtl="1">
+                        <a:spcBef>
+                          <a:spcPts val="0"/>
+                        </a:spcBef>
+                        <a:spcAft>
+                          <a:spcPts val="0"/>
+                        </a:spcAft>
+                      </a:pPr>
+                      <a:r>
+                        <a:rPr lang="fa-IR" sz="1400" dirty="0">
+                          <a:effectLst/>
+                        </a:rPr>
+                        <a:t>+</a:t>
+                      </a:r>
+                      <a:endParaRPr lang="en-US" sz="1400" dirty="0">
+                        <a:effectLst/>
+                        <a:latin typeface="Times New Roman" panose="02020603050405020304" pitchFamily="18" charset="0"/>
+                        <a:ea typeface="Times New Roman" panose="02020603050405020304" pitchFamily="18" charset="0"/>
+                        <a:cs typeface="B Nazanin" panose="00000400000000000000" pitchFamily="2" charset="-78"/>
+                      </a:endParaRPr>
+                    </a:p>
+                  </a:txBody>
+                  <a:tcPr marL="68580" marR="68580" marT="0" marB="0"/>
+                </a:tc>
+                <a:tc>
+                  <a:txBody>
+                    <a:bodyPr/>
+                    <a:lstStyle/>
+                    <a:p>
+                      <a:pPr marL="0" marR="0" algn="ctr" rtl="1">
+                        <a:spcBef>
+                          <a:spcPts val="0"/>
+                        </a:spcBef>
+                        <a:spcAft>
+                          <a:spcPts val="0"/>
+                        </a:spcAft>
+                      </a:pPr>
+                      <a:r>
+                        <a:rPr lang="fa-IR" sz="1400" dirty="0">
+                          <a:effectLst/>
+                        </a:rPr>
+                        <a:t>اجتماعی</a:t>
+                      </a:r>
+                      <a:endParaRPr lang="en-US" sz="1400" dirty="0">
+                        <a:effectLst/>
+                        <a:latin typeface="Times New Roman" panose="02020603050405020304" pitchFamily="18" charset="0"/>
+                        <a:ea typeface="Times New Roman" panose="02020603050405020304" pitchFamily="18" charset="0"/>
+                        <a:cs typeface="B Nazanin" panose="00000400000000000000" pitchFamily="2" charset="-78"/>
+                      </a:endParaRPr>
+                    </a:p>
+                  </a:txBody>
+                  <a:tcPr marL="68580" marR="68580" marT="0" marB="0"/>
+                </a:tc>
+                <a:extLst>
+                  <a:ext uri="{0D108BD9-81ED-4DB2-BD59-A6C34878D82A}">
+                    <a16:rowId xmlns:a16="http://schemas.microsoft.com/office/drawing/2014/main" val="268411939"/>
+                  </a:ext>
+                </a:extLst>
+              </a:tr>
+            </a:tbl>
+          </a:graphicData>
+        </a:graphic>
+      </p:graphicFrame>
+    </p:spTree>
+    <p:extLst>
+      <p:ext uri="{BB962C8B-B14F-4D97-AF65-F5344CB8AC3E}">
+        <p14:creationId xmlns:p14="http://schemas.microsoft.com/office/powerpoint/2010/main" val="105143781"/>
+      </p:ext>
+    </p:extLst>
+  </p:cSld>
+  <p:clrMapOvr>
+    <a:masterClrMapping/>
+  </p:clrMapOvr>
+</p:sld>
+</file>
+
+<file path=ppt/slides/slide7.xml><?xml version="1.0" encoding="utf-8"?>
+<p:sld xmlns:a="http://schemas.openxmlformats.org/drawingml/2006/main" xmlns:r="http://schemas.openxmlformats.org/officeDocument/2006/relationships" xmlns:p="http://schemas.openxmlformats.org/presentationml/2006/main">
+  <p:cSld>
+    <p:spTree>
+      <p:nvGrpSpPr>
+        <p:cNvPr id="1" name=""/>
+        <p:cNvGrpSpPr/>
+        <p:nvPr/>
+      </p:nvGrpSpPr>
+      <p:grpSpPr>
+        <a:xfrm>
+          <a:off x="0" y="0"/>
+          <a:ext cx="0" cy="0"/>
+          <a:chOff x="0" y="0"/>
+          <a:chExt cx="0" cy="0"/>
+        </a:xfrm>
+      </p:grpSpPr>
+      <p:sp>
+        <p:nvSpPr>
+          <p:cNvPr id="2" name="Title 1">
+            <a:extLst>
+              <a:ext uri="{FF2B5EF4-FFF2-40B4-BE49-F238E27FC236}">
+                <a16:creationId xmlns:a16="http://schemas.microsoft.com/office/drawing/2014/main" id="{A4377136-CC48-1882-C359-F99650E32361}"/>
+              </a:ext>
+            </a:extLst>
+          </p:cNvPr>
+          <p:cNvSpPr>
+            <a:spLocks noGrp="1"/>
+          </p:cNvSpPr>
+          <p:nvPr>
+            <p:ph type="title"/>
+          </p:nvPr>
+        </p:nvSpPr>
+        <p:spPr>
+          <a:xfrm>
+            <a:off x="1069848" y="484632"/>
+            <a:ext cx="10058400" cy="772668"/>
+          </a:xfrm>
+        </p:spPr>
+        <p:txBody>
+          <a:bodyPr>
+            <a:normAutofit/>
+          </a:bodyPr>
+          <a:lstStyle/>
+          <a:p>
+            <a:pPr algn="ctr"/>
+            <a:r>
+              <a:rPr lang="en-US" sz="3200" dirty="0"/>
+              <a:t>address graph</a:t>
+            </a:r>
+          </a:p>
+        </p:txBody>
+      </p:sp>
+      <p:sp>
+        <p:nvSpPr>
+          <p:cNvPr id="3" name="Content Placeholder 2">
+            <a:extLst>
+              <a:ext uri="{FF2B5EF4-FFF2-40B4-BE49-F238E27FC236}">
+                <a16:creationId xmlns:a16="http://schemas.microsoft.com/office/drawing/2014/main" id="{27B126EC-8619-7F53-C34E-405ECBAEADED}"/>
+              </a:ext>
+            </a:extLst>
+          </p:cNvPr>
+          <p:cNvSpPr>
+            <a:spLocks noGrp="1"/>
+          </p:cNvSpPr>
+          <p:nvPr>
+            <p:ph sz="quarter" idx="13"/>
+          </p:nvPr>
+        </p:nvSpPr>
+        <p:spPr>
+          <a:xfrm>
+            <a:off x="913774" y="1346200"/>
+            <a:ext cx="10363826" cy="4444999"/>
+          </a:xfrm>
+        </p:spPr>
+        <p:txBody>
+          <a:bodyPr/>
+          <a:lstStyle/>
+          <a:p>
+            <a:pPr algn="r" rtl="1"/>
+            <a:r>
+              <a:rPr lang="fa-IR" dirty="0"/>
+              <a:t>بیان اینکه گراف ادرس برای انجام این کار مناسب است و توضیح دیگر انواع گراف</a:t>
+            </a:r>
+            <a:endParaRPr lang="en-US" dirty="0"/>
+          </a:p>
+        </p:txBody>
+      </p:sp>
+    </p:spTree>
+    <p:extLst>
+      <p:ext uri="{BB962C8B-B14F-4D97-AF65-F5344CB8AC3E}">
+        <p14:creationId xmlns:p14="http://schemas.microsoft.com/office/powerpoint/2010/main" val="3671003626"/>
+      </p:ext>
+    </p:extLst>
+  </p:cSld>
+  <p:clrMapOvr>
+    <a:masterClrMapping/>
+  </p:clrMapOvr>
+</p:sld>
+</file>
+
+<file path=ppt/slides/slide8.xml><?xml version="1.0" encoding="utf-8"?>
+<p:sld xmlns:a="http://schemas.openxmlformats.org/drawingml/2006/main" xmlns:r="http://schemas.openxmlformats.org/officeDocument/2006/relationships" xmlns:p="http://schemas.openxmlformats.org/presentationml/2006/main">
+  <p:cSld>
+    <p:spTree>
+      <p:nvGrpSpPr>
+        <p:cNvPr id="1" name=""/>
+        <p:cNvGrpSpPr/>
+        <p:nvPr/>
+      </p:nvGrpSpPr>
+      <p:grpSpPr>
+        <a:xfrm>
+          <a:off x="0" y="0"/>
+          <a:ext cx="0" cy="0"/>
+          <a:chOff x="0" y="0"/>
+          <a:chExt cx="0" cy="0"/>
+        </a:xfrm>
+      </p:grpSpPr>
+      <p:sp>
+        <p:nvSpPr>
+          <p:cNvPr id="2" name="Title 1">
+            <a:extLst>
+              <a:ext uri="{FF2B5EF4-FFF2-40B4-BE49-F238E27FC236}">
+                <a16:creationId xmlns:a16="http://schemas.microsoft.com/office/drawing/2014/main" id="{0505C632-3B7C-E8C7-2122-60A4BC2ACCDF}"/>
+              </a:ext>
+            </a:extLst>
+          </p:cNvPr>
+          <p:cNvSpPr>
+            <a:spLocks noGrp="1"/>
+          </p:cNvSpPr>
+          <p:nvPr>
+            <p:ph type="title"/>
+          </p:nvPr>
+        </p:nvSpPr>
+        <p:spPr>
+          <a:xfrm>
+            <a:off x="1069848" y="484632"/>
+            <a:ext cx="10058400" cy="1026668"/>
+          </a:xfrm>
+        </p:spPr>
+        <p:txBody>
+          <a:bodyPr>
+            <a:normAutofit/>
+          </a:bodyPr>
+          <a:lstStyle/>
+          <a:p>
+            <a:pPr algn="ctr"/>
+            <a:r>
+              <a:rPr lang="en-US" sz="3200" dirty="0"/>
+              <a:t>Node and relationship</a:t>
+            </a:r>
+          </a:p>
+        </p:txBody>
+      </p:sp>
+      <p:sp>
+        <p:nvSpPr>
+          <p:cNvPr id="3" name="Content Placeholder 2">
+            <a:extLst>
+              <a:ext uri="{FF2B5EF4-FFF2-40B4-BE49-F238E27FC236}">
+                <a16:creationId xmlns:a16="http://schemas.microsoft.com/office/drawing/2014/main" id="{143545F6-6204-6E4B-2F40-C349A0903E34}"/>
+              </a:ext>
+            </a:extLst>
+          </p:cNvPr>
+          <p:cNvSpPr>
+            <a:spLocks noGrp="1"/>
+          </p:cNvSpPr>
+          <p:nvPr>
+            <p:ph sz="quarter" idx="13"/>
+          </p:nvPr>
+        </p:nvSpPr>
+        <p:spPr>
+          <a:xfrm>
+            <a:off x="913774" y="1790700"/>
+            <a:ext cx="10363826" cy="4000499"/>
+          </a:xfrm>
+        </p:spPr>
+        <p:txBody>
+          <a:bodyPr/>
+          <a:lstStyle/>
+          <a:p>
+            <a:pPr algn="r" rtl="1"/>
+            <a:r>
+              <a:rPr lang="fa-IR" dirty="0"/>
+              <a:t>توضیح نود و روابط در گراف ادرس</a:t>
+            </a:r>
+            <a:endParaRPr lang="en-US" dirty="0"/>
+          </a:p>
+        </p:txBody>
+      </p:sp>
+    </p:spTree>
+    <p:extLst>
+      <p:ext uri="{BB962C8B-B14F-4D97-AF65-F5344CB8AC3E}">
+        <p14:creationId xmlns:p14="http://schemas.microsoft.com/office/powerpoint/2010/main" val="2632894986"/>
+      </p:ext>
+    </p:extLst>
+  </p:cSld>
+  <p:clrMapOvr>
+    <a:masterClrMapping/>
+  </p:clrMapOvr>
+</p:sld>
+</file>
+
+<file path=ppt/slides/slide9.xml><?xml version="1.0" encoding="utf-8"?>
 <p:sld xmlns:a="http://schemas.openxmlformats.org/drawingml/2006/main" xmlns:r="http://schemas.openxmlformats.org/officeDocument/2006/relationships" xmlns:p="http://schemas.openxmlformats.org/presentationml/2006/main">
   <p:cSld>
     <p:spTree>
@@ -5025,3822 +8878,6 @@
     <p:extLst>
       <p:ext uri="{BB962C8B-B14F-4D97-AF65-F5344CB8AC3E}">
         <p14:creationId xmlns:p14="http://schemas.microsoft.com/office/powerpoint/2010/main" val="2169977944"/>
-      </p:ext>
-    </p:extLst>
-  </p:cSld>
-  <p:clrMapOvr>
-    <a:masterClrMapping/>
-  </p:clrMapOvr>
-</p:sld>
-</file>
-
-<file path=ppt/slides/slide14.xml><?xml version="1.0" encoding="utf-8"?>
-<p:sld xmlns:a="http://schemas.openxmlformats.org/drawingml/2006/main" xmlns:r="http://schemas.openxmlformats.org/officeDocument/2006/relationships" xmlns:p="http://schemas.openxmlformats.org/presentationml/2006/main">
-  <p:cSld>
-    <p:spTree>
-      <p:nvGrpSpPr>
-        <p:cNvPr id="1" name=""/>
-        <p:cNvGrpSpPr/>
-        <p:nvPr/>
-      </p:nvGrpSpPr>
-      <p:grpSpPr>
-        <a:xfrm>
-          <a:off x="0" y="0"/>
-          <a:ext cx="0" cy="0"/>
-          <a:chOff x="0" y="0"/>
-          <a:chExt cx="0" cy="0"/>
-        </a:xfrm>
-      </p:grpSpPr>
-      <p:sp>
-        <p:nvSpPr>
-          <p:cNvPr id="2" name="Title 1">
-            <a:extLst>
-              <a:ext uri="{FF2B5EF4-FFF2-40B4-BE49-F238E27FC236}">
-                <a16:creationId xmlns:a16="http://schemas.microsoft.com/office/drawing/2014/main" id="{658AB36A-BCE1-D06D-29EA-0F84AA06B4CC}"/>
-              </a:ext>
-            </a:extLst>
-          </p:cNvPr>
-          <p:cNvSpPr>
-            <a:spLocks noGrp="1"/>
-          </p:cNvSpPr>
-          <p:nvPr>
-            <p:ph type="title"/>
-          </p:nvPr>
-        </p:nvSpPr>
-        <p:spPr>
-          <a:xfrm>
-            <a:off x="1066487" y="306833"/>
-            <a:ext cx="10058400" cy="1039368"/>
-          </a:xfrm>
-        </p:spPr>
-        <p:txBody>
-          <a:bodyPr>
-            <a:normAutofit/>
-          </a:bodyPr>
-          <a:lstStyle/>
-          <a:p>
-            <a:pPr algn="ctr"/>
-            <a:r>
-              <a:rPr lang="en-US" sz="3200" dirty="0"/>
-              <a:t>Cypher queries</a:t>
-            </a:r>
-          </a:p>
-        </p:txBody>
-      </p:sp>
-      <p:sp>
-        <p:nvSpPr>
-          <p:cNvPr id="3" name="Content Placeholder 2">
-            <a:extLst>
-              <a:ext uri="{FF2B5EF4-FFF2-40B4-BE49-F238E27FC236}">
-                <a16:creationId xmlns:a16="http://schemas.microsoft.com/office/drawing/2014/main" id="{DDE74E36-B48D-909B-EB36-D35AB043940C}"/>
-              </a:ext>
-            </a:extLst>
-          </p:cNvPr>
-          <p:cNvSpPr>
-            <a:spLocks noGrp="1"/>
-          </p:cNvSpPr>
-          <p:nvPr>
-            <p:ph sz="quarter" idx="13"/>
-          </p:nvPr>
-        </p:nvSpPr>
-        <p:spPr>
-          <a:xfrm>
-            <a:off x="913774" y="1346201"/>
-            <a:ext cx="10363826" cy="1612899"/>
-          </a:xfrm>
-        </p:spPr>
-        <p:txBody>
-          <a:bodyPr/>
-          <a:lstStyle/>
-          <a:p>
-            <a:pPr algn="r" rtl="1"/>
-            <a:r>
-              <a:rPr lang="fa-IR" dirty="0"/>
-              <a:t>توضیح کاملی از زبان سایفر</a:t>
-            </a:r>
-          </a:p>
-          <a:p>
-            <a:pPr marL="0" marR="0" indent="0" algn="justLow" rtl="0">
-              <a:lnSpc>
-                <a:spcPct val="124000"/>
-              </a:lnSpc>
-              <a:spcBef>
-                <a:spcPts val="0"/>
-              </a:spcBef>
-              <a:spcAft>
-                <a:spcPts val="0"/>
-              </a:spcAft>
-              <a:buNone/>
-            </a:pPr>
-            <a:r>
-              <a:rPr lang="en-US" sz="1400" b="1" dirty="0">
-                <a:solidFill>
-                  <a:srgbClr val="0D0D0D"/>
-                </a:solidFill>
-                <a:effectLst/>
-                <a:highlight>
-                  <a:srgbClr val="FFFF00"/>
-                </a:highlight>
-                <a:latin typeface="Segoe UI Symbol" panose="020B0502040204020203" pitchFamily="34" charset="0"/>
-                <a:ea typeface="Times New Roman" panose="02020603050405020304" pitchFamily="18" charset="0"/>
-                <a:cs typeface="B Nazanin" panose="00000400000000000000" pitchFamily="2" charset="-78"/>
-              </a:rPr>
-              <a:t>MATCH</a:t>
-            </a:r>
-            <a:endParaRPr lang="en-US" sz="1400" b="1" dirty="0">
-              <a:effectLst/>
-              <a:highlight>
-                <a:srgbClr val="FFFF00"/>
-              </a:highlight>
-              <a:latin typeface="Times New Roman" panose="02020603050405020304" pitchFamily="18" charset="0"/>
-              <a:ea typeface="Times New Roman" panose="02020603050405020304" pitchFamily="18" charset="0"/>
-              <a:cs typeface="B Nazanin" panose="00000400000000000000" pitchFamily="2" charset="-78"/>
-            </a:endParaRPr>
-          </a:p>
-          <a:p>
-            <a:pPr marL="0" marR="0" indent="0" algn="justLow" rtl="0">
-              <a:lnSpc>
-                <a:spcPct val="124000"/>
-              </a:lnSpc>
-              <a:spcBef>
-                <a:spcPts val="0"/>
-              </a:spcBef>
-              <a:spcAft>
-                <a:spcPts val="0"/>
-              </a:spcAft>
-              <a:buNone/>
-            </a:pPr>
-            <a:r>
-              <a:rPr lang="en-US" sz="1400" b="1" dirty="0">
-                <a:solidFill>
-                  <a:srgbClr val="0D0D0D"/>
-                </a:solidFill>
-                <a:effectLst/>
-                <a:highlight>
-                  <a:srgbClr val="FFFF00"/>
-                </a:highlight>
-                <a:latin typeface="Segoe UI Symbol" panose="020B0502040204020203" pitchFamily="34" charset="0"/>
-                <a:ea typeface="Times New Roman" panose="02020603050405020304" pitchFamily="18" charset="0"/>
-                <a:cs typeface="B Nazanin" panose="00000400000000000000" pitchFamily="2" charset="-78"/>
-              </a:rPr>
-              <a:t>(</a:t>
-            </a:r>
-            <a:r>
-              <a:rPr lang="en-US" sz="1400" b="1" dirty="0" err="1">
-                <a:solidFill>
-                  <a:srgbClr val="0D0D0D"/>
-                </a:solidFill>
-                <a:effectLst/>
-                <a:highlight>
-                  <a:srgbClr val="FFFF00"/>
-                </a:highlight>
-                <a:latin typeface="Segoe UI Symbol" panose="020B0502040204020203" pitchFamily="34" charset="0"/>
-                <a:ea typeface="Times New Roman" panose="02020603050405020304" pitchFamily="18" charset="0"/>
-                <a:cs typeface="B Nazanin" panose="00000400000000000000" pitchFamily="2" charset="-78"/>
-              </a:rPr>
-              <a:t>address_from</a:t>
-            </a:r>
-            <a:r>
-              <a:rPr lang="en-US" sz="1400" b="1" dirty="0">
-                <a:solidFill>
-                  <a:srgbClr val="0D0D0D"/>
-                </a:solidFill>
-                <a:effectLst/>
-                <a:highlight>
-                  <a:srgbClr val="FFFF00"/>
-                </a:highlight>
-                <a:latin typeface="Segoe UI Symbol" panose="020B0502040204020203" pitchFamily="34" charset="0"/>
-                <a:ea typeface="Times New Roman" panose="02020603050405020304" pitchFamily="18" charset="0"/>
-                <a:cs typeface="B Nazanin" panose="00000400000000000000" pitchFamily="2" charset="-78"/>
-              </a:rPr>
-              <a:t>),</a:t>
-            </a:r>
-            <a:endParaRPr lang="en-US" sz="1400" b="1" dirty="0">
-              <a:effectLst/>
-              <a:highlight>
-                <a:srgbClr val="FFFF00"/>
-              </a:highlight>
-              <a:latin typeface="Times New Roman" panose="02020603050405020304" pitchFamily="18" charset="0"/>
-              <a:ea typeface="Times New Roman" panose="02020603050405020304" pitchFamily="18" charset="0"/>
-              <a:cs typeface="B Nazanin" panose="00000400000000000000" pitchFamily="2" charset="-78"/>
-            </a:endParaRPr>
-          </a:p>
-          <a:p>
-            <a:pPr marL="0" marR="0" indent="0" algn="justLow" rtl="0">
-              <a:lnSpc>
-                <a:spcPct val="124000"/>
-              </a:lnSpc>
-              <a:spcBef>
-                <a:spcPts val="0"/>
-              </a:spcBef>
-              <a:spcAft>
-                <a:spcPts val="0"/>
-              </a:spcAft>
-              <a:buNone/>
-            </a:pPr>
-            <a:r>
-              <a:rPr lang="en-US" sz="1400" b="1" dirty="0">
-                <a:solidFill>
-                  <a:srgbClr val="0D0D0D"/>
-                </a:solidFill>
-                <a:effectLst/>
-                <a:highlight>
-                  <a:srgbClr val="FFFF00"/>
-                </a:highlight>
-                <a:latin typeface="Segoe UI Symbol" panose="020B0502040204020203" pitchFamily="34" charset="0"/>
-                <a:ea typeface="Times New Roman" panose="02020603050405020304" pitchFamily="18" charset="0"/>
-                <a:cs typeface="B Nazanin" panose="00000400000000000000" pitchFamily="2" charset="-78"/>
-              </a:rPr>
-              <a:t>(</a:t>
-            </a:r>
-            <a:r>
-              <a:rPr lang="en-US" sz="1400" b="1" dirty="0" err="1">
-                <a:solidFill>
-                  <a:srgbClr val="0D0D0D"/>
-                </a:solidFill>
-                <a:effectLst/>
-                <a:highlight>
-                  <a:srgbClr val="FFFF00"/>
-                </a:highlight>
-                <a:latin typeface="Segoe UI Symbol" panose="020B0502040204020203" pitchFamily="34" charset="0"/>
-                <a:ea typeface="Times New Roman" panose="02020603050405020304" pitchFamily="18" charset="0"/>
-                <a:cs typeface="B Nazanin" panose="00000400000000000000" pitchFamily="2" charset="-78"/>
-              </a:rPr>
-              <a:t>address_to</a:t>
-            </a:r>
-            <a:r>
-              <a:rPr lang="en-US" sz="1400" b="1" dirty="0">
-                <a:solidFill>
-                  <a:srgbClr val="0D0D0D"/>
-                </a:solidFill>
-                <a:effectLst/>
-                <a:highlight>
-                  <a:srgbClr val="FFFF00"/>
-                </a:highlight>
-                <a:latin typeface="Segoe UI Symbol" panose="020B0502040204020203" pitchFamily="34" charset="0"/>
-                <a:ea typeface="Times New Roman" panose="02020603050405020304" pitchFamily="18" charset="0"/>
-                <a:cs typeface="B Nazanin" panose="00000400000000000000" pitchFamily="2" charset="-78"/>
-              </a:rPr>
-              <a:t>) </a:t>
-            </a:r>
-            <a:endParaRPr lang="en-US" sz="1400" b="1" dirty="0">
-              <a:effectLst/>
-              <a:highlight>
-                <a:srgbClr val="FFFF00"/>
-              </a:highlight>
-              <a:latin typeface="Times New Roman" panose="02020603050405020304" pitchFamily="18" charset="0"/>
-              <a:ea typeface="Times New Roman" panose="02020603050405020304" pitchFamily="18" charset="0"/>
-              <a:cs typeface="B Nazanin" panose="00000400000000000000" pitchFamily="2" charset="-78"/>
-            </a:endParaRPr>
-          </a:p>
-          <a:p>
-            <a:pPr marL="0" marR="0" indent="0" algn="justLow" rtl="0">
-              <a:lnSpc>
-                <a:spcPct val="124000"/>
-              </a:lnSpc>
-              <a:spcBef>
-                <a:spcPts val="0"/>
-              </a:spcBef>
-              <a:spcAft>
-                <a:spcPts val="0"/>
-              </a:spcAft>
-              <a:buNone/>
-            </a:pPr>
-            <a:r>
-              <a:rPr lang="en-US" sz="1400" b="1" dirty="0">
-                <a:solidFill>
-                  <a:srgbClr val="0D0D0D"/>
-                </a:solidFill>
-                <a:effectLst/>
-                <a:highlight>
-                  <a:srgbClr val="FFFF00"/>
-                </a:highlight>
-                <a:latin typeface="Segoe UI Symbol" panose="020B0502040204020203" pitchFamily="34" charset="0"/>
-                <a:ea typeface="Times New Roman" panose="02020603050405020304" pitchFamily="18" charset="0"/>
-                <a:cs typeface="B Nazanin" panose="00000400000000000000" pitchFamily="2" charset="-78"/>
-              </a:rPr>
-              <a:t>p = Path(</a:t>
-            </a:r>
-            <a:r>
-              <a:rPr lang="en-US" sz="1400" b="1" dirty="0" err="1">
-                <a:solidFill>
-                  <a:srgbClr val="0D0D0D"/>
-                </a:solidFill>
-                <a:effectLst/>
-                <a:highlight>
-                  <a:srgbClr val="FFFF00"/>
-                </a:highlight>
-                <a:latin typeface="Segoe UI Symbol" panose="020B0502040204020203" pitchFamily="34" charset="0"/>
-                <a:ea typeface="Times New Roman" panose="02020603050405020304" pitchFamily="18" charset="0"/>
-                <a:cs typeface="B Nazanin" panose="00000400000000000000" pitchFamily="2" charset="-78"/>
-              </a:rPr>
-              <a:t>address_from</a:t>
-            </a:r>
-            <a:r>
-              <a:rPr lang="en-US" sz="1400" b="1" dirty="0">
-                <a:solidFill>
-                  <a:srgbClr val="0D0D0D"/>
-                </a:solidFill>
-                <a:effectLst/>
-                <a:highlight>
-                  <a:srgbClr val="FFFF00"/>
-                </a:highlight>
-                <a:latin typeface="Segoe UI Symbol" panose="020B0502040204020203" pitchFamily="34" charset="0"/>
-                <a:ea typeface="Times New Roman" panose="02020603050405020304" pitchFamily="18" charset="0"/>
-                <a:cs typeface="B Nazanin" panose="00000400000000000000" pitchFamily="2" charset="-78"/>
-              </a:rPr>
-              <a:t>)-[*]-&gt;( </a:t>
-            </a:r>
-            <a:r>
-              <a:rPr lang="en-US" sz="1400" b="1" dirty="0" err="1">
-                <a:solidFill>
-                  <a:srgbClr val="0D0D0D"/>
-                </a:solidFill>
-                <a:effectLst/>
-                <a:highlight>
-                  <a:srgbClr val="FFFF00"/>
-                </a:highlight>
-                <a:latin typeface="Segoe UI Symbol" panose="020B0502040204020203" pitchFamily="34" charset="0"/>
-                <a:ea typeface="Times New Roman" panose="02020603050405020304" pitchFamily="18" charset="0"/>
-                <a:cs typeface="B Nazanin" panose="00000400000000000000" pitchFamily="2" charset="-78"/>
-              </a:rPr>
-              <a:t>address_to</a:t>
-            </a:r>
-            <a:r>
-              <a:rPr lang="en-US" sz="1400" b="1" dirty="0">
-                <a:solidFill>
-                  <a:srgbClr val="0D0D0D"/>
-                </a:solidFill>
-                <a:effectLst/>
-                <a:highlight>
-                  <a:srgbClr val="FFFF00"/>
-                </a:highlight>
-                <a:latin typeface="Segoe UI Symbol" panose="020B0502040204020203" pitchFamily="34" charset="0"/>
-                <a:ea typeface="Times New Roman" panose="02020603050405020304" pitchFamily="18" charset="0"/>
-                <a:cs typeface="B Nazanin" panose="00000400000000000000" pitchFamily="2" charset="-78"/>
-              </a:rPr>
-              <a:t>)  RETURN p</a:t>
-            </a:r>
-            <a:endParaRPr lang="en-US" sz="1400" b="1" dirty="0">
-              <a:effectLst/>
-              <a:highlight>
-                <a:srgbClr val="FFFF00"/>
-              </a:highlight>
-              <a:latin typeface="Times New Roman" panose="02020603050405020304" pitchFamily="18" charset="0"/>
-              <a:ea typeface="Times New Roman" panose="02020603050405020304" pitchFamily="18" charset="0"/>
-              <a:cs typeface="B Nazanin" panose="00000400000000000000" pitchFamily="2" charset="-78"/>
-            </a:endParaRPr>
-          </a:p>
-        </p:txBody>
-      </p:sp>
-      <p:pic>
-        <p:nvPicPr>
-          <p:cNvPr id="8194" name="Picture 1">
-            <a:extLst>
-              <a:ext uri="{FF2B5EF4-FFF2-40B4-BE49-F238E27FC236}">
-                <a16:creationId xmlns:a16="http://schemas.microsoft.com/office/drawing/2014/main" id="{CE1B1A67-7EB1-445A-6A03-2EB7B570E049}"/>
-              </a:ext>
-            </a:extLst>
-          </p:cNvPr>
-          <p:cNvPicPr>
-            <a:picLocks noChangeAspect="1" noChangeArrowheads="1"/>
-          </p:cNvPicPr>
-          <p:nvPr/>
-        </p:nvPicPr>
-        <p:blipFill>
-          <a:blip r:embed="rId2">
-            <a:extLst>
-              <a:ext uri="{28A0092B-C50C-407E-A947-70E740481C1C}">
-                <a14:useLocalDpi xmlns:a14="http://schemas.microsoft.com/office/drawing/2010/main" val="0"/>
-              </a:ext>
-            </a:extLst>
-          </a:blip>
-          <a:srcRect/>
-          <a:stretch>
-            <a:fillRect/>
-          </a:stretch>
-        </p:blipFill>
-        <p:spPr bwMode="auto">
-          <a:xfrm>
-            <a:off x="3243263" y="3070225"/>
-            <a:ext cx="5038725" cy="3544443"/>
-          </a:xfrm>
-          <a:prstGeom prst="rect">
-            <a:avLst/>
-          </a:prstGeom>
-          <a:noFill/>
-          <a:ln>
-            <a:noFill/>
-          </a:ln>
-          <a:extLst>
-            <a:ext uri="{909E8E84-426E-40DD-AFC4-6F175D3DCCD1}">
-              <a14:hiddenFill xmlns:a14="http://schemas.microsoft.com/office/drawing/2010/main">
-                <a:solidFill>
-                  <a:srgbClr val="FFFFFF"/>
-                </a:solidFill>
-              </a14:hiddenFill>
-            </a:ext>
-            <a:ext uri="{91240B29-F687-4F45-9708-019B960494DF}">
-              <a14:hiddenLine xmlns:a14="http://schemas.microsoft.com/office/drawing/2010/main" w="9525">
-                <a:solidFill>
-                  <a:srgbClr val="000000"/>
-                </a:solidFill>
-                <a:miter lim="800000"/>
-                <a:headEnd/>
-                <a:tailEnd/>
-              </a14:hiddenLine>
-            </a:ext>
-          </a:extLst>
-        </p:spPr>
-      </p:pic>
-    </p:spTree>
-    <p:extLst>
-      <p:ext uri="{BB962C8B-B14F-4D97-AF65-F5344CB8AC3E}">
-        <p14:creationId xmlns:p14="http://schemas.microsoft.com/office/powerpoint/2010/main" val="3376554392"/>
-      </p:ext>
-    </p:extLst>
-  </p:cSld>
-  <p:clrMapOvr>
-    <a:masterClrMapping/>
-  </p:clrMapOvr>
-</p:sld>
-</file>
-
-<file path=ppt/slides/slide15.xml><?xml version="1.0" encoding="utf-8"?>
-<p:sld xmlns:a="http://schemas.openxmlformats.org/drawingml/2006/main" xmlns:r="http://schemas.openxmlformats.org/officeDocument/2006/relationships" xmlns:p="http://schemas.openxmlformats.org/presentationml/2006/main">
-  <p:cSld>
-    <p:spTree>
-      <p:nvGrpSpPr>
-        <p:cNvPr id="1" name=""/>
-        <p:cNvGrpSpPr/>
-        <p:nvPr/>
-      </p:nvGrpSpPr>
-      <p:grpSpPr>
-        <a:xfrm>
-          <a:off x="0" y="0"/>
-          <a:ext cx="0" cy="0"/>
-          <a:chOff x="0" y="0"/>
-          <a:chExt cx="0" cy="0"/>
-        </a:xfrm>
-      </p:grpSpPr>
-      <p:sp>
-        <p:nvSpPr>
-          <p:cNvPr id="2" name="Title 1">
-            <a:extLst>
-              <a:ext uri="{FF2B5EF4-FFF2-40B4-BE49-F238E27FC236}">
-                <a16:creationId xmlns:a16="http://schemas.microsoft.com/office/drawing/2014/main" id="{A46B84DA-FBC5-E38B-BC20-6A97B4730EAC}"/>
-              </a:ext>
-            </a:extLst>
-          </p:cNvPr>
-          <p:cNvSpPr>
-            <a:spLocks noGrp="1"/>
-          </p:cNvSpPr>
-          <p:nvPr>
-            <p:ph type="title"/>
-          </p:nvPr>
-        </p:nvSpPr>
-        <p:spPr>
-          <a:xfrm>
-            <a:off x="1069848" y="484632"/>
-            <a:ext cx="10058400" cy="1242568"/>
-          </a:xfrm>
-        </p:spPr>
-        <p:txBody>
-          <a:bodyPr>
-            <a:normAutofit/>
-          </a:bodyPr>
-          <a:lstStyle/>
-          <a:p>
-            <a:pPr algn="ctr"/>
-            <a:r>
-              <a:rPr lang="en-US" sz="3200" dirty="0"/>
-              <a:t>References</a:t>
-            </a:r>
-          </a:p>
-        </p:txBody>
-      </p:sp>
-      <p:sp>
-        <p:nvSpPr>
-          <p:cNvPr id="3" name="Content Placeholder 2">
-            <a:extLst>
-              <a:ext uri="{FF2B5EF4-FFF2-40B4-BE49-F238E27FC236}">
-                <a16:creationId xmlns:a16="http://schemas.microsoft.com/office/drawing/2014/main" id="{A7CBB626-556D-78B3-F626-774BDF992CF6}"/>
-              </a:ext>
-            </a:extLst>
-          </p:cNvPr>
-          <p:cNvSpPr>
-            <a:spLocks noGrp="1"/>
-          </p:cNvSpPr>
-          <p:nvPr>
-            <p:ph sz="quarter" idx="13"/>
-          </p:nvPr>
-        </p:nvSpPr>
-        <p:spPr>
-          <a:xfrm>
-            <a:off x="913774" y="1727200"/>
-            <a:ext cx="10363826" cy="4063999"/>
-          </a:xfrm>
-        </p:spPr>
-        <p:txBody>
-          <a:bodyPr/>
-          <a:lstStyle/>
-          <a:p>
-            <a:endParaRPr lang="en-US" dirty="0"/>
-          </a:p>
-        </p:txBody>
-      </p:sp>
-    </p:spTree>
-    <p:extLst>
-      <p:ext uri="{BB962C8B-B14F-4D97-AF65-F5344CB8AC3E}">
-        <p14:creationId xmlns:p14="http://schemas.microsoft.com/office/powerpoint/2010/main" val="3303618452"/>
-      </p:ext>
-    </p:extLst>
-  </p:cSld>
-  <p:clrMapOvr>
-    <a:masterClrMapping/>
-  </p:clrMapOvr>
-</p:sld>
-</file>
-
-<file path=ppt/slides/slide2.xml><?xml version="1.0" encoding="utf-8"?>
-<p:sld xmlns:a="http://schemas.openxmlformats.org/drawingml/2006/main" xmlns:r="http://schemas.openxmlformats.org/officeDocument/2006/relationships" xmlns:p="http://schemas.openxmlformats.org/presentationml/2006/main">
-  <p:cSld>
-    <p:spTree>
-      <p:nvGrpSpPr>
-        <p:cNvPr id="1" name=""/>
-        <p:cNvGrpSpPr/>
-        <p:nvPr/>
-      </p:nvGrpSpPr>
-      <p:grpSpPr>
-        <a:xfrm>
-          <a:off x="0" y="0"/>
-          <a:ext cx="0" cy="0"/>
-          <a:chOff x="0" y="0"/>
-          <a:chExt cx="0" cy="0"/>
-        </a:xfrm>
-      </p:grpSpPr>
-      <p:sp>
-        <p:nvSpPr>
-          <p:cNvPr id="2" name="Title 1">
-            <a:extLst>
-              <a:ext uri="{FF2B5EF4-FFF2-40B4-BE49-F238E27FC236}">
-                <a16:creationId xmlns:a16="http://schemas.microsoft.com/office/drawing/2014/main" id="{8427413E-D74B-B83F-0BF9-E196E5C21BC7}"/>
-              </a:ext>
-            </a:extLst>
-          </p:cNvPr>
-          <p:cNvSpPr>
-            <a:spLocks noGrp="1"/>
-          </p:cNvSpPr>
-          <p:nvPr>
-            <p:ph type="title"/>
-          </p:nvPr>
-        </p:nvSpPr>
-        <p:spPr>
-          <a:xfrm>
-            <a:off x="1069848" y="484632"/>
-            <a:ext cx="10207752" cy="886968"/>
-          </a:xfrm>
-        </p:spPr>
-        <p:txBody>
-          <a:bodyPr>
-            <a:normAutofit/>
-          </a:bodyPr>
-          <a:lstStyle/>
-          <a:p>
-            <a:pPr algn="ctr"/>
-            <a:r>
-              <a:rPr lang="en-US" sz="3200" dirty="0" err="1"/>
-              <a:t>blochchain</a:t>
-            </a:r>
-            <a:endParaRPr lang="en-US" sz="3200" dirty="0"/>
-          </a:p>
-        </p:txBody>
-      </p:sp>
-      <p:sp>
-        <p:nvSpPr>
-          <p:cNvPr id="3" name="Content Placeholder 2">
-            <a:extLst>
-              <a:ext uri="{FF2B5EF4-FFF2-40B4-BE49-F238E27FC236}">
-                <a16:creationId xmlns:a16="http://schemas.microsoft.com/office/drawing/2014/main" id="{6509F986-57B3-6CE3-CA49-2BF7C85C778E}"/>
-              </a:ext>
-            </a:extLst>
-          </p:cNvPr>
-          <p:cNvSpPr>
-            <a:spLocks noGrp="1"/>
-          </p:cNvSpPr>
-          <p:nvPr>
-            <p:ph sz="quarter" idx="13"/>
-          </p:nvPr>
-        </p:nvSpPr>
-        <p:spPr>
-          <a:xfrm>
-            <a:off x="913774" y="1498600"/>
-            <a:ext cx="10363826" cy="4292599"/>
-          </a:xfrm>
-        </p:spPr>
-        <p:txBody>
-          <a:bodyPr/>
-          <a:lstStyle/>
-          <a:p>
-            <a:pPr algn="r" rtl="1"/>
-            <a:r>
-              <a:rPr lang="fa-IR" dirty="0"/>
-              <a:t>شبکه غیر متمرکز</a:t>
-            </a:r>
-          </a:p>
-        </p:txBody>
-      </p:sp>
-    </p:spTree>
-    <p:extLst>
-      <p:ext uri="{BB962C8B-B14F-4D97-AF65-F5344CB8AC3E}">
-        <p14:creationId xmlns:p14="http://schemas.microsoft.com/office/powerpoint/2010/main" val="636164389"/>
-      </p:ext>
-    </p:extLst>
-  </p:cSld>
-  <p:clrMapOvr>
-    <a:masterClrMapping/>
-  </p:clrMapOvr>
-</p:sld>
-</file>
-
-<file path=ppt/slides/slide3.xml><?xml version="1.0" encoding="utf-8"?>
-<p:sld xmlns:a="http://schemas.openxmlformats.org/drawingml/2006/main" xmlns:r="http://schemas.openxmlformats.org/officeDocument/2006/relationships" xmlns:p="http://schemas.openxmlformats.org/presentationml/2006/main">
-  <p:cSld>
-    <p:spTree>
-      <p:nvGrpSpPr>
-        <p:cNvPr id="1" name=""/>
-        <p:cNvGrpSpPr/>
-        <p:nvPr/>
-      </p:nvGrpSpPr>
-      <p:grpSpPr>
-        <a:xfrm>
-          <a:off x="0" y="0"/>
-          <a:ext cx="0" cy="0"/>
-          <a:chOff x="0" y="0"/>
-          <a:chExt cx="0" cy="0"/>
-        </a:xfrm>
-      </p:grpSpPr>
-      <p:sp>
-        <p:nvSpPr>
-          <p:cNvPr id="2" name="Title 1">
-            <a:extLst>
-              <a:ext uri="{FF2B5EF4-FFF2-40B4-BE49-F238E27FC236}">
-                <a16:creationId xmlns:a16="http://schemas.microsoft.com/office/drawing/2014/main" id="{CC664C5E-570B-A26F-930C-C09193750465}"/>
-              </a:ext>
-            </a:extLst>
-          </p:cNvPr>
-          <p:cNvSpPr>
-            <a:spLocks noGrp="1"/>
-          </p:cNvSpPr>
-          <p:nvPr>
-            <p:ph type="title"/>
-          </p:nvPr>
-        </p:nvSpPr>
-        <p:spPr>
-          <a:xfrm>
-            <a:off x="1069848" y="484632"/>
-            <a:ext cx="10058400" cy="1077468"/>
-          </a:xfrm>
-        </p:spPr>
-        <p:txBody>
-          <a:bodyPr>
-            <a:normAutofit/>
-          </a:bodyPr>
-          <a:lstStyle/>
-          <a:p>
-            <a:pPr algn="ctr"/>
-            <a:r>
-              <a:rPr lang="en-US" sz="3200" dirty="0"/>
-              <a:t>Anonymous users</a:t>
-            </a:r>
-          </a:p>
-        </p:txBody>
-      </p:sp>
-      <p:sp>
-        <p:nvSpPr>
-          <p:cNvPr id="3" name="Content Placeholder 2">
-            <a:extLst>
-              <a:ext uri="{FF2B5EF4-FFF2-40B4-BE49-F238E27FC236}">
-                <a16:creationId xmlns:a16="http://schemas.microsoft.com/office/drawing/2014/main" id="{4F7D90EB-82C5-A3EC-D4BF-B69A324F7B87}"/>
-              </a:ext>
-            </a:extLst>
-          </p:cNvPr>
-          <p:cNvSpPr>
-            <a:spLocks noGrp="1"/>
-          </p:cNvSpPr>
-          <p:nvPr>
-            <p:ph sz="quarter" idx="13"/>
-          </p:nvPr>
-        </p:nvSpPr>
-        <p:spPr>
-          <a:xfrm>
-            <a:off x="913774" y="1739900"/>
-            <a:ext cx="10363826" cy="4051299"/>
-          </a:xfrm>
-        </p:spPr>
-        <p:txBody>
-          <a:bodyPr/>
-          <a:lstStyle/>
-          <a:p>
-            <a:pPr algn="r" rtl="1"/>
-            <a:r>
-              <a:rPr lang="fa-IR" dirty="0"/>
-              <a:t>کاربران ناشناس تراکنش میزنند و توسط شناسه حساب خود شناخته می شوند</a:t>
-            </a:r>
-          </a:p>
-          <a:p>
-            <a:pPr algn="r" rtl="1"/>
-            <a:r>
-              <a:rPr lang="fa-IR" dirty="0"/>
-              <a:t>معدود </a:t>
-            </a:r>
-            <a:r>
-              <a:rPr lang="en-US" dirty="0"/>
-              <a:t> </a:t>
-            </a:r>
-            <a:r>
-              <a:rPr lang="en-US" dirty="0" err="1"/>
-              <a:t>kyc</a:t>
-            </a:r>
-            <a:r>
-              <a:rPr lang="fa-IR" dirty="0"/>
-              <a:t> کاربران با سطح پایین توسط سازمان های ارائه دهنده خدمت مثلا صرافی ها</a:t>
-            </a:r>
-          </a:p>
-          <a:p>
-            <a:pPr algn="r" rtl="1"/>
-            <a:r>
-              <a:rPr lang="fa-IR" dirty="0"/>
-              <a:t>امکان انجام تراکنش با واسطه در بلاکچین</a:t>
-            </a:r>
-          </a:p>
-          <a:p>
-            <a:pPr marL="0" indent="0" algn="r" rtl="1">
-              <a:buNone/>
-            </a:pPr>
-            <a:endParaRPr lang="en-US" dirty="0"/>
-          </a:p>
-        </p:txBody>
-      </p:sp>
-      <p:sp>
-        <p:nvSpPr>
-          <p:cNvPr id="5" name="Rectangle 1">
-            <a:extLst>
-              <a:ext uri="{FF2B5EF4-FFF2-40B4-BE49-F238E27FC236}">
-                <a16:creationId xmlns:a16="http://schemas.microsoft.com/office/drawing/2014/main" id="{FBDC0C5D-56BD-90F3-38D5-CF674ECE2E4F}"/>
-              </a:ext>
-            </a:extLst>
-          </p:cNvPr>
-          <p:cNvSpPr>
-            <a:spLocks noChangeArrowheads="1"/>
-          </p:cNvSpPr>
-          <p:nvPr/>
-        </p:nvSpPr>
-        <p:spPr bwMode="auto">
-          <a:xfrm>
-            <a:off x="-724199" y="2907665"/>
-            <a:ext cx="14596954" cy="457200"/>
-          </a:xfrm>
-          <a:prstGeom prst="rect">
-            <a:avLst/>
-          </a:prstGeom>
-          <a:noFill/>
-          <a:ln>
-            <a:noFill/>
-          </a:ln>
-          <a:effectLst/>
-          <a:extLst>
-            <a:ext uri="{909E8E84-426E-40DD-AFC4-6F175D3DCCD1}">
-              <a14:hiddenFill xmlns:a14="http://schemas.microsoft.com/office/drawing/2010/main">
-                <a:solidFill>
-                  <a:schemeClr val="accent1"/>
-                </a:solidFill>
-              </a14:hiddenFill>
-            </a:ext>
-            <a:ext uri="{91240B29-F687-4F45-9708-019B960494DF}">
-              <a14:hiddenLine xmlns:a14="http://schemas.microsoft.com/office/drawing/2010/main" w="9525">
-                <a:solidFill>
-                  <a:schemeClr val="tx1"/>
-                </a:solidFill>
-                <a:miter lim="800000"/>
-                <a:headEnd/>
-                <a:tailEnd/>
-              </a14:hiddenLine>
-            </a:ext>
-            <a:ext uri="{AF507438-7753-43E0-B8FC-AC1667EBCBE1}">
-              <a14:hiddenEffects xmlns:a14="http://schemas.microsoft.com/office/drawing/2010/main">
-                <a:effectLst>
-                  <a:outerShdw dist="35921" dir="2700000" algn="ctr" rotWithShape="0">
-                    <a:schemeClr val="bg2"/>
-                  </a:outerShdw>
-                </a:effectLst>
-              </a14:hiddenEffects>
-            </a:ext>
-          </a:extLst>
-        </p:spPr>
-        <p:txBody>
-          <a:bodyPr vert="horz" wrap="square" lIns="91440" tIns="45720" rIns="91440" bIns="45720" numCol="1" anchor="ctr" anchorCtr="0" compatLnSpc="1">
-            <a:prstTxWarp prst="textNoShape">
-              <a:avLst/>
-            </a:prstTxWarp>
-            <a:spAutoFit/>
-          </a:bodyPr>
-          <a:lstStyle/>
-          <a:p>
-            <a:endParaRPr lang="en-US"/>
-          </a:p>
-        </p:txBody>
-      </p:sp>
-    </p:spTree>
-    <p:extLst>
-      <p:ext uri="{BB962C8B-B14F-4D97-AF65-F5344CB8AC3E}">
-        <p14:creationId xmlns:p14="http://schemas.microsoft.com/office/powerpoint/2010/main" val="1214090925"/>
-      </p:ext>
-    </p:extLst>
-  </p:cSld>
-  <p:clrMapOvr>
-    <a:masterClrMapping/>
-  </p:clrMapOvr>
-</p:sld>
-</file>
-
-<file path=ppt/slides/slide4.xml><?xml version="1.0" encoding="utf-8"?>
-<p:sld xmlns:a="http://schemas.openxmlformats.org/drawingml/2006/main" xmlns:r="http://schemas.openxmlformats.org/officeDocument/2006/relationships" xmlns:p="http://schemas.openxmlformats.org/presentationml/2006/main">
-  <p:cSld>
-    <p:spTree>
-      <p:nvGrpSpPr>
-        <p:cNvPr id="1" name=""/>
-        <p:cNvGrpSpPr/>
-        <p:nvPr/>
-      </p:nvGrpSpPr>
-      <p:grpSpPr>
-        <a:xfrm>
-          <a:off x="0" y="0"/>
-          <a:ext cx="0" cy="0"/>
-          <a:chOff x="0" y="0"/>
-          <a:chExt cx="0" cy="0"/>
-        </a:xfrm>
-      </p:grpSpPr>
-      <p:sp>
-        <p:nvSpPr>
-          <p:cNvPr id="2" name="Title 1">
-            <a:extLst>
-              <a:ext uri="{FF2B5EF4-FFF2-40B4-BE49-F238E27FC236}">
-                <a16:creationId xmlns:a16="http://schemas.microsoft.com/office/drawing/2014/main" id="{57E3CAEF-5B1F-948D-AEEE-AAFA91FE174C}"/>
-              </a:ext>
-            </a:extLst>
-          </p:cNvPr>
-          <p:cNvSpPr>
-            <a:spLocks noGrp="1"/>
-          </p:cNvSpPr>
-          <p:nvPr>
-            <p:ph type="title"/>
-          </p:nvPr>
-        </p:nvSpPr>
-        <p:spPr>
-          <a:xfrm>
-            <a:off x="1069848" y="484632"/>
-            <a:ext cx="10058400" cy="721868"/>
-          </a:xfrm>
-        </p:spPr>
-        <p:txBody>
-          <a:bodyPr>
-            <a:normAutofit/>
-          </a:bodyPr>
-          <a:lstStyle/>
-          <a:p>
-            <a:pPr algn="ctr"/>
-            <a:r>
-              <a:rPr lang="en-US" sz="3200" dirty="0"/>
-              <a:t>Stellar blockchain</a:t>
-            </a:r>
-          </a:p>
-        </p:txBody>
-      </p:sp>
-      <p:sp>
-        <p:nvSpPr>
-          <p:cNvPr id="3" name="Content Placeholder 2">
-            <a:extLst>
-              <a:ext uri="{FF2B5EF4-FFF2-40B4-BE49-F238E27FC236}">
-                <a16:creationId xmlns:a16="http://schemas.microsoft.com/office/drawing/2014/main" id="{18009C18-8E33-45ED-D083-5DE6D6DA7539}"/>
-              </a:ext>
-            </a:extLst>
-          </p:cNvPr>
-          <p:cNvSpPr>
-            <a:spLocks noGrp="1"/>
-          </p:cNvSpPr>
-          <p:nvPr>
-            <p:ph sz="quarter" idx="13"/>
-          </p:nvPr>
-        </p:nvSpPr>
-        <p:spPr>
-          <a:xfrm>
-            <a:off x="913774" y="1358900"/>
-            <a:ext cx="10363826" cy="1070791"/>
-          </a:xfrm>
-        </p:spPr>
-        <p:txBody>
-          <a:bodyPr/>
-          <a:lstStyle/>
-          <a:p>
-            <a:pPr algn="r" rtl="1"/>
-            <a:r>
-              <a:rPr lang="fa-IR" dirty="0"/>
-              <a:t>ما شبکه استلار رو انتخاب کردیم زیرا شبکه ای است با پیچیدگی بالا و وجود عملیات ها و روابط متعدد بین کاربران خود</a:t>
-            </a:r>
-          </a:p>
-          <a:p>
-            <a:pPr algn="r" rtl="1"/>
-            <a:r>
-              <a:rPr lang="fa-IR" dirty="0"/>
-              <a:t>لیست عملیات ها بین کاربران</a:t>
-            </a:r>
-          </a:p>
-          <a:p>
-            <a:pPr algn="r" rtl="1"/>
-            <a:endParaRPr lang="en-US" dirty="0"/>
-          </a:p>
-        </p:txBody>
-      </p:sp>
-      <p:graphicFrame>
-        <p:nvGraphicFramePr>
-          <p:cNvPr id="4" name="Table 3">
-            <a:extLst>
-              <a:ext uri="{FF2B5EF4-FFF2-40B4-BE49-F238E27FC236}">
-                <a16:creationId xmlns:a16="http://schemas.microsoft.com/office/drawing/2014/main" id="{0384D450-442B-266E-9D8D-462187562827}"/>
-              </a:ext>
-            </a:extLst>
-          </p:cNvPr>
-          <p:cNvGraphicFramePr>
-            <a:graphicFrameLocks noGrp="1"/>
-          </p:cNvGraphicFramePr>
-          <p:nvPr>
-            <p:extLst>
-              <p:ext uri="{D42A27DB-BD31-4B8C-83A1-F6EECF244321}">
-                <p14:modId xmlns:p14="http://schemas.microsoft.com/office/powerpoint/2010/main" val="3941284031"/>
-              </p:ext>
-            </p:extLst>
-          </p:nvPr>
-        </p:nvGraphicFramePr>
-        <p:xfrm>
-          <a:off x="1448285" y="2524445"/>
-          <a:ext cx="9294804" cy="4201669"/>
-        </p:xfrm>
-        <a:graphic>
-          <a:graphicData uri="http://schemas.openxmlformats.org/drawingml/2006/table">
-            <a:tbl>
-              <a:tblPr rtl="1" firstRow="1" firstCol="1" bandRow="1">
-                <a:tableStyleId>{5C22544A-7EE6-4342-B048-85BDC9FD1C3A}</a:tableStyleId>
-              </a:tblPr>
-              <a:tblGrid>
-                <a:gridCol w="2243178">
-                  <a:extLst>
-                    <a:ext uri="{9D8B030D-6E8A-4147-A177-3AD203B41FA5}">
-                      <a16:colId xmlns:a16="http://schemas.microsoft.com/office/drawing/2014/main" val="2464390246"/>
-                    </a:ext>
-                  </a:extLst>
-                </a:gridCol>
-                <a:gridCol w="7051626">
-                  <a:extLst>
-                    <a:ext uri="{9D8B030D-6E8A-4147-A177-3AD203B41FA5}">
-                      <a16:colId xmlns:a16="http://schemas.microsoft.com/office/drawing/2014/main" val="595447565"/>
-                    </a:ext>
-                  </a:extLst>
-                </a:gridCol>
-              </a:tblGrid>
-              <a:tr h="248959">
-                <a:tc>
-                  <a:txBody>
-                    <a:bodyPr/>
-                    <a:lstStyle/>
-                    <a:p>
-                      <a:pPr marL="0" marR="0" indent="0" algn="ctr" rtl="1">
-                        <a:lnSpc>
-                          <a:spcPct val="124000"/>
-                        </a:lnSpc>
-                        <a:spcBef>
-                          <a:spcPts val="0"/>
-                        </a:spcBef>
-                        <a:spcAft>
-                          <a:spcPts val="0"/>
-                        </a:spcAft>
-                      </a:pPr>
-                      <a:r>
-                        <a:rPr lang="fa-IR" sz="1200" dirty="0">
-                          <a:effectLst/>
-                        </a:rPr>
-                        <a:t>نوع عملیات</a:t>
-                      </a:r>
-                      <a:endParaRPr lang="en-US" sz="1200" dirty="0">
-                        <a:effectLst/>
-                        <a:latin typeface="Times New Roman" panose="02020603050405020304" pitchFamily="18" charset="0"/>
-                        <a:ea typeface="Times New Roman" panose="02020603050405020304" pitchFamily="18" charset="0"/>
-                        <a:cs typeface="B Nazanin" panose="00000400000000000000" pitchFamily="2" charset="-78"/>
-                      </a:endParaRPr>
-                    </a:p>
-                  </a:txBody>
-                  <a:tcPr marL="68580" marR="68580" marT="0" marB="0"/>
-                </a:tc>
-                <a:tc>
-                  <a:txBody>
-                    <a:bodyPr/>
-                    <a:lstStyle/>
-                    <a:p>
-                      <a:pPr marL="0" marR="0" indent="0" algn="ctr" rtl="1">
-                        <a:lnSpc>
-                          <a:spcPct val="124000"/>
-                        </a:lnSpc>
-                        <a:spcBef>
-                          <a:spcPts val="0"/>
-                        </a:spcBef>
-                        <a:spcAft>
-                          <a:spcPts val="0"/>
-                        </a:spcAft>
-                      </a:pPr>
-                      <a:r>
-                        <a:rPr lang="fa-IR" sz="1200">
-                          <a:effectLst/>
-                        </a:rPr>
-                        <a:t>فعالیت</a:t>
-                      </a:r>
-                      <a:endParaRPr lang="en-US" sz="1200">
-                        <a:effectLst/>
-                        <a:latin typeface="Times New Roman" panose="02020603050405020304" pitchFamily="18" charset="0"/>
-                        <a:ea typeface="Times New Roman" panose="02020603050405020304" pitchFamily="18" charset="0"/>
-                        <a:cs typeface="B Nazanin" panose="00000400000000000000" pitchFamily="2" charset="-78"/>
-                      </a:endParaRPr>
-                    </a:p>
-                  </a:txBody>
-                  <a:tcPr marL="68580" marR="68580" marT="0" marB="0"/>
-                </a:tc>
-                <a:extLst>
-                  <a:ext uri="{0D108BD9-81ED-4DB2-BD59-A6C34878D82A}">
-                    <a16:rowId xmlns:a16="http://schemas.microsoft.com/office/drawing/2014/main" val="708044761"/>
-                  </a:ext>
-                </a:extLst>
-              </a:tr>
-              <a:tr h="458323">
-                <a:tc>
-                  <a:txBody>
-                    <a:bodyPr/>
-                    <a:lstStyle/>
-                    <a:p>
-                      <a:pPr marL="342900" marR="0" lvl="0" indent="-342900" algn="r" rtl="1">
-                        <a:lnSpc>
-                          <a:spcPct val="124000"/>
-                        </a:lnSpc>
-                        <a:spcBef>
-                          <a:spcPts val="0"/>
-                        </a:spcBef>
-                        <a:spcAft>
-                          <a:spcPts val="0"/>
-                        </a:spcAft>
-                        <a:buFont typeface="Wingdings" panose="05000000000000000000" pitchFamily="2" charset="2"/>
-                        <a:buChar char=""/>
-                      </a:pPr>
-                      <a:r>
-                        <a:rPr lang="en-US" sz="1200">
-                          <a:effectLst/>
-                        </a:rPr>
-                        <a:t>CreateAccount</a:t>
-                      </a:r>
-                      <a:endParaRPr lang="en-US" sz="1200">
-                        <a:effectLst/>
-                        <a:latin typeface="Times New Roman" panose="02020603050405020304" pitchFamily="18" charset="0"/>
-                        <a:ea typeface="Times New Roman" panose="02020603050405020304" pitchFamily="18" charset="0"/>
-                        <a:cs typeface="B Nazanin" panose="00000400000000000000" pitchFamily="2" charset="-78"/>
-                      </a:endParaRPr>
-                    </a:p>
-                  </a:txBody>
-                  <a:tcPr marL="68580" marR="68580" marT="0" marB="0"/>
-                </a:tc>
-                <a:tc>
-                  <a:txBody>
-                    <a:bodyPr/>
-                    <a:lstStyle/>
-                    <a:p>
-                      <a:pPr marL="0" marR="0" indent="0" algn="ctr" rtl="1">
-                        <a:lnSpc>
-                          <a:spcPct val="124000"/>
-                        </a:lnSpc>
-                        <a:spcBef>
-                          <a:spcPts val="0"/>
-                        </a:spcBef>
-                        <a:spcAft>
-                          <a:spcPts val="0"/>
-                        </a:spcAft>
-                      </a:pPr>
-                      <a:r>
-                        <a:rPr lang="fa-IR" sz="1200">
-                          <a:effectLst/>
-                        </a:rPr>
-                        <a:t>ورودی دفتر حساب جدید را ایجاد و تأمین مالی کنید</a:t>
-                      </a:r>
-                      <a:endParaRPr lang="en-US" sz="1200">
-                        <a:effectLst/>
-                        <a:latin typeface="Times New Roman" panose="02020603050405020304" pitchFamily="18" charset="0"/>
-                        <a:ea typeface="Times New Roman" panose="02020603050405020304" pitchFamily="18" charset="0"/>
-                        <a:cs typeface="B Nazanin" panose="00000400000000000000" pitchFamily="2" charset="-78"/>
-                      </a:endParaRPr>
-                    </a:p>
-                  </a:txBody>
-                  <a:tcPr marL="68580" marR="68580" marT="0" marB="0"/>
-                </a:tc>
-                <a:extLst>
-                  <a:ext uri="{0D108BD9-81ED-4DB2-BD59-A6C34878D82A}">
-                    <a16:rowId xmlns:a16="http://schemas.microsoft.com/office/drawing/2014/main" val="957889179"/>
-                  </a:ext>
-                </a:extLst>
-              </a:tr>
-              <a:tr h="458323">
-                <a:tc>
-                  <a:txBody>
-                    <a:bodyPr/>
-                    <a:lstStyle/>
-                    <a:p>
-                      <a:pPr marL="342900" marR="0" lvl="0" indent="-342900" algn="r" rtl="1">
-                        <a:lnSpc>
-                          <a:spcPct val="124000"/>
-                        </a:lnSpc>
-                        <a:spcBef>
-                          <a:spcPts val="0"/>
-                        </a:spcBef>
-                        <a:spcAft>
-                          <a:spcPts val="0"/>
-                        </a:spcAft>
-                        <a:buFont typeface="Wingdings" panose="05000000000000000000" pitchFamily="2" charset="2"/>
-                        <a:buChar char=""/>
-                      </a:pPr>
-                      <a:r>
-                        <a:rPr lang="en-US" sz="1200">
-                          <a:effectLst/>
-                        </a:rPr>
-                        <a:t>AccountMerge</a:t>
-                      </a:r>
-                      <a:endParaRPr lang="en-US" sz="1200">
-                        <a:effectLst/>
-                        <a:latin typeface="Times New Roman" panose="02020603050405020304" pitchFamily="18" charset="0"/>
-                        <a:ea typeface="Times New Roman" panose="02020603050405020304" pitchFamily="18" charset="0"/>
-                        <a:cs typeface="B Nazanin" panose="00000400000000000000" pitchFamily="2" charset="-78"/>
-                      </a:endParaRPr>
-                    </a:p>
-                  </a:txBody>
-                  <a:tcPr marL="68580" marR="68580" marT="0" marB="0"/>
-                </a:tc>
-                <a:tc>
-                  <a:txBody>
-                    <a:bodyPr/>
-                    <a:lstStyle/>
-                    <a:p>
-                      <a:pPr marL="0" marR="0" indent="0" algn="ctr" rtl="1">
-                        <a:lnSpc>
-                          <a:spcPct val="124000"/>
-                        </a:lnSpc>
-                        <a:spcBef>
-                          <a:spcPts val="0"/>
-                        </a:spcBef>
-                        <a:spcAft>
-                          <a:spcPts val="0"/>
-                        </a:spcAft>
-                      </a:pPr>
-                      <a:r>
-                        <a:rPr lang="fa-IR" sz="1200">
-                          <a:effectLst/>
-                        </a:rPr>
-                        <a:t>حذف ورودی دفتر حساب</a:t>
-                      </a:r>
-                      <a:endParaRPr lang="en-US" sz="1200">
-                        <a:effectLst/>
-                        <a:latin typeface="Times New Roman" panose="02020603050405020304" pitchFamily="18" charset="0"/>
-                        <a:ea typeface="Times New Roman" panose="02020603050405020304" pitchFamily="18" charset="0"/>
-                        <a:cs typeface="B Nazanin" panose="00000400000000000000" pitchFamily="2" charset="-78"/>
-                      </a:endParaRPr>
-                    </a:p>
-                  </a:txBody>
-                  <a:tcPr marL="68580" marR="68580" marT="0" marB="0"/>
-                </a:tc>
-                <a:extLst>
-                  <a:ext uri="{0D108BD9-81ED-4DB2-BD59-A6C34878D82A}">
-                    <a16:rowId xmlns:a16="http://schemas.microsoft.com/office/drawing/2014/main" val="1579742977"/>
-                  </a:ext>
-                </a:extLst>
-              </a:tr>
-              <a:tr h="300693">
-                <a:tc>
-                  <a:txBody>
-                    <a:bodyPr/>
-                    <a:lstStyle/>
-                    <a:p>
-                      <a:pPr marL="342900" marR="0" lvl="0" indent="-342900" algn="r" rtl="1">
-                        <a:lnSpc>
-                          <a:spcPct val="124000"/>
-                        </a:lnSpc>
-                        <a:spcBef>
-                          <a:spcPts val="0"/>
-                        </a:spcBef>
-                        <a:spcAft>
-                          <a:spcPts val="0"/>
-                        </a:spcAft>
-                        <a:buFont typeface="Wingdings" panose="05000000000000000000" pitchFamily="2" charset="2"/>
-                        <a:buChar char=""/>
-                      </a:pPr>
-                      <a:r>
-                        <a:rPr lang="en-US" sz="1200" dirty="0" err="1">
-                          <a:effectLst/>
-                        </a:rPr>
-                        <a:t>SetOptions</a:t>
-                      </a:r>
-                      <a:endParaRPr lang="en-US" sz="1200" dirty="0">
-                        <a:effectLst/>
-                        <a:latin typeface="Times New Roman" panose="02020603050405020304" pitchFamily="18" charset="0"/>
-                        <a:ea typeface="Times New Roman" panose="02020603050405020304" pitchFamily="18" charset="0"/>
-                        <a:cs typeface="B Nazanin" panose="00000400000000000000" pitchFamily="2" charset="-78"/>
-                      </a:endParaRPr>
-                    </a:p>
-                  </a:txBody>
-                  <a:tcPr marL="68580" marR="68580" marT="0" marB="0"/>
-                </a:tc>
-                <a:tc>
-                  <a:txBody>
-                    <a:bodyPr/>
-                    <a:lstStyle/>
-                    <a:p>
-                      <a:pPr marL="0" marR="0" indent="0" algn="ctr" rtl="1">
-                        <a:lnSpc>
-                          <a:spcPct val="124000"/>
-                        </a:lnSpc>
-                        <a:spcBef>
-                          <a:spcPts val="0"/>
-                        </a:spcBef>
-                        <a:spcAft>
-                          <a:spcPts val="0"/>
-                        </a:spcAft>
-                      </a:pPr>
-                      <a:r>
-                        <a:rPr lang="fa-IR" sz="1200">
-                          <a:effectLst/>
-                        </a:rPr>
-                        <a:t>پرچم‌ها و امضاکنندگان حساب را تغییر دهید</a:t>
-                      </a:r>
-                      <a:endParaRPr lang="en-US" sz="1200">
-                        <a:effectLst/>
-                        <a:latin typeface="Times New Roman" panose="02020603050405020304" pitchFamily="18" charset="0"/>
-                        <a:ea typeface="Times New Roman" panose="02020603050405020304" pitchFamily="18" charset="0"/>
-                        <a:cs typeface="B Nazanin" panose="00000400000000000000" pitchFamily="2" charset="-78"/>
-                      </a:endParaRPr>
-                    </a:p>
-                  </a:txBody>
-                  <a:tcPr marL="68580" marR="68580" marT="0" marB="0"/>
-                </a:tc>
-                <a:extLst>
-                  <a:ext uri="{0D108BD9-81ED-4DB2-BD59-A6C34878D82A}">
-                    <a16:rowId xmlns:a16="http://schemas.microsoft.com/office/drawing/2014/main" val="949144842"/>
-                  </a:ext>
-                </a:extLst>
-              </a:tr>
-              <a:tr h="300693">
-                <a:tc>
-                  <a:txBody>
-                    <a:bodyPr/>
-                    <a:lstStyle/>
-                    <a:p>
-                      <a:pPr marL="342900" marR="0" lvl="0" indent="-342900" algn="r" rtl="1">
-                        <a:lnSpc>
-                          <a:spcPct val="124000"/>
-                        </a:lnSpc>
-                        <a:spcBef>
-                          <a:spcPts val="0"/>
-                        </a:spcBef>
-                        <a:spcAft>
-                          <a:spcPts val="0"/>
-                        </a:spcAft>
-                        <a:buFont typeface="Wingdings" panose="05000000000000000000" pitchFamily="2" charset="2"/>
-                        <a:buChar char=""/>
-                      </a:pPr>
-                      <a:r>
-                        <a:rPr lang="en-US" sz="1200">
-                          <a:effectLst/>
-                        </a:rPr>
-                        <a:t>Payment</a:t>
-                      </a:r>
-                      <a:endParaRPr lang="en-US" sz="1200">
-                        <a:effectLst/>
-                        <a:latin typeface="Times New Roman" panose="02020603050405020304" pitchFamily="18" charset="0"/>
-                        <a:ea typeface="Times New Roman" panose="02020603050405020304" pitchFamily="18" charset="0"/>
-                        <a:cs typeface="B Nazanin" panose="00000400000000000000" pitchFamily="2" charset="-78"/>
-                      </a:endParaRPr>
-                    </a:p>
-                  </a:txBody>
-                  <a:tcPr marL="68580" marR="68580" marT="0" marB="0"/>
-                </a:tc>
-                <a:tc>
-                  <a:txBody>
-                    <a:bodyPr/>
-                    <a:lstStyle/>
-                    <a:p>
-                      <a:pPr marL="0" marR="0" indent="0" algn="ctr" rtl="1">
-                        <a:lnSpc>
-                          <a:spcPct val="124000"/>
-                        </a:lnSpc>
-                        <a:spcBef>
-                          <a:spcPts val="0"/>
-                        </a:spcBef>
-                        <a:spcAft>
-                          <a:spcPts val="0"/>
-                        </a:spcAft>
-                      </a:pPr>
-                      <a:r>
-                        <a:rPr lang="fa-IR" sz="1200">
-                          <a:effectLst/>
-                        </a:rPr>
-                        <a:t>مقدار مشخصی از دارایی را به مقصد پرداخت می کند.</a:t>
-                      </a:r>
-                      <a:endParaRPr lang="en-US" sz="1200">
-                        <a:effectLst/>
-                        <a:latin typeface="Times New Roman" panose="02020603050405020304" pitchFamily="18" charset="0"/>
-                        <a:ea typeface="Times New Roman" panose="02020603050405020304" pitchFamily="18" charset="0"/>
-                        <a:cs typeface="B Nazanin" panose="00000400000000000000" pitchFamily="2" charset="-78"/>
-                      </a:endParaRPr>
-                    </a:p>
-                  </a:txBody>
-                  <a:tcPr marL="68580" marR="68580" marT="0" marB="0"/>
-                </a:tc>
-                <a:extLst>
-                  <a:ext uri="{0D108BD9-81ED-4DB2-BD59-A6C34878D82A}">
-                    <a16:rowId xmlns:a16="http://schemas.microsoft.com/office/drawing/2014/main" val="3546524710"/>
-                  </a:ext>
-                </a:extLst>
-              </a:tr>
-              <a:tr h="458323">
-                <a:tc>
-                  <a:txBody>
-                    <a:bodyPr/>
-                    <a:lstStyle/>
-                    <a:p>
-                      <a:pPr marL="342900" marR="0" lvl="0" indent="-342900" algn="r" rtl="1">
-                        <a:lnSpc>
-                          <a:spcPct val="124000"/>
-                        </a:lnSpc>
-                        <a:spcBef>
-                          <a:spcPts val="0"/>
-                        </a:spcBef>
-                        <a:spcAft>
-                          <a:spcPts val="0"/>
-                        </a:spcAft>
-                        <a:buFont typeface="Wingdings" panose="05000000000000000000" pitchFamily="2" charset="2"/>
-                        <a:buChar char=""/>
-                      </a:pPr>
-                      <a:r>
-                        <a:rPr lang="en-US" sz="1200">
-                          <a:effectLst/>
-                        </a:rPr>
-                        <a:t>PathPayment</a:t>
-                      </a:r>
-                      <a:endParaRPr lang="en-US" sz="1200">
-                        <a:effectLst/>
-                        <a:latin typeface="Times New Roman" panose="02020603050405020304" pitchFamily="18" charset="0"/>
-                        <a:ea typeface="Times New Roman" panose="02020603050405020304" pitchFamily="18" charset="0"/>
-                        <a:cs typeface="B Nazanin" panose="00000400000000000000" pitchFamily="2" charset="-78"/>
-                      </a:endParaRPr>
-                    </a:p>
-                  </a:txBody>
-                  <a:tcPr marL="68580" marR="68580" marT="0" marB="0"/>
-                </a:tc>
-                <a:tc>
-                  <a:txBody>
-                    <a:bodyPr/>
-                    <a:lstStyle/>
-                    <a:p>
-                      <a:pPr marL="0" marR="0" indent="180340" algn="ctr" rtl="1">
-                        <a:lnSpc>
-                          <a:spcPct val="124000"/>
-                        </a:lnSpc>
-                        <a:spcBef>
-                          <a:spcPts val="0"/>
-                        </a:spcBef>
-                        <a:spcAft>
-                          <a:spcPts val="0"/>
-                        </a:spcAft>
-                      </a:pPr>
-                      <a:r>
-                        <a:rPr lang="fa-IR" sz="1200">
-                          <a:effectLst/>
-                        </a:rPr>
-                        <a:t>مانند پرداخت است، اما در دارایی های مختلف پرداخت می کند ؛ حداکثر 5 دارایی واسطه ای.</a:t>
-                      </a:r>
-                      <a:endParaRPr lang="en-US" sz="1200">
-                        <a:effectLst/>
-                        <a:latin typeface="Times New Roman" panose="02020603050405020304" pitchFamily="18" charset="0"/>
-                        <a:ea typeface="Times New Roman" panose="02020603050405020304" pitchFamily="18" charset="0"/>
-                        <a:cs typeface="B Nazanin" panose="00000400000000000000" pitchFamily="2" charset="-78"/>
-                      </a:endParaRPr>
-                    </a:p>
-                  </a:txBody>
-                  <a:tcPr marL="68580" marR="68580" marT="0" marB="0"/>
-                </a:tc>
-                <a:extLst>
-                  <a:ext uri="{0D108BD9-81ED-4DB2-BD59-A6C34878D82A}">
-                    <a16:rowId xmlns:a16="http://schemas.microsoft.com/office/drawing/2014/main" val="1575879806"/>
-                  </a:ext>
-                </a:extLst>
-              </a:tr>
-              <a:tr h="458323">
-                <a:tc>
-                  <a:txBody>
-                    <a:bodyPr/>
-                    <a:lstStyle/>
-                    <a:p>
-                      <a:pPr marL="342900" marR="0" lvl="0" indent="-342900" algn="r" rtl="1">
-                        <a:lnSpc>
-                          <a:spcPct val="124000"/>
-                        </a:lnSpc>
-                        <a:spcBef>
-                          <a:spcPts val="0"/>
-                        </a:spcBef>
-                        <a:spcAft>
-                          <a:spcPts val="0"/>
-                        </a:spcAft>
-                        <a:buFont typeface="Wingdings" panose="05000000000000000000" pitchFamily="2" charset="2"/>
-                        <a:buChar char=""/>
-                      </a:pPr>
-                      <a:r>
-                        <a:rPr lang="en-US" sz="1200">
-                          <a:effectLst/>
-                        </a:rPr>
-                        <a:t>ManageOffer</a:t>
-                      </a:r>
-                      <a:endParaRPr lang="en-US" sz="1200">
-                        <a:effectLst/>
-                        <a:latin typeface="Times New Roman" panose="02020603050405020304" pitchFamily="18" charset="0"/>
-                        <a:ea typeface="Times New Roman" panose="02020603050405020304" pitchFamily="18" charset="0"/>
-                        <a:cs typeface="B Nazanin" panose="00000400000000000000" pitchFamily="2" charset="-78"/>
-                      </a:endParaRPr>
-                    </a:p>
-                  </a:txBody>
-                  <a:tcPr marL="68580" marR="68580" marT="0" marB="0"/>
-                </a:tc>
-                <a:tc>
-                  <a:txBody>
-                    <a:bodyPr/>
-                    <a:lstStyle/>
-                    <a:p>
-                      <a:pPr marL="0" marR="0" indent="0" algn="ctr" rtl="1">
-                        <a:lnSpc>
-                          <a:spcPct val="124000"/>
-                        </a:lnSpc>
-                        <a:spcBef>
-                          <a:spcPts val="0"/>
-                        </a:spcBef>
-                        <a:spcAft>
-                          <a:spcPts val="0"/>
-                        </a:spcAft>
-                      </a:pPr>
-                      <a:r>
-                        <a:rPr lang="fa-IR" sz="1200">
-                          <a:effectLst/>
-                        </a:rPr>
-                        <a:t>ایجاد/حذف/تغییر ورودی دفتر کل پیشنهادات.</a:t>
-                      </a:r>
-                      <a:endParaRPr lang="en-US" sz="1200">
-                        <a:effectLst/>
-                        <a:latin typeface="Times New Roman" panose="02020603050405020304" pitchFamily="18" charset="0"/>
-                        <a:ea typeface="Times New Roman" panose="02020603050405020304" pitchFamily="18" charset="0"/>
-                        <a:cs typeface="B Nazanin" panose="00000400000000000000" pitchFamily="2" charset="-78"/>
-                      </a:endParaRPr>
-                    </a:p>
-                  </a:txBody>
-                  <a:tcPr marL="68580" marR="68580" marT="0" marB="0"/>
-                </a:tc>
-                <a:extLst>
-                  <a:ext uri="{0D108BD9-81ED-4DB2-BD59-A6C34878D82A}">
-                    <a16:rowId xmlns:a16="http://schemas.microsoft.com/office/drawing/2014/main" val="1557801842"/>
-                  </a:ext>
-                </a:extLst>
-              </a:tr>
-              <a:tr h="458323">
-                <a:tc>
-                  <a:txBody>
-                    <a:bodyPr/>
-                    <a:lstStyle/>
-                    <a:p>
-                      <a:pPr marL="342900" marR="0" lvl="0" indent="-342900" algn="r" rtl="1">
-                        <a:lnSpc>
-                          <a:spcPct val="124000"/>
-                        </a:lnSpc>
-                        <a:spcBef>
-                          <a:spcPts val="0"/>
-                        </a:spcBef>
-                        <a:spcAft>
-                          <a:spcPts val="0"/>
-                        </a:spcAft>
-                        <a:buFont typeface="Wingdings" panose="05000000000000000000" pitchFamily="2" charset="2"/>
-                        <a:buChar char=""/>
-                      </a:pPr>
-                      <a:r>
-                        <a:rPr lang="en-US" sz="1200">
-                          <a:effectLst/>
-                        </a:rPr>
-                        <a:t>ManageData</a:t>
-                      </a:r>
-                      <a:endParaRPr lang="en-US" sz="1200">
-                        <a:effectLst/>
-                        <a:latin typeface="Times New Roman" panose="02020603050405020304" pitchFamily="18" charset="0"/>
-                        <a:ea typeface="Times New Roman" panose="02020603050405020304" pitchFamily="18" charset="0"/>
-                        <a:cs typeface="B Nazanin" panose="00000400000000000000" pitchFamily="2" charset="-78"/>
-                      </a:endParaRPr>
-                    </a:p>
-                  </a:txBody>
-                  <a:tcPr marL="68580" marR="68580" marT="0" marB="0"/>
-                </a:tc>
-                <a:tc>
-                  <a:txBody>
-                    <a:bodyPr/>
-                    <a:lstStyle/>
-                    <a:p>
-                      <a:pPr marL="0" marR="0" indent="0" algn="ctr" rtl="1">
-                        <a:lnSpc>
-                          <a:spcPct val="124000"/>
-                        </a:lnSpc>
-                        <a:spcBef>
-                          <a:spcPts val="0"/>
-                        </a:spcBef>
-                        <a:spcAft>
-                          <a:spcPts val="0"/>
-                        </a:spcAft>
-                      </a:pPr>
-                      <a:r>
-                        <a:rPr lang="fa-IR" sz="1200">
-                          <a:effectLst/>
-                        </a:rPr>
-                        <a:t>ایجاد/حذف/تغییر عمل، ورود به دفتر اطلاعات.</a:t>
-                      </a:r>
-                      <a:endParaRPr lang="en-US" sz="1200">
-                        <a:effectLst/>
-                        <a:latin typeface="Times New Roman" panose="02020603050405020304" pitchFamily="18" charset="0"/>
-                        <a:ea typeface="Times New Roman" panose="02020603050405020304" pitchFamily="18" charset="0"/>
-                        <a:cs typeface="B Nazanin" panose="00000400000000000000" pitchFamily="2" charset="-78"/>
-                      </a:endParaRPr>
-                    </a:p>
-                  </a:txBody>
-                  <a:tcPr marL="68580" marR="68580" marT="0" marB="0"/>
-                </a:tc>
-                <a:extLst>
-                  <a:ext uri="{0D108BD9-81ED-4DB2-BD59-A6C34878D82A}">
-                    <a16:rowId xmlns:a16="http://schemas.microsoft.com/office/drawing/2014/main" val="3286509732"/>
-                  </a:ext>
-                </a:extLst>
-              </a:tr>
-              <a:tr h="300693">
-                <a:tc>
-                  <a:txBody>
-                    <a:bodyPr/>
-                    <a:lstStyle/>
-                    <a:p>
-                      <a:pPr marL="342900" marR="0" lvl="0" indent="-342900" algn="r" rtl="1">
-                        <a:lnSpc>
-                          <a:spcPct val="124000"/>
-                        </a:lnSpc>
-                        <a:spcBef>
-                          <a:spcPts val="0"/>
-                        </a:spcBef>
-                        <a:spcAft>
-                          <a:spcPts val="0"/>
-                        </a:spcAft>
-                        <a:buFont typeface="Wingdings" panose="05000000000000000000" pitchFamily="2" charset="2"/>
-                        <a:buChar char=""/>
-                      </a:pPr>
-                      <a:r>
-                        <a:rPr lang="en-US" sz="1200">
-                          <a:effectLst/>
-                        </a:rPr>
-                        <a:t>ChangeTrust</a:t>
-                      </a:r>
-                      <a:endParaRPr lang="en-US" sz="1200">
-                        <a:effectLst/>
-                        <a:latin typeface="Times New Roman" panose="02020603050405020304" pitchFamily="18" charset="0"/>
-                        <a:ea typeface="Times New Roman" panose="02020603050405020304" pitchFamily="18" charset="0"/>
-                        <a:cs typeface="B Nazanin" panose="00000400000000000000" pitchFamily="2" charset="-78"/>
-                      </a:endParaRPr>
-                    </a:p>
-                  </a:txBody>
-                  <a:tcPr marL="68580" marR="68580" marT="0" marB="0"/>
-                </a:tc>
-                <a:tc>
-                  <a:txBody>
-                    <a:bodyPr/>
-                    <a:lstStyle/>
-                    <a:p>
-                      <a:pPr marL="0" marR="0" indent="0" algn="ctr" rtl="1">
-                        <a:lnSpc>
-                          <a:spcPct val="124000"/>
-                        </a:lnSpc>
-                        <a:spcBef>
-                          <a:spcPts val="0"/>
-                        </a:spcBef>
-                        <a:spcAft>
-                          <a:spcPts val="0"/>
-                        </a:spcAft>
-                      </a:pPr>
-                      <a:r>
-                        <a:rPr lang="fa-IR" sz="1200">
-                          <a:effectLst/>
-                        </a:rPr>
-                        <a:t>ایجاد/حذف/تغییر خط اعتماد.</a:t>
-                      </a:r>
-                      <a:endParaRPr lang="en-US" sz="1200">
-                        <a:effectLst/>
-                        <a:latin typeface="Times New Roman" panose="02020603050405020304" pitchFamily="18" charset="0"/>
-                        <a:ea typeface="Times New Roman" panose="02020603050405020304" pitchFamily="18" charset="0"/>
-                        <a:cs typeface="B Nazanin" panose="00000400000000000000" pitchFamily="2" charset="-78"/>
-                      </a:endParaRPr>
-                    </a:p>
-                  </a:txBody>
-                  <a:tcPr marL="68580" marR="68580" marT="0" marB="0"/>
-                </a:tc>
-                <a:extLst>
-                  <a:ext uri="{0D108BD9-81ED-4DB2-BD59-A6C34878D82A}">
-                    <a16:rowId xmlns:a16="http://schemas.microsoft.com/office/drawing/2014/main" val="3500557753"/>
-                  </a:ext>
-                </a:extLst>
-              </a:tr>
-              <a:tr h="300693">
-                <a:tc>
-                  <a:txBody>
-                    <a:bodyPr/>
-                    <a:lstStyle/>
-                    <a:p>
-                      <a:pPr marL="342900" marR="0" lvl="0" indent="-342900" algn="r" rtl="1">
-                        <a:lnSpc>
-                          <a:spcPct val="124000"/>
-                        </a:lnSpc>
-                        <a:spcBef>
-                          <a:spcPts val="0"/>
-                        </a:spcBef>
-                        <a:spcAft>
-                          <a:spcPts val="0"/>
-                        </a:spcAft>
-                        <a:buFont typeface="Wingdings" panose="05000000000000000000" pitchFamily="2" charset="2"/>
-                        <a:buChar char=""/>
-                      </a:pPr>
-                      <a:r>
-                        <a:rPr lang="en-US" sz="1200">
-                          <a:effectLst/>
-                        </a:rPr>
-                        <a:t>AllowTrust</a:t>
-                      </a:r>
-                      <a:endParaRPr lang="en-US" sz="1200">
-                        <a:effectLst/>
-                        <a:latin typeface="Times New Roman" panose="02020603050405020304" pitchFamily="18" charset="0"/>
-                        <a:ea typeface="Times New Roman" panose="02020603050405020304" pitchFamily="18" charset="0"/>
-                        <a:cs typeface="B Nazanin" panose="00000400000000000000" pitchFamily="2" charset="-78"/>
-                      </a:endParaRPr>
-                    </a:p>
-                  </a:txBody>
-                  <a:tcPr marL="68580" marR="68580" marT="0" marB="0"/>
-                </a:tc>
-                <a:tc>
-                  <a:txBody>
-                    <a:bodyPr/>
-                    <a:lstStyle/>
-                    <a:p>
-                      <a:pPr marL="0" marR="0" indent="0" algn="ctr" rtl="1">
-                        <a:lnSpc>
-                          <a:spcPct val="124000"/>
-                        </a:lnSpc>
-                        <a:spcBef>
-                          <a:spcPts val="0"/>
-                        </a:spcBef>
-                        <a:spcAft>
-                          <a:spcPts val="0"/>
-                        </a:spcAft>
-                      </a:pPr>
-                      <a:r>
-                        <a:rPr lang="fa-IR" sz="1200">
-                          <a:effectLst/>
-                        </a:rPr>
-                        <a:t>پرچم مجاز را در </a:t>
-                      </a:r>
-                      <a:r>
-                        <a:rPr lang="en-US" sz="1200">
-                          <a:effectLst/>
-                        </a:rPr>
-                        <a:t>Trustline</a:t>
-                      </a:r>
-                      <a:r>
-                        <a:rPr lang="fa-IR" sz="1200">
-                          <a:effectLst/>
-                        </a:rPr>
-                        <a:t> تنظیم یا پاک می کند.</a:t>
-                      </a:r>
-                      <a:endParaRPr lang="en-US" sz="1200">
-                        <a:effectLst/>
-                        <a:latin typeface="Times New Roman" panose="02020603050405020304" pitchFamily="18" charset="0"/>
-                        <a:ea typeface="Times New Roman" panose="02020603050405020304" pitchFamily="18" charset="0"/>
-                        <a:cs typeface="B Nazanin" panose="00000400000000000000" pitchFamily="2" charset="-78"/>
-                      </a:endParaRPr>
-                    </a:p>
-                  </a:txBody>
-                  <a:tcPr marL="68580" marR="68580" marT="0" marB="0"/>
-                </a:tc>
-                <a:extLst>
-                  <a:ext uri="{0D108BD9-81ED-4DB2-BD59-A6C34878D82A}">
-                    <a16:rowId xmlns:a16="http://schemas.microsoft.com/office/drawing/2014/main" val="705207979"/>
-                  </a:ext>
-                </a:extLst>
-              </a:tr>
-              <a:tr h="458323">
-                <a:tc>
-                  <a:txBody>
-                    <a:bodyPr/>
-                    <a:lstStyle/>
-                    <a:p>
-                      <a:pPr marL="342900" marR="0" lvl="0" indent="-342900" algn="r" rtl="1">
-                        <a:lnSpc>
-                          <a:spcPct val="124000"/>
-                        </a:lnSpc>
-                        <a:spcBef>
-                          <a:spcPts val="0"/>
-                        </a:spcBef>
-                        <a:spcAft>
-                          <a:spcPts val="0"/>
-                        </a:spcAft>
-                        <a:buFont typeface="Wingdings" panose="05000000000000000000" pitchFamily="2" charset="2"/>
-                        <a:buChar char=""/>
-                      </a:pPr>
-                      <a:r>
-                        <a:rPr lang="en-US" sz="1200">
-                          <a:effectLst/>
-                        </a:rPr>
-                        <a:t>BumpSequence</a:t>
-                      </a:r>
-                      <a:endParaRPr lang="en-US" sz="1200">
-                        <a:effectLst/>
-                        <a:latin typeface="Times New Roman" panose="02020603050405020304" pitchFamily="18" charset="0"/>
-                        <a:ea typeface="Times New Roman" panose="02020603050405020304" pitchFamily="18" charset="0"/>
-                        <a:cs typeface="B Nazanin" panose="00000400000000000000" pitchFamily="2" charset="-78"/>
-                      </a:endParaRPr>
-                    </a:p>
-                  </a:txBody>
-                  <a:tcPr marL="68580" marR="68580" marT="0" marB="0"/>
-                </a:tc>
-                <a:tc>
-                  <a:txBody>
-                    <a:bodyPr/>
-                    <a:lstStyle/>
-                    <a:p>
-                      <a:pPr marL="0" marR="0" indent="0" algn="ctr" rtl="1">
-                        <a:lnSpc>
-                          <a:spcPct val="124000"/>
-                        </a:lnSpc>
-                        <a:spcBef>
-                          <a:spcPts val="0"/>
-                        </a:spcBef>
-                        <a:spcAft>
-                          <a:spcPts val="0"/>
-                        </a:spcAft>
-                      </a:pPr>
-                      <a:r>
-                        <a:rPr lang="fa-IR" sz="1200" dirty="0">
-                          <a:effectLst/>
-                        </a:rPr>
-                        <a:t>افزایش دنباله شماره در حساب.</a:t>
-                      </a:r>
-                      <a:endParaRPr lang="en-US" sz="1200" dirty="0">
-                        <a:effectLst/>
-                        <a:latin typeface="Times New Roman" panose="02020603050405020304" pitchFamily="18" charset="0"/>
-                        <a:ea typeface="Times New Roman" panose="02020603050405020304" pitchFamily="18" charset="0"/>
-                        <a:cs typeface="B Nazanin" panose="00000400000000000000" pitchFamily="2" charset="-78"/>
-                      </a:endParaRPr>
-                    </a:p>
-                  </a:txBody>
-                  <a:tcPr marL="68580" marR="68580" marT="0" marB="0"/>
-                </a:tc>
-                <a:extLst>
-                  <a:ext uri="{0D108BD9-81ED-4DB2-BD59-A6C34878D82A}">
-                    <a16:rowId xmlns:a16="http://schemas.microsoft.com/office/drawing/2014/main" val="1388798684"/>
-                  </a:ext>
-                </a:extLst>
-              </a:tr>
-            </a:tbl>
-          </a:graphicData>
-        </a:graphic>
-      </p:graphicFrame>
-      <p:sp>
-        <p:nvSpPr>
-          <p:cNvPr id="5" name="Rectangle 1">
-            <a:extLst>
-              <a:ext uri="{FF2B5EF4-FFF2-40B4-BE49-F238E27FC236}">
-                <a16:creationId xmlns:a16="http://schemas.microsoft.com/office/drawing/2014/main" id="{77FF04B1-BE0E-20E8-31F0-C707D0D7F61C}"/>
-              </a:ext>
-            </a:extLst>
-          </p:cNvPr>
-          <p:cNvSpPr>
-            <a:spLocks noChangeArrowheads="1"/>
-          </p:cNvSpPr>
-          <p:nvPr/>
-        </p:nvSpPr>
-        <p:spPr bwMode="auto">
-          <a:xfrm>
-            <a:off x="-6331087" y="2524445"/>
-            <a:ext cx="20179174" cy="457152"/>
-          </a:xfrm>
-          <a:prstGeom prst="rect">
-            <a:avLst/>
-          </a:prstGeom>
-          <a:noFill/>
-          <a:ln>
-            <a:noFill/>
-          </a:ln>
-          <a:effectLst/>
-          <a:extLst>
-            <a:ext uri="{909E8E84-426E-40DD-AFC4-6F175D3DCCD1}">
-              <a14:hiddenFill xmlns:a14="http://schemas.microsoft.com/office/drawing/2010/main">
-                <a:solidFill>
-                  <a:schemeClr val="accent1"/>
-                </a:solidFill>
-              </a14:hiddenFill>
-            </a:ext>
-            <a:ext uri="{91240B29-F687-4F45-9708-019B960494DF}">
-              <a14:hiddenLine xmlns:a14="http://schemas.microsoft.com/office/drawing/2010/main" w="9525">
-                <a:solidFill>
-                  <a:schemeClr val="tx1"/>
-                </a:solidFill>
-                <a:miter lim="800000"/>
-                <a:headEnd/>
-                <a:tailEnd/>
-              </a14:hiddenLine>
-            </a:ext>
-            <a:ext uri="{AF507438-7753-43E0-B8FC-AC1667EBCBE1}">
-              <a14:hiddenEffects xmlns:a14="http://schemas.microsoft.com/office/drawing/2010/main">
-                <a:effectLst>
-                  <a:outerShdw dist="35921" dir="2700000" algn="ctr" rotWithShape="0">
-                    <a:schemeClr val="bg2"/>
-                  </a:outerShdw>
-                </a:effectLst>
-              </a14:hiddenEffects>
-            </a:ext>
-          </a:extLst>
-        </p:spPr>
-        <p:txBody>
-          <a:bodyPr vert="horz" wrap="square" lIns="91440" tIns="45720" rIns="91440" bIns="45720" numCol="1" anchor="ctr" anchorCtr="0" compatLnSpc="1">
-            <a:prstTxWarp prst="textNoShape">
-              <a:avLst/>
-            </a:prstTxWarp>
-            <a:spAutoFit/>
-          </a:bodyPr>
-          <a:lstStyle/>
-          <a:p>
-            <a:endParaRPr lang="en-US"/>
-          </a:p>
-        </p:txBody>
-      </p:sp>
-    </p:spTree>
-    <p:extLst>
-      <p:ext uri="{BB962C8B-B14F-4D97-AF65-F5344CB8AC3E}">
-        <p14:creationId xmlns:p14="http://schemas.microsoft.com/office/powerpoint/2010/main" val="2880059782"/>
-      </p:ext>
-    </p:extLst>
-  </p:cSld>
-  <p:clrMapOvr>
-    <a:masterClrMapping/>
-  </p:clrMapOvr>
-</p:sld>
-</file>
-
-<file path=ppt/slides/slide5.xml><?xml version="1.0" encoding="utf-8"?>
-<p:sld xmlns:a="http://schemas.openxmlformats.org/drawingml/2006/main" xmlns:r="http://schemas.openxmlformats.org/officeDocument/2006/relationships" xmlns:p="http://schemas.openxmlformats.org/presentationml/2006/main">
-  <p:cSld>
-    <p:spTree>
-      <p:nvGrpSpPr>
-        <p:cNvPr id="1" name=""/>
-        <p:cNvGrpSpPr/>
-        <p:nvPr/>
-      </p:nvGrpSpPr>
-      <p:grpSpPr>
-        <a:xfrm>
-          <a:off x="0" y="0"/>
-          <a:ext cx="0" cy="0"/>
-          <a:chOff x="0" y="0"/>
-          <a:chExt cx="0" cy="0"/>
-        </a:xfrm>
-      </p:grpSpPr>
-      <p:sp>
-        <p:nvSpPr>
-          <p:cNvPr id="2" name="Title 1">
-            <a:extLst>
-              <a:ext uri="{FF2B5EF4-FFF2-40B4-BE49-F238E27FC236}">
-                <a16:creationId xmlns:a16="http://schemas.microsoft.com/office/drawing/2014/main" id="{7ADCBF5B-1DE7-1326-EC3D-B30152466D15}"/>
-              </a:ext>
-            </a:extLst>
-          </p:cNvPr>
-          <p:cNvSpPr>
-            <a:spLocks noGrp="1"/>
-          </p:cNvSpPr>
-          <p:nvPr>
-            <p:ph type="title"/>
-          </p:nvPr>
-        </p:nvSpPr>
-        <p:spPr>
-          <a:xfrm>
-            <a:off x="1069848" y="484632"/>
-            <a:ext cx="10058400" cy="1267968"/>
-          </a:xfrm>
-        </p:spPr>
-        <p:txBody>
-          <a:bodyPr>
-            <a:normAutofit/>
-          </a:bodyPr>
-          <a:lstStyle/>
-          <a:p>
-            <a:pPr algn="ctr"/>
-            <a:r>
-              <a:rPr lang="en-US" sz="3200" dirty="0"/>
-              <a:t>User relations in the Stellar blockchain</a:t>
-            </a:r>
-          </a:p>
-        </p:txBody>
-      </p:sp>
-      <p:sp>
-        <p:nvSpPr>
-          <p:cNvPr id="3" name="Content Placeholder 2">
-            <a:extLst>
-              <a:ext uri="{FF2B5EF4-FFF2-40B4-BE49-F238E27FC236}">
-                <a16:creationId xmlns:a16="http://schemas.microsoft.com/office/drawing/2014/main" id="{A0D97959-5188-10CA-47D7-44A6B36201FA}"/>
-              </a:ext>
-            </a:extLst>
-          </p:cNvPr>
-          <p:cNvSpPr>
-            <a:spLocks noGrp="1"/>
-          </p:cNvSpPr>
-          <p:nvPr>
-            <p:ph sz="quarter" idx="13"/>
-          </p:nvPr>
-        </p:nvSpPr>
-        <p:spPr>
-          <a:xfrm>
-            <a:off x="913774" y="1638300"/>
-            <a:ext cx="10363826" cy="1267968"/>
-          </a:xfrm>
-        </p:spPr>
-        <p:txBody>
-          <a:bodyPr/>
-          <a:lstStyle/>
-          <a:p>
-            <a:pPr algn="r" rtl="1"/>
-            <a:r>
-              <a:rPr lang="fa-IR" dirty="0"/>
-              <a:t>لیست کاملی از روابط و شرح اون ها در بلاکچین استلار</a:t>
-            </a:r>
-            <a:endParaRPr lang="en-US" dirty="0"/>
-          </a:p>
-        </p:txBody>
-      </p:sp>
-      <p:graphicFrame>
-        <p:nvGraphicFramePr>
-          <p:cNvPr id="7" name="Table 6">
-            <a:extLst>
-              <a:ext uri="{FF2B5EF4-FFF2-40B4-BE49-F238E27FC236}">
-                <a16:creationId xmlns:a16="http://schemas.microsoft.com/office/drawing/2014/main" id="{4DC66EAE-DFF1-3AC5-C4D8-EA30A3F2E96F}"/>
-              </a:ext>
-            </a:extLst>
-          </p:cNvPr>
-          <p:cNvGraphicFramePr>
-            <a:graphicFrameLocks noGrp="1"/>
-          </p:cNvGraphicFramePr>
-          <p:nvPr>
-            <p:extLst>
-              <p:ext uri="{D42A27DB-BD31-4B8C-83A1-F6EECF244321}">
-                <p14:modId xmlns:p14="http://schemas.microsoft.com/office/powerpoint/2010/main" val="3577051376"/>
-              </p:ext>
-            </p:extLst>
-          </p:nvPr>
-        </p:nvGraphicFramePr>
-        <p:xfrm>
-          <a:off x="1701800" y="3055663"/>
-          <a:ext cx="8791575" cy="3317705"/>
-        </p:xfrm>
-        <a:graphic>
-          <a:graphicData uri="http://schemas.openxmlformats.org/drawingml/2006/table">
-            <a:tbl>
-              <a:tblPr rtl="1" firstRow="1" firstCol="1" bandRow="1">
-                <a:tableStyleId>{5C22544A-7EE6-4342-B048-85BDC9FD1C3A}</a:tableStyleId>
-              </a:tblPr>
-              <a:tblGrid>
-                <a:gridCol w="2847975">
-                  <a:extLst>
-                    <a:ext uri="{9D8B030D-6E8A-4147-A177-3AD203B41FA5}">
-                      <a16:colId xmlns:a16="http://schemas.microsoft.com/office/drawing/2014/main" val="4037930218"/>
-                    </a:ext>
-                  </a:extLst>
-                </a:gridCol>
-                <a:gridCol w="5943600">
-                  <a:extLst>
-                    <a:ext uri="{9D8B030D-6E8A-4147-A177-3AD203B41FA5}">
-                      <a16:colId xmlns:a16="http://schemas.microsoft.com/office/drawing/2014/main" val="1921880601"/>
-                    </a:ext>
-                  </a:extLst>
-                </a:gridCol>
-              </a:tblGrid>
-              <a:tr h="438150">
-                <a:tc>
-                  <a:txBody>
-                    <a:bodyPr/>
-                    <a:lstStyle/>
-                    <a:p>
-                      <a:pPr marL="0" marR="0" algn="ctr" rtl="1">
-                        <a:spcBef>
-                          <a:spcPts val="0"/>
-                        </a:spcBef>
-                        <a:spcAft>
-                          <a:spcPts val="0"/>
-                        </a:spcAft>
-                      </a:pPr>
-                      <a:r>
-                        <a:rPr lang="fa-IR" sz="1400" cap="all">
-                          <a:effectLst/>
-                        </a:rPr>
-                        <a:t>رابطه</a:t>
-                      </a:r>
-                      <a:endParaRPr lang="en-US" sz="1400" dirty="0">
-                        <a:effectLst/>
-                        <a:latin typeface="Times New Roman" panose="02020603050405020304" pitchFamily="18" charset="0"/>
-                        <a:ea typeface="Times New Roman" panose="02020603050405020304" pitchFamily="18" charset="0"/>
-                        <a:cs typeface="B Nazanin" panose="00000400000000000000" pitchFamily="2" charset="-78"/>
-                      </a:endParaRPr>
-                    </a:p>
-                  </a:txBody>
-                  <a:tcPr marL="68580" marR="68580" marT="0" marB="0"/>
-                </a:tc>
-                <a:tc>
-                  <a:txBody>
-                    <a:bodyPr/>
-                    <a:lstStyle/>
-                    <a:p>
-                      <a:pPr marL="0" marR="0" algn="ctr" rtl="1">
-                        <a:spcBef>
-                          <a:spcPts val="0"/>
-                        </a:spcBef>
-                        <a:spcAft>
-                          <a:spcPts val="0"/>
-                        </a:spcAft>
-                      </a:pPr>
-                      <a:r>
-                        <a:rPr lang="fa-IR" sz="1400" cap="all" dirty="0">
-                          <a:effectLst/>
-                        </a:rPr>
-                        <a:t>عملکرد</a:t>
-                      </a:r>
-                      <a:endParaRPr lang="en-US" sz="1400" dirty="0">
-                        <a:effectLst/>
-                        <a:latin typeface="Times New Roman" panose="02020603050405020304" pitchFamily="18" charset="0"/>
-                        <a:ea typeface="Times New Roman" panose="02020603050405020304" pitchFamily="18" charset="0"/>
-                        <a:cs typeface="B Nazanin" panose="00000400000000000000" pitchFamily="2" charset="-78"/>
-                      </a:endParaRPr>
-                    </a:p>
-                  </a:txBody>
-                  <a:tcPr marL="68580" marR="68580" marT="0" marB="0"/>
-                </a:tc>
-                <a:extLst>
-                  <a:ext uri="{0D108BD9-81ED-4DB2-BD59-A6C34878D82A}">
-                    <a16:rowId xmlns:a16="http://schemas.microsoft.com/office/drawing/2014/main" val="3712392004"/>
-                  </a:ext>
-                </a:extLst>
-              </a:tr>
-              <a:tr h="411365">
-                <a:tc>
-                  <a:txBody>
-                    <a:bodyPr/>
-                    <a:lstStyle/>
-                    <a:p>
-                      <a:pPr marL="0" marR="0" algn="ctr" rtl="1">
-                        <a:spcBef>
-                          <a:spcPts val="0"/>
-                        </a:spcBef>
-                        <a:spcAft>
-                          <a:spcPts val="0"/>
-                        </a:spcAft>
-                      </a:pPr>
-                      <a:r>
-                        <a:rPr lang="en-US" sz="1400" dirty="0">
-                          <a:effectLst/>
-                        </a:rPr>
-                        <a:t>Payment</a:t>
-                      </a:r>
-                      <a:endParaRPr lang="en-US" sz="1400" dirty="0">
-                        <a:effectLst/>
-                        <a:latin typeface="Times New Roman" panose="02020603050405020304" pitchFamily="18" charset="0"/>
-                        <a:ea typeface="Times New Roman" panose="02020603050405020304" pitchFamily="18" charset="0"/>
-                        <a:cs typeface="B Nazanin" panose="00000400000000000000" pitchFamily="2" charset="-78"/>
-                      </a:endParaRPr>
-                    </a:p>
-                  </a:txBody>
-                  <a:tcPr marL="68580" marR="68580" marT="0" marB="0"/>
-                </a:tc>
-                <a:tc>
-                  <a:txBody>
-                    <a:bodyPr/>
-                    <a:lstStyle/>
-                    <a:p>
-                      <a:pPr marL="0" marR="0" algn="ctr" rtl="1">
-                        <a:spcBef>
-                          <a:spcPts val="0"/>
-                        </a:spcBef>
-                        <a:spcAft>
-                          <a:spcPts val="0"/>
-                        </a:spcAft>
-                      </a:pPr>
-                      <a:r>
-                        <a:rPr lang="fa-IR" sz="1400">
-                          <a:effectLst/>
-                        </a:rPr>
-                        <a:t>+</a:t>
-                      </a:r>
-                      <a:endParaRPr lang="en-US" sz="1400">
-                        <a:effectLst/>
-                        <a:latin typeface="Times New Roman" panose="02020603050405020304" pitchFamily="18" charset="0"/>
-                        <a:ea typeface="Times New Roman" panose="02020603050405020304" pitchFamily="18" charset="0"/>
-                        <a:cs typeface="B Nazanin" panose="00000400000000000000" pitchFamily="2" charset="-78"/>
-                      </a:endParaRPr>
-                    </a:p>
-                  </a:txBody>
-                  <a:tcPr marL="68580" marR="68580" marT="0" marB="0"/>
-                </a:tc>
-                <a:extLst>
-                  <a:ext uri="{0D108BD9-81ED-4DB2-BD59-A6C34878D82A}">
-                    <a16:rowId xmlns:a16="http://schemas.microsoft.com/office/drawing/2014/main" val="3377226268"/>
-                  </a:ext>
-                </a:extLst>
-              </a:tr>
-              <a:tr h="411365">
-                <a:tc>
-                  <a:txBody>
-                    <a:bodyPr/>
-                    <a:lstStyle/>
-                    <a:p>
-                      <a:pPr marL="0" marR="0" algn="ctr" rtl="1">
-                        <a:spcBef>
-                          <a:spcPts val="0"/>
-                        </a:spcBef>
-                        <a:spcAft>
-                          <a:spcPts val="0"/>
-                        </a:spcAft>
-                      </a:pPr>
-                      <a:r>
-                        <a:rPr lang="en-US" sz="1400" dirty="0">
-                          <a:effectLst/>
-                        </a:rPr>
-                        <a:t>Co-</a:t>
-                      </a:r>
-                      <a:r>
-                        <a:rPr lang="en-US" sz="1400" dirty="0" err="1">
-                          <a:effectLst/>
-                        </a:rPr>
-                        <a:t>Singner</a:t>
-                      </a:r>
-                      <a:endParaRPr lang="en-US" sz="1400" dirty="0">
-                        <a:effectLst/>
-                        <a:latin typeface="Times New Roman" panose="02020603050405020304" pitchFamily="18" charset="0"/>
-                        <a:ea typeface="Times New Roman" panose="02020603050405020304" pitchFamily="18" charset="0"/>
-                        <a:cs typeface="B Nazanin" panose="00000400000000000000" pitchFamily="2" charset="-78"/>
-                      </a:endParaRPr>
-                    </a:p>
-                  </a:txBody>
-                  <a:tcPr marL="68580" marR="68580" marT="0" marB="0"/>
-                </a:tc>
-                <a:tc>
-                  <a:txBody>
-                    <a:bodyPr/>
-                    <a:lstStyle/>
-                    <a:p>
-                      <a:pPr marL="0" marR="0" algn="ctr" rtl="1">
-                        <a:spcBef>
-                          <a:spcPts val="0"/>
-                        </a:spcBef>
-                        <a:spcAft>
-                          <a:spcPts val="0"/>
-                        </a:spcAft>
-                      </a:pPr>
-                      <a:r>
-                        <a:rPr lang="fa-IR" sz="1400">
-                          <a:effectLst/>
-                        </a:rPr>
-                        <a:t>+</a:t>
-                      </a:r>
-                      <a:endParaRPr lang="en-US" sz="1400" dirty="0">
-                        <a:effectLst/>
-                        <a:latin typeface="Times New Roman" panose="02020603050405020304" pitchFamily="18" charset="0"/>
-                        <a:ea typeface="Times New Roman" panose="02020603050405020304" pitchFamily="18" charset="0"/>
-                        <a:cs typeface="B Nazanin" panose="00000400000000000000" pitchFamily="2" charset="-78"/>
-                      </a:endParaRPr>
-                    </a:p>
-                  </a:txBody>
-                  <a:tcPr marL="68580" marR="68580" marT="0" marB="0"/>
-                </a:tc>
-                <a:extLst>
-                  <a:ext uri="{0D108BD9-81ED-4DB2-BD59-A6C34878D82A}">
-                    <a16:rowId xmlns:a16="http://schemas.microsoft.com/office/drawing/2014/main" val="2267118520"/>
-                  </a:ext>
-                </a:extLst>
-              </a:tr>
-              <a:tr h="411365">
-                <a:tc>
-                  <a:txBody>
-                    <a:bodyPr/>
-                    <a:lstStyle/>
-                    <a:p>
-                      <a:pPr marL="0" marR="0" algn="ctr" rtl="1">
-                        <a:spcBef>
-                          <a:spcPts val="0"/>
-                        </a:spcBef>
-                        <a:spcAft>
-                          <a:spcPts val="0"/>
-                        </a:spcAft>
-                      </a:pPr>
-                      <a:r>
-                        <a:rPr lang="en-US" sz="1400" dirty="0">
-                          <a:effectLst/>
-                        </a:rPr>
-                        <a:t>Create Account</a:t>
-                      </a:r>
-                      <a:endParaRPr lang="en-US" sz="1400" dirty="0">
-                        <a:effectLst/>
-                        <a:latin typeface="Times New Roman" panose="02020603050405020304" pitchFamily="18" charset="0"/>
-                        <a:ea typeface="Times New Roman" panose="02020603050405020304" pitchFamily="18" charset="0"/>
-                        <a:cs typeface="B Nazanin" panose="00000400000000000000" pitchFamily="2" charset="-78"/>
-                      </a:endParaRPr>
-                    </a:p>
-                  </a:txBody>
-                  <a:tcPr marL="68580" marR="68580" marT="0" marB="0"/>
-                </a:tc>
-                <a:tc>
-                  <a:txBody>
-                    <a:bodyPr/>
-                    <a:lstStyle/>
-                    <a:p>
-                      <a:pPr marL="0" marR="0" algn="ctr" rtl="1">
-                        <a:spcBef>
-                          <a:spcPts val="0"/>
-                        </a:spcBef>
-                        <a:spcAft>
-                          <a:spcPts val="0"/>
-                        </a:spcAft>
-                      </a:pPr>
-                      <a:r>
-                        <a:rPr lang="fa-IR" sz="1400">
-                          <a:effectLst/>
-                        </a:rPr>
-                        <a:t>-</a:t>
-                      </a:r>
-                      <a:endParaRPr lang="en-US" sz="1400" dirty="0">
-                        <a:effectLst/>
-                        <a:latin typeface="Times New Roman" panose="02020603050405020304" pitchFamily="18" charset="0"/>
-                        <a:ea typeface="Times New Roman" panose="02020603050405020304" pitchFamily="18" charset="0"/>
-                        <a:cs typeface="B Nazanin" panose="00000400000000000000" pitchFamily="2" charset="-78"/>
-                      </a:endParaRPr>
-                    </a:p>
-                  </a:txBody>
-                  <a:tcPr marL="68580" marR="68580" marT="0" marB="0"/>
-                </a:tc>
-                <a:extLst>
-                  <a:ext uri="{0D108BD9-81ED-4DB2-BD59-A6C34878D82A}">
-                    <a16:rowId xmlns:a16="http://schemas.microsoft.com/office/drawing/2014/main" val="661484654"/>
-                  </a:ext>
-                </a:extLst>
-              </a:tr>
-              <a:tr h="411365">
-                <a:tc>
-                  <a:txBody>
-                    <a:bodyPr/>
-                    <a:lstStyle/>
-                    <a:p>
-                      <a:pPr marL="0" marR="0" algn="ctr" rtl="1">
-                        <a:spcBef>
-                          <a:spcPts val="0"/>
-                        </a:spcBef>
-                        <a:spcAft>
-                          <a:spcPts val="0"/>
-                        </a:spcAft>
-                      </a:pPr>
-                      <a:r>
-                        <a:rPr lang="en-US" sz="1400" dirty="0">
-                          <a:effectLst/>
-                        </a:rPr>
-                        <a:t>Merge Account</a:t>
-                      </a:r>
-                      <a:endParaRPr lang="en-US" sz="1400" dirty="0">
-                        <a:effectLst/>
-                        <a:latin typeface="Times New Roman" panose="02020603050405020304" pitchFamily="18" charset="0"/>
-                        <a:ea typeface="Times New Roman" panose="02020603050405020304" pitchFamily="18" charset="0"/>
-                        <a:cs typeface="B Nazanin" panose="00000400000000000000" pitchFamily="2" charset="-78"/>
-                      </a:endParaRPr>
-                    </a:p>
-                  </a:txBody>
-                  <a:tcPr marL="68580" marR="68580" marT="0" marB="0"/>
-                </a:tc>
-                <a:tc>
-                  <a:txBody>
-                    <a:bodyPr/>
-                    <a:lstStyle/>
-                    <a:p>
-                      <a:pPr marL="0" marR="0" algn="ctr" rtl="1">
-                        <a:spcBef>
-                          <a:spcPts val="0"/>
-                        </a:spcBef>
-                        <a:spcAft>
-                          <a:spcPts val="0"/>
-                        </a:spcAft>
-                      </a:pPr>
-                      <a:r>
-                        <a:rPr lang="fa-IR" sz="1400">
-                          <a:effectLst/>
-                        </a:rPr>
-                        <a:t>-</a:t>
-                      </a:r>
-                      <a:endParaRPr lang="en-US" sz="1400" dirty="0">
-                        <a:effectLst/>
-                        <a:latin typeface="Times New Roman" panose="02020603050405020304" pitchFamily="18" charset="0"/>
-                        <a:ea typeface="Times New Roman" panose="02020603050405020304" pitchFamily="18" charset="0"/>
-                        <a:cs typeface="B Nazanin" panose="00000400000000000000" pitchFamily="2" charset="-78"/>
-                      </a:endParaRPr>
-                    </a:p>
-                  </a:txBody>
-                  <a:tcPr marL="68580" marR="68580" marT="0" marB="0"/>
-                </a:tc>
-                <a:extLst>
-                  <a:ext uri="{0D108BD9-81ED-4DB2-BD59-A6C34878D82A}">
-                    <a16:rowId xmlns:a16="http://schemas.microsoft.com/office/drawing/2014/main" val="2920766741"/>
-                  </a:ext>
-                </a:extLst>
-              </a:tr>
-              <a:tr h="411365">
-                <a:tc>
-                  <a:txBody>
-                    <a:bodyPr/>
-                    <a:lstStyle/>
-                    <a:p>
-                      <a:pPr marL="0" marR="0" algn="ctr" rtl="1">
-                        <a:spcBef>
-                          <a:spcPts val="0"/>
-                        </a:spcBef>
-                        <a:spcAft>
-                          <a:spcPts val="0"/>
-                        </a:spcAft>
-                      </a:pPr>
-                      <a:r>
-                        <a:rPr lang="en-US" sz="1400" dirty="0">
-                          <a:effectLst/>
-                        </a:rPr>
-                        <a:t>Sponsor</a:t>
-                      </a:r>
-                      <a:endParaRPr lang="en-US" sz="1400" dirty="0">
-                        <a:effectLst/>
-                        <a:latin typeface="Times New Roman" panose="02020603050405020304" pitchFamily="18" charset="0"/>
-                        <a:ea typeface="Times New Roman" panose="02020603050405020304" pitchFamily="18" charset="0"/>
-                        <a:cs typeface="B Nazanin" panose="00000400000000000000" pitchFamily="2" charset="-78"/>
-                      </a:endParaRPr>
-                    </a:p>
-                  </a:txBody>
-                  <a:tcPr marL="68580" marR="68580" marT="0" marB="0"/>
-                </a:tc>
-                <a:tc>
-                  <a:txBody>
-                    <a:bodyPr/>
-                    <a:lstStyle/>
-                    <a:p>
-                      <a:pPr marL="0" marR="0" algn="ctr" rtl="1">
-                        <a:spcBef>
-                          <a:spcPts val="0"/>
-                        </a:spcBef>
-                        <a:spcAft>
-                          <a:spcPts val="0"/>
-                        </a:spcAft>
-                      </a:pPr>
-                      <a:r>
-                        <a:rPr lang="fa-IR" sz="1400">
-                          <a:effectLst/>
-                        </a:rPr>
-                        <a:t>-</a:t>
-                      </a:r>
-                      <a:endParaRPr lang="en-US" sz="1400" dirty="0">
-                        <a:effectLst/>
-                        <a:latin typeface="Times New Roman" panose="02020603050405020304" pitchFamily="18" charset="0"/>
-                        <a:ea typeface="Times New Roman" panose="02020603050405020304" pitchFamily="18" charset="0"/>
-                        <a:cs typeface="B Nazanin" panose="00000400000000000000" pitchFamily="2" charset="-78"/>
-                      </a:endParaRPr>
-                    </a:p>
-                  </a:txBody>
-                  <a:tcPr marL="68580" marR="68580" marT="0" marB="0"/>
-                </a:tc>
-                <a:extLst>
-                  <a:ext uri="{0D108BD9-81ED-4DB2-BD59-A6C34878D82A}">
-                    <a16:rowId xmlns:a16="http://schemas.microsoft.com/office/drawing/2014/main" val="301827708"/>
-                  </a:ext>
-                </a:extLst>
-              </a:tr>
-              <a:tr h="411365">
-                <a:tc>
-                  <a:txBody>
-                    <a:bodyPr/>
-                    <a:lstStyle/>
-                    <a:p>
-                      <a:pPr marL="0" marR="0" algn="ctr" rtl="1">
-                        <a:spcBef>
-                          <a:spcPts val="0"/>
-                        </a:spcBef>
-                        <a:spcAft>
-                          <a:spcPts val="0"/>
-                        </a:spcAft>
-                      </a:pPr>
-                      <a:r>
-                        <a:rPr lang="en-US" sz="1400" dirty="0">
-                          <a:effectLst/>
-                        </a:rPr>
-                        <a:t>Allow Trust</a:t>
-                      </a:r>
-                      <a:endParaRPr lang="en-US" sz="1400" dirty="0">
-                        <a:effectLst/>
-                        <a:latin typeface="Times New Roman" panose="02020603050405020304" pitchFamily="18" charset="0"/>
-                        <a:ea typeface="Times New Roman" panose="02020603050405020304" pitchFamily="18" charset="0"/>
-                        <a:cs typeface="B Nazanin" panose="00000400000000000000" pitchFamily="2" charset="-78"/>
-                      </a:endParaRPr>
-                    </a:p>
-                  </a:txBody>
-                  <a:tcPr marL="68580" marR="68580" marT="0" marB="0"/>
-                </a:tc>
-                <a:tc>
-                  <a:txBody>
-                    <a:bodyPr/>
-                    <a:lstStyle/>
-                    <a:p>
-                      <a:pPr marL="0" marR="0" algn="ctr" rtl="1">
-                        <a:spcBef>
-                          <a:spcPts val="0"/>
-                        </a:spcBef>
-                        <a:spcAft>
-                          <a:spcPts val="0"/>
-                        </a:spcAft>
-                      </a:pPr>
-                      <a:r>
-                        <a:rPr lang="fa-IR" sz="1400">
-                          <a:effectLst/>
-                        </a:rPr>
-                        <a:t>+</a:t>
-                      </a:r>
-                      <a:endParaRPr lang="en-US" sz="1400" dirty="0">
-                        <a:effectLst/>
-                        <a:latin typeface="Times New Roman" panose="02020603050405020304" pitchFamily="18" charset="0"/>
-                        <a:ea typeface="Times New Roman" panose="02020603050405020304" pitchFamily="18" charset="0"/>
-                        <a:cs typeface="B Nazanin" panose="00000400000000000000" pitchFamily="2" charset="-78"/>
-                      </a:endParaRPr>
-                    </a:p>
-                  </a:txBody>
-                  <a:tcPr marL="68580" marR="68580" marT="0" marB="0"/>
-                </a:tc>
-                <a:extLst>
-                  <a:ext uri="{0D108BD9-81ED-4DB2-BD59-A6C34878D82A}">
-                    <a16:rowId xmlns:a16="http://schemas.microsoft.com/office/drawing/2014/main" val="1706220685"/>
-                  </a:ext>
-                </a:extLst>
-              </a:tr>
-              <a:tr h="411365">
-                <a:tc>
-                  <a:txBody>
-                    <a:bodyPr/>
-                    <a:lstStyle/>
-                    <a:p>
-                      <a:pPr marL="0" marR="0" algn="ctr" rtl="1">
-                        <a:spcBef>
-                          <a:spcPts val="0"/>
-                        </a:spcBef>
-                        <a:spcAft>
-                          <a:spcPts val="0"/>
-                        </a:spcAft>
-                      </a:pPr>
-                      <a:r>
-                        <a:rPr lang="en-US" sz="1400" dirty="0">
-                          <a:effectLst/>
-                        </a:rPr>
-                        <a:t>Matching</a:t>
-                      </a:r>
-                      <a:endParaRPr lang="en-US" sz="1400" dirty="0">
-                        <a:effectLst/>
-                        <a:latin typeface="Times New Roman" panose="02020603050405020304" pitchFamily="18" charset="0"/>
-                        <a:ea typeface="Times New Roman" panose="02020603050405020304" pitchFamily="18" charset="0"/>
-                        <a:cs typeface="B Nazanin" panose="00000400000000000000" pitchFamily="2" charset="-78"/>
-                      </a:endParaRPr>
-                    </a:p>
-                  </a:txBody>
-                  <a:tcPr marL="68580" marR="68580" marT="0" marB="0"/>
-                </a:tc>
-                <a:tc>
-                  <a:txBody>
-                    <a:bodyPr/>
-                    <a:lstStyle/>
-                    <a:p>
-                      <a:pPr marL="0" marR="0" algn="ctr" rtl="1">
-                        <a:spcBef>
-                          <a:spcPts val="0"/>
-                        </a:spcBef>
-                        <a:spcAft>
-                          <a:spcPts val="0"/>
-                        </a:spcAft>
-                      </a:pPr>
-                      <a:r>
-                        <a:rPr lang="fa-IR" sz="1400" dirty="0">
-                          <a:effectLst/>
-                        </a:rPr>
-                        <a:t>+</a:t>
-                      </a:r>
-                      <a:endParaRPr lang="en-US" sz="1400" dirty="0">
-                        <a:effectLst/>
-                        <a:latin typeface="Times New Roman" panose="02020603050405020304" pitchFamily="18" charset="0"/>
-                        <a:ea typeface="Times New Roman" panose="02020603050405020304" pitchFamily="18" charset="0"/>
-                        <a:cs typeface="B Nazanin" panose="00000400000000000000" pitchFamily="2" charset="-78"/>
-                      </a:endParaRPr>
-                    </a:p>
-                  </a:txBody>
-                  <a:tcPr marL="68580" marR="68580" marT="0" marB="0"/>
-                </a:tc>
-                <a:extLst>
-                  <a:ext uri="{0D108BD9-81ED-4DB2-BD59-A6C34878D82A}">
-                    <a16:rowId xmlns:a16="http://schemas.microsoft.com/office/drawing/2014/main" val="1206513117"/>
-                  </a:ext>
-                </a:extLst>
-              </a:tr>
-            </a:tbl>
-          </a:graphicData>
-        </a:graphic>
-      </p:graphicFrame>
-    </p:spTree>
-    <p:extLst>
-      <p:ext uri="{BB962C8B-B14F-4D97-AF65-F5344CB8AC3E}">
-        <p14:creationId xmlns:p14="http://schemas.microsoft.com/office/powerpoint/2010/main" val="3408116621"/>
-      </p:ext>
-    </p:extLst>
-  </p:cSld>
-  <p:clrMapOvr>
-    <a:masterClrMapping/>
-  </p:clrMapOvr>
-</p:sld>
-</file>
-
-<file path=ppt/slides/slide6.xml><?xml version="1.0" encoding="utf-8"?>
-<p:sld xmlns:a="http://schemas.openxmlformats.org/drawingml/2006/main" xmlns:r="http://schemas.openxmlformats.org/officeDocument/2006/relationships" xmlns:p="http://schemas.openxmlformats.org/presentationml/2006/main">
-  <p:cSld>
-    <p:spTree>
-      <p:nvGrpSpPr>
-        <p:cNvPr id="1" name=""/>
-        <p:cNvGrpSpPr/>
-        <p:nvPr/>
-      </p:nvGrpSpPr>
-      <p:grpSpPr>
-        <a:xfrm>
-          <a:off x="0" y="0"/>
-          <a:ext cx="0" cy="0"/>
-          <a:chOff x="0" y="0"/>
-          <a:chExt cx="0" cy="0"/>
-        </a:xfrm>
-      </p:grpSpPr>
-      <p:sp>
-        <p:nvSpPr>
-          <p:cNvPr id="2" name="Title 1">
-            <a:extLst>
-              <a:ext uri="{FF2B5EF4-FFF2-40B4-BE49-F238E27FC236}">
-                <a16:creationId xmlns:a16="http://schemas.microsoft.com/office/drawing/2014/main" id="{E9350FF3-E40D-F9CB-D55F-9AF5AB77B232}"/>
-              </a:ext>
-            </a:extLst>
-          </p:cNvPr>
-          <p:cNvSpPr>
-            <a:spLocks noGrp="1"/>
-          </p:cNvSpPr>
-          <p:nvPr>
-            <p:ph type="title"/>
-          </p:nvPr>
-        </p:nvSpPr>
-        <p:spPr>
-          <a:xfrm>
-            <a:off x="1069848" y="484632"/>
-            <a:ext cx="10058400" cy="1140968"/>
-          </a:xfrm>
-        </p:spPr>
-        <p:txBody>
-          <a:bodyPr>
-            <a:normAutofit/>
-          </a:bodyPr>
-          <a:lstStyle/>
-          <a:p>
-            <a:pPr algn="ctr"/>
-            <a:r>
-              <a:rPr lang="en-US" sz="3200" dirty="0"/>
-              <a:t>Relationships with high importance</a:t>
-            </a:r>
-          </a:p>
-        </p:txBody>
-      </p:sp>
-      <p:sp>
-        <p:nvSpPr>
-          <p:cNvPr id="3" name="Content Placeholder 2">
-            <a:extLst>
-              <a:ext uri="{FF2B5EF4-FFF2-40B4-BE49-F238E27FC236}">
-                <a16:creationId xmlns:a16="http://schemas.microsoft.com/office/drawing/2014/main" id="{5ACE5F39-990A-A23C-E8BF-D7E89CDA6C2F}"/>
-              </a:ext>
-            </a:extLst>
-          </p:cNvPr>
-          <p:cNvSpPr>
-            <a:spLocks noGrp="1"/>
-          </p:cNvSpPr>
-          <p:nvPr>
-            <p:ph sz="quarter" idx="13"/>
-          </p:nvPr>
-        </p:nvSpPr>
-        <p:spPr>
-          <a:xfrm>
-            <a:off x="913774" y="1625600"/>
-            <a:ext cx="10363826" cy="4165599"/>
-          </a:xfrm>
-        </p:spPr>
-        <p:txBody>
-          <a:bodyPr/>
-          <a:lstStyle/>
-          <a:p>
-            <a:pPr algn="r" rtl="1"/>
-            <a:r>
-              <a:rPr lang="fa-IR" dirty="0"/>
-              <a:t>بررسی کامل روابط و دسته بندی اون ها و بیان میزان اهمیت هر کدام</a:t>
-            </a:r>
-            <a:endParaRPr lang="en-US" dirty="0"/>
-          </a:p>
-        </p:txBody>
-      </p:sp>
-      <p:graphicFrame>
-        <p:nvGraphicFramePr>
-          <p:cNvPr id="4" name="Table 3">
-            <a:extLst>
-              <a:ext uri="{FF2B5EF4-FFF2-40B4-BE49-F238E27FC236}">
-                <a16:creationId xmlns:a16="http://schemas.microsoft.com/office/drawing/2014/main" id="{A9DA443C-7DBE-3DB8-A4F7-82B73C10369B}"/>
-              </a:ext>
-            </a:extLst>
-          </p:cNvPr>
-          <p:cNvGraphicFramePr>
-            <a:graphicFrameLocks noGrp="1"/>
-          </p:cNvGraphicFramePr>
-          <p:nvPr>
-            <p:extLst>
-              <p:ext uri="{D42A27DB-BD31-4B8C-83A1-F6EECF244321}">
-                <p14:modId xmlns:p14="http://schemas.microsoft.com/office/powerpoint/2010/main" val="3557695376"/>
-              </p:ext>
-            </p:extLst>
-          </p:nvPr>
-        </p:nvGraphicFramePr>
-        <p:xfrm>
-          <a:off x="1777687" y="3181350"/>
-          <a:ext cx="8636000" cy="3317705"/>
-        </p:xfrm>
-        <a:graphic>
-          <a:graphicData uri="http://schemas.openxmlformats.org/drawingml/2006/table">
-            <a:tbl>
-              <a:tblPr rtl="1" firstRow="1" firstCol="1" bandRow="1">
-                <a:tableStyleId>{5C22544A-7EE6-4342-B048-85BDC9FD1C3A}</a:tableStyleId>
-              </a:tblPr>
-              <a:tblGrid>
-                <a:gridCol w="2877960">
-                  <a:extLst>
-                    <a:ext uri="{9D8B030D-6E8A-4147-A177-3AD203B41FA5}">
-                      <a16:colId xmlns:a16="http://schemas.microsoft.com/office/drawing/2014/main" val="480737374"/>
-                    </a:ext>
-                  </a:extLst>
-                </a:gridCol>
-                <a:gridCol w="2879020">
-                  <a:extLst>
-                    <a:ext uri="{9D8B030D-6E8A-4147-A177-3AD203B41FA5}">
-                      <a16:colId xmlns:a16="http://schemas.microsoft.com/office/drawing/2014/main" val="2829563016"/>
-                    </a:ext>
-                  </a:extLst>
-                </a:gridCol>
-                <a:gridCol w="2879020">
-                  <a:extLst>
-                    <a:ext uri="{9D8B030D-6E8A-4147-A177-3AD203B41FA5}">
-                      <a16:colId xmlns:a16="http://schemas.microsoft.com/office/drawing/2014/main" val="370154719"/>
-                    </a:ext>
-                  </a:extLst>
-                </a:gridCol>
-              </a:tblGrid>
-              <a:tr h="438150">
-                <a:tc>
-                  <a:txBody>
-                    <a:bodyPr/>
-                    <a:lstStyle/>
-                    <a:p>
-                      <a:pPr marL="0" marR="0" algn="ctr" rtl="1">
-                        <a:spcBef>
-                          <a:spcPts val="0"/>
-                        </a:spcBef>
-                        <a:spcAft>
-                          <a:spcPts val="0"/>
-                        </a:spcAft>
-                      </a:pPr>
-                      <a:r>
-                        <a:rPr lang="fa-IR" sz="1400" cap="all">
-                          <a:effectLst/>
-                        </a:rPr>
-                        <a:t>رابطه</a:t>
-                      </a:r>
-                      <a:endParaRPr lang="en-US" sz="1400" dirty="0">
-                        <a:effectLst/>
-                        <a:latin typeface="Times New Roman" panose="02020603050405020304" pitchFamily="18" charset="0"/>
-                        <a:ea typeface="Times New Roman" panose="02020603050405020304" pitchFamily="18" charset="0"/>
-                        <a:cs typeface="B Nazanin" panose="00000400000000000000" pitchFamily="2" charset="-78"/>
-                      </a:endParaRPr>
-                    </a:p>
-                  </a:txBody>
-                  <a:tcPr marL="68580" marR="68580" marT="0" marB="0"/>
-                </a:tc>
-                <a:tc>
-                  <a:txBody>
-                    <a:bodyPr/>
-                    <a:lstStyle/>
-                    <a:p>
-                      <a:pPr marL="0" marR="0" algn="ctr" rtl="1">
-                        <a:spcBef>
-                          <a:spcPts val="0"/>
-                        </a:spcBef>
-                        <a:spcAft>
-                          <a:spcPts val="0"/>
-                        </a:spcAft>
-                      </a:pPr>
-                      <a:r>
-                        <a:rPr lang="fa-IR" sz="1400" cap="all">
-                          <a:effectLst/>
-                        </a:rPr>
-                        <a:t>اهمیت</a:t>
-                      </a:r>
-                      <a:endParaRPr lang="en-US" sz="1400" dirty="0">
-                        <a:effectLst/>
-                        <a:latin typeface="Times New Roman" panose="02020603050405020304" pitchFamily="18" charset="0"/>
-                        <a:ea typeface="Times New Roman" panose="02020603050405020304" pitchFamily="18" charset="0"/>
-                        <a:cs typeface="B Nazanin" panose="00000400000000000000" pitchFamily="2" charset="-78"/>
-                      </a:endParaRPr>
-                    </a:p>
-                  </a:txBody>
-                  <a:tcPr marL="68580" marR="68580" marT="0" marB="0"/>
-                </a:tc>
-                <a:tc>
-                  <a:txBody>
-                    <a:bodyPr/>
-                    <a:lstStyle/>
-                    <a:p>
-                      <a:pPr marL="0" marR="0" algn="ctr" rtl="1">
-                        <a:spcBef>
-                          <a:spcPts val="0"/>
-                        </a:spcBef>
-                        <a:spcAft>
-                          <a:spcPts val="0"/>
-                        </a:spcAft>
-                      </a:pPr>
-                      <a:r>
-                        <a:rPr lang="fa-IR" sz="1400" cap="all">
-                          <a:effectLst/>
-                        </a:rPr>
-                        <a:t>نوع رابطه</a:t>
-                      </a:r>
-                      <a:endParaRPr lang="en-US" sz="1400">
-                        <a:effectLst/>
-                        <a:latin typeface="Times New Roman" panose="02020603050405020304" pitchFamily="18" charset="0"/>
-                        <a:ea typeface="Times New Roman" panose="02020603050405020304" pitchFamily="18" charset="0"/>
-                        <a:cs typeface="B Nazanin" panose="00000400000000000000" pitchFamily="2" charset="-78"/>
-                      </a:endParaRPr>
-                    </a:p>
-                  </a:txBody>
-                  <a:tcPr marL="68580" marR="68580" marT="0" marB="0"/>
-                </a:tc>
-                <a:extLst>
-                  <a:ext uri="{0D108BD9-81ED-4DB2-BD59-A6C34878D82A}">
-                    <a16:rowId xmlns:a16="http://schemas.microsoft.com/office/drawing/2014/main" val="1152224043"/>
-                  </a:ext>
-                </a:extLst>
-              </a:tr>
-              <a:tr h="411365">
-                <a:tc>
-                  <a:txBody>
-                    <a:bodyPr/>
-                    <a:lstStyle/>
-                    <a:p>
-                      <a:pPr marL="0" marR="0" algn="ctr" rtl="1">
-                        <a:spcBef>
-                          <a:spcPts val="0"/>
-                        </a:spcBef>
-                        <a:spcAft>
-                          <a:spcPts val="0"/>
-                        </a:spcAft>
-                      </a:pPr>
-                      <a:r>
-                        <a:rPr lang="en-US" sz="1400" dirty="0">
-                          <a:effectLst/>
-                        </a:rPr>
-                        <a:t>Payment</a:t>
-                      </a:r>
-                      <a:endParaRPr lang="en-US" sz="1400" dirty="0">
-                        <a:effectLst/>
-                        <a:latin typeface="Times New Roman" panose="02020603050405020304" pitchFamily="18" charset="0"/>
-                        <a:ea typeface="Times New Roman" panose="02020603050405020304" pitchFamily="18" charset="0"/>
-                        <a:cs typeface="B Nazanin" panose="00000400000000000000" pitchFamily="2" charset="-78"/>
-                      </a:endParaRPr>
-                    </a:p>
-                  </a:txBody>
-                  <a:tcPr marL="68580" marR="68580" marT="0" marB="0"/>
-                </a:tc>
-                <a:tc>
-                  <a:txBody>
-                    <a:bodyPr/>
-                    <a:lstStyle/>
-                    <a:p>
-                      <a:pPr marL="0" marR="0" algn="ctr" rtl="1">
-                        <a:spcBef>
-                          <a:spcPts val="0"/>
-                        </a:spcBef>
-                        <a:spcAft>
-                          <a:spcPts val="0"/>
-                        </a:spcAft>
-                      </a:pPr>
-                      <a:r>
-                        <a:rPr lang="fa-IR" sz="1400">
-                          <a:effectLst/>
-                        </a:rPr>
-                        <a:t>+</a:t>
-                      </a:r>
-                      <a:endParaRPr lang="en-US" sz="1400">
-                        <a:effectLst/>
-                        <a:latin typeface="Times New Roman" panose="02020603050405020304" pitchFamily="18" charset="0"/>
-                        <a:ea typeface="Times New Roman" panose="02020603050405020304" pitchFamily="18" charset="0"/>
-                        <a:cs typeface="B Nazanin" panose="00000400000000000000" pitchFamily="2" charset="-78"/>
-                      </a:endParaRPr>
-                    </a:p>
-                  </a:txBody>
-                  <a:tcPr marL="68580" marR="68580" marT="0" marB="0"/>
-                </a:tc>
-                <a:tc>
-                  <a:txBody>
-                    <a:bodyPr/>
-                    <a:lstStyle/>
-                    <a:p>
-                      <a:pPr marL="0" marR="0" algn="ctr" rtl="1">
-                        <a:spcBef>
-                          <a:spcPts val="0"/>
-                        </a:spcBef>
-                        <a:spcAft>
-                          <a:spcPts val="0"/>
-                        </a:spcAft>
-                      </a:pPr>
-                      <a:r>
-                        <a:rPr lang="fa-IR" sz="1400">
-                          <a:effectLst/>
-                        </a:rPr>
-                        <a:t>شخصی</a:t>
-                      </a:r>
-                      <a:endParaRPr lang="en-US" sz="1400">
-                        <a:effectLst/>
-                        <a:latin typeface="Times New Roman" panose="02020603050405020304" pitchFamily="18" charset="0"/>
-                        <a:ea typeface="Times New Roman" panose="02020603050405020304" pitchFamily="18" charset="0"/>
-                        <a:cs typeface="B Nazanin" panose="00000400000000000000" pitchFamily="2" charset="-78"/>
-                      </a:endParaRPr>
-                    </a:p>
-                  </a:txBody>
-                  <a:tcPr marL="68580" marR="68580" marT="0" marB="0"/>
-                </a:tc>
-                <a:extLst>
-                  <a:ext uri="{0D108BD9-81ED-4DB2-BD59-A6C34878D82A}">
-                    <a16:rowId xmlns:a16="http://schemas.microsoft.com/office/drawing/2014/main" val="1952466389"/>
-                  </a:ext>
-                </a:extLst>
-              </a:tr>
-              <a:tr h="411365">
-                <a:tc>
-                  <a:txBody>
-                    <a:bodyPr/>
-                    <a:lstStyle/>
-                    <a:p>
-                      <a:pPr marL="0" marR="0" algn="ctr" rtl="1">
-                        <a:spcBef>
-                          <a:spcPts val="0"/>
-                        </a:spcBef>
-                        <a:spcAft>
-                          <a:spcPts val="0"/>
-                        </a:spcAft>
-                      </a:pPr>
-                      <a:r>
-                        <a:rPr lang="en-US" sz="1400" dirty="0">
-                          <a:effectLst/>
-                        </a:rPr>
-                        <a:t>Co-</a:t>
-                      </a:r>
-                      <a:r>
-                        <a:rPr lang="en-US" sz="1400" dirty="0" err="1">
-                          <a:effectLst/>
-                        </a:rPr>
-                        <a:t>Singner</a:t>
-                      </a:r>
-                      <a:endParaRPr lang="en-US" sz="1400" dirty="0">
-                        <a:effectLst/>
-                        <a:latin typeface="Times New Roman" panose="02020603050405020304" pitchFamily="18" charset="0"/>
-                        <a:ea typeface="Times New Roman" panose="02020603050405020304" pitchFamily="18" charset="0"/>
-                        <a:cs typeface="B Nazanin" panose="00000400000000000000" pitchFamily="2" charset="-78"/>
-                      </a:endParaRPr>
-                    </a:p>
-                  </a:txBody>
-                  <a:tcPr marL="68580" marR="68580" marT="0" marB="0"/>
-                </a:tc>
-                <a:tc>
-                  <a:txBody>
-                    <a:bodyPr/>
-                    <a:lstStyle/>
-                    <a:p>
-                      <a:pPr marL="0" marR="0" algn="ctr" rtl="1">
-                        <a:spcBef>
-                          <a:spcPts val="0"/>
-                        </a:spcBef>
-                        <a:spcAft>
-                          <a:spcPts val="0"/>
-                        </a:spcAft>
-                      </a:pPr>
-                      <a:r>
-                        <a:rPr lang="fa-IR" sz="1400">
-                          <a:effectLst/>
-                        </a:rPr>
-                        <a:t>+</a:t>
-                      </a:r>
-                      <a:endParaRPr lang="en-US" sz="1400" dirty="0">
-                        <a:effectLst/>
-                        <a:latin typeface="Times New Roman" panose="02020603050405020304" pitchFamily="18" charset="0"/>
-                        <a:ea typeface="Times New Roman" panose="02020603050405020304" pitchFamily="18" charset="0"/>
-                        <a:cs typeface="B Nazanin" panose="00000400000000000000" pitchFamily="2" charset="-78"/>
-                      </a:endParaRPr>
-                    </a:p>
-                  </a:txBody>
-                  <a:tcPr marL="68580" marR="68580" marT="0" marB="0"/>
-                </a:tc>
-                <a:tc>
-                  <a:txBody>
-                    <a:bodyPr/>
-                    <a:lstStyle/>
-                    <a:p>
-                      <a:pPr marL="0" marR="0" algn="ctr" rtl="1">
-                        <a:spcBef>
-                          <a:spcPts val="0"/>
-                        </a:spcBef>
-                        <a:spcAft>
-                          <a:spcPts val="0"/>
-                        </a:spcAft>
-                      </a:pPr>
-                      <a:r>
-                        <a:rPr lang="fa-IR" sz="1400">
-                          <a:effectLst/>
-                        </a:rPr>
-                        <a:t>شخصی</a:t>
-                      </a:r>
-                      <a:endParaRPr lang="en-US" sz="1400">
-                        <a:effectLst/>
-                        <a:latin typeface="Times New Roman" panose="02020603050405020304" pitchFamily="18" charset="0"/>
-                        <a:ea typeface="Times New Roman" panose="02020603050405020304" pitchFamily="18" charset="0"/>
-                        <a:cs typeface="B Nazanin" panose="00000400000000000000" pitchFamily="2" charset="-78"/>
-                      </a:endParaRPr>
-                    </a:p>
-                  </a:txBody>
-                  <a:tcPr marL="68580" marR="68580" marT="0" marB="0"/>
-                </a:tc>
-                <a:extLst>
-                  <a:ext uri="{0D108BD9-81ED-4DB2-BD59-A6C34878D82A}">
-                    <a16:rowId xmlns:a16="http://schemas.microsoft.com/office/drawing/2014/main" val="2497463439"/>
-                  </a:ext>
-                </a:extLst>
-              </a:tr>
-              <a:tr h="411365">
-                <a:tc>
-                  <a:txBody>
-                    <a:bodyPr/>
-                    <a:lstStyle/>
-                    <a:p>
-                      <a:pPr marL="0" marR="0" algn="ctr" rtl="1">
-                        <a:spcBef>
-                          <a:spcPts val="0"/>
-                        </a:spcBef>
-                        <a:spcAft>
-                          <a:spcPts val="0"/>
-                        </a:spcAft>
-                      </a:pPr>
-                      <a:r>
-                        <a:rPr lang="en-US" sz="1400" dirty="0">
-                          <a:effectLst/>
-                        </a:rPr>
-                        <a:t>Create Account</a:t>
-                      </a:r>
-                      <a:endParaRPr lang="en-US" sz="1400" dirty="0">
-                        <a:effectLst/>
-                        <a:latin typeface="Times New Roman" panose="02020603050405020304" pitchFamily="18" charset="0"/>
-                        <a:ea typeface="Times New Roman" panose="02020603050405020304" pitchFamily="18" charset="0"/>
-                        <a:cs typeface="B Nazanin" panose="00000400000000000000" pitchFamily="2" charset="-78"/>
-                      </a:endParaRPr>
-                    </a:p>
-                  </a:txBody>
-                  <a:tcPr marL="68580" marR="68580" marT="0" marB="0"/>
-                </a:tc>
-                <a:tc>
-                  <a:txBody>
-                    <a:bodyPr/>
-                    <a:lstStyle/>
-                    <a:p>
-                      <a:pPr marL="0" marR="0" algn="ctr" rtl="1">
-                        <a:spcBef>
-                          <a:spcPts val="0"/>
-                        </a:spcBef>
-                        <a:spcAft>
-                          <a:spcPts val="0"/>
-                        </a:spcAft>
-                      </a:pPr>
-                      <a:r>
-                        <a:rPr lang="fa-IR" sz="1400">
-                          <a:effectLst/>
-                        </a:rPr>
-                        <a:t>-</a:t>
-                      </a:r>
-                      <a:endParaRPr lang="en-US" sz="1400" dirty="0">
-                        <a:effectLst/>
-                        <a:latin typeface="Times New Roman" panose="02020603050405020304" pitchFamily="18" charset="0"/>
-                        <a:ea typeface="Times New Roman" panose="02020603050405020304" pitchFamily="18" charset="0"/>
-                        <a:cs typeface="B Nazanin" panose="00000400000000000000" pitchFamily="2" charset="-78"/>
-                      </a:endParaRPr>
-                    </a:p>
-                  </a:txBody>
-                  <a:tcPr marL="68580" marR="68580" marT="0" marB="0"/>
-                </a:tc>
-                <a:tc>
-                  <a:txBody>
-                    <a:bodyPr/>
-                    <a:lstStyle/>
-                    <a:p>
-                      <a:pPr marL="0" marR="0" algn="ctr" rtl="1">
-                        <a:spcBef>
-                          <a:spcPts val="0"/>
-                        </a:spcBef>
-                        <a:spcAft>
-                          <a:spcPts val="0"/>
-                        </a:spcAft>
-                      </a:pPr>
-                      <a:r>
-                        <a:rPr lang="fa-IR" sz="1400">
-                          <a:effectLst/>
-                        </a:rPr>
-                        <a:t>شخصی</a:t>
-                      </a:r>
-                      <a:endParaRPr lang="en-US" sz="1400">
-                        <a:effectLst/>
-                        <a:latin typeface="Times New Roman" panose="02020603050405020304" pitchFamily="18" charset="0"/>
-                        <a:ea typeface="Times New Roman" panose="02020603050405020304" pitchFamily="18" charset="0"/>
-                        <a:cs typeface="B Nazanin" panose="00000400000000000000" pitchFamily="2" charset="-78"/>
-                      </a:endParaRPr>
-                    </a:p>
-                  </a:txBody>
-                  <a:tcPr marL="68580" marR="68580" marT="0" marB="0"/>
-                </a:tc>
-                <a:extLst>
-                  <a:ext uri="{0D108BD9-81ED-4DB2-BD59-A6C34878D82A}">
-                    <a16:rowId xmlns:a16="http://schemas.microsoft.com/office/drawing/2014/main" val="919074496"/>
-                  </a:ext>
-                </a:extLst>
-              </a:tr>
-              <a:tr h="411365">
-                <a:tc>
-                  <a:txBody>
-                    <a:bodyPr/>
-                    <a:lstStyle/>
-                    <a:p>
-                      <a:pPr marL="0" marR="0" algn="ctr" rtl="1">
-                        <a:spcBef>
-                          <a:spcPts val="0"/>
-                        </a:spcBef>
-                        <a:spcAft>
-                          <a:spcPts val="0"/>
-                        </a:spcAft>
-                      </a:pPr>
-                      <a:r>
-                        <a:rPr lang="en-US" sz="1400" dirty="0">
-                          <a:effectLst/>
-                        </a:rPr>
-                        <a:t>Merge Account</a:t>
-                      </a:r>
-                      <a:endParaRPr lang="en-US" sz="1400" dirty="0">
-                        <a:effectLst/>
-                        <a:latin typeface="Times New Roman" panose="02020603050405020304" pitchFamily="18" charset="0"/>
-                        <a:ea typeface="Times New Roman" panose="02020603050405020304" pitchFamily="18" charset="0"/>
-                        <a:cs typeface="B Nazanin" panose="00000400000000000000" pitchFamily="2" charset="-78"/>
-                      </a:endParaRPr>
-                    </a:p>
-                  </a:txBody>
-                  <a:tcPr marL="68580" marR="68580" marT="0" marB="0"/>
-                </a:tc>
-                <a:tc>
-                  <a:txBody>
-                    <a:bodyPr/>
-                    <a:lstStyle/>
-                    <a:p>
-                      <a:pPr marL="0" marR="0" algn="ctr" rtl="1">
-                        <a:spcBef>
-                          <a:spcPts val="0"/>
-                        </a:spcBef>
-                        <a:spcAft>
-                          <a:spcPts val="0"/>
-                        </a:spcAft>
-                      </a:pPr>
-                      <a:r>
-                        <a:rPr lang="fa-IR" sz="1400">
-                          <a:effectLst/>
-                        </a:rPr>
-                        <a:t>-</a:t>
-                      </a:r>
-                      <a:endParaRPr lang="en-US" sz="1400" dirty="0">
-                        <a:effectLst/>
-                        <a:latin typeface="Times New Roman" panose="02020603050405020304" pitchFamily="18" charset="0"/>
-                        <a:ea typeface="Times New Roman" panose="02020603050405020304" pitchFamily="18" charset="0"/>
-                        <a:cs typeface="B Nazanin" panose="00000400000000000000" pitchFamily="2" charset="-78"/>
-                      </a:endParaRPr>
-                    </a:p>
-                  </a:txBody>
-                  <a:tcPr marL="68580" marR="68580" marT="0" marB="0"/>
-                </a:tc>
-                <a:tc>
-                  <a:txBody>
-                    <a:bodyPr/>
-                    <a:lstStyle/>
-                    <a:p>
-                      <a:pPr marL="0" marR="0" algn="ctr" rtl="1">
-                        <a:spcBef>
-                          <a:spcPts val="0"/>
-                        </a:spcBef>
-                        <a:spcAft>
-                          <a:spcPts val="0"/>
-                        </a:spcAft>
-                      </a:pPr>
-                      <a:r>
-                        <a:rPr lang="fa-IR" sz="1400">
-                          <a:effectLst/>
-                        </a:rPr>
-                        <a:t>شخصی</a:t>
-                      </a:r>
-                      <a:endParaRPr lang="en-US" sz="1400">
-                        <a:effectLst/>
-                        <a:latin typeface="Times New Roman" panose="02020603050405020304" pitchFamily="18" charset="0"/>
-                        <a:ea typeface="Times New Roman" panose="02020603050405020304" pitchFamily="18" charset="0"/>
-                        <a:cs typeface="B Nazanin" panose="00000400000000000000" pitchFamily="2" charset="-78"/>
-                      </a:endParaRPr>
-                    </a:p>
-                  </a:txBody>
-                  <a:tcPr marL="68580" marR="68580" marT="0" marB="0"/>
-                </a:tc>
-                <a:extLst>
-                  <a:ext uri="{0D108BD9-81ED-4DB2-BD59-A6C34878D82A}">
-                    <a16:rowId xmlns:a16="http://schemas.microsoft.com/office/drawing/2014/main" val="2590320366"/>
-                  </a:ext>
-                </a:extLst>
-              </a:tr>
-              <a:tr h="411365">
-                <a:tc>
-                  <a:txBody>
-                    <a:bodyPr/>
-                    <a:lstStyle/>
-                    <a:p>
-                      <a:pPr marL="0" marR="0" algn="ctr" rtl="1">
-                        <a:spcBef>
-                          <a:spcPts val="0"/>
-                        </a:spcBef>
-                        <a:spcAft>
-                          <a:spcPts val="0"/>
-                        </a:spcAft>
-                      </a:pPr>
-                      <a:r>
-                        <a:rPr lang="en-US" sz="1400" dirty="0">
-                          <a:effectLst/>
-                        </a:rPr>
-                        <a:t>Sponsor</a:t>
-                      </a:r>
-                      <a:endParaRPr lang="en-US" sz="1400" dirty="0">
-                        <a:effectLst/>
-                        <a:latin typeface="Times New Roman" panose="02020603050405020304" pitchFamily="18" charset="0"/>
-                        <a:ea typeface="Times New Roman" panose="02020603050405020304" pitchFamily="18" charset="0"/>
-                        <a:cs typeface="B Nazanin" panose="00000400000000000000" pitchFamily="2" charset="-78"/>
-                      </a:endParaRPr>
-                    </a:p>
-                  </a:txBody>
-                  <a:tcPr marL="68580" marR="68580" marT="0" marB="0"/>
-                </a:tc>
-                <a:tc>
-                  <a:txBody>
-                    <a:bodyPr/>
-                    <a:lstStyle/>
-                    <a:p>
-                      <a:pPr marL="0" marR="0" algn="ctr" rtl="1">
-                        <a:spcBef>
-                          <a:spcPts val="0"/>
-                        </a:spcBef>
-                        <a:spcAft>
-                          <a:spcPts val="0"/>
-                        </a:spcAft>
-                      </a:pPr>
-                      <a:r>
-                        <a:rPr lang="fa-IR" sz="1400">
-                          <a:effectLst/>
-                        </a:rPr>
-                        <a:t>-</a:t>
-                      </a:r>
-                      <a:endParaRPr lang="en-US" sz="1400" dirty="0">
-                        <a:effectLst/>
-                        <a:latin typeface="Times New Roman" panose="02020603050405020304" pitchFamily="18" charset="0"/>
-                        <a:ea typeface="Times New Roman" panose="02020603050405020304" pitchFamily="18" charset="0"/>
-                        <a:cs typeface="B Nazanin" panose="00000400000000000000" pitchFamily="2" charset="-78"/>
-                      </a:endParaRPr>
-                    </a:p>
-                  </a:txBody>
-                  <a:tcPr marL="68580" marR="68580" marT="0" marB="0"/>
-                </a:tc>
-                <a:tc>
-                  <a:txBody>
-                    <a:bodyPr/>
-                    <a:lstStyle/>
-                    <a:p>
-                      <a:pPr marL="0" marR="0" algn="ctr" rtl="1">
-                        <a:spcBef>
-                          <a:spcPts val="0"/>
-                        </a:spcBef>
-                        <a:spcAft>
-                          <a:spcPts val="0"/>
-                        </a:spcAft>
-                      </a:pPr>
-                      <a:r>
-                        <a:rPr lang="fa-IR" sz="1400">
-                          <a:effectLst/>
-                        </a:rPr>
-                        <a:t>شخصی</a:t>
-                      </a:r>
-                      <a:endParaRPr lang="en-US" sz="1400">
-                        <a:effectLst/>
-                        <a:latin typeface="Times New Roman" panose="02020603050405020304" pitchFamily="18" charset="0"/>
-                        <a:ea typeface="Times New Roman" panose="02020603050405020304" pitchFamily="18" charset="0"/>
-                        <a:cs typeface="B Nazanin" panose="00000400000000000000" pitchFamily="2" charset="-78"/>
-                      </a:endParaRPr>
-                    </a:p>
-                  </a:txBody>
-                  <a:tcPr marL="68580" marR="68580" marT="0" marB="0"/>
-                </a:tc>
-                <a:extLst>
-                  <a:ext uri="{0D108BD9-81ED-4DB2-BD59-A6C34878D82A}">
-                    <a16:rowId xmlns:a16="http://schemas.microsoft.com/office/drawing/2014/main" val="3234386528"/>
-                  </a:ext>
-                </a:extLst>
-              </a:tr>
-              <a:tr h="411365">
-                <a:tc>
-                  <a:txBody>
-                    <a:bodyPr/>
-                    <a:lstStyle/>
-                    <a:p>
-                      <a:pPr marL="0" marR="0" algn="ctr" rtl="1">
-                        <a:spcBef>
-                          <a:spcPts val="0"/>
-                        </a:spcBef>
-                        <a:spcAft>
-                          <a:spcPts val="0"/>
-                        </a:spcAft>
-                      </a:pPr>
-                      <a:r>
-                        <a:rPr lang="en-US" sz="1400" dirty="0">
-                          <a:effectLst/>
-                        </a:rPr>
-                        <a:t>Allow Trust</a:t>
-                      </a:r>
-                      <a:endParaRPr lang="en-US" sz="1400" dirty="0">
-                        <a:effectLst/>
-                        <a:latin typeface="Times New Roman" panose="02020603050405020304" pitchFamily="18" charset="0"/>
-                        <a:ea typeface="Times New Roman" panose="02020603050405020304" pitchFamily="18" charset="0"/>
-                        <a:cs typeface="B Nazanin" panose="00000400000000000000" pitchFamily="2" charset="-78"/>
-                      </a:endParaRPr>
-                    </a:p>
-                  </a:txBody>
-                  <a:tcPr marL="68580" marR="68580" marT="0" marB="0"/>
-                </a:tc>
-                <a:tc>
-                  <a:txBody>
-                    <a:bodyPr/>
-                    <a:lstStyle/>
-                    <a:p>
-                      <a:pPr marL="0" marR="0" algn="ctr" rtl="1">
-                        <a:spcBef>
-                          <a:spcPts val="0"/>
-                        </a:spcBef>
-                        <a:spcAft>
-                          <a:spcPts val="0"/>
-                        </a:spcAft>
-                      </a:pPr>
-                      <a:r>
-                        <a:rPr lang="fa-IR" sz="1400">
-                          <a:effectLst/>
-                        </a:rPr>
-                        <a:t>+</a:t>
-                      </a:r>
-                      <a:endParaRPr lang="en-US" sz="1400" dirty="0">
-                        <a:effectLst/>
-                        <a:latin typeface="Times New Roman" panose="02020603050405020304" pitchFamily="18" charset="0"/>
-                        <a:ea typeface="Times New Roman" panose="02020603050405020304" pitchFamily="18" charset="0"/>
-                        <a:cs typeface="B Nazanin" panose="00000400000000000000" pitchFamily="2" charset="-78"/>
-                      </a:endParaRPr>
-                    </a:p>
-                  </a:txBody>
-                  <a:tcPr marL="68580" marR="68580" marT="0" marB="0"/>
-                </a:tc>
-                <a:tc>
-                  <a:txBody>
-                    <a:bodyPr/>
-                    <a:lstStyle/>
-                    <a:p>
-                      <a:pPr marL="0" marR="0" algn="ctr" rtl="1">
-                        <a:spcBef>
-                          <a:spcPts val="0"/>
-                        </a:spcBef>
-                        <a:spcAft>
-                          <a:spcPts val="0"/>
-                        </a:spcAft>
-                      </a:pPr>
-                      <a:r>
-                        <a:rPr lang="fa-IR" sz="1400">
-                          <a:effectLst/>
-                        </a:rPr>
-                        <a:t>سازمانی</a:t>
-                      </a:r>
-                      <a:endParaRPr lang="en-US" sz="1400" dirty="0">
-                        <a:effectLst/>
-                        <a:latin typeface="Times New Roman" panose="02020603050405020304" pitchFamily="18" charset="0"/>
-                        <a:ea typeface="Times New Roman" panose="02020603050405020304" pitchFamily="18" charset="0"/>
-                        <a:cs typeface="B Nazanin" panose="00000400000000000000" pitchFamily="2" charset="-78"/>
-                      </a:endParaRPr>
-                    </a:p>
-                  </a:txBody>
-                  <a:tcPr marL="68580" marR="68580" marT="0" marB="0"/>
-                </a:tc>
-                <a:extLst>
-                  <a:ext uri="{0D108BD9-81ED-4DB2-BD59-A6C34878D82A}">
-                    <a16:rowId xmlns:a16="http://schemas.microsoft.com/office/drawing/2014/main" val="2969530034"/>
-                  </a:ext>
-                </a:extLst>
-              </a:tr>
-              <a:tr h="411365">
-                <a:tc>
-                  <a:txBody>
-                    <a:bodyPr/>
-                    <a:lstStyle/>
-                    <a:p>
-                      <a:pPr marL="0" marR="0" algn="ctr" rtl="1">
-                        <a:spcBef>
-                          <a:spcPts val="0"/>
-                        </a:spcBef>
-                        <a:spcAft>
-                          <a:spcPts val="0"/>
-                        </a:spcAft>
-                      </a:pPr>
-                      <a:r>
-                        <a:rPr lang="en-US" sz="1400" dirty="0">
-                          <a:effectLst/>
-                        </a:rPr>
-                        <a:t>Matching</a:t>
-                      </a:r>
-                      <a:endParaRPr lang="en-US" sz="1400" dirty="0">
-                        <a:effectLst/>
-                        <a:latin typeface="Times New Roman" panose="02020603050405020304" pitchFamily="18" charset="0"/>
-                        <a:ea typeface="Times New Roman" panose="02020603050405020304" pitchFamily="18" charset="0"/>
-                        <a:cs typeface="B Nazanin" panose="00000400000000000000" pitchFamily="2" charset="-78"/>
-                      </a:endParaRPr>
-                    </a:p>
-                  </a:txBody>
-                  <a:tcPr marL="68580" marR="68580" marT="0" marB="0"/>
-                </a:tc>
-                <a:tc>
-                  <a:txBody>
-                    <a:bodyPr/>
-                    <a:lstStyle/>
-                    <a:p>
-                      <a:pPr marL="0" marR="0" algn="ctr" rtl="1">
-                        <a:spcBef>
-                          <a:spcPts val="0"/>
-                        </a:spcBef>
-                        <a:spcAft>
-                          <a:spcPts val="0"/>
-                        </a:spcAft>
-                      </a:pPr>
-                      <a:r>
-                        <a:rPr lang="fa-IR" sz="1400" dirty="0">
-                          <a:effectLst/>
-                        </a:rPr>
-                        <a:t>+</a:t>
-                      </a:r>
-                      <a:endParaRPr lang="en-US" sz="1400" dirty="0">
-                        <a:effectLst/>
-                        <a:latin typeface="Times New Roman" panose="02020603050405020304" pitchFamily="18" charset="0"/>
-                        <a:ea typeface="Times New Roman" panose="02020603050405020304" pitchFamily="18" charset="0"/>
-                        <a:cs typeface="B Nazanin" panose="00000400000000000000" pitchFamily="2" charset="-78"/>
-                      </a:endParaRPr>
-                    </a:p>
-                  </a:txBody>
-                  <a:tcPr marL="68580" marR="68580" marT="0" marB="0"/>
-                </a:tc>
-                <a:tc>
-                  <a:txBody>
-                    <a:bodyPr/>
-                    <a:lstStyle/>
-                    <a:p>
-                      <a:pPr marL="0" marR="0" algn="ctr" rtl="1">
-                        <a:spcBef>
-                          <a:spcPts val="0"/>
-                        </a:spcBef>
-                        <a:spcAft>
-                          <a:spcPts val="0"/>
-                        </a:spcAft>
-                      </a:pPr>
-                      <a:r>
-                        <a:rPr lang="fa-IR" sz="1400" dirty="0">
-                          <a:effectLst/>
-                        </a:rPr>
-                        <a:t>اجتماعی</a:t>
-                      </a:r>
-                      <a:endParaRPr lang="en-US" sz="1400" dirty="0">
-                        <a:effectLst/>
-                        <a:latin typeface="Times New Roman" panose="02020603050405020304" pitchFamily="18" charset="0"/>
-                        <a:ea typeface="Times New Roman" panose="02020603050405020304" pitchFamily="18" charset="0"/>
-                        <a:cs typeface="B Nazanin" panose="00000400000000000000" pitchFamily="2" charset="-78"/>
-                      </a:endParaRPr>
-                    </a:p>
-                  </a:txBody>
-                  <a:tcPr marL="68580" marR="68580" marT="0" marB="0"/>
-                </a:tc>
-                <a:extLst>
-                  <a:ext uri="{0D108BD9-81ED-4DB2-BD59-A6C34878D82A}">
-                    <a16:rowId xmlns:a16="http://schemas.microsoft.com/office/drawing/2014/main" val="268411939"/>
-                  </a:ext>
-                </a:extLst>
-              </a:tr>
-            </a:tbl>
-          </a:graphicData>
-        </a:graphic>
-      </p:graphicFrame>
-    </p:spTree>
-    <p:extLst>
-      <p:ext uri="{BB962C8B-B14F-4D97-AF65-F5344CB8AC3E}">
-        <p14:creationId xmlns:p14="http://schemas.microsoft.com/office/powerpoint/2010/main" val="105143781"/>
-      </p:ext>
-    </p:extLst>
-  </p:cSld>
-  <p:clrMapOvr>
-    <a:masterClrMapping/>
-  </p:clrMapOvr>
-</p:sld>
-</file>
-
-<file path=ppt/slides/slide7.xml><?xml version="1.0" encoding="utf-8"?>
-<p:sld xmlns:a="http://schemas.openxmlformats.org/drawingml/2006/main" xmlns:r="http://schemas.openxmlformats.org/officeDocument/2006/relationships" xmlns:p="http://schemas.openxmlformats.org/presentationml/2006/main">
-  <p:cSld>
-    <p:spTree>
-      <p:nvGrpSpPr>
-        <p:cNvPr id="1" name=""/>
-        <p:cNvGrpSpPr/>
-        <p:nvPr/>
-      </p:nvGrpSpPr>
-      <p:grpSpPr>
-        <a:xfrm>
-          <a:off x="0" y="0"/>
-          <a:ext cx="0" cy="0"/>
-          <a:chOff x="0" y="0"/>
-          <a:chExt cx="0" cy="0"/>
-        </a:xfrm>
-      </p:grpSpPr>
-      <p:sp>
-        <p:nvSpPr>
-          <p:cNvPr id="2" name="Title 1">
-            <a:extLst>
-              <a:ext uri="{FF2B5EF4-FFF2-40B4-BE49-F238E27FC236}">
-                <a16:creationId xmlns:a16="http://schemas.microsoft.com/office/drawing/2014/main" id="{A4377136-CC48-1882-C359-F99650E32361}"/>
-              </a:ext>
-            </a:extLst>
-          </p:cNvPr>
-          <p:cNvSpPr>
-            <a:spLocks noGrp="1"/>
-          </p:cNvSpPr>
-          <p:nvPr>
-            <p:ph type="title"/>
-          </p:nvPr>
-        </p:nvSpPr>
-        <p:spPr>
-          <a:xfrm>
-            <a:off x="1069848" y="484632"/>
-            <a:ext cx="10058400" cy="772668"/>
-          </a:xfrm>
-        </p:spPr>
-        <p:txBody>
-          <a:bodyPr>
-            <a:normAutofit/>
-          </a:bodyPr>
-          <a:lstStyle/>
-          <a:p>
-            <a:pPr algn="ctr"/>
-            <a:r>
-              <a:rPr lang="en-US" sz="3200" dirty="0"/>
-              <a:t>address graph</a:t>
-            </a:r>
-          </a:p>
-        </p:txBody>
-      </p:sp>
-      <p:sp>
-        <p:nvSpPr>
-          <p:cNvPr id="3" name="Content Placeholder 2">
-            <a:extLst>
-              <a:ext uri="{FF2B5EF4-FFF2-40B4-BE49-F238E27FC236}">
-                <a16:creationId xmlns:a16="http://schemas.microsoft.com/office/drawing/2014/main" id="{27B126EC-8619-7F53-C34E-405ECBAEADED}"/>
-              </a:ext>
-            </a:extLst>
-          </p:cNvPr>
-          <p:cNvSpPr>
-            <a:spLocks noGrp="1"/>
-          </p:cNvSpPr>
-          <p:nvPr>
-            <p:ph sz="quarter" idx="13"/>
-          </p:nvPr>
-        </p:nvSpPr>
-        <p:spPr>
-          <a:xfrm>
-            <a:off x="913774" y="1346200"/>
-            <a:ext cx="10363826" cy="4444999"/>
-          </a:xfrm>
-        </p:spPr>
-        <p:txBody>
-          <a:bodyPr/>
-          <a:lstStyle/>
-          <a:p>
-            <a:pPr algn="r" rtl="1"/>
-            <a:r>
-              <a:rPr lang="fa-IR" dirty="0"/>
-              <a:t>بیان اینکه گراف ادرس برای انجام این کار مناسب است و توضیح دیگر انواع گراف</a:t>
-            </a:r>
-            <a:endParaRPr lang="en-US" dirty="0"/>
-          </a:p>
-        </p:txBody>
-      </p:sp>
-    </p:spTree>
-    <p:extLst>
-      <p:ext uri="{BB962C8B-B14F-4D97-AF65-F5344CB8AC3E}">
-        <p14:creationId xmlns:p14="http://schemas.microsoft.com/office/powerpoint/2010/main" val="3671003626"/>
-      </p:ext>
-    </p:extLst>
-  </p:cSld>
-  <p:clrMapOvr>
-    <a:masterClrMapping/>
-  </p:clrMapOvr>
-</p:sld>
-</file>
-
-<file path=ppt/slides/slide8.xml><?xml version="1.0" encoding="utf-8"?>
-<p:sld xmlns:a="http://schemas.openxmlformats.org/drawingml/2006/main" xmlns:r="http://schemas.openxmlformats.org/officeDocument/2006/relationships" xmlns:p="http://schemas.openxmlformats.org/presentationml/2006/main">
-  <p:cSld>
-    <p:spTree>
-      <p:nvGrpSpPr>
-        <p:cNvPr id="1" name=""/>
-        <p:cNvGrpSpPr/>
-        <p:nvPr/>
-      </p:nvGrpSpPr>
-      <p:grpSpPr>
-        <a:xfrm>
-          <a:off x="0" y="0"/>
-          <a:ext cx="0" cy="0"/>
-          <a:chOff x="0" y="0"/>
-          <a:chExt cx="0" cy="0"/>
-        </a:xfrm>
-      </p:grpSpPr>
-      <p:sp>
-        <p:nvSpPr>
-          <p:cNvPr id="2" name="Title 1">
-            <a:extLst>
-              <a:ext uri="{FF2B5EF4-FFF2-40B4-BE49-F238E27FC236}">
-                <a16:creationId xmlns:a16="http://schemas.microsoft.com/office/drawing/2014/main" id="{0505C632-3B7C-E8C7-2122-60A4BC2ACCDF}"/>
-              </a:ext>
-            </a:extLst>
-          </p:cNvPr>
-          <p:cNvSpPr>
-            <a:spLocks noGrp="1"/>
-          </p:cNvSpPr>
-          <p:nvPr>
-            <p:ph type="title"/>
-          </p:nvPr>
-        </p:nvSpPr>
-        <p:spPr>
-          <a:xfrm>
-            <a:off x="1069848" y="484632"/>
-            <a:ext cx="10058400" cy="1026668"/>
-          </a:xfrm>
-        </p:spPr>
-        <p:txBody>
-          <a:bodyPr>
-            <a:normAutofit/>
-          </a:bodyPr>
-          <a:lstStyle/>
-          <a:p>
-            <a:pPr algn="ctr"/>
-            <a:r>
-              <a:rPr lang="en-US" sz="3200" dirty="0"/>
-              <a:t>Node and relationship</a:t>
-            </a:r>
-          </a:p>
-        </p:txBody>
-      </p:sp>
-      <p:sp>
-        <p:nvSpPr>
-          <p:cNvPr id="3" name="Content Placeholder 2">
-            <a:extLst>
-              <a:ext uri="{FF2B5EF4-FFF2-40B4-BE49-F238E27FC236}">
-                <a16:creationId xmlns:a16="http://schemas.microsoft.com/office/drawing/2014/main" id="{143545F6-6204-6E4B-2F40-C349A0903E34}"/>
-              </a:ext>
-            </a:extLst>
-          </p:cNvPr>
-          <p:cNvSpPr>
-            <a:spLocks noGrp="1"/>
-          </p:cNvSpPr>
-          <p:nvPr>
-            <p:ph sz="quarter" idx="13"/>
-          </p:nvPr>
-        </p:nvSpPr>
-        <p:spPr>
-          <a:xfrm>
-            <a:off x="913774" y="1790700"/>
-            <a:ext cx="10363826" cy="4000499"/>
-          </a:xfrm>
-        </p:spPr>
-        <p:txBody>
-          <a:bodyPr/>
-          <a:lstStyle/>
-          <a:p>
-            <a:pPr algn="r" rtl="1"/>
-            <a:r>
-              <a:rPr lang="fa-IR" dirty="0"/>
-              <a:t>توضیح نود و روابط در گراف ادرس</a:t>
-            </a:r>
-            <a:endParaRPr lang="en-US" dirty="0"/>
-          </a:p>
-        </p:txBody>
-      </p:sp>
-    </p:spTree>
-    <p:extLst>
-      <p:ext uri="{BB962C8B-B14F-4D97-AF65-F5344CB8AC3E}">
-        <p14:creationId xmlns:p14="http://schemas.microsoft.com/office/powerpoint/2010/main" val="2632894986"/>
-      </p:ext>
-    </p:extLst>
-  </p:cSld>
-  <p:clrMapOvr>
-    <a:masterClrMapping/>
-  </p:clrMapOvr>
-</p:sld>
-</file>
-
-<file path=ppt/slides/slide9.xml><?xml version="1.0" encoding="utf-8"?>
-<p:sld xmlns:a="http://schemas.openxmlformats.org/drawingml/2006/main" xmlns:r="http://schemas.openxmlformats.org/officeDocument/2006/relationships" xmlns:p="http://schemas.openxmlformats.org/presentationml/2006/main">
-  <p:cSld>
-    <p:spTree>
-      <p:nvGrpSpPr>
-        <p:cNvPr id="1" name=""/>
-        <p:cNvGrpSpPr/>
-        <p:nvPr/>
-      </p:nvGrpSpPr>
-      <p:grpSpPr>
-        <a:xfrm>
-          <a:off x="0" y="0"/>
-          <a:ext cx="0" cy="0"/>
-          <a:chOff x="0" y="0"/>
-          <a:chExt cx="0" cy="0"/>
-        </a:xfrm>
-      </p:grpSpPr>
-      <p:sp>
-        <p:nvSpPr>
-          <p:cNvPr id="2" name="Title 1">
-            <a:extLst>
-              <a:ext uri="{FF2B5EF4-FFF2-40B4-BE49-F238E27FC236}">
-                <a16:creationId xmlns:a16="http://schemas.microsoft.com/office/drawing/2014/main" id="{D737C7E2-9FD6-1BA0-4A3E-0F3E296CF653}"/>
-              </a:ext>
-            </a:extLst>
-          </p:cNvPr>
-          <p:cNvSpPr>
-            <a:spLocks noGrp="1"/>
-          </p:cNvSpPr>
-          <p:nvPr>
-            <p:ph type="title"/>
-          </p:nvPr>
-        </p:nvSpPr>
-        <p:spPr>
-          <a:xfrm>
-            <a:off x="1069848" y="484632"/>
-            <a:ext cx="10058400" cy="886968"/>
-          </a:xfrm>
-        </p:spPr>
-        <p:txBody>
-          <a:bodyPr>
-            <a:normAutofit/>
-          </a:bodyPr>
-          <a:lstStyle/>
-          <a:p>
-            <a:pPr algn="ctr"/>
-            <a:r>
-              <a:rPr lang="en-US" sz="3200" dirty="0"/>
-              <a:t>Graph model</a:t>
-            </a:r>
-          </a:p>
-        </p:txBody>
-      </p:sp>
-      <p:sp>
-        <p:nvSpPr>
-          <p:cNvPr id="3" name="Content Placeholder 2">
-            <a:extLst>
-              <a:ext uri="{FF2B5EF4-FFF2-40B4-BE49-F238E27FC236}">
-                <a16:creationId xmlns:a16="http://schemas.microsoft.com/office/drawing/2014/main" id="{7E5F90EC-2642-9516-5223-3B684877EC20}"/>
-              </a:ext>
-            </a:extLst>
-          </p:cNvPr>
-          <p:cNvSpPr>
-            <a:spLocks noGrp="1"/>
-          </p:cNvSpPr>
-          <p:nvPr>
-            <p:ph sz="quarter" idx="13"/>
-          </p:nvPr>
-        </p:nvSpPr>
-        <p:spPr>
-          <a:xfrm>
-            <a:off x="913774" y="1536700"/>
-            <a:ext cx="10363826" cy="4254499"/>
-          </a:xfrm>
-        </p:spPr>
-        <p:txBody>
-          <a:bodyPr/>
-          <a:lstStyle/>
-          <a:p>
-            <a:pPr algn="r" rtl="1"/>
-            <a:r>
-              <a:rPr lang="fa-IR" dirty="0"/>
-              <a:t>مدل نهایی گراف برای انجام این کار</a:t>
-            </a:r>
-            <a:endParaRPr lang="en-US" dirty="0"/>
-          </a:p>
-        </p:txBody>
-      </p:sp>
-      <p:pic>
-        <p:nvPicPr>
-          <p:cNvPr id="5122" name="Picture 2">
-            <a:extLst>
-              <a:ext uri="{FF2B5EF4-FFF2-40B4-BE49-F238E27FC236}">
-                <a16:creationId xmlns:a16="http://schemas.microsoft.com/office/drawing/2014/main" id="{EA1751F2-3A8F-321B-2350-CE4425068C94}"/>
-              </a:ext>
-            </a:extLst>
-          </p:cNvPr>
-          <p:cNvPicPr>
-            <a:picLocks noChangeAspect="1" noChangeArrowheads="1"/>
-          </p:cNvPicPr>
-          <p:nvPr/>
-        </p:nvPicPr>
-        <p:blipFill>
-          <a:blip r:embed="rId2">
-            <a:extLst>
-              <a:ext uri="{28A0092B-C50C-407E-A947-70E740481C1C}">
-                <a14:useLocalDpi xmlns:a14="http://schemas.microsoft.com/office/drawing/2010/main" val="0"/>
-              </a:ext>
-            </a:extLst>
-          </a:blip>
-          <a:srcRect/>
-          <a:stretch>
-            <a:fillRect/>
-          </a:stretch>
-        </p:blipFill>
-        <p:spPr bwMode="auto">
-          <a:xfrm>
-            <a:off x="2706374" y="3162300"/>
-            <a:ext cx="6778625" cy="3211068"/>
-          </a:xfrm>
-          <a:prstGeom prst="rect">
-            <a:avLst/>
-          </a:prstGeom>
-          <a:noFill/>
-          <a:extLst>
-            <a:ext uri="{909E8E84-426E-40DD-AFC4-6F175D3DCCD1}">
-              <a14:hiddenFill xmlns:a14="http://schemas.microsoft.com/office/drawing/2010/main">
-                <a:solidFill>
-                  <a:srgbClr val="FFFFFF"/>
-                </a:solidFill>
-              </a14:hiddenFill>
-            </a:ext>
-          </a:extLst>
-        </p:spPr>
-      </p:pic>
-    </p:spTree>
-    <p:extLst>
-      <p:ext uri="{BB962C8B-B14F-4D97-AF65-F5344CB8AC3E}">
-        <p14:creationId xmlns:p14="http://schemas.microsoft.com/office/powerpoint/2010/main" val="2897287999"/>
       </p:ext>
     </p:extLst>
   </p:cSld>
